--- a/Vue 2.pptx
+++ b/Vue 2.pptx
@@ -5,7 +5,7 @@
     <p:sldMasterId id="2147483648" r:id="rId1"/>
   </p:sldMasterIdLst>
   <p:notesMasterIdLst>
-    <p:notesMasterId r:id="rId34"/>
+    <p:notesMasterId r:id="rId35"/>
   </p:notesMasterIdLst>
   <p:sldIdLst>
     <p:sldId id="256" r:id="rId2"/>
@@ -27,24 +27,25 @@
     <p:sldId id="275" r:id="rId18"/>
     <p:sldId id="276" r:id="rId19"/>
     <p:sldId id="270" r:id="rId20"/>
-    <p:sldId id="300" r:id="rId21"/>
-    <p:sldId id="301" r:id="rId22"/>
-    <p:sldId id="302" r:id="rId23"/>
-    <p:sldId id="286" r:id="rId24"/>
-    <p:sldId id="293" r:id="rId25"/>
-    <p:sldId id="294" r:id="rId26"/>
-    <p:sldId id="295" r:id="rId27"/>
-    <p:sldId id="287" r:id="rId28"/>
-    <p:sldId id="289" r:id="rId29"/>
-    <p:sldId id="291" r:id="rId30"/>
-    <p:sldId id="296" r:id="rId31"/>
-    <p:sldId id="299" r:id="rId32"/>
-    <p:sldId id="292" r:id="rId33"/>
+    <p:sldId id="309" r:id="rId21"/>
+    <p:sldId id="300" r:id="rId22"/>
+    <p:sldId id="301" r:id="rId23"/>
+    <p:sldId id="302" r:id="rId24"/>
+    <p:sldId id="286" r:id="rId25"/>
+    <p:sldId id="293" r:id="rId26"/>
+    <p:sldId id="294" r:id="rId27"/>
+    <p:sldId id="295" r:id="rId28"/>
+    <p:sldId id="287" r:id="rId29"/>
+    <p:sldId id="289" r:id="rId30"/>
+    <p:sldId id="291" r:id="rId31"/>
+    <p:sldId id="296" r:id="rId32"/>
+    <p:sldId id="299" r:id="rId33"/>
+    <p:sldId id="292" r:id="rId34"/>
   </p:sldIdLst>
   <p:sldSz cx="12192000" cy="6858000"/>
   <p:notesSz cx="6858000" cy="9144000"/>
   <p:custDataLst>
-    <p:tags r:id="rId35"/>
+    <p:tags r:id="rId36"/>
   </p:custDataLst>
   <p:defaultTextStyle>
     <a:defPPr>
@@ -775,7 +776,7 @@
             <a:fld id="{0786BDF0-D34F-4BFC-8375-FDCC77B6C3F5}" type="slidenum">
               <a:rPr lang="zh-CN" altLang="en-US"/>
               <a:pPr eaLnBrk="1" hangingPunct="1"/>
-              <a:t>21</a:t>
+              <a:t>22</a:t>
             </a:fld>
             <a:endParaRPr lang="zh-CN" altLang="en-US"/>
           </a:p>
@@ -10061,7 +10062,9 @@
     <p:bg>
       <p:bgPr>
         <a:solidFill>
-          <a:schemeClr val="bg1"/>
+          <a:schemeClr val="bg2">
+            <a:lumMod val="90000"/>
+          </a:schemeClr>
         </a:solidFill>
         <a:effectLst/>
       </p:bgPr>
@@ -10121,7 +10124,9 @@
                 </a:solidFill>
                 <a:uFill>
                   <a:solidFill>
-                    <a:schemeClr val="bg1"/>
+                    <a:schemeClr val="bg2">
+                      <a:lumMod val="90000"/>
+                    </a:schemeClr>
                   </a:solidFill>
                 </a:uFill>
                 <a:latin typeface="+mn-lt"/>
@@ -10138,7 +10143,9 @@
               </a:solidFill>
               <a:uFill>
                 <a:solidFill>
-                  <a:schemeClr val="bg1"/>
+                  <a:schemeClr val="bg2">
+                    <a:lumMod val="90000"/>
+                  </a:schemeClr>
                 </a:solidFill>
               </a:uFill>
               <a:latin typeface="+mn-lt"/>
@@ -10425,10 +10432,10 @@
       </p:sp>
       <p:grpSp>
         <p:nvGrpSpPr>
-          <p:cNvPr id="23" name="组合 22">
+          <p:cNvPr id="34" name="组合 33">
             <a:extLst>
               <a:ext uri="{FF2B5EF4-FFF2-40B4-BE49-F238E27FC236}">
-                <a16:creationId xmlns:a16="http://schemas.microsoft.com/office/drawing/2014/main" id="{59702408-4D46-48E1-92AA-19A3F5F9CAFB}"/>
+                <a16:creationId xmlns:a16="http://schemas.microsoft.com/office/drawing/2014/main" id="{F24B7327-B791-4C33-82E8-168D79583616}"/>
               </a:ext>
             </a:extLst>
           </p:cNvPr>
@@ -10445,10 +10452,10 @@
         </p:grpSpPr>
         <p:sp>
           <p:nvSpPr>
-            <p:cNvPr id="13" name="object 2">
+            <p:cNvPr id="24" name="object 2">
               <a:extLst>
                 <a:ext uri="{FF2B5EF4-FFF2-40B4-BE49-F238E27FC236}">
-                  <a16:creationId xmlns:a16="http://schemas.microsoft.com/office/drawing/2014/main" id="{20E8F24D-91A4-4C42-8D86-B0947FF52498}"/>
+                  <a16:creationId xmlns:a16="http://schemas.microsoft.com/office/drawing/2014/main" id="{83BAB232-A944-4BA7-AA5B-E0309FA6DC67}"/>
                 </a:ext>
               </a:extLst>
             </p:cNvPr>
@@ -10501,10 +10508,10 @@
         </p:sp>
         <p:sp>
           <p:nvSpPr>
-            <p:cNvPr id="14" name="object 3">
+            <p:cNvPr id="25" name="object 3">
               <a:extLst>
                 <a:ext uri="{FF2B5EF4-FFF2-40B4-BE49-F238E27FC236}">
-                  <a16:creationId xmlns:a16="http://schemas.microsoft.com/office/drawing/2014/main" id="{4A302432-CFDF-431E-94E6-F401AEA09181}"/>
+                  <a16:creationId xmlns:a16="http://schemas.microsoft.com/office/drawing/2014/main" id="{4CD4682F-5579-4FFF-A965-C02734A220E0}"/>
                 </a:ext>
               </a:extLst>
             </p:cNvPr>
@@ -10557,10 +10564,10 @@
         </p:sp>
         <p:sp>
           <p:nvSpPr>
-            <p:cNvPr id="15" name="object 4">
+            <p:cNvPr id="26" name="object 4">
               <a:extLst>
                 <a:ext uri="{FF2B5EF4-FFF2-40B4-BE49-F238E27FC236}">
-                  <a16:creationId xmlns:a16="http://schemas.microsoft.com/office/drawing/2014/main" id="{1B358905-470C-4114-A33E-1C327EBFA9A9}"/>
+                  <a16:creationId xmlns:a16="http://schemas.microsoft.com/office/drawing/2014/main" id="{16624082-92F9-46DD-B2E5-0769641B9C24}"/>
                 </a:ext>
               </a:extLst>
             </p:cNvPr>
@@ -10613,10 +10620,10 @@
         </p:sp>
         <p:sp>
           <p:nvSpPr>
-            <p:cNvPr id="16" name="object 5">
+            <p:cNvPr id="27" name="object 5">
               <a:extLst>
                 <a:ext uri="{FF2B5EF4-FFF2-40B4-BE49-F238E27FC236}">
-                  <a16:creationId xmlns:a16="http://schemas.microsoft.com/office/drawing/2014/main" id="{5149CCC5-245E-4C9E-AFC6-4FF0A7F201B8}"/>
+                  <a16:creationId xmlns:a16="http://schemas.microsoft.com/office/drawing/2014/main" id="{F6A2DC74-C923-4297-A6BD-CE790E9D7E6E}"/>
                 </a:ext>
               </a:extLst>
             </p:cNvPr>
@@ -10669,10 +10676,10 @@
         </p:sp>
         <p:sp>
           <p:nvSpPr>
-            <p:cNvPr id="17" name="object 6">
+            <p:cNvPr id="28" name="object 6">
               <a:extLst>
                 <a:ext uri="{FF2B5EF4-FFF2-40B4-BE49-F238E27FC236}">
-                  <a16:creationId xmlns:a16="http://schemas.microsoft.com/office/drawing/2014/main" id="{3E98A334-D5FE-474B-82FB-F57E0017C530}"/>
+                  <a16:creationId xmlns:a16="http://schemas.microsoft.com/office/drawing/2014/main" id="{4FCD9360-48E3-4F5E-9093-BEA20DB81BD3}"/>
                 </a:ext>
               </a:extLst>
             </p:cNvPr>
@@ -10725,10 +10732,10 @@
         </p:sp>
         <p:sp>
           <p:nvSpPr>
-            <p:cNvPr id="18" name="object 7">
+            <p:cNvPr id="29" name="object 7">
               <a:extLst>
                 <a:ext uri="{FF2B5EF4-FFF2-40B4-BE49-F238E27FC236}">
-                  <a16:creationId xmlns:a16="http://schemas.microsoft.com/office/drawing/2014/main" id="{81021070-67B6-42DF-A0A1-78EA31E40F83}"/>
+                  <a16:creationId xmlns:a16="http://schemas.microsoft.com/office/drawing/2014/main" id="{1F80F193-DC3D-4449-A774-631854E04918}"/>
                 </a:ext>
               </a:extLst>
             </p:cNvPr>
@@ -10781,10 +10788,10 @@
         </p:sp>
         <p:sp>
           <p:nvSpPr>
-            <p:cNvPr id="19" name="object 9">
+            <p:cNvPr id="30" name="object 9">
               <a:extLst>
                 <a:ext uri="{FF2B5EF4-FFF2-40B4-BE49-F238E27FC236}">
-                  <a16:creationId xmlns:a16="http://schemas.microsoft.com/office/drawing/2014/main" id="{4DFF6BFC-DA0F-44A3-BB1C-A4989A4D01C1}"/>
+                  <a16:creationId xmlns:a16="http://schemas.microsoft.com/office/drawing/2014/main" id="{F6D35A68-9DB2-41F6-8E9C-0F2D55968755}"/>
                 </a:ext>
               </a:extLst>
             </p:cNvPr>
@@ -10836,10 +10843,10 @@
         </p:sp>
         <p:sp>
           <p:nvSpPr>
-            <p:cNvPr id="20" name="object 10">
+            <p:cNvPr id="31" name="object 10">
               <a:extLst>
                 <a:ext uri="{FF2B5EF4-FFF2-40B4-BE49-F238E27FC236}">
-                  <a16:creationId xmlns:a16="http://schemas.microsoft.com/office/drawing/2014/main" id="{C0EDA874-5A9B-4EAD-A380-76A7ADB6F585}"/>
+                  <a16:creationId xmlns:a16="http://schemas.microsoft.com/office/drawing/2014/main" id="{1BC077E6-FEFD-4E6B-8D92-27395A03CE17}"/>
                 </a:ext>
               </a:extLst>
             </p:cNvPr>
@@ -10891,10 +10898,10 @@
         </p:sp>
         <p:sp>
           <p:nvSpPr>
-            <p:cNvPr id="21" name="object 11">
+            <p:cNvPr id="32" name="object 11">
               <a:extLst>
                 <a:ext uri="{FF2B5EF4-FFF2-40B4-BE49-F238E27FC236}">
-                  <a16:creationId xmlns:a16="http://schemas.microsoft.com/office/drawing/2014/main" id="{E825D9C8-FAB2-4D2E-9367-F23592CAC329}"/>
+                  <a16:creationId xmlns:a16="http://schemas.microsoft.com/office/drawing/2014/main" id="{EEF02ED4-64FC-4B4F-8B77-D9E0ED306929}"/>
                 </a:ext>
               </a:extLst>
             </p:cNvPr>
@@ -10956,10 +10963,10 @@
         </p:sp>
         <p:sp>
           <p:nvSpPr>
-            <p:cNvPr id="22" name="object 12">
+            <p:cNvPr id="33" name="object 12">
               <a:extLst>
                 <a:ext uri="{FF2B5EF4-FFF2-40B4-BE49-F238E27FC236}">
-                  <a16:creationId xmlns:a16="http://schemas.microsoft.com/office/drawing/2014/main" id="{8666825D-A0DE-4B42-9DBA-0A209F7D15F4}"/>
+                  <a16:creationId xmlns:a16="http://schemas.microsoft.com/office/drawing/2014/main" id="{E1600F11-2BF4-419B-A51C-F01B9C3192FF}"/>
                 </a:ext>
               </a:extLst>
             </p:cNvPr>
@@ -18331,6 +18338,119 @@
 </file>
 
 <file path=ppt/slides/slide20.xml><?xml version="1.0" encoding="utf-8"?>
+<p:sld xmlns:a="http://schemas.openxmlformats.org/drawingml/2006/main" xmlns:r="http://schemas.openxmlformats.org/officeDocument/2006/relationships" xmlns:p="http://schemas.openxmlformats.org/presentationml/2006/main" showMasterSp="0">
+  <p:cSld>
+    <p:bg>
+      <p:bgPr>
+        <a:solidFill>
+          <a:schemeClr val="bg2">
+            <a:lumMod val="90000"/>
+          </a:schemeClr>
+        </a:solidFill>
+        <a:effectLst/>
+      </p:bgPr>
+    </p:bg>
+    <p:spTree>
+      <p:nvGrpSpPr>
+        <p:cNvPr id="1" name=""/>
+        <p:cNvGrpSpPr/>
+        <p:nvPr/>
+      </p:nvGrpSpPr>
+      <p:grpSpPr>
+        <a:xfrm>
+          <a:off x="0" y="0"/>
+          <a:ext cx="0" cy="0"/>
+          <a:chOff x="0" y="0"/>
+          <a:chExt cx="0" cy="0"/>
+        </a:xfrm>
+      </p:grpSpPr>
+      <p:sp>
+        <p:nvSpPr>
+          <p:cNvPr id="2" name="object 2"/>
+          <p:cNvSpPr txBox="1">
+            <a:spLocks noGrp="1"/>
+          </p:cNvSpPr>
+          <p:nvPr>
+            <p:ph type="title"/>
+          </p:nvPr>
+        </p:nvSpPr>
+        <p:spPr>
+          <a:xfrm>
+            <a:off x="4370364" y="3008431"/>
+            <a:ext cx="3451272" cy="751488"/>
+          </a:xfrm>
+          <a:prstGeom prst="rect">
+            <a:avLst/>
+          </a:prstGeom>
+          <a:noFill/>
+        </p:spPr>
+        <p:txBody>
+          <a:bodyPr vert="horz" wrap="square" lIns="0" tIns="12700" rIns="0" bIns="0" rtlCol="0" anchor="ctr">
+            <a:spAutoFit/>
+          </a:bodyPr>
+          <a:lstStyle/>
+          <a:p>
+            <a:pPr algn="ctr">
+              <a:lnSpc>
+                <a:spcPct val="100000"/>
+              </a:lnSpc>
+              <a:spcBef>
+                <a:spcPts val="100"/>
+              </a:spcBef>
+            </a:pPr>
+            <a:r>
+              <a:rPr lang="en-US" altLang="zh-CN" sz="4800" u="sng" spc="-20" dirty="0">
+                <a:solidFill>
+                  <a:schemeClr val="accent6"/>
+                </a:solidFill>
+                <a:uFill>
+                  <a:solidFill>
+                    <a:schemeClr val="bg2">
+                      <a:lumMod val="90000"/>
+                    </a:schemeClr>
+                  </a:solidFill>
+                </a:uFill>
+                <a:latin typeface="+mn-lt"/>
+                <a:ea typeface="+mn-ea"/>
+                <a:cs typeface="+mn-ea"/>
+                <a:sym typeface="+mn-lt"/>
+                <a:hlinkClick r:id="rId2" action="ppaction://hlinkfile"/>
+              </a:rPr>
+              <a:t>DEMO</a:t>
+            </a:r>
+            <a:endParaRPr sz="4800" u="sng" spc="-20" dirty="0">
+              <a:solidFill>
+                <a:schemeClr val="accent6"/>
+              </a:solidFill>
+              <a:uFill>
+                <a:solidFill>
+                  <a:schemeClr val="bg2">
+                    <a:lumMod val="90000"/>
+                  </a:schemeClr>
+                </a:solidFill>
+              </a:uFill>
+              <a:latin typeface="+mn-lt"/>
+              <a:ea typeface="+mn-ea"/>
+              <a:cs typeface="+mn-ea"/>
+              <a:sym typeface="+mn-lt"/>
+            </a:endParaRPr>
+          </a:p>
+        </p:txBody>
+      </p:sp>
+    </p:spTree>
+    <p:extLst>
+      <p:ext uri="{BB962C8B-B14F-4D97-AF65-F5344CB8AC3E}">
+        <p14:creationId xmlns:p14="http://schemas.microsoft.com/office/powerpoint/2010/main" val="3935496999"/>
+      </p:ext>
+    </p:extLst>
+  </p:cSld>
+  <p:clrMapOvr>
+    <a:overrideClrMapping bg1="lt1" tx1="dk1" bg2="lt2" tx2="dk2" accent1="accent1" accent2="accent2" accent3="accent3" accent4="accent4" accent5="accent5" accent6="accent6" hlink="hlink" folHlink="folHlink"/>
+  </p:clrMapOvr>
+</p:sld>
+</file>
+
+<file path=ppt/slides/slide21.xml><?xml version="1.0" encoding="utf-8"?>
 <p:sld xmlns:a="http://schemas.openxmlformats.org/drawingml/2006/main" xmlns:r="http://schemas.openxmlformats.org/officeDocument/2006/relationships" xmlns:p="http://schemas.openxmlformats.org/presentationml/2006/main">
   <p:cSld>
     <p:spTree>
@@ -18447,545 +18567,6 @@
 </p:sld>
 </file>
 
-<file path=ppt/slides/slide21.xml><?xml version="1.0" encoding="utf-8"?>
-<p:sld xmlns:a="http://schemas.openxmlformats.org/drawingml/2006/main" xmlns:r="http://schemas.openxmlformats.org/officeDocument/2006/relationships" xmlns:p="http://schemas.openxmlformats.org/presentationml/2006/main">
-  <p:cSld>
-    <p:spTree>
-      <p:nvGrpSpPr>
-        <p:cNvPr id="1" name=""/>
-        <p:cNvGrpSpPr/>
-        <p:nvPr/>
-      </p:nvGrpSpPr>
-      <p:grpSpPr>
-        <a:xfrm>
-          <a:off x="0" y="0"/>
-          <a:ext cx="0" cy="0"/>
-          <a:chOff x="0" y="0"/>
-          <a:chExt cx="0" cy="0"/>
-        </a:xfrm>
-      </p:grpSpPr>
-      <p:sp>
-        <p:nvSpPr>
-          <p:cNvPr id="15363" name="内容占位符 2">
-            <a:extLst>
-              <a:ext uri="{FF2B5EF4-FFF2-40B4-BE49-F238E27FC236}">
-                <a16:creationId xmlns:a16="http://schemas.microsoft.com/office/drawing/2014/main" id="{F424E8E0-79C9-4030-8177-A1DAB9CECD93}"/>
-              </a:ext>
-            </a:extLst>
-          </p:cNvPr>
-          <p:cNvSpPr>
-            <a:spLocks noGrp="1"/>
-          </p:cNvSpPr>
-          <p:nvPr>
-            <p:ph idx="1"/>
-          </p:nvPr>
-        </p:nvSpPr>
-        <p:spPr>
-          <a:xfrm>
-            <a:off x="1981200" y="1390954"/>
-            <a:ext cx="8229600" cy="4076093"/>
-          </a:xfrm>
-        </p:spPr>
-        <p:txBody>
-          <a:bodyPr>
-            <a:normAutofit lnSpcReduction="10000"/>
-          </a:bodyPr>
-          <a:lstStyle/>
-          <a:p>
-            <a:pPr eaLnBrk="1" hangingPunct="1">
-              <a:buFontTx/>
-              <a:buNone/>
-            </a:pPr>
-            <a:r>
-              <a:rPr lang="en-US" altLang="zh-CN" sz="1600" dirty="0">
-                <a:cs typeface="+mn-ea"/>
-                <a:sym typeface="+mn-lt"/>
-              </a:rPr>
-              <a:t>	    </a:t>
-            </a:r>
-            <a:r>
-              <a:rPr lang="zh-CN" altLang="en-US" sz="1600" dirty="0">
-                <a:cs typeface="+mn-ea"/>
-                <a:sym typeface="+mn-lt"/>
-              </a:rPr>
-              <a:t>每个 </a:t>
-            </a:r>
-            <a:r>
-              <a:rPr lang="en-US" altLang="zh-CN" sz="1600" dirty="0" err="1">
-                <a:cs typeface="+mn-ea"/>
-                <a:sym typeface="+mn-lt"/>
-              </a:rPr>
-              <a:t>Vue</a:t>
-            </a:r>
-            <a:r>
-              <a:rPr lang="en-US" altLang="zh-CN" sz="1600" dirty="0">
-                <a:cs typeface="+mn-ea"/>
-                <a:sym typeface="+mn-lt"/>
-              </a:rPr>
-              <a:t> </a:t>
-            </a:r>
-            <a:r>
-              <a:rPr lang="zh-CN" altLang="en-US" sz="1600" dirty="0">
-                <a:cs typeface="+mn-ea"/>
-                <a:sym typeface="+mn-lt"/>
-              </a:rPr>
-              <a:t>实例在被创建之前都要经过一系列的初始化过程。例如，实例需要配置数据观测</a:t>
-            </a:r>
-            <a:r>
-              <a:rPr lang="en-US" altLang="zh-CN" sz="1600" dirty="0">
-                <a:cs typeface="+mn-ea"/>
-                <a:sym typeface="+mn-lt"/>
-              </a:rPr>
-              <a:t>(data observer)</a:t>
-            </a:r>
-            <a:r>
-              <a:rPr lang="zh-CN" altLang="en-US" sz="1600" dirty="0">
-                <a:cs typeface="+mn-ea"/>
-                <a:sym typeface="+mn-lt"/>
-              </a:rPr>
-              <a:t>、编译模版、挂载实例到 </a:t>
-            </a:r>
-            <a:r>
-              <a:rPr lang="en-US" altLang="zh-CN" sz="1600" dirty="0">
-                <a:cs typeface="+mn-ea"/>
-                <a:sym typeface="+mn-lt"/>
-              </a:rPr>
-              <a:t>DOM </a:t>
-            </a:r>
-            <a:r>
-              <a:rPr lang="zh-CN" altLang="en-US" sz="1600" dirty="0">
-                <a:cs typeface="+mn-ea"/>
-                <a:sym typeface="+mn-lt"/>
-              </a:rPr>
-              <a:t>，然后在数据变化时更新 </a:t>
-            </a:r>
-            <a:r>
-              <a:rPr lang="en-US" altLang="zh-CN" sz="1600" dirty="0">
-                <a:cs typeface="+mn-ea"/>
-                <a:sym typeface="+mn-lt"/>
-              </a:rPr>
-              <a:t>DOM </a:t>
-            </a:r>
-            <a:r>
-              <a:rPr lang="zh-CN" altLang="en-US" sz="1600" dirty="0">
-                <a:cs typeface="+mn-ea"/>
-                <a:sym typeface="+mn-lt"/>
-              </a:rPr>
-              <a:t>。在这个过程中，实例也会调用一些 </a:t>
-            </a:r>
-            <a:r>
-              <a:rPr lang="zh-CN" altLang="en-US" sz="1600" b="1" dirty="0">
-                <a:cs typeface="+mn-ea"/>
-                <a:sym typeface="+mn-lt"/>
-              </a:rPr>
-              <a:t>生命周期钩子</a:t>
-            </a:r>
-            <a:r>
-              <a:rPr lang="zh-CN" altLang="en-US" sz="1600" dirty="0">
-                <a:cs typeface="+mn-ea"/>
-                <a:sym typeface="+mn-lt"/>
-              </a:rPr>
-              <a:t> ，这就给我们提供了执行自定义逻辑的机会。</a:t>
-            </a:r>
-            <a:endParaRPr lang="en-US" altLang="zh-CN" sz="1600" dirty="0">
-              <a:cs typeface="+mn-ea"/>
-              <a:sym typeface="+mn-lt"/>
-            </a:endParaRPr>
-          </a:p>
-          <a:p>
-            <a:pPr eaLnBrk="1" hangingPunct="1">
-              <a:buFontTx/>
-              <a:buNone/>
-            </a:pPr>
-            <a:endParaRPr lang="en-US" altLang="zh-CN" sz="1600" dirty="0">
-              <a:cs typeface="+mn-ea"/>
-              <a:sym typeface="+mn-lt"/>
-            </a:endParaRPr>
-          </a:p>
-          <a:p>
-            <a:pPr eaLnBrk="1" hangingPunct="1">
-              <a:buFontTx/>
-              <a:buNone/>
-            </a:pPr>
-            <a:r>
-              <a:rPr lang="en-US" altLang="zh-CN" sz="1600" dirty="0">
-                <a:cs typeface="+mn-ea"/>
-                <a:sym typeface="+mn-lt"/>
-              </a:rPr>
-              <a:t>    </a:t>
-            </a:r>
-            <a:r>
-              <a:rPr lang="zh-CN" altLang="en-US" sz="1600" dirty="0">
-                <a:cs typeface="+mn-ea"/>
-                <a:sym typeface="+mn-lt"/>
-              </a:rPr>
-              <a:t>它可以总共分为</a:t>
-            </a:r>
-            <a:r>
-              <a:rPr lang="en-US" altLang="zh-CN" sz="1600" dirty="0">
-                <a:cs typeface="+mn-ea"/>
-                <a:sym typeface="+mn-lt"/>
-              </a:rPr>
-              <a:t>8</a:t>
-            </a:r>
-            <a:r>
-              <a:rPr lang="zh-CN" altLang="en-US" sz="1600" dirty="0">
-                <a:cs typeface="+mn-ea"/>
-                <a:sym typeface="+mn-lt"/>
-              </a:rPr>
-              <a:t>个阶段：</a:t>
-            </a:r>
-          </a:p>
-          <a:p>
-            <a:pPr lvl="1" eaLnBrk="1" hangingPunct="1">
-              <a:buFontTx/>
-              <a:buNone/>
-            </a:pPr>
-            <a:r>
-              <a:rPr lang="en-US" altLang="zh-CN" sz="1600" dirty="0">
-                <a:cs typeface="+mn-ea"/>
-                <a:sym typeface="+mn-lt"/>
-              </a:rPr>
-              <a:t>1.beforeCreate:</a:t>
-            </a:r>
-            <a:r>
-              <a:rPr lang="zh-CN" altLang="en-US" sz="1600" dirty="0">
-                <a:cs typeface="+mn-ea"/>
-                <a:sym typeface="+mn-lt"/>
-              </a:rPr>
-              <a:t>在实例初始化之后，数据观测</a:t>
-            </a:r>
-            <a:r>
-              <a:rPr lang="en-US" altLang="zh-CN" sz="1600" dirty="0">
-                <a:cs typeface="+mn-ea"/>
-                <a:sym typeface="+mn-lt"/>
-              </a:rPr>
-              <a:t>(data observer) </a:t>
-            </a:r>
-            <a:r>
-              <a:rPr lang="zh-CN" altLang="en-US" sz="1600" dirty="0">
-                <a:cs typeface="+mn-ea"/>
-                <a:sym typeface="+mn-lt"/>
-              </a:rPr>
-              <a:t>和 </a:t>
-            </a:r>
-            <a:r>
-              <a:rPr lang="en-US" altLang="zh-CN" sz="1600" dirty="0">
-                <a:cs typeface="+mn-ea"/>
-                <a:sym typeface="+mn-lt"/>
-              </a:rPr>
-              <a:t>event/watcher </a:t>
-            </a:r>
-            <a:r>
-              <a:rPr lang="zh-CN" altLang="en-US" sz="1600" dirty="0">
-                <a:cs typeface="+mn-ea"/>
-                <a:sym typeface="+mn-lt"/>
-              </a:rPr>
-              <a:t>事件配置之前被调用。</a:t>
-            </a:r>
-            <a:endParaRPr lang="en-US" altLang="zh-CN" sz="1600" dirty="0">
-              <a:cs typeface="+mn-ea"/>
-              <a:sym typeface="+mn-lt"/>
-            </a:endParaRPr>
-          </a:p>
-          <a:p>
-            <a:pPr lvl="1" eaLnBrk="1" hangingPunct="1">
-              <a:buFontTx/>
-              <a:buNone/>
-            </a:pPr>
-            <a:r>
-              <a:rPr lang="en-US" altLang="zh-CN" sz="1600" dirty="0">
-                <a:cs typeface="+mn-ea"/>
-                <a:sym typeface="+mn-lt"/>
-              </a:rPr>
-              <a:t>2.created:</a:t>
-            </a:r>
-            <a:r>
-              <a:rPr lang="zh-CN" altLang="en-US" sz="1600" dirty="0">
-                <a:cs typeface="+mn-ea"/>
-                <a:sym typeface="+mn-lt"/>
-              </a:rPr>
-              <a:t>实例已经创建完成之后被调用。在这一步，实例已完成以下的配置：数据观测</a:t>
-            </a:r>
-            <a:r>
-              <a:rPr lang="en-US" altLang="zh-CN" sz="1600" dirty="0">
-                <a:cs typeface="+mn-ea"/>
-                <a:sym typeface="+mn-lt"/>
-              </a:rPr>
-              <a:t>(data observer)</a:t>
-            </a:r>
-            <a:r>
-              <a:rPr lang="zh-CN" altLang="en-US" sz="1600" dirty="0">
-                <a:cs typeface="+mn-ea"/>
-                <a:sym typeface="+mn-lt"/>
-              </a:rPr>
-              <a:t>，属性和方法的运算， </a:t>
-            </a:r>
-            <a:r>
-              <a:rPr lang="en-US" altLang="zh-CN" sz="1600" dirty="0">
-                <a:cs typeface="+mn-ea"/>
-                <a:sym typeface="+mn-lt"/>
-              </a:rPr>
-              <a:t>watch/event </a:t>
-            </a:r>
-            <a:r>
-              <a:rPr lang="zh-CN" altLang="en-US" sz="1600" dirty="0">
-                <a:cs typeface="+mn-ea"/>
-                <a:sym typeface="+mn-lt"/>
-              </a:rPr>
-              <a:t>事件回调。然而，挂载阶段还没开始，</a:t>
-            </a:r>
-            <a:r>
-              <a:rPr lang="en-US" altLang="zh-CN" sz="1600" dirty="0">
-                <a:cs typeface="+mn-ea"/>
-                <a:sym typeface="+mn-lt"/>
-              </a:rPr>
-              <a:t>$el </a:t>
-            </a:r>
-            <a:r>
-              <a:rPr lang="zh-CN" altLang="en-US" sz="1600" dirty="0">
-                <a:cs typeface="+mn-ea"/>
-                <a:sym typeface="+mn-lt"/>
-              </a:rPr>
-              <a:t>属性目前不可见。</a:t>
-            </a:r>
-            <a:endParaRPr lang="en-US" altLang="zh-CN" sz="1600" dirty="0">
-              <a:cs typeface="+mn-ea"/>
-              <a:sym typeface="+mn-lt"/>
-            </a:endParaRPr>
-          </a:p>
-          <a:p>
-            <a:pPr lvl="1" eaLnBrk="1" hangingPunct="1">
-              <a:buFontTx/>
-              <a:buNone/>
-            </a:pPr>
-            <a:r>
-              <a:rPr lang="en-US" altLang="zh-CN" sz="1600" dirty="0">
-                <a:cs typeface="+mn-ea"/>
-                <a:sym typeface="+mn-lt"/>
-              </a:rPr>
-              <a:t>3.beforeMount:</a:t>
-            </a:r>
-            <a:r>
-              <a:rPr lang="zh-CN" altLang="en-US" sz="1600" dirty="0">
-                <a:cs typeface="+mn-ea"/>
-                <a:sym typeface="+mn-lt"/>
-              </a:rPr>
-              <a:t>在挂载开始之前被调用：相关的 </a:t>
-            </a:r>
-            <a:r>
-              <a:rPr lang="en-US" altLang="zh-CN" sz="1600" dirty="0">
-                <a:cs typeface="+mn-ea"/>
-                <a:sym typeface="+mn-lt"/>
-              </a:rPr>
-              <a:t>render </a:t>
-            </a:r>
-            <a:r>
-              <a:rPr lang="zh-CN" altLang="en-US" sz="1600" dirty="0">
-                <a:cs typeface="+mn-ea"/>
-                <a:sym typeface="+mn-lt"/>
-              </a:rPr>
-              <a:t>函数首次被调用。</a:t>
-            </a:r>
-            <a:r>
-              <a:rPr lang="zh-CN" altLang="en-US" sz="1600" b="1" dirty="0">
-                <a:cs typeface="+mn-ea"/>
-                <a:sym typeface="+mn-lt"/>
-              </a:rPr>
-              <a:t>该钩子在服务器端渲染期间不被调用。</a:t>
-            </a:r>
-            <a:endParaRPr lang="en-US" altLang="zh-CN" sz="1600" dirty="0">
-              <a:cs typeface="+mn-ea"/>
-              <a:sym typeface="+mn-lt"/>
-            </a:endParaRPr>
-          </a:p>
-          <a:p>
-            <a:pPr lvl="1" eaLnBrk="1" hangingPunct="1">
-              <a:buFontTx/>
-              <a:buNone/>
-            </a:pPr>
-            <a:r>
-              <a:rPr lang="en-US" altLang="zh-CN" sz="1600" dirty="0">
-                <a:cs typeface="+mn-ea"/>
-                <a:sym typeface="+mn-lt"/>
-              </a:rPr>
-              <a:t>4.mounted: el </a:t>
-            </a:r>
-            <a:r>
-              <a:rPr lang="zh-CN" altLang="en-US" sz="1600" dirty="0">
-                <a:cs typeface="+mn-ea"/>
-                <a:sym typeface="+mn-lt"/>
-              </a:rPr>
-              <a:t>被新创建的 </a:t>
-            </a:r>
-            <a:r>
-              <a:rPr lang="en-US" altLang="zh-CN" sz="1600" dirty="0" err="1">
-                <a:cs typeface="+mn-ea"/>
-                <a:sym typeface="+mn-lt"/>
-              </a:rPr>
-              <a:t>vm</a:t>
-            </a:r>
-            <a:r>
-              <a:rPr lang="en-US" altLang="zh-CN" sz="1600" dirty="0">
-                <a:cs typeface="+mn-ea"/>
-                <a:sym typeface="+mn-lt"/>
-              </a:rPr>
-              <a:t>.$el </a:t>
-            </a:r>
-            <a:r>
-              <a:rPr lang="zh-CN" altLang="en-US" sz="1600" dirty="0">
-                <a:cs typeface="+mn-ea"/>
-                <a:sym typeface="+mn-lt"/>
-              </a:rPr>
-              <a:t>替换，并挂载到实例上去之后调用该钩子。如果 </a:t>
-            </a:r>
-            <a:r>
-              <a:rPr lang="en-US" altLang="zh-CN" sz="1600" dirty="0">
-                <a:cs typeface="+mn-ea"/>
-                <a:sym typeface="+mn-lt"/>
-              </a:rPr>
-              <a:t>root </a:t>
-            </a:r>
-            <a:r>
-              <a:rPr lang="zh-CN" altLang="en-US" sz="1600" dirty="0">
-                <a:cs typeface="+mn-ea"/>
-                <a:sym typeface="+mn-lt"/>
-              </a:rPr>
-              <a:t>实例挂载了一个文档内元素，当 </a:t>
-            </a:r>
-            <a:r>
-              <a:rPr lang="en-US" altLang="zh-CN" sz="1600" dirty="0">
-                <a:cs typeface="+mn-ea"/>
-                <a:sym typeface="+mn-lt"/>
-              </a:rPr>
-              <a:t>mounted </a:t>
-            </a:r>
-            <a:r>
-              <a:rPr lang="zh-CN" altLang="en-US" sz="1600" dirty="0">
-                <a:cs typeface="+mn-ea"/>
-                <a:sym typeface="+mn-lt"/>
-              </a:rPr>
-              <a:t>被调用时 </a:t>
-            </a:r>
-            <a:r>
-              <a:rPr lang="en-US" altLang="zh-CN" sz="1600" dirty="0" err="1">
-                <a:cs typeface="+mn-ea"/>
-                <a:sym typeface="+mn-lt"/>
-              </a:rPr>
-              <a:t>vm</a:t>
-            </a:r>
-            <a:r>
-              <a:rPr lang="en-US" altLang="zh-CN" sz="1600" dirty="0">
-                <a:cs typeface="+mn-ea"/>
-                <a:sym typeface="+mn-lt"/>
-              </a:rPr>
-              <a:t>.$el </a:t>
-            </a:r>
-            <a:r>
-              <a:rPr lang="zh-CN" altLang="en-US" sz="1600" dirty="0">
-                <a:cs typeface="+mn-ea"/>
-                <a:sym typeface="+mn-lt"/>
-              </a:rPr>
-              <a:t>也在文档内。</a:t>
-            </a:r>
-            <a:r>
-              <a:rPr lang="zh-CN" altLang="en-US" sz="1600" b="1" dirty="0">
-                <a:cs typeface="+mn-ea"/>
-                <a:sym typeface="+mn-lt"/>
-              </a:rPr>
-              <a:t>该钩子在服务器端渲染期间不被调用。</a:t>
-            </a:r>
-            <a:endParaRPr lang="en-US" altLang="zh-CN" sz="1600" b="1" dirty="0">
-              <a:cs typeface="+mn-ea"/>
-              <a:sym typeface="+mn-lt"/>
-            </a:endParaRPr>
-          </a:p>
-          <a:p>
-            <a:pPr lvl="1" eaLnBrk="1" hangingPunct="1">
-              <a:buFontTx/>
-              <a:buNone/>
-            </a:pPr>
-            <a:endParaRPr lang="en-US" altLang="zh-CN" sz="1600" dirty="0">
-              <a:cs typeface="+mn-ea"/>
-              <a:sym typeface="+mn-lt"/>
-            </a:endParaRPr>
-          </a:p>
-          <a:p>
-            <a:pPr eaLnBrk="1" hangingPunct="1">
-              <a:buFontTx/>
-              <a:buNone/>
-            </a:pPr>
-            <a:endParaRPr lang="zh-CN" altLang="en-US" sz="1600" dirty="0">
-              <a:cs typeface="+mn-ea"/>
-              <a:sym typeface="+mn-lt"/>
-            </a:endParaRPr>
-          </a:p>
-        </p:txBody>
-      </p:sp>
-      <p:sp>
-        <p:nvSpPr>
-          <p:cNvPr id="6" name="标题 1">
-            <a:extLst>
-              <a:ext uri="{FF2B5EF4-FFF2-40B4-BE49-F238E27FC236}">
-                <a16:creationId xmlns:a16="http://schemas.microsoft.com/office/drawing/2014/main" id="{4798AA4A-4FFB-4FE7-9AE4-19C1257009EA}"/>
-              </a:ext>
-            </a:extLst>
-          </p:cNvPr>
-          <p:cNvSpPr>
-            <a:spLocks noGrp="1"/>
-          </p:cNvSpPr>
-          <p:nvPr>
-            <p:ph type="title"/>
-          </p:nvPr>
-        </p:nvSpPr>
-        <p:spPr>
-          <a:xfrm>
-            <a:off x="5284508" y="274638"/>
-            <a:ext cx="1622985" cy="639762"/>
-          </a:xfrm>
-        </p:spPr>
-        <p:txBody>
-          <a:bodyPr>
-            <a:noAutofit/>
-          </a:bodyPr>
-          <a:lstStyle/>
-          <a:p>
-            <a:pPr marL="12700" marR="5080" indent="-228600">
-              <a:lnSpc>
-                <a:spcPct val="100699"/>
-              </a:lnSpc>
-              <a:spcBef>
-                <a:spcPts val="100"/>
-              </a:spcBef>
-            </a:pPr>
-            <a:r>
-              <a:rPr lang="zh-CN" altLang="en-US" sz="2800" b="1" spc="-15" dirty="0">
-                <a:solidFill>
-                  <a:srgbClr val="34495E"/>
-                </a:solidFill>
-                <a:latin typeface="+mn-lt"/>
-                <a:ea typeface="+mn-ea"/>
-                <a:cs typeface="+mn-ea"/>
-                <a:sym typeface="+mn-lt"/>
-              </a:rPr>
-              <a:t>生命周期</a:t>
-            </a:r>
-          </a:p>
-        </p:txBody>
-      </p:sp>
-    </p:spTree>
-    <p:extLst>
-      <p:ext uri="{BB962C8B-B14F-4D97-AF65-F5344CB8AC3E}">
-        <p14:creationId xmlns:p14="http://schemas.microsoft.com/office/powerpoint/2010/main" val="2320232454"/>
-      </p:ext>
-    </p:extLst>
-  </p:cSld>
-  <p:clrMapOvr>
-    <a:masterClrMapping/>
-  </p:clrMapOvr>
-</p:sld>
-</file>
-
 <file path=ppt/slides/slide22.xml><?xml version="1.0" encoding="utf-8"?>
 <p:sld xmlns:a="http://schemas.openxmlformats.org/drawingml/2006/main" xmlns:r="http://schemas.openxmlformats.org/officeDocument/2006/relationships" xmlns:p="http://schemas.openxmlformats.org/presentationml/2006/main">
   <p:cSld>
@@ -19005,10 +18586,10 @@
       </p:grpSpPr>
       <p:sp>
         <p:nvSpPr>
-          <p:cNvPr id="16386" name="内容占位符 2">
+          <p:cNvPr id="15363" name="内容占位符 2">
             <a:extLst>
               <a:ext uri="{FF2B5EF4-FFF2-40B4-BE49-F238E27FC236}">
-                <a16:creationId xmlns:a16="http://schemas.microsoft.com/office/drawing/2014/main" id="{A07B72A3-1032-49F9-AAEA-8129E5D0974C}"/>
+                <a16:creationId xmlns:a16="http://schemas.microsoft.com/office/drawing/2014/main" id="{F424E8E0-79C9-4030-8177-A1DAB9CECD93}"/>
               </a:ext>
             </a:extLst>
           </p:cNvPr>
@@ -19021,8 +18602,8 @@
         </p:nvSpPr>
         <p:spPr>
           <a:xfrm>
-            <a:off x="1981200" y="1828800"/>
-            <a:ext cx="8229600" cy="3200400"/>
+            <a:off x="1981200" y="1390954"/>
+            <a:ext cx="8229600" cy="4076093"/>
           </a:xfrm>
         </p:spPr>
         <p:txBody>
@@ -19031,7 +18612,7 @@
           </a:bodyPr>
           <a:lstStyle/>
           <a:p>
-            <a:pPr>
+            <a:pPr eaLnBrk="1" hangingPunct="1">
               <a:buFontTx/>
               <a:buNone/>
             </a:pPr>
@@ -19040,20 +18621,55 @@
                 <a:cs typeface="+mn-ea"/>
                 <a:sym typeface="+mn-lt"/>
               </a:rPr>
-              <a:t>	    5.beforeUpdate:</a:t>
+              <a:t>	    </a:t>
             </a:r>
             <a:r>
               <a:rPr lang="zh-CN" altLang="en-US" sz="1600" dirty="0">
                 <a:cs typeface="+mn-ea"/>
                 <a:sym typeface="+mn-lt"/>
               </a:rPr>
-              <a:t>数据更新时调用，发生在虚拟 </a:t>
+              <a:t>每个 </a:t>
+            </a:r>
+            <a:r>
+              <a:rPr lang="en-US" altLang="zh-CN" sz="1600" dirty="0" err="1">
+                <a:cs typeface="+mn-ea"/>
+                <a:sym typeface="+mn-lt"/>
+              </a:rPr>
+              <a:t>Vue</a:t>
             </a:r>
             <a:r>
               <a:rPr lang="en-US" altLang="zh-CN" sz="1600" dirty="0">
                 <a:cs typeface="+mn-ea"/>
                 <a:sym typeface="+mn-lt"/>
               </a:rPr>
+              <a:t> </a:t>
+            </a:r>
+            <a:r>
+              <a:rPr lang="zh-CN" altLang="en-US" sz="1600" dirty="0">
+                <a:cs typeface="+mn-ea"/>
+                <a:sym typeface="+mn-lt"/>
+              </a:rPr>
+              <a:t>实例在被创建之前都要经过一系列的初始化过程。例如，实例需要配置数据观测</a:t>
+            </a:r>
+            <a:r>
+              <a:rPr lang="en-US" altLang="zh-CN" sz="1600" dirty="0">
+                <a:cs typeface="+mn-ea"/>
+                <a:sym typeface="+mn-lt"/>
+              </a:rPr>
+              <a:t>(data observer)</a:t>
+            </a:r>
+            <a:r>
+              <a:rPr lang="zh-CN" altLang="en-US" sz="1600" dirty="0">
+                <a:cs typeface="+mn-ea"/>
+                <a:sym typeface="+mn-lt"/>
+              </a:rPr>
+              <a:t>、编译模版、挂载实例到 </a:t>
+            </a:r>
+            <a:r>
+              <a:rPr lang="en-US" altLang="zh-CN" sz="1600" dirty="0">
+                <a:cs typeface="+mn-ea"/>
+                <a:sym typeface="+mn-lt"/>
+              </a:rPr>
               <a:t>DOM </a:t>
             </a:r>
             <a:r>
@@ -19061,27 +18677,235 @@
                 <a:cs typeface="+mn-ea"/>
                 <a:sym typeface="+mn-lt"/>
               </a:rPr>
-              <a:t>重新渲染和打补丁之前。</a:t>
-            </a:r>
-          </a:p>
-          <a:p>
-            <a:pPr>
+              <a:t>，然后在数据变化时更新 </a:t>
+            </a:r>
+            <a:r>
+              <a:rPr lang="en-US" altLang="zh-CN" sz="1600" dirty="0">
+                <a:cs typeface="+mn-ea"/>
+                <a:sym typeface="+mn-lt"/>
+              </a:rPr>
+              <a:t>DOM </a:t>
+            </a:r>
+            <a:r>
+              <a:rPr lang="zh-CN" altLang="en-US" sz="1600" dirty="0">
+                <a:cs typeface="+mn-ea"/>
+                <a:sym typeface="+mn-lt"/>
+              </a:rPr>
+              <a:t>。在这个过程中，实例也会调用一些 </a:t>
+            </a:r>
+            <a:r>
+              <a:rPr lang="zh-CN" altLang="en-US" sz="1600" b="1" dirty="0">
+                <a:cs typeface="+mn-ea"/>
+                <a:sym typeface="+mn-lt"/>
+              </a:rPr>
+              <a:t>生命周期钩子</a:t>
+            </a:r>
+            <a:r>
+              <a:rPr lang="zh-CN" altLang="en-US" sz="1600" dirty="0">
+                <a:cs typeface="+mn-ea"/>
+                <a:sym typeface="+mn-lt"/>
+              </a:rPr>
+              <a:t> ，这就给我们提供了执行自定义逻辑的机会。</a:t>
+            </a:r>
+            <a:endParaRPr lang="en-US" altLang="zh-CN" sz="1600" dirty="0">
+              <a:cs typeface="+mn-ea"/>
+              <a:sym typeface="+mn-lt"/>
+            </a:endParaRPr>
+          </a:p>
+          <a:p>
+            <a:pPr eaLnBrk="1" hangingPunct="1">
               <a:buFontTx/>
               <a:buNone/>
             </a:pPr>
+            <a:endParaRPr lang="en-US" altLang="zh-CN" sz="1600" dirty="0">
+              <a:cs typeface="+mn-ea"/>
+              <a:sym typeface="+mn-lt"/>
+            </a:endParaRPr>
+          </a:p>
+          <a:p>
+            <a:pPr eaLnBrk="1" hangingPunct="1">
+              <a:buFontTx/>
+              <a:buNone/>
+            </a:pPr>
             <a:r>
               <a:rPr lang="en-US" altLang="zh-CN" sz="1600" dirty="0">
                 <a:cs typeface="+mn-ea"/>
                 <a:sym typeface="+mn-lt"/>
               </a:rPr>
-              <a:t>	</a:t>
+              <a:t>    </a:t>
             </a:r>
             <a:r>
               <a:rPr lang="zh-CN" altLang="en-US" sz="1600" dirty="0">
                 <a:cs typeface="+mn-ea"/>
                 <a:sym typeface="+mn-lt"/>
               </a:rPr>
-              <a:t>你可以在这个钩子中进一步地更改状态，这不会触发附加的重渲染过程。</a:t>
+              <a:t>它可以总共分为</a:t>
+            </a:r>
+            <a:r>
+              <a:rPr lang="en-US" altLang="zh-CN" sz="1600" dirty="0">
+                <a:cs typeface="+mn-ea"/>
+                <a:sym typeface="+mn-lt"/>
+              </a:rPr>
+              <a:t>8</a:t>
+            </a:r>
+            <a:r>
+              <a:rPr lang="zh-CN" altLang="en-US" sz="1600" dirty="0">
+                <a:cs typeface="+mn-ea"/>
+                <a:sym typeface="+mn-lt"/>
+              </a:rPr>
+              <a:t>个阶段：</a:t>
+            </a:r>
+          </a:p>
+          <a:p>
+            <a:pPr lvl="1" eaLnBrk="1" hangingPunct="1">
+              <a:buFontTx/>
+              <a:buNone/>
+            </a:pPr>
+            <a:r>
+              <a:rPr lang="en-US" altLang="zh-CN" sz="1600" dirty="0">
+                <a:cs typeface="+mn-ea"/>
+                <a:sym typeface="+mn-lt"/>
+              </a:rPr>
+              <a:t>1.beforeCreate:</a:t>
+            </a:r>
+            <a:r>
+              <a:rPr lang="zh-CN" altLang="en-US" sz="1600" dirty="0">
+                <a:cs typeface="+mn-ea"/>
+                <a:sym typeface="+mn-lt"/>
+              </a:rPr>
+              <a:t>在实例初始化之后，数据观测</a:t>
+            </a:r>
+            <a:r>
+              <a:rPr lang="en-US" altLang="zh-CN" sz="1600" dirty="0">
+                <a:cs typeface="+mn-ea"/>
+                <a:sym typeface="+mn-lt"/>
+              </a:rPr>
+              <a:t>(data observer) </a:t>
+            </a:r>
+            <a:r>
+              <a:rPr lang="zh-CN" altLang="en-US" sz="1600" dirty="0">
+                <a:cs typeface="+mn-ea"/>
+                <a:sym typeface="+mn-lt"/>
+              </a:rPr>
+              <a:t>和 </a:t>
+            </a:r>
+            <a:r>
+              <a:rPr lang="en-US" altLang="zh-CN" sz="1600" dirty="0">
+                <a:cs typeface="+mn-ea"/>
+                <a:sym typeface="+mn-lt"/>
+              </a:rPr>
+              <a:t>event/watcher </a:t>
+            </a:r>
+            <a:r>
+              <a:rPr lang="zh-CN" altLang="en-US" sz="1600" dirty="0">
+                <a:cs typeface="+mn-ea"/>
+                <a:sym typeface="+mn-lt"/>
+              </a:rPr>
+              <a:t>事件配置之前被调用。</a:t>
+            </a:r>
+            <a:endParaRPr lang="en-US" altLang="zh-CN" sz="1600" dirty="0">
+              <a:cs typeface="+mn-ea"/>
+              <a:sym typeface="+mn-lt"/>
+            </a:endParaRPr>
+          </a:p>
+          <a:p>
+            <a:pPr lvl="1" eaLnBrk="1" hangingPunct="1">
+              <a:buFontTx/>
+              <a:buNone/>
+            </a:pPr>
+            <a:r>
+              <a:rPr lang="en-US" altLang="zh-CN" sz="1600" dirty="0">
+                <a:cs typeface="+mn-ea"/>
+                <a:sym typeface="+mn-lt"/>
+              </a:rPr>
+              <a:t>2.created:</a:t>
+            </a:r>
+            <a:r>
+              <a:rPr lang="zh-CN" altLang="en-US" sz="1600" dirty="0">
+                <a:cs typeface="+mn-ea"/>
+                <a:sym typeface="+mn-lt"/>
+              </a:rPr>
+              <a:t>实例已经创建完成之后被调用。在这一步，实例已完成以下的配置：数据观测</a:t>
+            </a:r>
+            <a:r>
+              <a:rPr lang="en-US" altLang="zh-CN" sz="1600" dirty="0">
+                <a:cs typeface="+mn-ea"/>
+                <a:sym typeface="+mn-lt"/>
+              </a:rPr>
+              <a:t>(data observer)</a:t>
+            </a:r>
+            <a:r>
+              <a:rPr lang="zh-CN" altLang="en-US" sz="1600" dirty="0">
+                <a:cs typeface="+mn-ea"/>
+                <a:sym typeface="+mn-lt"/>
+              </a:rPr>
+              <a:t>，属性和方法的运算， </a:t>
+            </a:r>
+            <a:r>
+              <a:rPr lang="en-US" altLang="zh-CN" sz="1600" dirty="0">
+                <a:cs typeface="+mn-ea"/>
+                <a:sym typeface="+mn-lt"/>
+              </a:rPr>
+              <a:t>watch/event </a:t>
+            </a:r>
+            <a:r>
+              <a:rPr lang="zh-CN" altLang="en-US" sz="1600" dirty="0">
+                <a:cs typeface="+mn-ea"/>
+                <a:sym typeface="+mn-lt"/>
+              </a:rPr>
+              <a:t>事件回调。然而，挂载阶段还没开始，</a:t>
+            </a:r>
+            <a:r>
+              <a:rPr lang="en-US" altLang="zh-CN" sz="1600" dirty="0">
+                <a:cs typeface="+mn-ea"/>
+                <a:sym typeface="+mn-lt"/>
+              </a:rPr>
+              <a:t>$el </a:t>
+            </a:r>
+            <a:r>
+              <a:rPr lang="zh-CN" altLang="en-US" sz="1600" dirty="0">
+                <a:cs typeface="+mn-ea"/>
+                <a:sym typeface="+mn-lt"/>
+              </a:rPr>
+              <a:t>属性目前不可见。</a:t>
+            </a:r>
+            <a:endParaRPr lang="en-US" altLang="zh-CN" sz="1600" dirty="0">
+              <a:cs typeface="+mn-ea"/>
+              <a:sym typeface="+mn-lt"/>
+            </a:endParaRPr>
+          </a:p>
+          <a:p>
+            <a:pPr lvl="1" eaLnBrk="1" hangingPunct="1">
+              <a:buFontTx/>
+              <a:buNone/>
+            </a:pPr>
+            <a:r>
+              <a:rPr lang="en-US" altLang="zh-CN" sz="1600" dirty="0">
+                <a:cs typeface="+mn-ea"/>
+                <a:sym typeface="+mn-lt"/>
+              </a:rPr>
+              <a:t>3.beforeMount:</a:t>
+            </a:r>
+            <a:r>
+              <a:rPr lang="zh-CN" altLang="en-US" sz="1600" dirty="0">
+                <a:cs typeface="+mn-ea"/>
+                <a:sym typeface="+mn-lt"/>
+              </a:rPr>
+              <a:t>在挂载开始之前被调用：相关的 </a:t>
+            </a:r>
+            <a:r>
+              <a:rPr lang="en-US" altLang="zh-CN" sz="1600" dirty="0">
+                <a:cs typeface="+mn-ea"/>
+                <a:sym typeface="+mn-lt"/>
+              </a:rPr>
+              <a:t>render </a:t>
+            </a:r>
+            <a:r>
+              <a:rPr lang="zh-CN" altLang="en-US" sz="1600" dirty="0">
+                <a:cs typeface="+mn-ea"/>
+                <a:sym typeface="+mn-lt"/>
+              </a:rPr>
+              <a:t>函数首次被调用。</a:t>
             </a:r>
             <a:r>
               <a:rPr lang="zh-CN" altLang="en-US" sz="1600" b="1" dirty="0">
@@ -19090,202 +18914,140 @@
               </a:rPr>
               <a:t>该钩子在服务器端渲染期间不被调用。</a:t>
             </a:r>
+            <a:endParaRPr lang="en-US" altLang="zh-CN" sz="1600" dirty="0">
+              <a:cs typeface="+mn-ea"/>
+              <a:sym typeface="+mn-lt"/>
+            </a:endParaRPr>
+          </a:p>
+          <a:p>
+            <a:pPr lvl="1" eaLnBrk="1" hangingPunct="1">
+              <a:buFontTx/>
+              <a:buNone/>
+            </a:pPr>
+            <a:r>
+              <a:rPr lang="en-US" altLang="zh-CN" sz="1600" dirty="0">
+                <a:cs typeface="+mn-ea"/>
+                <a:sym typeface="+mn-lt"/>
+              </a:rPr>
+              <a:t>4.mounted: el </a:t>
+            </a:r>
+            <a:r>
+              <a:rPr lang="zh-CN" altLang="en-US" sz="1600" dirty="0">
+                <a:cs typeface="+mn-ea"/>
+                <a:sym typeface="+mn-lt"/>
+              </a:rPr>
+              <a:t>被新创建的 </a:t>
+            </a:r>
+            <a:r>
+              <a:rPr lang="en-US" altLang="zh-CN" sz="1600" dirty="0" err="1">
+                <a:cs typeface="+mn-ea"/>
+                <a:sym typeface="+mn-lt"/>
+              </a:rPr>
+              <a:t>vm</a:t>
+            </a:r>
+            <a:r>
+              <a:rPr lang="en-US" altLang="zh-CN" sz="1600" dirty="0">
+                <a:cs typeface="+mn-ea"/>
+                <a:sym typeface="+mn-lt"/>
+              </a:rPr>
+              <a:t>.$el </a:t>
+            </a:r>
+            <a:r>
+              <a:rPr lang="zh-CN" altLang="en-US" sz="1600" dirty="0">
+                <a:cs typeface="+mn-ea"/>
+                <a:sym typeface="+mn-lt"/>
+              </a:rPr>
+              <a:t>替换，并挂载到实例上去之后调用该钩子。如果 </a:t>
+            </a:r>
+            <a:r>
+              <a:rPr lang="en-US" altLang="zh-CN" sz="1600" dirty="0">
+                <a:cs typeface="+mn-ea"/>
+                <a:sym typeface="+mn-lt"/>
+              </a:rPr>
+              <a:t>root </a:t>
+            </a:r>
+            <a:r>
+              <a:rPr lang="zh-CN" altLang="en-US" sz="1600" dirty="0">
+                <a:cs typeface="+mn-ea"/>
+                <a:sym typeface="+mn-lt"/>
+              </a:rPr>
+              <a:t>实例挂载了一个文档内元素，当 </a:t>
+            </a:r>
+            <a:r>
+              <a:rPr lang="en-US" altLang="zh-CN" sz="1600" dirty="0">
+                <a:cs typeface="+mn-ea"/>
+                <a:sym typeface="+mn-lt"/>
+              </a:rPr>
+              <a:t>mounted </a:t>
+            </a:r>
+            <a:r>
+              <a:rPr lang="zh-CN" altLang="en-US" sz="1600" dirty="0">
+                <a:cs typeface="+mn-ea"/>
+                <a:sym typeface="+mn-lt"/>
+              </a:rPr>
+              <a:t>被调用时 </a:t>
+            </a:r>
+            <a:r>
+              <a:rPr lang="en-US" altLang="zh-CN" sz="1600" dirty="0" err="1">
+                <a:cs typeface="+mn-ea"/>
+                <a:sym typeface="+mn-lt"/>
+              </a:rPr>
+              <a:t>vm</a:t>
+            </a:r>
+            <a:r>
+              <a:rPr lang="en-US" altLang="zh-CN" sz="1600" dirty="0">
+                <a:cs typeface="+mn-ea"/>
+                <a:sym typeface="+mn-lt"/>
+              </a:rPr>
+              <a:t>.$el </a:t>
+            </a:r>
+            <a:r>
+              <a:rPr lang="zh-CN" altLang="en-US" sz="1600" dirty="0">
+                <a:cs typeface="+mn-ea"/>
+                <a:sym typeface="+mn-lt"/>
+              </a:rPr>
+              <a:t>也在文档内。</a:t>
+            </a:r>
+            <a:r>
+              <a:rPr lang="zh-CN" altLang="en-US" sz="1600" b="1" dirty="0">
+                <a:cs typeface="+mn-ea"/>
+                <a:sym typeface="+mn-lt"/>
+              </a:rPr>
+              <a:t>该钩子在服务器端渲染期间不被调用。</a:t>
+            </a:r>
+            <a:endParaRPr lang="en-US" altLang="zh-CN" sz="1600" b="1" dirty="0">
+              <a:cs typeface="+mn-ea"/>
+              <a:sym typeface="+mn-lt"/>
+            </a:endParaRPr>
+          </a:p>
+          <a:p>
+            <a:pPr lvl="1" eaLnBrk="1" hangingPunct="1">
+              <a:buFontTx/>
+              <a:buNone/>
+            </a:pPr>
+            <a:endParaRPr lang="en-US" altLang="zh-CN" sz="1600" dirty="0">
+              <a:cs typeface="+mn-ea"/>
+              <a:sym typeface="+mn-lt"/>
+            </a:endParaRPr>
+          </a:p>
+          <a:p>
+            <a:pPr eaLnBrk="1" hangingPunct="1">
+              <a:buFontTx/>
+              <a:buNone/>
+            </a:pPr>
             <a:endParaRPr lang="zh-CN" altLang="en-US" sz="1600" dirty="0">
               <a:cs typeface="+mn-ea"/>
               <a:sym typeface="+mn-lt"/>
             </a:endParaRPr>
           </a:p>
-          <a:p>
-            <a:pPr>
-              <a:buFontTx/>
-              <a:buNone/>
-            </a:pPr>
-            <a:r>
-              <a:rPr lang="en-US" altLang="zh-CN" sz="1600" dirty="0">
-                <a:cs typeface="+mn-ea"/>
-                <a:sym typeface="+mn-lt"/>
-              </a:rPr>
-              <a:t>	     6.updated:</a:t>
-            </a:r>
-            <a:r>
-              <a:rPr lang="zh-CN" altLang="en-US" sz="1600" dirty="0">
-                <a:cs typeface="+mn-ea"/>
-                <a:sym typeface="+mn-lt"/>
-              </a:rPr>
-              <a:t>由于数据更改导致的虚拟 </a:t>
-            </a:r>
-            <a:r>
-              <a:rPr lang="en-US" altLang="zh-CN" sz="1600" dirty="0">
-                <a:cs typeface="+mn-ea"/>
-                <a:sym typeface="+mn-lt"/>
-              </a:rPr>
-              <a:t>DOM </a:t>
-            </a:r>
-            <a:r>
-              <a:rPr lang="zh-CN" altLang="en-US" sz="1600" dirty="0">
-                <a:cs typeface="+mn-ea"/>
-                <a:sym typeface="+mn-lt"/>
-              </a:rPr>
-              <a:t>重新渲染和打补丁，在这之后会调用该钩子。当这个钩子被调用时，组件 </a:t>
-            </a:r>
-            <a:r>
-              <a:rPr lang="en-US" altLang="zh-CN" sz="1600" dirty="0">
-                <a:cs typeface="+mn-ea"/>
-                <a:sym typeface="+mn-lt"/>
-              </a:rPr>
-              <a:t>DOM </a:t>
-            </a:r>
-            <a:r>
-              <a:rPr lang="zh-CN" altLang="en-US" sz="1600" dirty="0">
-                <a:cs typeface="+mn-ea"/>
-                <a:sym typeface="+mn-lt"/>
-              </a:rPr>
-              <a:t>已经更新，所以你现在可以执行依赖于 </a:t>
-            </a:r>
-            <a:r>
-              <a:rPr lang="en-US" altLang="zh-CN" sz="1600" dirty="0">
-                <a:cs typeface="+mn-ea"/>
-                <a:sym typeface="+mn-lt"/>
-              </a:rPr>
-              <a:t>DOM </a:t>
-            </a:r>
-            <a:r>
-              <a:rPr lang="zh-CN" altLang="en-US" sz="1600" dirty="0">
-                <a:cs typeface="+mn-ea"/>
-                <a:sym typeface="+mn-lt"/>
-              </a:rPr>
-              <a:t>的操作。然而在大多数情况下，你应该避免在此期间更改状态。如果要相应状态改变，通常最好使用计算属性或 </a:t>
-            </a:r>
-            <a:r>
-              <a:rPr lang="en-US" altLang="zh-CN" sz="1600" dirty="0">
-                <a:cs typeface="+mn-ea"/>
-                <a:sym typeface="+mn-lt"/>
-              </a:rPr>
-              <a:t>Watcher </a:t>
-            </a:r>
-            <a:r>
-              <a:rPr lang="zh-CN" altLang="en-US" sz="1600" dirty="0">
-                <a:cs typeface="+mn-ea"/>
-                <a:sym typeface="+mn-lt"/>
-              </a:rPr>
-              <a:t>取而代之。</a:t>
-            </a:r>
-            <a:r>
-              <a:rPr lang="zh-CN" altLang="en-US" sz="1600" b="1" dirty="0">
-                <a:cs typeface="+mn-ea"/>
-                <a:sym typeface="+mn-lt"/>
-              </a:rPr>
-              <a:t>该钩子在服务器端渲染期间不被调用。</a:t>
-            </a:r>
-            <a:endParaRPr lang="en-US" altLang="zh-CN" sz="1600" b="1" dirty="0">
-              <a:cs typeface="+mn-ea"/>
-              <a:sym typeface="+mn-lt"/>
-            </a:endParaRPr>
-          </a:p>
-          <a:p>
-            <a:pPr>
-              <a:buFontTx/>
-              <a:buNone/>
-            </a:pPr>
-            <a:r>
-              <a:rPr lang="en-US" altLang="zh-CN" sz="1600" b="1" dirty="0">
-                <a:cs typeface="+mn-ea"/>
-                <a:sym typeface="+mn-lt"/>
-              </a:rPr>
-              <a:t>        </a:t>
-            </a:r>
-            <a:r>
-              <a:rPr lang="en-US" altLang="zh-CN" sz="1600" dirty="0">
-                <a:cs typeface="+mn-ea"/>
-                <a:sym typeface="+mn-lt"/>
-              </a:rPr>
-              <a:t>7.beforeDestroy:</a:t>
-            </a:r>
-            <a:r>
-              <a:rPr lang="zh-CN" altLang="en-US" sz="1600" dirty="0">
-                <a:cs typeface="+mn-ea"/>
-                <a:sym typeface="+mn-lt"/>
-              </a:rPr>
-              <a:t>实例销毁之前调用。在这一步，实例仍然完全可用。</a:t>
-            </a:r>
-            <a:r>
-              <a:rPr lang="zh-CN" altLang="en-US" sz="1600" b="1" dirty="0">
-                <a:cs typeface="+mn-ea"/>
-                <a:sym typeface="+mn-lt"/>
-              </a:rPr>
-              <a:t>该钩子在服务器端渲染期间不被调用。</a:t>
-            </a:r>
-            <a:endParaRPr lang="en-US" altLang="zh-CN" sz="1600" dirty="0">
-              <a:cs typeface="+mn-ea"/>
-              <a:sym typeface="+mn-lt"/>
-            </a:endParaRPr>
-          </a:p>
-          <a:p>
-            <a:pPr>
-              <a:buFontTx/>
-              <a:buNone/>
-            </a:pPr>
-            <a:r>
-              <a:rPr lang="en-US" altLang="zh-CN" sz="1600" dirty="0">
-                <a:cs typeface="+mn-ea"/>
-                <a:sym typeface="+mn-lt"/>
-              </a:rPr>
-              <a:t>        8.destroyed:Vue </a:t>
-            </a:r>
-            <a:r>
-              <a:rPr lang="zh-CN" altLang="en-US" sz="1600" dirty="0">
-                <a:cs typeface="+mn-ea"/>
-                <a:sym typeface="+mn-lt"/>
-              </a:rPr>
-              <a:t>实例销毁后调用。调用后，</a:t>
-            </a:r>
-            <a:r>
-              <a:rPr lang="en-US" altLang="zh-CN" sz="1600" dirty="0" err="1">
-                <a:cs typeface="+mn-ea"/>
-                <a:sym typeface="+mn-lt"/>
-              </a:rPr>
-              <a:t>Vue</a:t>
-            </a:r>
-            <a:r>
-              <a:rPr lang="en-US" altLang="zh-CN" sz="1600" dirty="0">
-                <a:cs typeface="+mn-ea"/>
-                <a:sym typeface="+mn-lt"/>
-              </a:rPr>
-              <a:t> </a:t>
-            </a:r>
-            <a:r>
-              <a:rPr lang="zh-CN" altLang="en-US" sz="1600" dirty="0">
-                <a:cs typeface="+mn-ea"/>
-                <a:sym typeface="+mn-lt"/>
-              </a:rPr>
-              <a:t>实例指示的所有东西都会解绑定，所有的事件监听器会被移除，所有的子实例也会被销毁。</a:t>
-            </a:r>
-            <a:r>
-              <a:rPr lang="zh-CN" altLang="en-US" sz="1600" b="1" dirty="0">
-                <a:cs typeface="+mn-ea"/>
-                <a:sym typeface="+mn-lt"/>
-              </a:rPr>
-              <a:t>该钩子在服务器端渲染期间不被调用。</a:t>
-            </a:r>
-            <a:endParaRPr lang="zh-CN" altLang="en-US" sz="1600" dirty="0">
-              <a:cs typeface="+mn-ea"/>
-              <a:sym typeface="+mn-lt"/>
-            </a:endParaRPr>
-          </a:p>
-          <a:p>
-            <a:endParaRPr lang="zh-CN" altLang="en-US" dirty="0">
-              <a:cs typeface="+mn-ea"/>
-              <a:sym typeface="+mn-lt"/>
-            </a:endParaRPr>
-          </a:p>
-        </p:txBody>
-      </p:sp>
-      <p:sp>
-        <p:nvSpPr>
-          <p:cNvPr id="3" name="标题 1">
+        </p:txBody>
+      </p:sp>
+      <p:sp>
+        <p:nvSpPr>
+          <p:cNvPr id="6" name="标题 1">
             <a:extLst>
               <a:ext uri="{FF2B5EF4-FFF2-40B4-BE49-F238E27FC236}">
-                <a16:creationId xmlns:a16="http://schemas.microsoft.com/office/drawing/2014/main" id="{4005CC6C-C155-4694-90BE-987D6957CB5D}"/>
+                <a16:creationId xmlns:a16="http://schemas.microsoft.com/office/drawing/2014/main" id="{4798AA4A-4FFB-4FE7-9AE4-19C1257009EA}"/>
               </a:ext>
             </a:extLst>
           </p:cNvPr>
@@ -19334,7 +19096,7 @@
     </p:spTree>
     <p:extLst>
       <p:ext uri="{BB962C8B-B14F-4D97-AF65-F5344CB8AC3E}">
-        <p14:creationId xmlns:p14="http://schemas.microsoft.com/office/powerpoint/2010/main" val="4040484884"/>
+        <p14:creationId xmlns:p14="http://schemas.microsoft.com/office/powerpoint/2010/main" val="2320232454"/>
       </p:ext>
     </p:extLst>
   </p:cSld>
@@ -19363,8 +19125,291 @@
       </p:grpSpPr>
       <p:sp>
         <p:nvSpPr>
-          <p:cNvPr id="2" name="object 2"/>
-          <p:cNvSpPr txBox="1">
+          <p:cNvPr id="16386" name="内容占位符 2">
+            <a:extLst>
+              <a:ext uri="{FF2B5EF4-FFF2-40B4-BE49-F238E27FC236}">
+                <a16:creationId xmlns:a16="http://schemas.microsoft.com/office/drawing/2014/main" id="{A07B72A3-1032-49F9-AAEA-8129E5D0974C}"/>
+              </a:ext>
+            </a:extLst>
+          </p:cNvPr>
+          <p:cNvSpPr>
+            <a:spLocks noGrp="1"/>
+          </p:cNvSpPr>
+          <p:nvPr>
+            <p:ph idx="1"/>
+          </p:nvPr>
+        </p:nvSpPr>
+        <p:spPr>
+          <a:xfrm>
+            <a:off x="1981200" y="1828800"/>
+            <a:ext cx="8229600" cy="3200400"/>
+          </a:xfrm>
+        </p:spPr>
+        <p:txBody>
+          <a:bodyPr>
+            <a:normAutofit lnSpcReduction="10000"/>
+          </a:bodyPr>
+          <a:lstStyle/>
+          <a:p>
+            <a:pPr>
+              <a:buFontTx/>
+              <a:buNone/>
+            </a:pPr>
+            <a:r>
+              <a:rPr lang="en-US" altLang="zh-CN" sz="1600" dirty="0">
+                <a:cs typeface="+mn-ea"/>
+                <a:sym typeface="+mn-lt"/>
+              </a:rPr>
+              <a:t>	    5.beforeUpdate:</a:t>
+            </a:r>
+            <a:r>
+              <a:rPr lang="zh-CN" altLang="en-US" sz="1600" dirty="0">
+                <a:cs typeface="+mn-ea"/>
+                <a:sym typeface="+mn-lt"/>
+              </a:rPr>
+              <a:t>数据更新时调用，发生在虚拟 </a:t>
+            </a:r>
+            <a:r>
+              <a:rPr lang="en-US" altLang="zh-CN" sz="1600" dirty="0">
+                <a:cs typeface="+mn-ea"/>
+                <a:sym typeface="+mn-lt"/>
+              </a:rPr>
+              <a:t>DOM </a:t>
+            </a:r>
+            <a:r>
+              <a:rPr lang="zh-CN" altLang="en-US" sz="1600" dirty="0">
+                <a:cs typeface="+mn-ea"/>
+                <a:sym typeface="+mn-lt"/>
+              </a:rPr>
+              <a:t>重新渲染和打补丁之前。</a:t>
+            </a:r>
+          </a:p>
+          <a:p>
+            <a:pPr>
+              <a:buFontTx/>
+              <a:buNone/>
+            </a:pPr>
+            <a:r>
+              <a:rPr lang="en-US" altLang="zh-CN" sz="1600" dirty="0">
+                <a:cs typeface="+mn-ea"/>
+                <a:sym typeface="+mn-lt"/>
+              </a:rPr>
+              <a:t>	</a:t>
+            </a:r>
+            <a:r>
+              <a:rPr lang="zh-CN" altLang="en-US" sz="1600" dirty="0">
+                <a:cs typeface="+mn-ea"/>
+                <a:sym typeface="+mn-lt"/>
+              </a:rPr>
+              <a:t>你可以在这个钩子中进一步地更改状态，这不会触发附加的重渲染过程。</a:t>
+            </a:r>
+            <a:r>
+              <a:rPr lang="zh-CN" altLang="en-US" sz="1600" b="1" dirty="0">
+                <a:cs typeface="+mn-ea"/>
+                <a:sym typeface="+mn-lt"/>
+              </a:rPr>
+              <a:t>该钩子在服务器端渲染期间不被调用。</a:t>
+            </a:r>
+            <a:endParaRPr lang="zh-CN" altLang="en-US" sz="1600" dirty="0">
+              <a:cs typeface="+mn-ea"/>
+              <a:sym typeface="+mn-lt"/>
+            </a:endParaRPr>
+          </a:p>
+          <a:p>
+            <a:pPr>
+              <a:buFontTx/>
+              <a:buNone/>
+            </a:pPr>
+            <a:r>
+              <a:rPr lang="en-US" altLang="zh-CN" sz="1600" dirty="0">
+                <a:cs typeface="+mn-ea"/>
+                <a:sym typeface="+mn-lt"/>
+              </a:rPr>
+              <a:t>	     6.updated:</a:t>
+            </a:r>
+            <a:r>
+              <a:rPr lang="zh-CN" altLang="en-US" sz="1600" dirty="0">
+                <a:cs typeface="+mn-ea"/>
+                <a:sym typeface="+mn-lt"/>
+              </a:rPr>
+              <a:t>由于数据更改导致的虚拟 </a:t>
+            </a:r>
+            <a:r>
+              <a:rPr lang="en-US" altLang="zh-CN" sz="1600" dirty="0">
+                <a:cs typeface="+mn-ea"/>
+                <a:sym typeface="+mn-lt"/>
+              </a:rPr>
+              <a:t>DOM </a:t>
+            </a:r>
+            <a:r>
+              <a:rPr lang="zh-CN" altLang="en-US" sz="1600" dirty="0">
+                <a:cs typeface="+mn-ea"/>
+                <a:sym typeface="+mn-lt"/>
+              </a:rPr>
+              <a:t>重新渲染和打补丁，在这之后会调用该钩子。当这个钩子被调用时，组件 </a:t>
+            </a:r>
+            <a:r>
+              <a:rPr lang="en-US" altLang="zh-CN" sz="1600" dirty="0">
+                <a:cs typeface="+mn-ea"/>
+                <a:sym typeface="+mn-lt"/>
+              </a:rPr>
+              <a:t>DOM </a:t>
+            </a:r>
+            <a:r>
+              <a:rPr lang="zh-CN" altLang="en-US" sz="1600" dirty="0">
+                <a:cs typeface="+mn-ea"/>
+                <a:sym typeface="+mn-lt"/>
+              </a:rPr>
+              <a:t>已经更新，所以你现在可以执行依赖于 </a:t>
+            </a:r>
+            <a:r>
+              <a:rPr lang="en-US" altLang="zh-CN" sz="1600" dirty="0">
+                <a:cs typeface="+mn-ea"/>
+                <a:sym typeface="+mn-lt"/>
+              </a:rPr>
+              <a:t>DOM </a:t>
+            </a:r>
+            <a:r>
+              <a:rPr lang="zh-CN" altLang="en-US" sz="1600" dirty="0">
+                <a:cs typeface="+mn-ea"/>
+                <a:sym typeface="+mn-lt"/>
+              </a:rPr>
+              <a:t>的操作。然而在大多数情况下，你应该避免在此期间更改状态。如果要相应状态改变，通常最好使用计算属性或 </a:t>
+            </a:r>
+            <a:r>
+              <a:rPr lang="en-US" altLang="zh-CN" sz="1600" dirty="0">
+                <a:cs typeface="+mn-ea"/>
+                <a:sym typeface="+mn-lt"/>
+              </a:rPr>
+              <a:t>Watcher </a:t>
+            </a:r>
+            <a:r>
+              <a:rPr lang="zh-CN" altLang="en-US" sz="1600" dirty="0">
+                <a:cs typeface="+mn-ea"/>
+                <a:sym typeface="+mn-lt"/>
+              </a:rPr>
+              <a:t>取而代之。</a:t>
+            </a:r>
+            <a:r>
+              <a:rPr lang="zh-CN" altLang="en-US" sz="1600" b="1" dirty="0">
+                <a:cs typeface="+mn-ea"/>
+                <a:sym typeface="+mn-lt"/>
+              </a:rPr>
+              <a:t>该钩子在服务器端渲染期间不被调用。</a:t>
+            </a:r>
+            <a:endParaRPr lang="en-US" altLang="zh-CN" sz="1600" b="1" dirty="0">
+              <a:cs typeface="+mn-ea"/>
+              <a:sym typeface="+mn-lt"/>
+            </a:endParaRPr>
+          </a:p>
+          <a:p>
+            <a:pPr>
+              <a:buFontTx/>
+              <a:buNone/>
+            </a:pPr>
+            <a:r>
+              <a:rPr lang="en-US" altLang="zh-CN" sz="1600" b="1" dirty="0">
+                <a:cs typeface="+mn-ea"/>
+                <a:sym typeface="+mn-lt"/>
+              </a:rPr>
+              <a:t>        </a:t>
+            </a:r>
+            <a:r>
+              <a:rPr lang="en-US" altLang="zh-CN" sz="1600" dirty="0">
+                <a:cs typeface="+mn-ea"/>
+                <a:sym typeface="+mn-lt"/>
+              </a:rPr>
+              <a:t>7.beforeDestroy:</a:t>
+            </a:r>
+            <a:r>
+              <a:rPr lang="zh-CN" altLang="en-US" sz="1600" dirty="0">
+                <a:cs typeface="+mn-ea"/>
+                <a:sym typeface="+mn-lt"/>
+              </a:rPr>
+              <a:t>实例销毁之前调用。在这一步，实例仍然完全可用。</a:t>
+            </a:r>
+            <a:r>
+              <a:rPr lang="zh-CN" altLang="en-US" sz="1600" b="1" dirty="0">
+                <a:cs typeface="+mn-ea"/>
+                <a:sym typeface="+mn-lt"/>
+              </a:rPr>
+              <a:t>该钩子在服务器端渲染期间不被调用。</a:t>
+            </a:r>
+            <a:endParaRPr lang="en-US" altLang="zh-CN" sz="1600" dirty="0">
+              <a:cs typeface="+mn-ea"/>
+              <a:sym typeface="+mn-lt"/>
+            </a:endParaRPr>
+          </a:p>
+          <a:p>
+            <a:pPr>
+              <a:buFontTx/>
+              <a:buNone/>
+            </a:pPr>
+            <a:r>
+              <a:rPr lang="en-US" altLang="zh-CN" sz="1600" dirty="0">
+                <a:cs typeface="+mn-ea"/>
+                <a:sym typeface="+mn-lt"/>
+              </a:rPr>
+              <a:t>        8.destroyed:Vue </a:t>
+            </a:r>
+            <a:r>
+              <a:rPr lang="zh-CN" altLang="en-US" sz="1600" dirty="0">
+                <a:cs typeface="+mn-ea"/>
+                <a:sym typeface="+mn-lt"/>
+              </a:rPr>
+              <a:t>实例销毁后调用。调用后，</a:t>
+            </a:r>
+            <a:r>
+              <a:rPr lang="en-US" altLang="zh-CN" sz="1600" dirty="0" err="1">
+                <a:cs typeface="+mn-ea"/>
+                <a:sym typeface="+mn-lt"/>
+              </a:rPr>
+              <a:t>Vue</a:t>
+            </a:r>
+            <a:r>
+              <a:rPr lang="en-US" altLang="zh-CN" sz="1600" dirty="0">
+                <a:cs typeface="+mn-ea"/>
+                <a:sym typeface="+mn-lt"/>
+              </a:rPr>
+              <a:t> </a:t>
+            </a:r>
+            <a:r>
+              <a:rPr lang="zh-CN" altLang="en-US" sz="1600" dirty="0">
+                <a:cs typeface="+mn-ea"/>
+                <a:sym typeface="+mn-lt"/>
+              </a:rPr>
+              <a:t>实例指示的所有东西都会解绑定，所有的事件监听器会被移除，所有的子实例也会被销毁。</a:t>
+            </a:r>
+            <a:r>
+              <a:rPr lang="zh-CN" altLang="en-US" sz="1600" b="1" dirty="0">
+                <a:cs typeface="+mn-ea"/>
+                <a:sym typeface="+mn-lt"/>
+              </a:rPr>
+              <a:t>该钩子在服务器端渲染期间不被调用。</a:t>
+            </a:r>
+            <a:endParaRPr lang="zh-CN" altLang="en-US" sz="1600" dirty="0">
+              <a:cs typeface="+mn-ea"/>
+              <a:sym typeface="+mn-lt"/>
+            </a:endParaRPr>
+          </a:p>
+          <a:p>
+            <a:endParaRPr lang="zh-CN" altLang="en-US" dirty="0">
+              <a:cs typeface="+mn-ea"/>
+              <a:sym typeface="+mn-lt"/>
+            </a:endParaRPr>
+          </a:p>
+        </p:txBody>
+      </p:sp>
+      <p:sp>
+        <p:nvSpPr>
+          <p:cNvPr id="3" name="标题 1">
+            <a:extLst>
+              <a:ext uri="{FF2B5EF4-FFF2-40B4-BE49-F238E27FC236}">
+                <a16:creationId xmlns:a16="http://schemas.microsoft.com/office/drawing/2014/main" id="{4005CC6C-C155-4694-90BE-987D6957CB5D}"/>
+              </a:ext>
+            </a:extLst>
+          </p:cNvPr>
+          <p:cNvSpPr>
             <a:spLocks noGrp="1"/>
           </p:cNvSpPr>
           <p:nvPr>
@@ -19373,52 +19418,43 @@
         </p:nvSpPr>
         <p:spPr>
           <a:xfrm>
-            <a:off x="5448674" y="2863528"/>
-            <a:ext cx="1294653" cy="756920"/>
+            <a:off x="5284508" y="274638"/>
+            <a:ext cx="1622985" cy="639762"/>
           </a:xfrm>
-          <a:prstGeom prst="rect">
-            <a:avLst/>
-          </a:prstGeom>
         </p:spPr>
         <p:txBody>
-          <a:bodyPr vert="horz" wrap="square" lIns="0" tIns="12700" rIns="0" bIns="0" rtlCol="0" anchor="ctr">
-            <a:spAutoFit/>
+          <a:bodyPr>
+            <a:noAutofit/>
           </a:bodyPr>
           <a:lstStyle/>
           <a:p>
-            <a:pPr marL="12700">
+            <a:pPr marL="12700" marR="5080" indent="-228600">
               <a:lnSpc>
-                <a:spcPct val="100000"/>
+                <a:spcPct val="100699"/>
               </a:lnSpc>
               <a:spcBef>
                 <a:spcPts val="100"/>
               </a:spcBef>
             </a:pPr>
             <a:r>
-              <a:rPr sz="4800" spc="-20" dirty="0" err="1">
-                <a:solidFill>
-                  <a:srgbClr val="FFFFFF"/>
+              <a:rPr lang="zh-CN" altLang="en-US" sz="2800" b="1" spc="-15" dirty="0">
+                <a:solidFill>
+                  <a:srgbClr val="34495E"/>
                 </a:solidFill>
                 <a:latin typeface="+mn-lt"/>
                 <a:ea typeface="+mn-ea"/>
                 <a:cs typeface="+mn-ea"/>
                 <a:sym typeface="+mn-lt"/>
               </a:rPr>
-              <a:t>优势</a:t>
-            </a:r>
-            <a:endParaRPr sz="4800" dirty="0">
-              <a:latin typeface="+mn-lt"/>
-              <a:ea typeface="+mn-ea"/>
-              <a:cs typeface="+mn-ea"/>
-              <a:sym typeface="+mn-lt"/>
-            </a:endParaRPr>
+              <a:t>生命周期</a:t>
+            </a:r>
           </a:p>
         </p:txBody>
       </p:sp>
     </p:spTree>
     <p:extLst>
       <p:ext uri="{BB962C8B-B14F-4D97-AF65-F5344CB8AC3E}">
-        <p14:creationId xmlns:p14="http://schemas.microsoft.com/office/powerpoint/2010/main" val="35480109"/>
+        <p14:creationId xmlns:p14="http://schemas.microsoft.com/office/powerpoint/2010/main" val="4040484884"/>
       </p:ext>
     </p:extLst>
   </p:cSld>
@@ -19448,553 +19484,61 @@
       <p:sp>
         <p:nvSpPr>
           <p:cNvPr id="2" name="object 2"/>
-          <p:cNvSpPr/>
-          <p:nvPr/>
+          <p:cNvSpPr txBox="1">
+            <a:spLocks noGrp="1"/>
+          </p:cNvSpPr>
+          <p:nvPr>
+            <p:ph type="title"/>
+          </p:nvPr>
         </p:nvSpPr>
         <p:spPr>
           <a:xfrm>
-            <a:off x="1524000" y="4910554"/>
-            <a:ext cx="9144000" cy="0"/>
-          </a:xfrm>
-          <a:custGeom>
-            <a:avLst/>
-            <a:gdLst/>
-            <a:ahLst/>
-            <a:cxnLst/>
-            <a:rect l="l" t="t" r="r" b="b"/>
-            <a:pathLst>
-              <a:path w="9144000">
-                <a:moveTo>
-                  <a:pt x="0" y="0"/>
-                </a:moveTo>
-                <a:lnTo>
-                  <a:pt x="9143999" y="0"/>
-                </a:lnTo>
-              </a:path>
-            </a:pathLst>
-          </a:custGeom>
-          <a:ln w="19049">
-            <a:solidFill>
-              <a:srgbClr val="CCCCCC"/>
-            </a:solidFill>
-          </a:ln>
-        </p:spPr>
-        <p:txBody>
-          <a:bodyPr wrap="square" lIns="0" tIns="0" rIns="0" bIns="0" rtlCol="0"/>
-          <a:lstStyle/>
-          <a:p>
-            <a:endParaRPr>
-              <a:cs typeface="+mn-ea"/>
-              <a:sym typeface="+mn-lt"/>
-            </a:endParaRPr>
-          </a:p>
-        </p:txBody>
-      </p:sp>
-      <p:sp>
-        <p:nvSpPr>
-          <p:cNvPr id="3" name="object 3"/>
-          <p:cNvSpPr/>
-          <p:nvPr/>
-        </p:nvSpPr>
-        <p:spPr>
-          <a:xfrm>
-            <a:off x="7772001" y="2410166"/>
-            <a:ext cx="574675" cy="2500630"/>
-          </a:xfrm>
-          <a:custGeom>
-            <a:avLst/>
-            <a:gdLst/>
-            <a:ahLst/>
-            <a:cxnLst/>
-            <a:rect l="l" t="t" r="r" b="b"/>
-            <a:pathLst>
-              <a:path w="574675" h="2500629">
-                <a:moveTo>
-                  <a:pt x="0" y="0"/>
-                </a:moveTo>
-                <a:lnTo>
-                  <a:pt x="574199" y="0"/>
-                </a:lnTo>
-                <a:lnTo>
-                  <a:pt x="574199" y="2500500"/>
-                </a:lnTo>
-                <a:lnTo>
-                  <a:pt x="0" y="2500500"/>
-                </a:lnTo>
-                <a:lnTo>
-                  <a:pt x="0" y="0"/>
-                </a:lnTo>
-                <a:close/>
-              </a:path>
-            </a:pathLst>
-          </a:custGeom>
-          <a:solidFill>
-            <a:srgbClr val="E06666"/>
-          </a:solidFill>
-        </p:spPr>
-        <p:txBody>
-          <a:bodyPr wrap="square" lIns="0" tIns="0" rIns="0" bIns="0" rtlCol="0"/>
-          <a:lstStyle/>
-          <a:p>
-            <a:endParaRPr>
-              <a:cs typeface="+mn-ea"/>
-              <a:sym typeface="+mn-lt"/>
-            </a:endParaRPr>
-          </a:p>
-        </p:txBody>
-      </p:sp>
-      <p:sp>
-        <p:nvSpPr>
-          <p:cNvPr id="4" name="object 4"/>
-          <p:cNvSpPr/>
-          <p:nvPr/>
-        </p:nvSpPr>
-        <p:spPr>
-          <a:xfrm>
-            <a:off x="3631126" y="3170567"/>
-            <a:ext cx="574675" cy="1740535"/>
-          </a:xfrm>
-          <a:custGeom>
-            <a:avLst/>
-            <a:gdLst/>
-            <a:ahLst/>
-            <a:cxnLst/>
-            <a:rect l="l" t="t" r="r" b="b"/>
-            <a:pathLst>
-              <a:path w="574675" h="1740535">
-                <a:moveTo>
-                  <a:pt x="0" y="0"/>
-                </a:moveTo>
-                <a:lnTo>
-                  <a:pt x="574199" y="0"/>
-                </a:lnTo>
-                <a:lnTo>
-                  <a:pt x="574199" y="1740000"/>
-                </a:lnTo>
-                <a:lnTo>
-                  <a:pt x="0" y="1740000"/>
-                </a:lnTo>
-                <a:lnTo>
-                  <a:pt x="0" y="0"/>
-                </a:lnTo>
-                <a:close/>
-              </a:path>
-            </a:pathLst>
-          </a:custGeom>
-          <a:solidFill>
-            <a:srgbClr val="42B983"/>
-          </a:solidFill>
-        </p:spPr>
-        <p:txBody>
-          <a:bodyPr wrap="square" lIns="0" tIns="0" rIns="0" bIns="0" rtlCol="0"/>
-          <a:lstStyle/>
-          <a:p>
-            <a:endParaRPr>
-              <a:cs typeface="+mn-ea"/>
-              <a:sym typeface="+mn-lt"/>
-            </a:endParaRPr>
-          </a:p>
-        </p:txBody>
-      </p:sp>
-      <p:sp>
-        <p:nvSpPr>
-          <p:cNvPr id="5" name="object 5"/>
-          <p:cNvSpPr txBox="1"/>
-          <p:nvPr/>
-        </p:nvSpPr>
-        <p:spPr>
-          <a:xfrm>
-            <a:off x="7456595" y="5213064"/>
-            <a:ext cx="1203960" cy="653192"/>
+            <a:off x="5448674" y="2863528"/>
+            <a:ext cx="1294653" cy="756920"/>
           </a:xfrm>
           <a:prstGeom prst="rect">
             <a:avLst/>
           </a:prstGeom>
         </p:spPr>
         <p:txBody>
-          <a:bodyPr vert="horz" wrap="square" lIns="0" tIns="12700" rIns="0" bIns="0" rtlCol="0">
+          <a:bodyPr vert="horz" wrap="square" lIns="0" tIns="12700" rIns="0" bIns="0" rtlCol="0" anchor="ctr">
             <a:spAutoFit/>
           </a:bodyPr>
           <a:lstStyle/>
           <a:p>
-            <a:pPr marL="635" algn="ctr">
+            <a:pPr marL="12700">
               <a:lnSpc>
-                <a:spcPts val="1664"/>
+                <a:spcPct val="100000"/>
               </a:lnSpc>
               <a:spcBef>
                 <a:spcPts val="100"/>
               </a:spcBef>
             </a:pPr>
             <a:r>
-              <a:rPr sz="1400" b="1" spc="25" dirty="0">
-                <a:solidFill>
-                  <a:srgbClr val="34495E"/>
-                </a:solidFill>
-                <a:cs typeface="+mn-ea"/>
-                <a:sym typeface="+mn-lt"/>
-              </a:rPr>
-              <a:t>1.0.26</a:t>
-            </a:r>
-            <a:endParaRPr sz="1400">
+              <a:rPr sz="4800" spc="-20" dirty="0" err="1">
+                <a:solidFill>
+                  <a:srgbClr val="FFFFFF"/>
+                </a:solidFill>
+                <a:latin typeface="+mn-lt"/>
+                <a:ea typeface="+mn-ea"/>
+                <a:cs typeface="+mn-ea"/>
+                <a:sym typeface="+mn-lt"/>
+              </a:rPr>
+              <a:t>优势</a:t>
+            </a:r>
+            <a:endParaRPr sz="4800" dirty="0">
+              <a:latin typeface="+mn-lt"/>
+              <a:ea typeface="+mn-ea"/>
               <a:cs typeface="+mn-ea"/>
               <a:sym typeface="+mn-lt"/>
             </a:endParaRPr>
           </a:p>
-          <a:p>
-            <a:pPr algn="ctr">
-              <a:lnSpc>
-                <a:spcPts val="1664"/>
-              </a:lnSpc>
-            </a:pPr>
-            <a:r>
-              <a:rPr sz="1400" b="1" spc="25" dirty="0">
-                <a:solidFill>
-                  <a:srgbClr val="34495E"/>
-                </a:solidFill>
-                <a:cs typeface="+mn-ea"/>
-                <a:sym typeface="+mn-lt"/>
-              </a:rPr>
-              <a:t>26kb</a:t>
-            </a:r>
-            <a:r>
-              <a:rPr sz="1400" b="1" spc="-70" dirty="0">
-                <a:solidFill>
-                  <a:srgbClr val="34495E"/>
-                </a:solidFill>
-                <a:cs typeface="+mn-ea"/>
-                <a:sym typeface="+mn-lt"/>
-              </a:rPr>
-              <a:t> </a:t>
-            </a:r>
-            <a:r>
-              <a:rPr sz="1400" b="1" spc="10" dirty="0">
-                <a:solidFill>
-                  <a:srgbClr val="34495E"/>
-                </a:solidFill>
-                <a:cs typeface="+mn-ea"/>
-                <a:sym typeface="+mn-lt"/>
-              </a:rPr>
-              <a:t>min+gzip</a:t>
-            </a:r>
-            <a:endParaRPr sz="1400">
-              <a:cs typeface="+mn-ea"/>
-              <a:sym typeface="+mn-lt"/>
-            </a:endParaRPr>
-          </a:p>
-        </p:txBody>
-      </p:sp>
-      <p:sp>
-        <p:nvSpPr>
-          <p:cNvPr id="6" name="object 6"/>
-          <p:cNvSpPr txBox="1"/>
-          <p:nvPr/>
-        </p:nvSpPr>
-        <p:spPr>
-          <a:xfrm>
-            <a:off x="3195200" y="5213063"/>
-            <a:ext cx="1445895" cy="663451"/>
-          </a:xfrm>
-          <a:prstGeom prst="rect">
-            <a:avLst/>
-          </a:prstGeom>
-        </p:spPr>
-        <p:txBody>
-          <a:bodyPr vert="horz" wrap="square" lIns="0" tIns="22860" rIns="0" bIns="0" rtlCol="0">
-            <a:spAutoFit/>
-          </a:bodyPr>
-          <a:lstStyle/>
-          <a:p>
-            <a:pPr marL="132715" marR="5080" indent="-120650">
-              <a:lnSpc>
-                <a:spcPts val="1650"/>
-              </a:lnSpc>
-              <a:spcBef>
-                <a:spcPts val="180"/>
-              </a:spcBef>
-            </a:pPr>
-            <a:r>
-              <a:rPr sz="1400" b="1" spc="25" dirty="0">
-                <a:solidFill>
-                  <a:srgbClr val="34495E"/>
-                </a:solidFill>
-                <a:cs typeface="+mn-ea"/>
-                <a:sym typeface="+mn-lt"/>
-              </a:rPr>
-              <a:t>2.0 </a:t>
-            </a:r>
-            <a:r>
-              <a:rPr sz="1400" b="1" spc="15" dirty="0">
-                <a:solidFill>
-                  <a:srgbClr val="34495E"/>
-                </a:solidFill>
-                <a:cs typeface="+mn-ea"/>
-                <a:sym typeface="+mn-lt"/>
-              </a:rPr>
-              <a:t>Runtime</a:t>
-            </a:r>
-            <a:r>
-              <a:rPr sz="1400" b="1" spc="-75" dirty="0">
-                <a:solidFill>
-                  <a:srgbClr val="34495E"/>
-                </a:solidFill>
-                <a:cs typeface="+mn-ea"/>
-                <a:sym typeface="+mn-lt"/>
-              </a:rPr>
-              <a:t> </a:t>
-            </a:r>
-            <a:r>
-              <a:rPr sz="1400" b="1" spc="25" dirty="0">
-                <a:solidFill>
-                  <a:srgbClr val="34495E"/>
-                </a:solidFill>
-                <a:cs typeface="+mn-ea"/>
-                <a:sym typeface="+mn-lt"/>
-              </a:rPr>
-              <a:t>Build  16kb</a:t>
-            </a:r>
-            <a:r>
-              <a:rPr sz="1400" b="1" spc="-70" dirty="0">
-                <a:solidFill>
-                  <a:srgbClr val="34495E"/>
-                </a:solidFill>
-                <a:cs typeface="+mn-ea"/>
-                <a:sym typeface="+mn-lt"/>
-              </a:rPr>
-              <a:t> </a:t>
-            </a:r>
-            <a:r>
-              <a:rPr sz="1400" b="1" spc="10" dirty="0">
-                <a:solidFill>
-                  <a:srgbClr val="34495E"/>
-                </a:solidFill>
-                <a:cs typeface="+mn-ea"/>
-                <a:sym typeface="+mn-lt"/>
-              </a:rPr>
-              <a:t>min+gzip</a:t>
-            </a:r>
-            <a:endParaRPr sz="1400">
-              <a:cs typeface="+mn-ea"/>
-              <a:sym typeface="+mn-lt"/>
-            </a:endParaRPr>
-          </a:p>
-        </p:txBody>
-      </p:sp>
-      <p:sp>
-        <p:nvSpPr>
-          <p:cNvPr id="7" name="object 7"/>
-          <p:cNvSpPr/>
-          <p:nvPr/>
-        </p:nvSpPr>
-        <p:spPr>
-          <a:xfrm>
-            <a:off x="5808901" y="2410166"/>
-            <a:ext cx="574675" cy="2500630"/>
-          </a:xfrm>
-          <a:custGeom>
-            <a:avLst/>
-            <a:gdLst/>
-            <a:ahLst/>
-            <a:cxnLst/>
-            <a:rect l="l" t="t" r="r" b="b"/>
-            <a:pathLst>
-              <a:path w="574675" h="2500629">
-                <a:moveTo>
-                  <a:pt x="0" y="0"/>
-                </a:moveTo>
-                <a:lnTo>
-                  <a:pt x="574199" y="0"/>
-                </a:lnTo>
-                <a:lnTo>
-                  <a:pt x="574199" y="2500500"/>
-                </a:lnTo>
-                <a:lnTo>
-                  <a:pt x="0" y="2500500"/>
-                </a:lnTo>
-                <a:lnTo>
-                  <a:pt x="0" y="0"/>
-                </a:lnTo>
-                <a:close/>
-              </a:path>
-            </a:pathLst>
-          </a:custGeom>
-          <a:solidFill>
-            <a:srgbClr val="9FC5E7"/>
-          </a:solidFill>
-        </p:spPr>
-        <p:txBody>
-          <a:bodyPr wrap="square" lIns="0" tIns="0" rIns="0" bIns="0" rtlCol="0"/>
-          <a:lstStyle/>
-          <a:p>
-            <a:endParaRPr>
-              <a:cs typeface="+mn-ea"/>
-              <a:sym typeface="+mn-lt"/>
-            </a:endParaRPr>
-          </a:p>
-        </p:txBody>
-      </p:sp>
-      <p:sp>
-        <p:nvSpPr>
-          <p:cNvPr id="8" name="object 8"/>
-          <p:cNvSpPr txBox="1"/>
-          <p:nvPr/>
-        </p:nvSpPr>
-        <p:spPr>
-          <a:xfrm>
-            <a:off x="5013097" y="5213063"/>
-            <a:ext cx="2221230" cy="459100"/>
-          </a:xfrm>
-          <a:prstGeom prst="rect">
-            <a:avLst/>
-          </a:prstGeom>
-        </p:spPr>
-        <p:txBody>
-          <a:bodyPr vert="horz" wrap="square" lIns="0" tIns="22860" rIns="0" bIns="0" rtlCol="0">
-            <a:spAutoFit/>
-          </a:bodyPr>
-          <a:lstStyle/>
-          <a:p>
-            <a:pPr marL="521334" marR="5080" indent="-509270">
-              <a:lnSpc>
-                <a:spcPts val="1650"/>
-              </a:lnSpc>
-              <a:spcBef>
-                <a:spcPts val="180"/>
-              </a:spcBef>
-            </a:pPr>
-            <a:r>
-              <a:rPr sz="1400" b="1" spc="25" dirty="0">
-                <a:solidFill>
-                  <a:srgbClr val="34495E"/>
-                </a:solidFill>
-                <a:cs typeface="+mn-ea"/>
-                <a:sym typeface="+mn-lt"/>
-              </a:rPr>
-              <a:t>Vue </a:t>
-            </a:r>
-            <a:r>
-              <a:rPr sz="1400" b="1" spc="-15" dirty="0">
-                <a:solidFill>
-                  <a:srgbClr val="34495E"/>
-                </a:solidFill>
-                <a:cs typeface="+mn-ea"/>
-                <a:sym typeface="+mn-lt"/>
-              </a:rPr>
-              <a:t>+ </a:t>
-            </a:r>
-            <a:r>
-              <a:rPr sz="1400" b="1" spc="30" dirty="0">
-                <a:solidFill>
-                  <a:srgbClr val="34495E"/>
-                </a:solidFill>
-                <a:cs typeface="+mn-ea"/>
-                <a:sym typeface="+mn-lt"/>
-              </a:rPr>
-              <a:t>vue-router </a:t>
-            </a:r>
-            <a:r>
-              <a:rPr sz="1400" b="1" spc="-15" dirty="0">
-                <a:solidFill>
-                  <a:srgbClr val="34495E"/>
-                </a:solidFill>
-                <a:cs typeface="+mn-ea"/>
-                <a:sym typeface="+mn-lt"/>
-              </a:rPr>
-              <a:t>+ </a:t>
-            </a:r>
-            <a:r>
-              <a:rPr sz="1400" b="1" spc="25" dirty="0">
-                <a:solidFill>
-                  <a:srgbClr val="34495E"/>
-                </a:solidFill>
-                <a:cs typeface="+mn-ea"/>
-                <a:sym typeface="+mn-lt"/>
-              </a:rPr>
-              <a:t>vuex 2.0  26kb</a:t>
-            </a:r>
-            <a:r>
-              <a:rPr sz="1400" b="1" spc="-70" dirty="0">
-                <a:solidFill>
-                  <a:srgbClr val="34495E"/>
-                </a:solidFill>
-                <a:cs typeface="+mn-ea"/>
-                <a:sym typeface="+mn-lt"/>
-              </a:rPr>
-              <a:t> </a:t>
-            </a:r>
-            <a:r>
-              <a:rPr sz="1400" b="1" spc="10" dirty="0">
-                <a:solidFill>
-                  <a:srgbClr val="34495E"/>
-                </a:solidFill>
-                <a:cs typeface="+mn-ea"/>
-                <a:sym typeface="+mn-lt"/>
-              </a:rPr>
-              <a:t>min+gzip</a:t>
-            </a:r>
-            <a:endParaRPr sz="1400">
-              <a:cs typeface="+mn-ea"/>
-              <a:sym typeface="+mn-lt"/>
-            </a:endParaRPr>
-          </a:p>
-        </p:txBody>
-      </p:sp>
-      <p:sp>
-        <p:nvSpPr>
-          <p:cNvPr id="9" name="object 9"/>
-          <p:cNvSpPr txBox="1"/>
-          <p:nvPr/>
-        </p:nvSpPr>
-        <p:spPr>
-          <a:xfrm>
-            <a:off x="5676999" y="628424"/>
-            <a:ext cx="838200" cy="513080"/>
-          </a:xfrm>
-          <a:prstGeom prst="rect">
-            <a:avLst/>
-          </a:prstGeom>
-        </p:spPr>
-        <p:txBody>
-          <a:bodyPr vert="horz" wrap="square" lIns="0" tIns="12700" rIns="0" bIns="0" rtlCol="0">
-            <a:spAutoFit/>
-          </a:bodyPr>
-          <a:lstStyle/>
-          <a:p>
-            <a:pPr marL="12700">
-              <a:spcBef>
-                <a:spcPts val="100"/>
-              </a:spcBef>
-            </a:pPr>
-            <a:r>
-              <a:rPr sz="3200" b="1" spc="-20" dirty="0">
-                <a:solidFill>
-                  <a:srgbClr val="34495E"/>
-                </a:solidFill>
-                <a:cs typeface="+mn-ea"/>
-                <a:sym typeface="+mn-lt"/>
-              </a:rPr>
-              <a:t>更</a:t>
-            </a:r>
-            <a:r>
-              <a:rPr sz="3200" b="1" spc="-15" dirty="0">
-                <a:solidFill>
-                  <a:srgbClr val="34495E"/>
-                </a:solidFill>
-                <a:cs typeface="+mn-ea"/>
-                <a:sym typeface="+mn-lt"/>
-              </a:rPr>
-              <a:t>轻</a:t>
-            </a:r>
-            <a:endParaRPr sz="3200">
-              <a:cs typeface="+mn-ea"/>
-              <a:sym typeface="+mn-lt"/>
-            </a:endParaRPr>
-          </a:p>
         </p:txBody>
       </p:sp>
     </p:spTree>
     <p:extLst>
       <p:ext uri="{BB962C8B-B14F-4D97-AF65-F5344CB8AC3E}">
-        <p14:creationId xmlns:p14="http://schemas.microsoft.com/office/powerpoint/2010/main" val="861674905"/>
+        <p14:creationId xmlns:p14="http://schemas.microsoft.com/office/powerpoint/2010/main" val="35480109"/>
       </p:ext>
     </p:extLst>
   </p:cSld>
@@ -20029,7 +19573,7 @@
         </p:nvSpPr>
         <p:spPr>
           <a:xfrm>
-            <a:off x="1524000" y="4913534"/>
+            <a:off x="1524000" y="4910554"/>
             <a:ext cx="9144000" cy="0"/>
           </a:xfrm>
           <a:custGeom>
@@ -20069,56 +19613,13 @@
       <p:sp>
         <p:nvSpPr>
           <p:cNvPr id="3" name="object 3"/>
-          <p:cNvSpPr txBox="1"/>
+          <p:cNvSpPr/>
           <p:nvPr/>
         </p:nvSpPr>
         <p:spPr>
           <a:xfrm>
-            <a:off x="5676999" y="630094"/>
-            <a:ext cx="838200" cy="513080"/>
-          </a:xfrm>
-          <a:prstGeom prst="rect">
-            <a:avLst/>
-          </a:prstGeom>
-        </p:spPr>
-        <p:txBody>
-          <a:bodyPr vert="horz" wrap="square" lIns="0" tIns="12700" rIns="0" bIns="0" rtlCol="0">
-            <a:spAutoFit/>
-          </a:bodyPr>
-          <a:lstStyle/>
-          <a:p>
-            <a:pPr marL="12700">
-              <a:spcBef>
-                <a:spcPts val="100"/>
-              </a:spcBef>
-            </a:pPr>
-            <a:r>
-              <a:rPr sz="3200" b="1" spc="-15" dirty="0">
-                <a:solidFill>
-                  <a:srgbClr val="34495E"/>
-                </a:solidFill>
-                <a:cs typeface="+mn-ea"/>
-                <a:sym typeface="+mn-lt"/>
-              </a:rPr>
-              <a:t>更快</a:t>
-            </a:r>
-            <a:endParaRPr sz="3200">
-              <a:cs typeface="+mn-ea"/>
-              <a:sym typeface="+mn-lt"/>
-            </a:endParaRPr>
-          </a:p>
-        </p:txBody>
-      </p:sp>
-      <p:sp>
-        <p:nvSpPr>
-          <p:cNvPr id="4" name="object 4"/>
-          <p:cNvSpPr/>
-          <p:nvPr/>
-        </p:nvSpPr>
-        <p:spPr>
-          <a:xfrm>
-            <a:off x="3300626" y="3586817"/>
-            <a:ext cx="570865" cy="1327150"/>
+            <a:off x="7772001" y="2410166"/>
+            <a:ext cx="574675" cy="2500630"/>
           </a:xfrm>
           <a:custGeom>
             <a:avLst/>
@@ -20127,18 +19628,18 @@
             <a:cxnLst/>
             <a:rect l="l" t="t" r="r" b="b"/>
             <a:pathLst>
-              <a:path w="570864" h="1327150">
+              <a:path w="574675" h="2500629">
                 <a:moveTo>
                   <a:pt x="0" y="0"/>
                 </a:moveTo>
                 <a:lnTo>
-                  <a:pt x="570299" y="0"/>
-                </a:lnTo>
-                <a:lnTo>
-                  <a:pt x="570299" y="1326899"/>
-                </a:lnTo>
-                <a:lnTo>
-                  <a:pt x="0" y="1326899"/>
+                  <a:pt x="574199" y="0"/>
+                </a:lnTo>
+                <a:lnTo>
+                  <a:pt x="574199" y="2500500"/>
+                </a:lnTo>
+                <a:lnTo>
+                  <a:pt x="0" y="2500500"/>
                 </a:lnTo>
                 <a:lnTo>
                   <a:pt x="0" y="0"/>
@@ -20148,7 +19649,7 @@
             </a:pathLst>
           </a:custGeom>
           <a:solidFill>
-            <a:srgbClr val="D9D1E9"/>
+            <a:srgbClr val="E06666"/>
           </a:solidFill>
         </p:spPr>
         <p:txBody>
@@ -20164,14 +19665,14 @@
       </p:sp>
       <p:sp>
         <p:nvSpPr>
-          <p:cNvPr id="5" name="object 5"/>
+          <p:cNvPr id="4" name="object 4"/>
           <p:cNvSpPr/>
           <p:nvPr/>
         </p:nvSpPr>
         <p:spPr>
           <a:xfrm>
-            <a:off x="4557050" y="3180101"/>
-            <a:ext cx="570865" cy="1733550"/>
+            <a:off x="3631126" y="3170567"/>
+            <a:ext cx="574675" cy="1740535"/>
           </a:xfrm>
           <a:custGeom>
             <a:avLst/>
@@ -20180,18 +19681,18 @@
             <a:cxnLst/>
             <a:rect l="l" t="t" r="r" b="b"/>
             <a:pathLst>
-              <a:path w="570864" h="1733550">
+              <a:path w="574675" h="1740535">
                 <a:moveTo>
                   <a:pt x="0" y="0"/>
                 </a:moveTo>
                 <a:lnTo>
-                  <a:pt x="570299" y="0"/>
-                </a:lnTo>
-                <a:lnTo>
-                  <a:pt x="570299" y="1733099"/>
-                </a:lnTo>
-                <a:lnTo>
-                  <a:pt x="0" y="1733099"/>
+                  <a:pt x="574199" y="0"/>
+                </a:lnTo>
+                <a:lnTo>
+                  <a:pt x="574199" y="1740000"/>
+                </a:lnTo>
+                <a:lnTo>
+                  <a:pt x="0" y="1740000"/>
                 </a:lnTo>
                 <a:lnTo>
                   <a:pt x="0" y="0"/>
@@ -20217,14 +19718,197 @@
       </p:sp>
       <p:sp>
         <p:nvSpPr>
+          <p:cNvPr id="5" name="object 5"/>
+          <p:cNvSpPr txBox="1"/>
+          <p:nvPr/>
+        </p:nvSpPr>
+        <p:spPr>
+          <a:xfrm>
+            <a:off x="7456595" y="5213064"/>
+            <a:ext cx="1203960" cy="653192"/>
+          </a:xfrm>
+          <a:prstGeom prst="rect">
+            <a:avLst/>
+          </a:prstGeom>
+        </p:spPr>
+        <p:txBody>
+          <a:bodyPr vert="horz" wrap="square" lIns="0" tIns="12700" rIns="0" bIns="0" rtlCol="0">
+            <a:spAutoFit/>
+          </a:bodyPr>
+          <a:lstStyle/>
+          <a:p>
+            <a:pPr marL="635" algn="ctr">
+              <a:lnSpc>
+                <a:spcPts val="1664"/>
+              </a:lnSpc>
+              <a:spcBef>
+                <a:spcPts val="100"/>
+              </a:spcBef>
+            </a:pPr>
+            <a:r>
+              <a:rPr sz="1400" b="1" spc="25" dirty="0">
+                <a:solidFill>
+                  <a:srgbClr val="34495E"/>
+                </a:solidFill>
+                <a:cs typeface="+mn-ea"/>
+                <a:sym typeface="+mn-lt"/>
+              </a:rPr>
+              <a:t>1.0.26</a:t>
+            </a:r>
+            <a:endParaRPr sz="1400">
+              <a:cs typeface="+mn-ea"/>
+              <a:sym typeface="+mn-lt"/>
+            </a:endParaRPr>
+          </a:p>
+          <a:p>
+            <a:pPr algn="ctr">
+              <a:lnSpc>
+                <a:spcPts val="1664"/>
+              </a:lnSpc>
+            </a:pPr>
+            <a:r>
+              <a:rPr sz="1400" b="1" spc="25" dirty="0">
+                <a:solidFill>
+                  <a:srgbClr val="34495E"/>
+                </a:solidFill>
+                <a:cs typeface="+mn-ea"/>
+                <a:sym typeface="+mn-lt"/>
+              </a:rPr>
+              <a:t>26kb</a:t>
+            </a:r>
+            <a:r>
+              <a:rPr sz="1400" b="1" spc="-70" dirty="0">
+                <a:solidFill>
+                  <a:srgbClr val="34495E"/>
+                </a:solidFill>
+                <a:cs typeface="+mn-ea"/>
+                <a:sym typeface="+mn-lt"/>
+              </a:rPr>
+              <a:t> </a:t>
+            </a:r>
+            <a:r>
+              <a:rPr sz="1400" b="1" spc="10" dirty="0">
+                <a:solidFill>
+                  <a:srgbClr val="34495E"/>
+                </a:solidFill>
+                <a:cs typeface="+mn-ea"/>
+                <a:sym typeface="+mn-lt"/>
+              </a:rPr>
+              <a:t>min+gzip</a:t>
+            </a:r>
+            <a:endParaRPr sz="1400">
+              <a:cs typeface="+mn-ea"/>
+              <a:sym typeface="+mn-lt"/>
+            </a:endParaRPr>
+          </a:p>
+        </p:txBody>
+      </p:sp>
+      <p:sp>
+        <p:nvSpPr>
           <p:cNvPr id="6" name="object 6"/>
+          <p:cNvSpPr txBox="1"/>
+          <p:nvPr/>
+        </p:nvSpPr>
+        <p:spPr>
+          <a:xfrm>
+            <a:off x="3195200" y="5213063"/>
+            <a:ext cx="1445895" cy="663451"/>
+          </a:xfrm>
+          <a:prstGeom prst="rect">
+            <a:avLst/>
+          </a:prstGeom>
+        </p:spPr>
+        <p:txBody>
+          <a:bodyPr vert="horz" wrap="square" lIns="0" tIns="22860" rIns="0" bIns="0" rtlCol="0">
+            <a:spAutoFit/>
+          </a:bodyPr>
+          <a:lstStyle/>
+          <a:p>
+            <a:pPr marL="132715" marR="5080" indent="-120650">
+              <a:lnSpc>
+                <a:spcPts val="1650"/>
+              </a:lnSpc>
+              <a:spcBef>
+                <a:spcPts val="180"/>
+              </a:spcBef>
+            </a:pPr>
+            <a:r>
+              <a:rPr sz="1400" b="1" spc="25" dirty="0">
+                <a:solidFill>
+                  <a:srgbClr val="34495E"/>
+                </a:solidFill>
+                <a:cs typeface="+mn-ea"/>
+                <a:sym typeface="+mn-lt"/>
+              </a:rPr>
+              <a:t>2.0 </a:t>
+            </a:r>
+            <a:r>
+              <a:rPr sz="1400" b="1" spc="15" dirty="0">
+                <a:solidFill>
+                  <a:srgbClr val="34495E"/>
+                </a:solidFill>
+                <a:cs typeface="+mn-ea"/>
+                <a:sym typeface="+mn-lt"/>
+              </a:rPr>
+              <a:t>Runtime</a:t>
+            </a:r>
+            <a:r>
+              <a:rPr sz="1400" b="1" spc="-75" dirty="0">
+                <a:solidFill>
+                  <a:srgbClr val="34495E"/>
+                </a:solidFill>
+                <a:cs typeface="+mn-ea"/>
+                <a:sym typeface="+mn-lt"/>
+              </a:rPr>
+              <a:t> </a:t>
+            </a:r>
+            <a:r>
+              <a:rPr sz="1400" b="1" spc="25" dirty="0">
+                <a:solidFill>
+                  <a:srgbClr val="34495E"/>
+                </a:solidFill>
+                <a:cs typeface="+mn-ea"/>
+                <a:sym typeface="+mn-lt"/>
+              </a:rPr>
+              <a:t>Build  16kb</a:t>
+            </a:r>
+            <a:r>
+              <a:rPr sz="1400" b="1" spc="-70" dirty="0">
+                <a:solidFill>
+                  <a:srgbClr val="34495E"/>
+                </a:solidFill>
+                <a:cs typeface="+mn-ea"/>
+                <a:sym typeface="+mn-lt"/>
+              </a:rPr>
+              <a:t> </a:t>
+            </a:r>
+            <a:r>
+              <a:rPr sz="1400" b="1" spc="10" dirty="0">
+                <a:solidFill>
+                  <a:srgbClr val="34495E"/>
+                </a:solidFill>
+                <a:cs typeface="+mn-ea"/>
+                <a:sym typeface="+mn-lt"/>
+              </a:rPr>
+              <a:t>min+gzip</a:t>
+            </a:r>
+            <a:endParaRPr sz="1400">
+              <a:cs typeface="+mn-ea"/>
+              <a:sym typeface="+mn-lt"/>
+            </a:endParaRPr>
+          </a:p>
+        </p:txBody>
+      </p:sp>
+      <p:sp>
+        <p:nvSpPr>
+          <p:cNvPr id="7" name="object 7"/>
           <p:cNvSpPr/>
           <p:nvPr/>
         </p:nvSpPr>
         <p:spPr>
           <a:xfrm>
-            <a:off x="5813475" y="2572869"/>
-            <a:ext cx="570865" cy="2340610"/>
+            <a:off x="5808901" y="2410166"/>
+            <a:ext cx="574675" cy="2500630"/>
           </a:xfrm>
           <a:custGeom>
             <a:avLst/>
@@ -20233,18 +19917,18 @@
             <a:cxnLst/>
             <a:rect l="l" t="t" r="r" b="b"/>
             <a:pathLst>
-              <a:path w="570864" h="2340610">
+              <a:path w="574675" h="2500629">
                 <a:moveTo>
                   <a:pt x="0" y="0"/>
                 </a:moveTo>
                 <a:lnTo>
-                  <a:pt x="570299" y="0"/>
-                </a:lnTo>
-                <a:lnTo>
-                  <a:pt x="570299" y="2340300"/>
-                </a:lnTo>
-                <a:lnTo>
-                  <a:pt x="0" y="2340300"/>
+                  <a:pt x="574199" y="0"/>
+                </a:lnTo>
+                <a:lnTo>
+                  <a:pt x="574199" y="2500500"/>
+                </a:lnTo>
+                <a:lnTo>
+                  <a:pt x="0" y="2500500"/>
                 </a:lnTo>
                 <a:lnTo>
                   <a:pt x="0" y="0"/>
@@ -20254,7 +19938,7 @@
             </a:pathLst>
           </a:custGeom>
           <a:solidFill>
-            <a:srgbClr val="A4C1F4"/>
+            <a:srgbClr val="9FC5E7"/>
           </a:solidFill>
         </p:spPr>
         <p:txBody>
@@ -20270,67 +19954,14 @@
       </p:sp>
       <p:sp>
         <p:nvSpPr>
-          <p:cNvPr id="7" name="object 7"/>
-          <p:cNvSpPr/>
-          <p:nvPr/>
-        </p:nvSpPr>
-        <p:spPr>
-          <a:xfrm>
-            <a:off x="7069876" y="2505286"/>
-            <a:ext cx="570865" cy="2408555"/>
-          </a:xfrm>
-          <a:custGeom>
-            <a:avLst/>
-            <a:gdLst/>
-            <a:ahLst/>
-            <a:cxnLst/>
-            <a:rect l="l" t="t" r="r" b="b"/>
-            <a:pathLst>
-              <a:path w="570864" h="2408554">
-                <a:moveTo>
-                  <a:pt x="0" y="0"/>
-                </a:moveTo>
-                <a:lnTo>
-                  <a:pt x="570299" y="0"/>
-                </a:lnTo>
-                <a:lnTo>
-                  <a:pt x="570299" y="2408099"/>
-                </a:lnTo>
-                <a:lnTo>
-                  <a:pt x="0" y="2408099"/>
-                </a:lnTo>
-                <a:lnTo>
-                  <a:pt x="0" y="0"/>
-                </a:lnTo>
-                <a:close/>
-              </a:path>
-            </a:pathLst>
-          </a:custGeom>
-          <a:solidFill>
-            <a:srgbClr val="E06666"/>
-          </a:solidFill>
-        </p:spPr>
-        <p:txBody>
-          <a:bodyPr wrap="square" lIns="0" tIns="0" rIns="0" bIns="0" rtlCol="0"/>
-          <a:lstStyle/>
-          <a:p>
-            <a:endParaRPr>
-              <a:cs typeface="+mn-ea"/>
-              <a:sym typeface="+mn-lt"/>
-            </a:endParaRPr>
-          </a:p>
-        </p:txBody>
-      </p:sp>
-      <p:sp>
-        <p:nvSpPr>
           <p:cNvPr id="8" name="object 8"/>
           <p:cNvSpPr txBox="1"/>
           <p:nvPr/>
         </p:nvSpPr>
         <p:spPr>
           <a:xfrm>
-            <a:off x="3123617" y="5184297"/>
-            <a:ext cx="924560" cy="459100"/>
+            <a:off x="5013097" y="5213063"/>
+            <a:ext cx="2221230" cy="459100"/>
           </a:xfrm>
           <a:prstGeom prst="rect">
             <a:avLst/>
@@ -20342,7 +19973,7 @@
           </a:bodyPr>
           <a:lstStyle/>
           <a:p>
-            <a:pPr marL="12700" marR="5080" indent="162560">
+            <a:pPr marL="521334" marR="5080" indent="-509270">
               <a:lnSpc>
                 <a:spcPts val="1650"/>
               </a:lnSpc>
@@ -20351,14 +19982,74 @@
               </a:spcBef>
             </a:pPr>
             <a:r>
-              <a:rPr sz="1400" b="1" spc="-5" dirty="0">
+              <a:rPr sz="1400" b="1" spc="25" dirty="0">
                 <a:solidFill>
                   <a:srgbClr val="34495E"/>
                 </a:solidFill>
                 <a:cs typeface="+mn-ea"/>
                 <a:sym typeface="+mn-lt"/>
               </a:rPr>
-              <a:t>Vanilla  JavaScript</a:t>
+              <a:t>Vue </a:t>
+            </a:r>
+            <a:r>
+              <a:rPr sz="1400" b="1" spc="-15" dirty="0">
+                <a:solidFill>
+                  <a:srgbClr val="34495E"/>
+                </a:solidFill>
+                <a:cs typeface="+mn-ea"/>
+                <a:sym typeface="+mn-lt"/>
+              </a:rPr>
+              <a:t>+ </a:t>
+            </a:r>
+            <a:r>
+              <a:rPr sz="1400" b="1" spc="30" dirty="0">
+                <a:solidFill>
+                  <a:srgbClr val="34495E"/>
+                </a:solidFill>
+                <a:cs typeface="+mn-ea"/>
+                <a:sym typeface="+mn-lt"/>
+              </a:rPr>
+              <a:t>vue-router </a:t>
+            </a:r>
+            <a:r>
+              <a:rPr sz="1400" b="1" spc="-15" dirty="0">
+                <a:solidFill>
+                  <a:srgbClr val="34495E"/>
+                </a:solidFill>
+                <a:cs typeface="+mn-ea"/>
+                <a:sym typeface="+mn-lt"/>
+              </a:rPr>
+              <a:t>+ </a:t>
+            </a:r>
+            <a:r>
+              <a:rPr sz="1400" b="1" spc="25" dirty="0">
+                <a:solidFill>
+                  <a:srgbClr val="34495E"/>
+                </a:solidFill>
+                <a:cs typeface="+mn-ea"/>
+                <a:sym typeface="+mn-lt"/>
+              </a:rPr>
+              <a:t>vuex 2.0  26kb</a:t>
+            </a:r>
+            <a:r>
+              <a:rPr sz="1400" b="1" spc="-70" dirty="0">
+                <a:solidFill>
+                  <a:srgbClr val="34495E"/>
+                </a:solidFill>
+                <a:cs typeface="+mn-ea"/>
+                <a:sym typeface="+mn-lt"/>
+              </a:rPr>
+              <a:t> </a:t>
+            </a:r>
+            <a:r>
+              <a:rPr sz="1400" b="1" spc="10" dirty="0">
+                <a:solidFill>
+                  <a:srgbClr val="34495E"/>
+                </a:solidFill>
+                <a:cs typeface="+mn-ea"/>
+                <a:sym typeface="+mn-lt"/>
+              </a:rPr>
+              <a:t>min+gzip</a:t>
             </a:r>
             <a:endParaRPr sz="1400">
               <a:cs typeface="+mn-ea"/>
@@ -20375,8 +20066,8 @@
         </p:nvSpPr>
         <p:spPr>
           <a:xfrm>
-            <a:off x="4518351" y="5184297"/>
-            <a:ext cx="647065" cy="228268"/>
+            <a:off x="5676999" y="628424"/>
+            <a:ext cx="838200" cy="513080"/>
           </a:xfrm>
           <a:prstGeom prst="rect">
             <a:avLst/>
@@ -20394,506 +20085,36 @@
               </a:spcBef>
             </a:pPr>
             <a:r>
-              <a:rPr sz="1400" b="1" spc="-5" dirty="0">
+              <a:rPr sz="3200" b="1" spc="-20" dirty="0">
                 <a:solidFill>
                   <a:srgbClr val="34495E"/>
                 </a:solidFill>
                 <a:cs typeface="+mn-ea"/>
                 <a:sym typeface="+mn-lt"/>
               </a:rPr>
-              <a:t>Vue</a:t>
-            </a:r>
-            <a:r>
-              <a:rPr sz="1400" b="1" spc="-100" dirty="0">
+              <a:t>更</a:t>
+            </a:r>
+            <a:r>
+              <a:rPr sz="3200" b="1" spc="-15" dirty="0">
                 <a:solidFill>
                   <a:srgbClr val="34495E"/>
                 </a:solidFill>
                 <a:cs typeface="+mn-ea"/>
                 <a:sym typeface="+mn-lt"/>
               </a:rPr>
-              <a:t> </a:t>
-            </a:r>
-            <a:r>
-              <a:rPr sz="1400" b="1" spc="-5" dirty="0">
-                <a:solidFill>
-                  <a:srgbClr val="34495E"/>
-                </a:solidFill>
-                <a:cs typeface="+mn-ea"/>
-                <a:sym typeface="+mn-lt"/>
-              </a:rPr>
-              <a:t>2.0</a:t>
-            </a:r>
-            <a:endParaRPr sz="1400">
+              <a:t>轻</a:t>
+            </a:r>
+            <a:endParaRPr sz="3200">
               <a:cs typeface="+mn-ea"/>
               <a:sym typeface="+mn-lt"/>
             </a:endParaRPr>
           </a:p>
         </p:txBody>
       </p:sp>
-      <p:sp>
-        <p:nvSpPr>
-          <p:cNvPr id="10" name="object 10"/>
-          <p:cNvSpPr txBox="1"/>
-          <p:nvPr/>
-        </p:nvSpPr>
-        <p:spPr>
-          <a:xfrm>
-            <a:off x="5838897" y="5184285"/>
-            <a:ext cx="520065" cy="459100"/>
-          </a:xfrm>
-          <a:prstGeom prst="rect">
-            <a:avLst/>
-          </a:prstGeom>
-        </p:spPr>
-        <p:txBody>
-          <a:bodyPr vert="horz" wrap="square" lIns="0" tIns="22860" rIns="0" bIns="0" rtlCol="0">
-            <a:spAutoFit/>
-          </a:bodyPr>
-          <a:lstStyle/>
-          <a:p>
-            <a:pPr marL="12700" marR="5080" indent="4445">
-              <a:lnSpc>
-                <a:spcPts val="1650"/>
-              </a:lnSpc>
-              <a:spcBef>
-                <a:spcPts val="180"/>
-              </a:spcBef>
-            </a:pPr>
-            <a:r>
-              <a:rPr sz="1400" b="1" spc="-5" dirty="0">
-                <a:solidFill>
-                  <a:srgbClr val="34495E"/>
-                </a:solidFill>
-                <a:cs typeface="+mn-ea"/>
-                <a:sym typeface="+mn-lt"/>
-              </a:rPr>
-              <a:t>React  15.3.1</a:t>
-            </a:r>
-            <a:endParaRPr sz="1400">
-              <a:cs typeface="+mn-ea"/>
-              <a:sym typeface="+mn-lt"/>
-            </a:endParaRPr>
-          </a:p>
-        </p:txBody>
-      </p:sp>
-      <p:sp>
-        <p:nvSpPr>
-          <p:cNvPr id="11" name="object 11"/>
-          <p:cNvSpPr txBox="1"/>
-          <p:nvPr/>
-        </p:nvSpPr>
-        <p:spPr>
-          <a:xfrm>
-            <a:off x="6957031" y="5161835"/>
-            <a:ext cx="796290" cy="459100"/>
-          </a:xfrm>
-          <a:prstGeom prst="rect">
-            <a:avLst/>
-          </a:prstGeom>
-        </p:spPr>
-        <p:txBody>
-          <a:bodyPr vert="horz" wrap="square" lIns="0" tIns="22860" rIns="0" bIns="0" rtlCol="0">
-            <a:spAutoFit/>
-          </a:bodyPr>
-          <a:lstStyle/>
-          <a:p>
-            <a:pPr marL="12700" marR="5080" indent="49530">
-              <a:lnSpc>
-                <a:spcPts val="1650"/>
-              </a:lnSpc>
-              <a:spcBef>
-                <a:spcPts val="180"/>
-              </a:spcBef>
-            </a:pPr>
-            <a:r>
-              <a:rPr sz="1400" b="1" spc="-5" dirty="0">
-                <a:solidFill>
-                  <a:srgbClr val="34495E"/>
-                </a:solidFill>
-                <a:cs typeface="+mn-ea"/>
-                <a:sym typeface="+mn-lt"/>
-              </a:rPr>
-              <a:t>Angular  2.0.0-rc.5</a:t>
-            </a:r>
-            <a:endParaRPr sz="1400">
-              <a:cs typeface="+mn-ea"/>
-              <a:sym typeface="+mn-lt"/>
-            </a:endParaRPr>
-          </a:p>
-        </p:txBody>
-      </p:sp>
-      <p:sp>
-        <p:nvSpPr>
-          <p:cNvPr id="12" name="object 12"/>
-          <p:cNvSpPr txBox="1"/>
-          <p:nvPr/>
-        </p:nvSpPr>
-        <p:spPr>
-          <a:xfrm>
-            <a:off x="3476892" y="3246022"/>
-            <a:ext cx="217804" cy="228268"/>
-          </a:xfrm>
-          <a:prstGeom prst="rect">
-            <a:avLst/>
-          </a:prstGeom>
-        </p:spPr>
-        <p:txBody>
-          <a:bodyPr vert="horz" wrap="square" lIns="0" tIns="12700" rIns="0" bIns="0" rtlCol="0">
-            <a:spAutoFit/>
-          </a:bodyPr>
-          <a:lstStyle/>
-          <a:p>
-            <a:pPr marL="12700">
-              <a:spcBef>
-                <a:spcPts val="100"/>
-              </a:spcBef>
-            </a:pPr>
-            <a:r>
-              <a:rPr sz="1400" b="1" spc="25" dirty="0">
-                <a:solidFill>
-                  <a:srgbClr val="34495E"/>
-                </a:solidFill>
-                <a:cs typeface="+mn-ea"/>
-                <a:sym typeface="+mn-lt"/>
-              </a:rPr>
-              <a:t>1x</a:t>
-            </a:r>
-            <a:endParaRPr sz="1400">
-              <a:cs typeface="+mn-ea"/>
-              <a:sym typeface="+mn-lt"/>
-            </a:endParaRPr>
-          </a:p>
-        </p:txBody>
-      </p:sp>
-      <p:sp>
-        <p:nvSpPr>
-          <p:cNvPr id="13" name="object 13"/>
-          <p:cNvSpPr txBox="1"/>
-          <p:nvPr/>
-        </p:nvSpPr>
-        <p:spPr>
-          <a:xfrm>
-            <a:off x="4605553" y="2746813"/>
-            <a:ext cx="473075" cy="228268"/>
-          </a:xfrm>
-          <a:prstGeom prst="rect">
-            <a:avLst/>
-          </a:prstGeom>
-        </p:spPr>
-        <p:txBody>
-          <a:bodyPr vert="horz" wrap="square" lIns="0" tIns="12700" rIns="0" bIns="0" rtlCol="0">
-            <a:spAutoFit/>
-          </a:bodyPr>
-          <a:lstStyle/>
-          <a:p>
-            <a:pPr marL="12700">
-              <a:spcBef>
-                <a:spcPts val="100"/>
-              </a:spcBef>
-            </a:pPr>
-            <a:r>
-              <a:rPr sz="1400" b="1" spc="25" dirty="0">
-                <a:solidFill>
-                  <a:srgbClr val="34495E"/>
-                </a:solidFill>
-                <a:cs typeface="+mn-ea"/>
-                <a:sym typeface="+mn-lt"/>
-              </a:rPr>
-              <a:t>1.37x</a:t>
-            </a:r>
-            <a:endParaRPr sz="1400">
-              <a:cs typeface="+mn-ea"/>
-              <a:sym typeface="+mn-lt"/>
-            </a:endParaRPr>
-          </a:p>
-        </p:txBody>
-      </p:sp>
-      <p:sp>
-        <p:nvSpPr>
-          <p:cNvPr id="14" name="object 14"/>
-          <p:cNvSpPr txBox="1"/>
-          <p:nvPr/>
-        </p:nvSpPr>
-        <p:spPr>
-          <a:xfrm>
-            <a:off x="5876528" y="2128951"/>
-            <a:ext cx="473075" cy="228268"/>
-          </a:xfrm>
-          <a:prstGeom prst="rect">
-            <a:avLst/>
-          </a:prstGeom>
-        </p:spPr>
-        <p:txBody>
-          <a:bodyPr vert="horz" wrap="square" lIns="0" tIns="12700" rIns="0" bIns="0" rtlCol="0">
-            <a:spAutoFit/>
-          </a:bodyPr>
-          <a:lstStyle/>
-          <a:p>
-            <a:pPr marL="12700">
-              <a:spcBef>
-                <a:spcPts val="100"/>
-              </a:spcBef>
-            </a:pPr>
-            <a:r>
-              <a:rPr sz="1400" b="1" spc="25" dirty="0">
-                <a:solidFill>
-                  <a:srgbClr val="34495E"/>
-                </a:solidFill>
-                <a:cs typeface="+mn-ea"/>
-                <a:sym typeface="+mn-lt"/>
-              </a:rPr>
-              <a:t>1.82x</a:t>
-            </a:r>
-            <a:endParaRPr sz="1400">
-              <a:cs typeface="+mn-ea"/>
-              <a:sym typeface="+mn-lt"/>
-            </a:endParaRPr>
-          </a:p>
-        </p:txBody>
-      </p:sp>
-      <p:sp>
-        <p:nvSpPr>
-          <p:cNvPr id="15" name="object 15"/>
-          <p:cNvSpPr txBox="1">
-            <a:spLocks noGrp="1"/>
-          </p:cNvSpPr>
-          <p:nvPr>
-            <p:ph type="title"/>
-          </p:nvPr>
-        </p:nvSpPr>
-        <p:spPr>
-          <a:xfrm>
-            <a:off x="8360227" y="1818810"/>
-            <a:ext cx="473075" cy="228268"/>
-          </a:xfrm>
-          <a:prstGeom prst="rect">
-            <a:avLst/>
-          </a:prstGeom>
-        </p:spPr>
-        <p:txBody>
-          <a:bodyPr vert="horz" wrap="square" lIns="0" tIns="12700" rIns="0" bIns="0" rtlCol="0" anchor="ctr">
-            <a:spAutoFit/>
-          </a:bodyPr>
-          <a:lstStyle/>
-          <a:p>
-            <a:pPr marL="12700">
-              <a:lnSpc>
-                <a:spcPct val="100000"/>
-              </a:lnSpc>
-              <a:spcBef>
-                <a:spcPts val="100"/>
-              </a:spcBef>
-            </a:pPr>
-            <a:r>
-              <a:rPr sz="1400" spc="25" dirty="0">
-                <a:solidFill>
-                  <a:srgbClr val="34495E"/>
-                </a:solidFill>
-                <a:latin typeface="+mn-lt"/>
-                <a:ea typeface="+mn-ea"/>
-                <a:cs typeface="+mn-ea"/>
-                <a:sym typeface="+mn-lt"/>
-              </a:rPr>
-              <a:t>2.16x</a:t>
-            </a:r>
-            <a:endParaRPr sz="1400">
-              <a:latin typeface="+mn-lt"/>
-              <a:ea typeface="+mn-ea"/>
-              <a:cs typeface="+mn-ea"/>
-              <a:sym typeface="+mn-lt"/>
-            </a:endParaRPr>
-          </a:p>
-        </p:txBody>
-      </p:sp>
-      <p:sp>
-        <p:nvSpPr>
-          <p:cNvPr id="16" name="object 16"/>
-          <p:cNvSpPr txBox="1"/>
-          <p:nvPr/>
-        </p:nvSpPr>
-        <p:spPr>
-          <a:xfrm>
-            <a:off x="9079824" y="6498307"/>
-            <a:ext cx="1397000" cy="197490"/>
-          </a:xfrm>
-          <a:prstGeom prst="rect">
-            <a:avLst/>
-          </a:prstGeom>
-        </p:spPr>
-        <p:txBody>
-          <a:bodyPr vert="horz" wrap="square" lIns="0" tIns="12700" rIns="0" bIns="0" rtlCol="0">
-            <a:spAutoFit/>
-          </a:bodyPr>
-          <a:lstStyle/>
-          <a:p>
-            <a:pPr marL="12700">
-              <a:spcBef>
-                <a:spcPts val="100"/>
-              </a:spcBef>
-            </a:pPr>
-            <a:r>
-              <a:rPr sz="1200" u="sng" dirty="0">
-                <a:solidFill>
-                  <a:srgbClr val="34495E"/>
-                </a:solidFill>
-                <a:cs typeface="+mn-ea"/>
-                <a:sym typeface="+mn-lt"/>
-              </a:rPr>
-              <a:t>基于第三方独立测试</a:t>
-            </a:r>
-            <a:endParaRPr sz="1200" dirty="0">
-              <a:cs typeface="+mn-ea"/>
-              <a:sym typeface="+mn-lt"/>
-            </a:endParaRPr>
-          </a:p>
-        </p:txBody>
-      </p:sp>
-      <p:sp>
-        <p:nvSpPr>
-          <p:cNvPr id="17" name="object 17"/>
-          <p:cNvSpPr/>
-          <p:nvPr/>
-        </p:nvSpPr>
-        <p:spPr>
-          <a:xfrm>
-            <a:off x="8326275" y="2249936"/>
-            <a:ext cx="570865" cy="2663825"/>
-          </a:xfrm>
-          <a:custGeom>
-            <a:avLst/>
-            <a:gdLst/>
-            <a:ahLst/>
-            <a:cxnLst/>
-            <a:rect l="l" t="t" r="r" b="b"/>
-            <a:pathLst>
-              <a:path w="570865" h="2663825">
-                <a:moveTo>
-                  <a:pt x="0" y="0"/>
-                </a:moveTo>
-                <a:lnTo>
-                  <a:pt x="570299" y="0"/>
-                </a:lnTo>
-                <a:lnTo>
-                  <a:pt x="570299" y="2663699"/>
-                </a:lnTo>
-                <a:lnTo>
-                  <a:pt x="0" y="2663699"/>
-                </a:lnTo>
-                <a:lnTo>
-                  <a:pt x="0" y="0"/>
-                </a:lnTo>
-                <a:close/>
-              </a:path>
-            </a:pathLst>
-          </a:custGeom>
-          <a:solidFill>
-            <a:srgbClr val="34495E"/>
-          </a:solidFill>
-        </p:spPr>
-        <p:txBody>
-          <a:bodyPr wrap="square" lIns="0" tIns="0" rIns="0" bIns="0" rtlCol="0"/>
-          <a:lstStyle/>
-          <a:p>
-            <a:endParaRPr>
-              <a:cs typeface="+mn-ea"/>
-              <a:sym typeface="+mn-lt"/>
-            </a:endParaRPr>
-          </a:p>
-        </p:txBody>
-      </p:sp>
-      <p:sp>
-        <p:nvSpPr>
-          <p:cNvPr id="18" name="object 18"/>
-          <p:cNvSpPr txBox="1"/>
-          <p:nvPr/>
-        </p:nvSpPr>
-        <p:spPr>
-          <a:xfrm>
-            <a:off x="7118378" y="2056326"/>
-            <a:ext cx="473075" cy="228268"/>
-          </a:xfrm>
-          <a:prstGeom prst="rect">
-            <a:avLst/>
-          </a:prstGeom>
-        </p:spPr>
-        <p:txBody>
-          <a:bodyPr vert="horz" wrap="square" lIns="0" tIns="12700" rIns="0" bIns="0" rtlCol="0">
-            <a:spAutoFit/>
-          </a:bodyPr>
-          <a:lstStyle/>
-          <a:p>
-            <a:pPr marL="12700">
-              <a:spcBef>
-                <a:spcPts val="100"/>
-              </a:spcBef>
-            </a:pPr>
-            <a:r>
-              <a:rPr sz="1400" b="1" spc="25" dirty="0">
-                <a:solidFill>
-                  <a:srgbClr val="34495E"/>
-                </a:solidFill>
-                <a:cs typeface="+mn-ea"/>
-                <a:sym typeface="+mn-lt"/>
-              </a:rPr>
-              <a:t>1.85x</a:t>
-            </a:r>
-            <a:endParaRPr sz="1400">
-              <a:cs typeface="+mn-ea"/>
-              <a:sym typeface="+mn-lt"/>
-            </a:endParaRPr>
-          </a:p>
-        </p:txBody>
-      </p:sp>
-      <p:sp>
-        <p:nvSpPr>
-          <p:cNvPr id="19" name="object 19"/>
-          <p:cNvSpPr txBox="1"/>
-          <p:nvPr/>
-        </p:nvSpPr>
-        <p:spPr>
-          <a:xfrm>
-            <a:off x="8337147" y="5184297"/>
-            <a:ext cx="520065" cy="459100"/>
-          </a:xfrm>
-          <a:prstGeom prst="rect">
-            <a:avLst/>
-          </a:prstGeom>
-        </p:spPr>
-        <p:txBody>
-          <a:bodyPr vert="horz" wrap="square" lIns="0" tIns="22860" rIns="0" bIns="0" rtlCol="0">
-            <a:spAutoFit/>
-          </a:bodyPr>
-          <a:lstStyle/>
-          <a:p>
-            <a:pPr marL="12700" marR="5080" indent="83820">
-              <a:lnSpc>
-                <a:spcPts val="1650"/>
-              </a:lnSpc>
-              <a:spcBef>
-                <a:spcPts val="180"/>
-              </a:spcBef>
-            </a:pPr>
-            <a:r>
-              <a:rPr sz="1400" b="1" spc="-5" dirty="0">
-                <a:solidFill>
-                  <a:srgbClr val="34495E"/>
-                </a:solidFill>
-                <a:cs typeface="+mn-ea"/>
-                <a:sym typeface="+mn-lt"/>
-              </a:rPr>
-              <a:t>Vue  1.0.26</a:t>
-            </a:r>
-            <a:endParaRPr sz="1400">
-              <a:cs typeface="+mn-ea"/>
-              <a:sym typeface="+mn-lt"/>
-            </a:endParaRPr>
-          </a:p>
-        </p:txBody>
-      </p:sp>
     </p:spTree>
     <p:extLst>
       <p:ext uri="{BB962C8B-B14F-4D97-AF65-F5344CB8AC3E}">
-        <p14:creationId xmlns:p14="http://schemas.microsoft.com/office/powerpoint/2010/main" val="2205066783"/>
+        <p14:creationId xmlns:p14="http://schemas.microsoft.com/office/powerpoint/2010/main" val="861674905"/>
       </p:ext>
     </p:extLst>
   </p:cSld>
@@ -20923,6 +20144,636 @@
       <p:sp>
         <p:nvSpPr>
           <p:cNvPr id="2" name="object 2"/>
+          <p:cNvSpPr/>
+          <p:nvPr/>
+        </p:nvSpPr>
+        <p:spPr>
+          <a:xfrm>
+            <a:off x="1524000" y="4913534"/>
+            <a:ext cx="9144000" cy="0"/>
+          </a:xfrm>
+          <a:custGeom>
+            <a:avLst/>
+            <a:gdLst/>
+            <a:ahLst/>
+            <a:cxnLst/>
+            <a:rect l="l" t="t" r="r" b="b"/>
+            <a:pathLst>
+              <a:path w="9144000">
+                <a:moveTo>
+                  <a:pt x="0" y="0"/>
+                </a:moveTo>
+                <a:lnTo>
+                  <a:pt x="9143999" y="0"/>
+                </a:lnTo>
+              </a:path>
+            </a:pathLst>
+          </a:custGeom>
+          <a:ln w="19049">
+            <a:solidFill>
+              <a:srgbClr val="CCCCCC"/>
+            </a:solidFill>
+          </a:ln>
+        </p:spPr>
+        <p:txBody>
+          <a:bodyPr wrap="square" lIns="0" tIns="0" rIns="0" bIns="0" rtlCol="0"/>
+          <a:lstStyle/>
+          <a:p>
+            <a:endParaRPr>
+              <a:cs typeface="+mn-ea"/>
+              <a:sym typeface="+mn-lt"/>
+            </a:endParaRPr>
+          </a:p>
+        </p:txBody>
+      </p:sp>
+      <p:sp>
+        <p:nvSpPr>
+          <p:cNvPr id="3" name="object 3"/>
+          <p:cNvSpPr txBox="1"/>
+          <p:nvPr/>
+        </p:nvSpPr>
+        <p:spPr>
+          <a:xfrm>
+            <a:off x="5676999" y="630094"/>
+            <a:ext cx="838200" cy="513080"/>
+          </a:xfrm>
+          <a:prstGeom prst="rect">
+            <a:avLst/>
+          </a:prstGeom>
+        </p:spPr>
+        <p:txBody>
+          <a:bodyPr vert="horz" wrap="square" lIns="0" tIns="12700" rIns="0" bIns="0" rtlCol="0">
+            <a:spAutoFit/>
+          </a:bodyPr>
+          <a:lstStyle/>
+          <a:p>
+            <a:pPr marL="12700">
+              <a:spcBef>
+                <a:spcPts val="100"/>
+              </a:spcBef>
+            </a:pPr>
+            <a:r>
+              <a:rPr sz="3200" b="1" spc="-15" dirty="0">
+                <a:solidFill>
+                  <a:srgbClr val="34495E"/>
+                </a:solidFill>
+                <a:cs typeface="+mn-ea"/>
+                <a:sym typeface="+mn-lt"/>
+              </a:rPr>
+              <a:t>更快</a:t>
+            </a:r>
+            <a:endParaRPr sz="3200">
+              <a:cs typeface="+mn-ea"/>
+              <a:sym typeface="+mn-lt"/>
+            </a:endParaRPr>
+          </a:p>
+        </p:txBody>
+      </p:sp>
+      <p:sp>
+        <p:nvSpPr>
+          <p:cNvPr id="4" name="object 4"/>
+          <p:cNvSpPr/>
+          <p:nvPr/>
+        </p:nvSpPr>
+        <p:spPr>
+          <a:xfrm>
+            <a:off x="3300626" y="3586817"/>
+            <a:ext cx="570865" cy="1327150"/>
+          </a:xfrm>
+          <a:custGeom>
+            <a:avLst/>
+            <a:gdLst/>
+            <a:ahLst/>
+            <a:cxnLst/>
+            <a:rect l="l" t="t" r="r" b="b"/>
+            <a:pathLst>
+              <a:path w="570864" h="1327150">
+                <a:moveTo>
+                  <a:pt x="0" y="0"/>
+                </a:moveTo>
+                <a:lnTo>
+                  <a:pt x="570299" y="0"/>
+                </a:lnTo>
+                <a:lnTo>
+                  <a:pt x="570299" y="1326899"/>
+                </a:lnTo>
+                <a:lnTo>
+                  <a:pt x="0" y="1326899"/>
+                </a:lnTo>
+                <a:lnTo>
+                  <a:pt x="0" y="0"/>
+                </a:lnTo>
+                <a:close/>
+              </a:path>
+            </a:pathLst>
+          </a:custGeom>
+          <a:solidFill>
+            <a:srgbClr val="D9D1E9"/>
+          </a:solidFill>
+        </p:spPr>
+        <p:txBody>
+          <a:bodyPr wrap="square" lIns="0" tIns="0" rIns="0" bIns="0" rtlCol="0"/>
+          <a:lstStyle/>
+          <a:p>
+            <a:endParaRPr>
+              <a:cs typeface="+mn-ea"/>
+              <a:sym typeface="+mn-lt"/>
+            </a:endParaRPr>
+          </a:p>
+        </p:txBody>
+      </p:sp>
+      <p:sp>
+        <p:nvSpPr>
+          <p:cNvPr id="5" name="object 5"/>
+          <p:cNvSpPr/>
+          <p:nvPr/>
+        </p:nvSpPr>
+        <p:spPr>
+          <a:xfrm>
+            <a:off x="4557050" y="3180101"/>
+            <a:ext cx="570865" cy="1733550"/>
+          </a:xfrm>
+          <a:custGeom>
+            <a:avLst/>
+            <a:gdLst/>
+            <a:ahLst/>
+            <a:cxnLst/>
+            <a:rect l="l" t="t" r="r" b="b"/>
+            <a:pathLst>
+              <a:path w="570864" h="1733550">
+                <a:moveTo>
+                  <a:pt x="0" y="0"/>
+                </a:moveTo>
+                <a:lnTo>
+                  <a:pt x="570299" y="0"/>
+                </a:lnTo>
+                <a:lnTo>
+                  <a:pt x="570299" y="1733099"/>
+                </a:lnTo>
+                <a:lnTo>
+                  <a:pt x="0" y="1733099"/>
+                </a:lnTo>
+                <a:lnTo>
+                  <a:pt x="0" y="0"/>
+                </a:lnTo>
+                <a:close/>
+              </a:path>
+            </a:pathLst>
+          </a:custGeom>
+          <a:solidFill>
+            <a:srgbClr val="42B983"/>
+          </a:solidFill>
+        </p:spPr>
+        <p:txBody>
+          <a:bodyPr wrap="square" lIns="0" tIns="0" rIns="0" bIns="0" rtlCol="0"/>
+          <a:lstStyle/>
+          <a:p>
+            <a:endParaRPr>
+              <a:cs typeface="+mn-ea"/>
+              <a:sym typeface="+mn-lt"/>
+            </a:endParaRPr>
+          </a:p>
+        </p:txBody>
+      </p:sp>
+      <p:sp>
+        <p:nvSpPr>
+          <p:cNvPr id="6" name="object 6"/>
+          <p:cNvSpPr/>
+          <p:nvPr/>
+        </p:nvSpPr>
+        <p:spPr>
+          <a:xfrm>
+            <a:off x="5813475" y="2572869"/>
+            <a:ext cx="570865" cy="2340610"/>
+          </a:xfrm>
+          <a:custGeom>
+            <a:avLst/>
+            <a:gdLst/>
+            <a:ahLst/>
+            <a:cxnLst/>
+            <a:rect l="l" t="t" r="r" b="b"/>
+            <a:pathLst>
+              <a:path w="570864" h="2340610">
+                <a:moveTo>
+                  <a:pt x="0" y="0"/>
+                </a:moveTo>
+                <a:lnTo>
+                  <a:pt x="570299" y="0"/>
+                </a:lnTo>
+                <a:lnTo>
+                  <a:pt x="570299" y="2340300"/>
+                </a:lnTo>
+                <a:lnTo>
+                  <a:pt x="0" y="2340300"/>
+                </a:lnTo>
+                <a:lnTo>
+                  <a:pt x="0" y="0"/>
+                </a:lnTo>
+                <a:close/>
+              </a:path>
+            </a:pathLst>
+          </a:custGeom>
+          <a:solidFill>
+            <a:srgbClr val="A4C1F4"/>
+          </a:solidFill>
+        </p:spPr>
+        <p:txBody>
+          <a:bodyPr wrap="square" lIns="0" tIns="0" rIns="0" bIns="0" rtlCol="0"/>
+          <a:lstStyle/>
+          <a:p>
+            <a:endParaRPr>
+              <a:cs typeface="+mn-ea"/>
+              <a:sym typeface="+mn-lt"/>
+            </a:endParaRPr>
+          </a:p>
+        </p:txBody>
+      </p:sp>
+      <p:sp>
+        <p:nvSpPr>
+          <p:cNvPr id="7" name="object 7"/>
+          <p:cNvSpPr/>
+          <p:nvPr/>
+        </p:nvSpPr>
+        <p:spPr>
+          <a:xfrm>
+            <a:off x="7069876" y="2505286"/>
+            <a:ext cx="570865" cy="2408555"/>
+          </a:xfrm>
+          <a:custGeom>
+            <a:avLst/>
+            <a:gdLst/>
+            <a:ahLst/>
+            <a:cxnLst/>
+            <a:rect l="l" t="t" r="r" b="b"/>
+            <a:pathLst>
+              <a:path w="570864" h="2408554">
+                <a:moveTo>
+                  <a:pt x="0" y="0"/>
+                </a:moveTo>
+                <a:lnTo>
+                  <a:pt x="570299" y="0"/>
+                </a:lnTo>
+                <a:lnTo>
+                  <a:pt x="570299" y="2408099"/>
+                </a:lnTo>
+                <a:lnTo>
+                  <a:pt x="0" y="2408099"/>
+                </a:lnTo>
+                <a:lnTo>
+                  <a:pt x="0" y="0"/>
+                </a:lnTo>
+                <a:close/>
+              </a:path>
+            </a:pathLst>
+          </a:custGeom>
+          <a:solidFill>
+            <a:srgbClr val="E06666"/>
+          </a:solidFill>
+        </p:spPr>
+        <p:txBody>
+          <a:bodyPr wrap="square" lIns="0" tIns="0" rIns="0" bIns="0" rtlCol="0"/>
+          <a:lstStyle/>
+          <a:p>
+            <a:endParaRPr>
+              <a:cs typeface="+mn-ea"/>
+              <a:sym typeface="+mn-lt"/>
+            </a:endParaRPr>
+          </a:p>
+        </p:txBody>
+      </p:sp>
+      <p:sp>
+        <p:nvSpPr>
+          <p:cNvPr id="8" name="object 8"/>
+          <p:cNvSpPr txBox="1"/>
+          <p:nvPr/>
+        </p:nvSpPr>
+        <p:spPr>
+          <a:xfrm>
+            <a:off x="3123617" y="5184297"/>
+            <a:ext cx="924560" cy="459100"/>
+          </a:xfrm>
+          <a:prstGeom prst="rect">
+            <a:avLst/>
+          </a:prstGeom>
+        </p:spPr>
+        <p:txBody>
+          <a:bodyPr vert="horz" wrap="square" lIns="0" tIns="22860" rIns="0" bIns="0" rtlCol="0">
+            <a:spAutoFit/>
+          </a:bodyPr>
+          <a:lstStyle/>
+          <a:p>
+            <a:pPr marL="12700" marR="5080" indent="162560">
+              <a:lnSpc>
+                <a:spcPts val="1650"/>
+              </a:lnSpc>
+              <a:spcBef>
+                <a:spcPts val="180"/>
+              </a:spcBef>
+            </a:pPr>
+            <a:r>
+              <a:rPr sz="1400" b="1" spc="-5" dirty="0">
+                <a:solidFill>
+                  <a:srgbClr val="34495E"/>
+                </a:solidFill>
+                <a:cs typeface="+mn-ea"/>
+                <a:sym typeface="+mn-lt"/>
+              </a:rPr>
+              <a:t>Vanilla  JavaScript</a:t>
+            </a:r>
+            <a:endParaRPr sz="1400">
+              <a:cs typeface="+mn-ea"/>
+              <a:sym typeface="+mn-lt"/>
+            </a:endParaRPr>
+          </a:p>
+        </p:txBody>
+      </p:sp>
+      <p:sp>
+        <p:nvSpPr>
+          <p:cNvPr id="9" name="object 9"/>
+          <p:cNvSpPr txBox="1"/>
+          <p:nvPr/>
+        </p:nvSpPr>
+        <p:spPr>
+          <a:xfrm>
+            <a:off x="4518351" y="5184297"/>
+            <a:ext cx="647065" cy="228268"/>
+          </a:xfrm>
+          <a:prstGeom prst="rect">
+            <a:avLst/>
+          </a:prstGeom>
+        </p:spPr>
+        <p:txBody>
+          <a:bodyPr vert="horz" wrap="square" lIns="0" tIns="12700" rIns="0" bIns="0" rtlCol="0">
+            <a:spAutoFit/>
+          </a:bodyPr>
+          <a:lstStyle/>
+          <a:p>
+            <a:pPr marL="12700">
+              <a:spcBef>
+                <a:spcPts val="100"/>
+              </a:spcBef>
+            </a:pPr>
+            <a:r>
+              <a:rPr sz="1400" b="1" spc="-5" dirty="0">
+                <a:solidFill>
+                  <a:srgbClr val="34495E"/>
+                </a:solidFill>
+                <a:cs typeface="+mn-ea"/>
+                <a:sym typeface="+mn-lt"/>
+              </a:rPr>
+              <a:t>Vue</a:t>
+            </a:r>
+            <a:r>
+              <a:rPr sz="1400" b="1" spc="-100" dirty="0">
+                <a:solidFill>
+                  <a:srgbClr val="34495E"/>
+                </a:solidFill>
+                <a:cs typeface="+mn-ea"/>
+                <a:sym typeface="+mn-lt"/>
+              </a:rPr>
+              <a:t> </a:t>
+            </a:r>
+            <a:r>
+              <a:rPr sz="1400" b="1" spc="-5" dirty="0">
+                <a:solidFill>
+                  <a:srgbClr val="34495E"/>
+                </a:solidFill>
+                <a:cs typeface="+mn-ea"/>
+                <a:sym typeface="+mn-lt"/>
+              </a:rPr>
+              <a:t>2.0</a:t>
+            </a:r>
+            <a:endParaRPr sz="1400">
+              <a:cs typeface="+mn-ea"/>
+              <a:sym typeface="+mn-lt"/>
+            </a:endParaRPr>
+          </a:p>
+        </p:txBody>
+      </p:sp>
+      <p:sp>
+        <p:nvSpPr>
+          <p:cNvPr id="10" name="object 10"/>
+          <p:cNvSpPr txBox="1"/>
+          <p:nvPr/>
+        </p:nvSpPr>
+        <p:spPr>
+          <a:xfrm>
+            <a:off x="5838897" y="5184285"/>
+            <a:ext cx="520065" cy="459100"/>
+          </a:xfrm>
+          <a:prstGeom prst="rect">
+            <a:avLst/>
+          </a:prstGeom>
+        </p:spPr>
+        <p:txBody>
+          <a:bodyPr vert="horz" wrap="square" lIns="0" tIns="22860" rIns="0" bIns="0" rtlCol="0">
+            <a:spAutoFit/>
+          </a:bodyPr>
+          <a:lstStyle/>
+          <a:p>
+            <a:pPr marL="12700" marR="5080" indent="4445">
+              <a:lnSpc>
+                <a:spcPts val="1650"/>
+              </a:lnSpc>
+              <a:spcBef>
+                <a:spcPts val="180"/>
+              </a:spcBef>
+            </a:pPr>
+            <a:r>
+              <a:rPr sz="1400" b="1" spc="-5" dirty="0">
+                <a:solidFill>
+                  <a:srgbClr val="34495E"/>
+                </a:solidFill>
+                <a:cs typeface="+mn-ea"/>
+                <a:sym typeface="+mn-lt"/>
+              </a:rPr>
+              <a:t>React  15.3.1</a:t>
+            </a:r>
+            <a:endParaRPr sz="1400">
+              <a:cs typeface="+mn-ea"/>
+              <a:sym typeface="+mn-lt"/>
+            </a:endParaRPr>
+          </a:p>
+        </p:txBody>
+      </p:sp>
+      <p:sp>
+        <p:nvSpPr>
+          <p:cNvPr id="11" name="object 11"/>
+          <p:cNvSpPr txBox="1"/>
+          <p:nvPr/>
+        </p:nvSpPr>
+        <p:spPr>
+          <a:xfrm>
+            <a:off x="6957031" y="5161835"/>
+            <a:ext cx="796290" cy="459100"/>
+          </a:xfrm>
+          <a:prstGeom prst="rect">
+            <a:avLst/>
+          </a:prstGeom>
+        </p:spPr>
+        <p:txBody>
+          <a:bodyPr vert="horz" wrap="square" lIns="0" tIns="22860" rIns="0" bIns="0" rtlCol="0">
+            <a:spAutoFit/>
+          </a:bodyPr>
+          <a:lstStyle/>
+          <a:p>
+            <a:pPr marL="12700" marR="5080" indent="49530">
+              <a:lnSpc>
+                <a:spcPts val="1650"/>
+              </a:lnSpc>
+              <a:spcBef>
+                <a:spcPts val="180"/>
+              </a:spcBef>
+            </a:pPr>
+            <a:r>
+              <a:rPr sz="1400" b="1" spc="-5" dirty="0">
+                <a:solidFill>
+                  <a:srgbClr val="34495E"/>
+                </a:solidFill>
+                <a:cs typeface="+mn-ea"/>
+                <a:sym typeface="+mn-lt"/>
+              </a:rPr>
+              <a:t>Angular  2.0.0-rc.5</a:t>
+            </a:r>
+            <a:endParaRPr sz="1400">
+              <a:cs typeface="+mn-ea"/>
+              <a:sym typeface="+mn-lt"/>
+            </a:endParaRPr>
+          </a:p>
+        </p:txBody>
+      </p:sp>
+      <p:sp>
+        <p:nvSpPr>
+          <p:cNvPr id="12" name="object 12"/>
+          <p:cNvSpPr txBox="1"/>
+          <p:nvPr/>
+        </p:nvSpPr>
+        <p:spPr>
+          <a:xfrm>
+            <a:off x="3476892" y="3246022"/>
+            <a:ext cx="217804" cy="228268"/>
+          </a:xfrm>
+          <a:prstGeom prst="rect">
+            <a:avLst/>
+          </a:prstGeom>
+        </p:spPr>
+        <p:txBody>
+          <a:bodyPr vert="horz" wrap="square" lIns="0" tIns="12700" rIns="0" bIns="0" rtlCol="0">
+            <a:spAutoFit/>
+          </a:bodyPr>
+          <a:lstStyle/>
+          <a:p>
+            <a:pPr marL="12700">
+              <a:spcBef>
+                <a:spcPts val="100"/>
+              </a:spcBef>
+            </a:pPr>
+            <a:r>
+              <a:rPr sz="1400" b="1" spc="25" dirty="0">
+                <a:solidFill>
+                  <a:srgbClr val="34495E"/>
+                </a:solidFill>
+                <a:cs typeface="+mn-ea"/>
+                <a:sym typeface="+mn-lt"/>
+              </a:rPr>
+              <a:t>1x</a:t>
+            </a:r>
+            <a:endParaRPr sz="1400">
+              <a:cs typeface="+mn-ea"/>
+              <a:sym typeface="+mn-lt"/>
+            </a:endParaRPr>
+          </a:p>
+        </p:txBody>
+      </p:sp>
+      <p:sp>
+        <p:nvSpPr>
+          <p:cNvPr id="13" name="object 13"/>
+          <p:cNvSpPr txBox="1"/>
+          <p:nvPr/>
+        </p:nvSpPr>
+        <p:spPr>
+          <a:xfrm>
+            <a:off x="4605553" y="2746813"/>
+            <a:ext cx="473075" cy="228268"/>
+          </a:xfrm>
+          <a:prstGeom prst="rect">
+            <a:avLst/>
+          </a:prstGeom>
+        </p:spPr>
+        <p:txBody>
+          <a:bodyPr vert="horz" wrap="square" lIns="0" tIns="12700" rIns="0" bIns="0" rtlCol="0">
+            <a:spAutoFit/>
+          </a:bodyPr>
+          <a:lstStyle/>
+          <a:p>
+            <a:pPr marL="12700">
+              <a:spcBef>
+                <a:spcPts val="100"/>
+              </a:spcBef>
+            </a:pPr>
+            <a:r>
+              <a:rPr sz="1400" b="1" spc="25" dirty="0">
+                <a:solidFill>
+                  <a:srgbClr val="34495E"/>
+                </a:solidFill>
+                <a:cs typeface="+mn-ea"/>
+                <a:sym typeface="+mn-lt"/>
+              </a:rPr>
+              <a:t>1.37x</a:t>
+            </a:r>
+            <a:endParaRPr sz="1400">
+              <a:cs typeface="+mn-ea"/>
+              <a:sym typeface="+mn-lt"/>
+            </a:endParaRPr>
+          </a:p>
+        </p:txBody>
+      </p:sp>
+      <p:sp>
+        <p:nvSpPr>
+          <p:cNvPr id="14" name="object 14"/>
+          <p:cNvSpPr txBox="1"/>
+          <p:nvPr/>
+        </p:nvSpPr>
+        <p:spPr>
+          <a:xfrm>
+            <a:off x="5876528" y="2128951"/>
+            <a:ext cx="473075" cy="228268"/>
+          </a:xfrm>
+          <a:prstGeom prst="rect">
+            <a:avLst/>
+          </a:prstGeom>
+        </p:spPr>
+        <p:txBody>
+          <a:bodyPr vert="horz" wrap="square" lIns="0" tIns="12700" rIns="0" bIns="0" rtlCol="0">
+            <a:spAutoFit/>
+          </a:bodyPr>
+          <a:lstStyle/>
+          <a:p>
+            <a:pPr marL="12700">
+              <a:spcBef>
+                <a:spcPts val="100"/>
+              </a:spcBef>
+            </a:pPr>
+            <a:r>
+              <a:rPr sz="1400" b="1" spc="25" dirty="0">
+                <a:solidFill>
+                  <a:srgbClr val="34495E"/>
+                </a:solidFill>
+                <a:cs typeface="+mn-ea"/>
+                <a:sym typeface="+mn-lt"/>
+              </a:rPr>
+              <a:t>1.82x</a:t>
+            </a:r>
+            <a:endParaRPr sz="1400">
+              <a:cs typeface="+mn-ea"/>
+              <a:sym typeface="+mn-lt"/>
+            </a:endParaRPr>
+          </a:p>
+        </p:txBody>
+      </p:sp>
+      <p:sp>
+        <p:nvSpPr>
+          <p:cNvPr id="15" name="object 15"/>
           <p:cNvSpPr txBox="1">
             <a:spLocks noGrp="1"/>
           </p:cNvSpPr>
@@ -20932,8 +20783,8 @@
         </p:nvSpPr>
         <p:spPr>
           <a:xfrm>
-            <a:off x="5194424" y="718626"/>
-            <a:ext cx="1803400" cy="452120"/>
+            <a:off x="8360227" y="1818810"/>
+            <a:ext cx="473075" cy="228268"/>
           </a:xfrm>
           <a:prstGeom prst="rect">
             <a:avLst/>
@@ -20954,7 +20805,7 @@
               </a:spcBef>
             </a:pPr>
             <a:r>
-              <a:rPr sz="2800" spc="-20" dirty="0">
+              <a:rPr sz="1400" spc="25" dirty="0">
                 <a:solidFill>
                   <a:srgbClr val="34495E"/>
                 </a:solidFill>
@@ -20963,21 +20814,9 @@
                 <a:cs typeface="+mn-ea"/>
                 <a:sym typeface="+mn-lt"/>
               </a:rPr>
-              <a:t>服务</a:t>
-            </a:r>
-            <a:r>
-              <a:rPr sz="2800" spc="-15" dirty="0">
-                <a:solidFill>
-                  <a:srgbClr val="34495E"/>
-                </a:solidFill>
-                <a:latin typeface="+mn-lt"/>
-                <a:ea typeface="+mn-ea"/>
-                <a:cs typeface="+mn-ea"/>
-                <a:sym typeface="+mn-lt"/>
-              </a:rPr>
-              <a:t>端渲染</a:t>
-            </a:r>
-            <a:endParaRPr sz="2800">
+              <a:t>2.16x</a:t>
+            </a:r>
+            <a:endParaRPr sz="1400">
               <a:latin typeface="+mn-lt"/>
               <a:ea typeface="+mn-ea"/>
               <a:cs typeface="+mn-ea"/>
@@ -20988,46 +20827,14 @@
       </p:sp>
       <p:sp>
         <p:nvSpPr>
-          <p:cNvPr id="3" name="object 3"/>
-          <p:cNvSpPr/>
+          <p:cNvPr id="16" name="object 16"/>
+          <p:cNvSpPr txBox="1"/>
           <p:nvPr/>
         </p:nvSpPr>
         <p:spPr>
           <a:xfrm>
-            <a:off x="1763238" y="1719033"/>
-            <a:ext cx="8665523" cy="3972076"/>
-          </a:xfrm>
-          <a:prstGeom prst="rect">
-            <a:avLst/>
-          </a:prstGeom>
-          <a:blipFill>
-            <a:blip r:embed="rId2" cstate="print"/>
-            <a:stretch>
-              <a:fillRect/>
-            </a:stretch>
-          </a:blipFill>
-        </p:spPr>
-        <p:txBody>
-          <a:bodyPr wrap="square" lIns="0" tIns="0" rIns="0" bIns="0" rtlCol="0"/>
-          <a:lstStyle/>
-          <a:p>
-            <a:endParaRPr>
-              <a:cs typeface="+mn-ea"/>
-              <a:sym typeface="+mn-lt"/>
-            </a:endParaRPr>
-          </a:p>
-        </p:txBody>
-      </p:sp>
-      <p:sp>
-        <p:nvSpPr>
-          <p:cNvPr id="4" name="object 4"/>
-          <p:cNvSpPr txBox="1"/>
-          <p:nvPr/>
-        </p:nvSpPr>
-        <p:spPr>
-          <a:xfrm>
-            <a:off x="4909638" y="1311846"/>
-            <a:ext cx="2369820" cy="228268"/>
+            <a:off x="9079824" y="6498307"/>
+            <a:ext cx="1397000" cy="197490"/>
           </a:xfrm>
           <a:prstGeom prst="rect">
             <a:avLst/>
@@ -21045,74 +20852,110 @@
               </a:spcBef>
             </a:pPr>
             <a:r>
-              <a:rPr sz="1400" dirty="0">
+              <a:rPr sz="1200" u="sng" dirty="0">
                 <a:solidFill>
                   <a:srgbClr val="34495E"/>
                 </a:solidFill>
                 <a:cs typeface="+mn-ea"/>
                 <a:sym typeface="+mn-lt"/>
               </a:rPr>
-              <a:t>支持流式渲染 +</a:t>
-            </a:r>
-            <a:r>
-              <a:rPr sz="1400" spc="-50" dirty="0">
+              <a:t>基于第三方独立测试</a:t>
+            </a:r>
+            <a:endParaRPr sz="1200" dirty="0">
+              <a:cs typeface="+mn-ea"/>
+              <a:sym typeface="+mn-lt"/>
+            </a:endParaRPr>
+          </a:p>
+        </p:txBody>
+      </p:sp>
+      <p:sp>
+        <p:nvSpPr>
+          <p:cNvPr id="17" name="object 17"/>
+          <p:cNvSpPr/>
+          <p:nvPr/>
+        </p:nvSpPr>
+        <p:spPr>
+          <a:xfrm>
+            <a:off x="8326275" y="2249936"/>
+            <a:ext cx="570865" cy="2663825"/>
+          </a:xfrm>
+          <a:custGeom>
+            <a:avLst/>
+            <a:gdLst/>
+            <a:ahLst/>
+            <a:cxnLst/>
+            <a:rect l="l" t="t" r="r" b="b"/>
+            <a:pathLst>
+              <a:path w="570865" h="2663825">
+                <a:moveTo>
+                  <a:pt x="0" y="0"/>
+                </a:moveTo>
+                <a:lnTo>
+                  <a:pt x="570299" y="0"/>
+                </a:lnTo>
+                <a:lnTo>
+                  <a:pt x="570299" y="2663699"/>
+                </a:lnTo>
+                <a:lnTo>
+                  <a:pt x="0" y="2663699"/>
+                </a:lnTo>
+                <a:lnTo>
+                  <a:pt x="0" y="0"/>
+                </a:lnTo>
+                <a:close/>
+              </a:path>
+            </a:pathLst>
+          </a:custGeom>
+          <a:solidFill>
+            <a:srgbClr val="34495E"/>
+          </a:solidFill>
+        </p:spPr>
+        <p:txBody>
+          <a:bodyPr wrap="square" lIns="0" tIns="0" rIns="0" bIns="0" rtlCol="0"/>
+          <a:lstStyle/>
+          <a:p>
+            <a:endParaRPr>
+              <a:cs typeface="+mn-ea"/>
+              <a:sym typeface="+mn-lt"/>
+            </a:endParaRPr>
+          </a:p>
+        </p:txBody>
+      </p:sp>
+      <p:sp>
+        <p:nvSpPr>
+          <p:cNvPr id="18" name="object 18"/>
+          <p:cNvSpPr txBox="1"/>
+          <p:nvPr/>
+        </p:nvSpPr>
+        <p:spPr>
+          <a:xfrm>
+            <a:off x="7118378" y="2056326"/>
+            <a:ext cx="473075" cy="228268"/>
+          </a:xfrm>
+          <a:prstGeom prst="rect">
+            <a:avLst/>
+          </a:prstGeom>
+        </p:spPr>
+        <p:txBody>
+          <a:bodyPr vert="horz" wrap="square" lIns="0" tIns="12700" rIns="0" bIns="0" rtlCol="0">
+            <a:spAutoFit/>
+          </a:bodyPr>
+          <a:lstStyle/>
+          <a:p>
+            <a:pPr marL="12700">
+              <a:spcBef>
+                <a:spcPts val="100"/>
+              </a:spcBef>
+            </a:pPr>
+            <a:r>
+              <a:rPr sz="1400" b="1" spc="25" dirty="0">
                 <a:solidFill>
                   <a:srgbClr val="34495E"/>
                 </a:solidFill>
                 <a:cs typeface="+mn-ea"/>
                 <a:sym typeface="+mn-lt"/>
               </a:rPr>
-              <a:t> </a:t>
-            </a:r>
-            <a:r>
-              <a:rPr sz="1400" spc="-5" dirty="0">
-                <a:solidFill>
-                  <a:srgbClr val="34495E"/>
-                </a:solidFill>
-                <a:cs typeface="+mn-ea"/>
-                <a:sym typeface="+mn-lt"/>
-              </a:rPr>
-              <a:t>组</a:t>
-            </a:r>
-            <a:r>
-              <a:rPr sz="1400" spc="25" dirty="0">
-                <a:solidFill>
-                  <a:srgbClr val="34495E"/>
-                </a:solidFill>
-                <a:cs typeface="+mn-ea"/>
-                <a:sym typeface="+mn-lt"/>
-              </a:rPr>
-              <a:t>件</a:t>
-            </a:r>
-            <a:r>
-              <a:rPr sz="1400" dirty="0">
-                <a:solidFill>
-                  <a:srgbClr val="34495E"/>
-                </a:solidFill>
-                <a:cs typeface="+mn-ea"/>
-                <a:sym typeface="+mn-lt"/>
-              </a:rPr>
-              <a:t>级别</a:t>
-            </a:r>
-            <a:r>
-              <a:rPr sz="1400" spc="-5" dirty="0">
-                <a:solidFill>
-                  <a:srgbClr val="34495E"/>
-                </a:solidFill>
-                <a:cs typeface="+mn-ea"/>
-                <a:sym typeface="+mn-lt"/>
-              </a:rPr>
-              <a:t>缓</a:t>
-            </a:r>
-            <a:r>
-              <a:rPr sz="1400" dirty="0">
-                <a:solidFill>
-                  <a:srgbClr val="34495E"/>
-                </a:solidFill>
-                <a:cs typeface="+mn-ea"/>
-                <a:sym typeface="+mn-lt"/>
-              </a:rPr>
-              <a:t>存</a:t>
+              <a:t>1.85x</a:t>
             </a:r>
             <a:endParaRPr sz="1400">
               <a:cs typeface="+mn-ea"/>
@@ -21121,10 +20964,56 @@
           </a:p>
         </p:txBody>
       </p:sp>
+      <p:sp>
+        <p:nvSpPr>
+          <p:cNvPr id="19" name="object 19"/>
+          <p:cNvSpPr txBox="1"/>
+          <p:nvPr/>
+        </p:nvSpPr>
+        <p:spPr>
+          <a:xfrm>
+            <a:off x="8337147" y="5184297"/>
+            <a:ext cx="520065" cy="459100"/>
+          </a:xfrm>
+          <a:prstGeom prst="rect">
+            <a:avLst/>
+          </a:prstGeom>
+        </p:spPr>
+        <p:txBody>
+          <a:bodyPr vert="horz" wrap="square" lIns="0" tIns="22860" rIns="0" bIns="0" rtlCol="0">
+            <a:spAutoFit/>
+          </a:bodyPr>
+          <a:lstStyle/>
+          <a:p>
+            <a:pPr marL="12700" marR="5080" indent="83820">
+              <a:lnSpc>
+                <a:spcPts val="1650"/>
+              </a:lnSpc>
+              <a:spcBef>
+                <a:spcPts val="180"/>
+              </a:spcBef>
+            </a:pPr>
+            <a:r>
+              <a:rPr sz="1400" b="1" spc="-5" dirty="0">
+                <a:solidFill>
+                  <a:srgbClr val="34495E"/>
+                </a:solidFill>
+                <a:cs typeface="+mn-ea"/>
+                <a:sym typeface="+mn-lt"/>
+              </a:rPr>
+              <a:t>Vue  1.0.26</a:t>
+            </a:r>
+            <a:endParaRPr sz="1400">
+              <a:cs typeface="+mn-ea"/>
+              <a:sym typeface="+mn-lt"/>
+            </a:endParaRPr>
+          </a:p>
+        </p:txBody>
+      </p:sp>
     </p:spTree>
     <p:extLst>
       <p:ext uri="{BB962C8B-B14F-4D97-AF65-F5344CB8AC3E}">
-        <p14:creationId xmlns:p14="http://schemas.microsoft.com/office/powerpoint/2010/main" val="2055187536"/>
+        <p14:creationId xmlns:p14="http://schemas.microsoft.com/office/powerpoint/2010/main" val="2205066783"/>
       </p:ext>
     </p:extLst>
   </p:cSld>
@@ -21154,19 +21043,117 @@
       <p:sp>
         <p:nvSpPr>
           <p:cNvPr id="2" name="object 2"/>
-          <p:cNvSpPr txBox="1"/>
-          <p:nvPr/>
+          <p:cNvSpPr txBox="1">
+            <a:spLocks noGrp="1"/>
+          </p:cNvSpPr>
+          <p:nvPr>
+            <p:ph type="title"/>
+          </p:nvPr>
         </p:nvSpPr>
         <p:spPr>
           <a:xfrm>
-            <a:off x="5168900" y="2126074"/>
-            <a:ext cx="1854200" cy="574040"/>
+            <a:off x="5194424" y="718626"/>
+            <a:ext cx="1803400" cy="452120"/>
           </a:xfrm>
           <a:prstGeom prst="rect">
             <a:avLst/>
           </a:prstGeom>
         </p:spPr>
         <p:txBody>
+          <a:bodyPr vert="horz" wrap="square" lIns="0" tIns="12700" rIns="0" bIns="0" rtlCol="0" anchor="ctr">
+            <a:spAutoFit/>
+          </a:bodyPr>
+          <a:lstStyle/>
+          <a:p>
+            <a:pPr marL="12700">
+              <a:lnSpc>
+                <a:spcPct val="100000"/>
+              </a:lnSpc>
+              <a:spcBef>
+                <a:spcPts val="100"/>
+              </a:spcBef>
+            </a:pPr>
+            <a:r>
+              <a:rPr sz="2800" spc="-20" dirty="0">
+                <a:solidFill>
+                  <a:srgbClr val="34495E"/>
+                </a:solidFill>
+                <a:latin typeface="+mn-lt"/>
+                <a:ea typeface="+mn-ea"/>
+                <a:cs typeface="+mn-ea"/>
+                <a:sym typeface="+mn-lt"/>
+              </a:rPr>
+              <a:t>服务</a:t>
+            </a:r>
+            <a:r>
+              <a:rPr sz="2800" spc="-15" dirty="0">
+                <a:solidFill>
+                  <a:srgbClr val="34495E"/>
+                </a:solidFill>
+                <a:latin typeface="+mn-lt"/>
+                <a:ea typeface="+mn-ea"/>
+                <a:cs typeface="+mn-ea"/>
+                <a:sym typeface="+mn-lt"/>
+              </a:rPr>
+              <a:t>端渲染</a:t>
+            </a:r>
+            <a:endParaRPr sz="2800">
+              <a:latin typeface="+mn-lt"/>
+              <a:ea typeface="+mn-ea"/>
+              <a:cs typeface="+mn-ea"/>
+              <a:sym typeface="+mn-lt"/>
+            </a:endParaRPr>
+          </a:p>
+        </p:txBody>
+      </p:sp>
+      <p:sp>
+        <p:nvSpPr>
+          <p:cNvPr id="3" name="object 3"/>
+          <p:cNvSpPr/>
+          <p:nvPr/>
+        </p:nvSpPr>
+        <p:spPr>
+          <a:xfrm>
+            <a:off x="1763238" y="1719033"/>
+            <a:ext cx="8665523" cy="3972076"/>
+          </a:xfrm>
+          <a:prstGeom prst="rect">
+            <a:avLst/>
+          </a:prstGeom>
+          <a:blipFill>
+            <a:blip r:embed="rId2" cstate="print"/>
+            <a:stretch>
+              <a:fillRect/>
+            </a:stretch>
+          </a:blipFill>
+        </p:spPr>
+        <p:txBody>
+          <a:bodyPr wrap="square" lIns="0" tIns="0" rIns="0" bIns="0" rtlCol="0"/>
+          <a:lstStyle/>
+          <a:p>
+            <a:endParaRPr>
+              <a:cs typeface="+mn-ea"/>
+              <a:sym typeface="+mn-lt"/>
+            </a:endParaRPr>
+          </a:p>
+        </p:txBody>
+      </p:sp>
+      <p:sp>
+        <p:nvSpPr>
+          <p:cNvPr id="4" name="object 4"/>
+          <p:cNvSpPr txBox="1"/>
+          <p:nvPr/>
+        </p:nvSpPr>
+        <p:spPr>
+          <a:xfrm>
+            <a:off x="4909638" y="1311846"/>
+            <a:ext cx="2369820" cy="228268"/>
+          </a:xfrm>
+          <a:prstGeom prst="rect">
+            <a:avLst/>
+          </a:prstGeom>
+        </p:spPr>
+        <p:txBody>
           <a:bodyPr vert="horz" wrap="square" lIns="0" tIns="12700" rIns="0" bIns="0" rtlCol="0">
             <a:spAutoFit/>
           </a:bodyPr>
@@ -21178,68 +21165,86 @@
               </a:spcBef>
             </a:pPr>
             <a:r>
-              <a:rPr sz="3600" b="1" spc="-15" dirty="0">
+              <a:rPr sz="1400" dirty="0">
                 <a:solidFill>
                   <a:srgbClr val="34495E"/>
                 </a:solidFill>
                 <a:cs typeface="+mn-ea"/>
                 <a:sym typeface="+mn-lt"/>
               </a:rPr>
-              <a:t>侵入性低</a:t>
-            </a:r>
-            <a:endParaRPr sz="3600" dirty="0">
+              <a:t>支持流式渲染 +</a:t>
+            </a:r>
+            <a:r>
+              <a:rPr sz="1400" spc="-50" dirty="0">
+                <a:solidFill>
+                  <a:srgbClr val="34495E"/>
+                </a:solidFill>
+                <a:cs typeface="+mn-ea"/>
+                <a:sym typeface="+mn-lt"/>
+              </a:rPr>
+              <a:t> </a:t>
+            </a:r>
+            <a:r>
+              <a:rPr sz="1400" spc="-5" dirty="0">
+                <a:solidFill>
+                  <a:srgbClr val="34495E"/>
+                </a:solidFill>
+                <a:cs typeface="+mn-ea"/>
+                <a:sym typeface="+mn-lt"/>
+              </a:rPr>
+              <a:t>组</a:t>
+            </a:r>
+            <a:r>
+              <a:rPr sz="1400" spc="25" dirty="0">
+                <a:solidFill>
+                  <a:srgbClr val="34495E"/>
+                </a:solidFill>
+                <a:cs typeface="+mn-ea"/>
+                <a:sym typeface="+mn-lt"/>
+              </a:rPr>
+              <a:t>件</a:t>
+            </a:r>
+            <a:r>
+              <a:rPr sz="1400" dirty="0">
+                <a:solidFill>
+                  <a:srgbClr val="34495E"/>
+                </a:solidFill>
+                <a:cs typeface="+mn-ea"/>
+                <a:sym typeface="+mn-lt"/>
+              </a:rPr>
+              <a:t>级别</a:t>
+            </a:r>
+            <a:r>
+              <a:rPr sz="1400" spc="-5" dirty="0">
+                <a:solidFill>
+                  <a:srgbClr val="34495E"/>
+                </a:solidFill>
+                <a:cs typeface="+mn-ea"/>
+                <a:sym typeface="+mn-lt"/>
+              </a:rPr>
+              <a:t>缓</a:t>
+            </a:r>
+            <a:r>
+              <a:rPr sz="1400" dirty="0">
+                <a:solidFill>
+                  <a:srgbClr val="34495E"/>
+                </a:solidFill>
+                <a:cs typeface="+mn-ea"/>
+                <a:sym typeface="+mn-lt"/>
+              </a:rPr>
+              <a:t>存</a:t>
+            </a:r>
+            <a:endParaRPr sz="1400">
               <a:cs typeface="+mn-ea"/>
               <a:sym typeface="+mn-lt"/>
             </a:endParaRPr>
           </a:p>
         </p:txBody>
       </p:sp>
-      <p:sp>
-        <p:nvSpPr>
-          <p:cNvPr id="3" name="object 3"/>
-          <p:cNvSpPr txBox="1"/>
-          <p:nvPr/>
-        </p:nvSpPr>
-        <p:spPr>
-          <a:xfrm>
-            <a:off x="3238897" y="3018695"/>
-            <a:ext cx="5714365" cy="772006"/>
-          </a:xfrm>
-          <a:prstGeom prst="rect">
-            <a:avLst/>
-          </a:prstGeom>
-        </p:spPr>
-        <p:txBody>
-          <a:bodyPr vert="horz" wrap="square" lIns="0" tIns="27940" rIns="0" bIns="0" rtlCol="0">
-            <a:spAutoFit/>
-          </a:bodyPr>
-          <a:lstStyle/>
-          <a:p>
-            <a:pPr marL="622300" marR="5080" indent="-609600">
-              <a:lnSpc>
-                <a:spcPts val="2850"/>
-              </a:lnSpc>
-              <a:spcBef>
-                <a:spcPts val="220"/>
-              </a:spcBef>
-            </a:pPr>
-            <a:r>
-              <a:rPr sz="2400" dirty="0">
-                <a:solidFill>
-                  <a:srgbClr val="34495E"/>
-                </a:solidFill>
-                <a:cs typeface="+mn-ea"/>
-                <a:sym typeface="+mn-lt"/>
-              </a:rPr>
-              <a:t>不对整体架构做过多约束，方便与其他库或 是已有的前端技术栈整合。</a:t>
-            </a:r>
-          </a:p>
-        </p:txBody>
-      </p:sp>
     </p:spTree>
     <p:extLst>
       <p:ext uri="{BB962C8B-B14F-4D97-AF65-F5344CB8AC3E}">
-        <p14:creationId xmlns:p14="http://schemas.microsoft.com/office/powerpoint/2010/main" val="2498422564"/>
+        <p14:creationId xmlns:p14="http://schemas.microsoft.com/office/powerpoint/2010/main" val="2055187536"/>
       </p:ext>
     </p:extLst>
   </p:cSld>
@@ -21268,14 +21273,57 @@
       </p:grpSpPr>
       <p:sp>
         <p:nvSpPr>
+          <p:cNvPr id="2" name="object 2"/>
+          <p:cNvSpPr txBox="1"/>
+          <p:nvPr/>
+        </p:nvSpPr>
+        <p:spPr>
+          <a:xfrm>
+            <a:off x="5168900" y="2126074"/>
+            <a:ext cx="1854200" cy="574040"/>
+          </a:xfrm>
+          <a:prstGeom prst="rect">
+            <a:avLst/>
+          </a:prstGeom>
+        </p:spPr>
+        <p:txBody>
+          <a:bodyPr vert="horz" wrap="square" lIns="0" tIns="12700" rIns="0" bIns="0" rtlCol="0">
+            <a:spAutoFit/>
+          </a:bodyPr>
+          <a:lstStyle/>
+          <a:p>
+            <a:pPr marL="12700">
+              <a:spcBef>
+                <a:spcPts val="100"/>
+              </a:spcBef>
+            </a:pPr>
+            <a:r>
+              <a:rPr sz="3600" b="1" spc="-15" dirty="0">
+                <a:solidFill>
+                  <a:srgbClr val="34495E"/>
+                </a:solidFill>
+                <a:cs typeface="+mn-ea"/>
+                <a:sym typeface="+mn-lt"/>
+              </a:rPr>
+              <a:t>侵入性低</a:t>
+            </a:r>
+            <a:endParaRPr sz="3600" dirty="0">
+              <a:cs typeface="+mn-ea"/>
+              <a:sym typeface="+mn-lt"/>
+            </a:endParaRPr>
+          </a:p>
+        </p:txBody>
+      </p:sp>
+      <p:sp>
+        <p:nvSpPr>
           <p:cNvPr id="3" name="object 3"/>
           <p:cNvSpPr txBox="1"/>
           <p:nvPr/>
         </p:nvSpPr>
         <p:spPr>
           <a:xfrm>
-            <a:off x="3492500" y="3018695"/>
-            <a:ext cx="5207000" cy="772006"/>
+            <a:off x="3238897" y="3018695"/>
+            <a:ext cx="5714365" cy="772006"/>
           </a:xfrm>
           <a:prstGeom prst="rect">
             <a:avLst/>
@@ -21303,68 +21351,15 @@
                 <a:cs typeface="+mn-ea"/>
                 <a:sym typeface="+mn-lt"/>
               </a:rPr>
-              <a:t>基于组件的开发模式有利于将界面代码 自然分割成更容易维护的模块</a:t>
-            </a:r>
-            <a:endParaRPr sz="2400" dirty="0">
-              <a:cs typeface="+mn-ea"/>
-              <a:sym typeface="+mn-lt"/>
-            </a:endParaRPr>
-          </a:p>
-        </p:txBody>
-      </p:sp>
-      <p:sp>
-        <p:nvSpPr>
-          <p:cNvPr id="4" name="object 2">
-            <a:extLst>
-              <a:ext uri="{FF2B5EF4-FFF2-40B4-BE49-F238E27FC236}">
-                <a16:creationId xmlns:a16="http://schemas.microsoft.com/office/drawing/2014/main" id="{616410CF-F972-4442-9AD4-07C7C6507907}"/>
-              </a:ext>
-            </a:extLst>
-          </p:cNvPr>
-          <p:cNvSpPr txBox="1"/>
-          <p:nvPr/>
-        </p:nvSpPr>
-        <p:spPr>
-          <a:xfrm>
-            <a:off x="4937686" y="2126074"/>
-            <a:ext cx="2316629" cy="566822"/>
-          </a:xfrm>
-          <a:prstGeom prst="rect">
-            <a:avLst/>
-          </a:prstGeom>
-        </p:spPr>
-        <p:txBody>
-          <a:bodyPr vert="horz" wrap="square" lIns="0" tIns="12700" rIns="0" bIns="0" rtlCol="0">
-            <a:spAutoFit/>
-          </a:bodyPr>
-          <a:lstStyle/>
-          <a:p>
-            <a:pPr marL="12700">
-              <a:spcBef>
-                <a:spcPts val="100"/>
-              </a:spcBef>
-            </a:pPr>
-            <a:r>
-              <a:rPr lang="zh-CN" altLang="en-US" sz="3600" b="1" spc="-15" dirty="0">
-                <a:solidFill>
-                  <a:srgbClr val="34495E"/>
-                </a:solidFill>
-                <a:cs typeface="+mn-ea"/>
-                <a:sym typeface="+mn-lt"/>
-              </a:rPr>
-              <a:t>鼓励模块化</a:t>
-            </a:r>
-            <a:endParaRPr sz="3600" dirty="0">
-              <a:cs typeface="+mn-ea"/>
-              <a:sym typeface="+mn-lt"/>
-            </a:endParaRPr>
+              <a:t>不对整体架构做过多约束，方便与其他库或 是已有的前端技术栈整合。</a:t>
+            </a:r>
           </a:p>
         </p:txBody>
       </p:sp>
     </p:spTree>
     <p:extLst>
       <p:ext uri="{BB962C8B-B14F-4D97-AF65-F5344CB8AC3E}">
-        <p14:creationId xmlns:p14="http://schemas.microsoft.com/office/powerpoint/2010/main" val="3813592226"/>
+        <p14:creationId xmlns:p14="http://schemas.microsoft.com/office/powerpoint/2010/main" val="2498422564"/>
       </p:ext>
     </p:extLst>
   </p:cSld>
@@ -21393,72 +21388,21 @@
       </p:grpSpPr>
       <p:sp>
         <p:nvSpPr>
-          <p:cNvPr id="2" name="object 2"/>
-          <p:cNvSpPr txBox="1">
-            <a:spLocks noGrp="1"/>
-          </p:cNvSpPr>
-          <p:nvPr>
-            <p:ph type="title"/>
-          </p:nvPr>
+          <p:cNvPr id="3" name="object 3"/>
+          <p:cNvSpPr txBox="1"/>
+          <p:nvPr/>
         </p:nvSpPr>
         <p:spPr>
           <a:xfrm>
-            <a:off x="4923503" y="2157383"/>
-            <a:ext cx="2344994" cy="511422"/>
+            <a:off x="3492500" y="3018695"/>
+            <a:ext cx="5207000" cy="772006"/>
           </a:xfrm>
           <a:prstGeom prst="rect">
             <a:avLst/>
           </a:prstGeom>
         </p:spPr>
         <p:txBody>
-          <a:bodyPr vert="horz" wrap="square" lIns="0" tIns="12700" rIns="0" bIns="0" rtlCol="0" anchor="ctr">
-            <a:spAutoFit/>
-          </a:bodyPr>
-          <a:lstStyle/>
-          <a:p>
-            <a:pPr marL="12700">
-              <a:spcBef>
-                <a:spcPts val="100"/>
-              </a:spcBef>
-            </a:pPr>
-            <a:r>
-              <a:rPr lang="zh-CN" altLang="en-US" sz="3600" b="1" spc="-15" dirty="0">
-                <a:solidFill>
-                  <a:srgbClr val="34495E"/>
-                </a:solidFill>
-                <a:latin typeface="+mn-lt"/>
-                <a:ea typeface="+mn-ea"/>
-                <a:cs typeface="+mn-ea"/>
-                <a:sym typeface="+mn-lt"/>
-              </a:rPr>
-              <a:t>鼓励模块化</a:t>
-            </a:r>
-            <a:endParaRPr lang="zh-CN" altLang="en-US" sz="3600" dirty="0">
-              <a:latin typeface="+mn-lt"/>
-              <a:ea typeface="+mn-ea"/>
-              <a:cs typeface="+mn-ea"/>
-              <a:sym typeface="+mn-lt"/>
-            </a:endParaRPr>
-          </a:p>
-        </p:txBody>
-      </p:sp>
-      <p:sp>
-        <p:nvSpPr>
-          <p:cNvPr id="3" name="object 3"/>
-          <p:cNvSpPr txBox="1"/>
-          <p:nvPr/>
-        </p:nvSpPr>
-        <p:spPr>
-          <a:xfrm>
-            <a:off x="3888739" y="3018695"/>
-            <a:ext cx="4116744" cy="782265"/>
-          </a:xfrm>
-          <a:prstGeom prst="rect">
-            <a:avLst/>
-          </a:prstGeom>
-        </p:spPr>
-        <p:txBody>
-          <a:bodyPr vert="horz" wrap="square" lIns="0" tIns="12700" rIns="0" bIns="0" rtlCol="0">
+          <a:bodyPr vert="horz" wrap="square" lIns="0" tIns="27940" rIns="0" bIns="0" rtlCol="0">
             <a:spAutoFit/>
           </a:bodyPr>
           <a:lstStyle/>
@@ -21479,35 +21423,68 @@
                 <a:cs typeface="+mn-ea"/>
                 <a:sym typeface="+mn-lt"/>
               </a:rPr>
-              <a:t>~18kb min+gzip，无外部依赖</a:t>
-            </a:r>
-          </a:p>
-          <a:p>
-            <a:pPr marL="622300" marR="5080" indent="-609600">
-              <a:lnSpc>
-                <a:spcPts val="2850"/>
-              </a:lnSpc>
+              <a:t>基于组件的开发模式有利于将界面代码 自然分割成更容易维护的模块</a:t>
+            </a:r>
+            <a:endParaRPr sz="2400" dirty="0">
+              <a:cs typeface="+mn-ea"/>
+              <a:sym typeface="+mn-lt"/>
+            </a:endParaRPr>
+          </a:p>
+        </p:txBody>
+      </p:sp>
+      <p:sp>
+        <p:nvSpPr>
+          <p:cNvPr id="4" name="object 2">
+            <a:extLst>
+              <a:ext uri="{FF2B5EF4-FFF2-40B4-BE49-F238E27FC236}">
+                <a16:creationId xmlns:a16="http://schemas.microsoft.com/office/drawing/2014/main" id="{616410CF-F972-4442-9AD4-07C7C6507907}"/>
+              </a:ext>
+            </a:extLst>
+          </p:cNvPr>
+          <p:cNvSpPr txBox="1"/>
+          <p:nvPr/>
+        </p:nvSpPr>
+        <p:spPr>
+          <a:xfrm>
+            <a:off x="4937686" y="2126074"/>
+            <a:ext cx="2316629" cy="566822"/>
+          </a:xfrm>
+          <a:prstGeom prst="rect">
+            <a:avLst/>
+          </a:prstGeom>
+        </p:spPr>
+        <p:txBody>
+          <a:bodyPr vert="horz" wrap="square" lIns="0" tIns="12700" rIns="0" bIns="0" rtlCol="0">
+            <a:spAutoFit/>
+          </a:bodyPr>
+          <a:lstStyle/>
+          <a:p>
+            <a:pPr marL="12700">
               <a:spcBef>
-                <a:spcPts val="220"/>
+                <a:spcPts val="100"/>
               </a:spcBef>
             </a:pPr>
             <a:r>
-              <a:rPr sz="2400" dirty="0">
+              <a:rPr lang="zh-CN" altLang="en-US" sz="3600" b="1" spc="-15" dirty="0">
                 <a:solidFill>
                   <a:srgbClr val="34495E"/>
                 </a:solidFill>
                 <a:cs typeface="+mn-ea"/>
                 <a:sym typeface="+mn-lt"/>
               </a:rPr>
-              <a:t>不依赖脏检测的高效数据绑定</a:t>
-            </a:r>
+              <a:t>鼓励模块化</a:t>
+            </a:r>
+            <a:endParaRPr sz="3600" dirty="0">
+              <a:cs typeface="+mn-ea"/>
+              <a:sym typeface="+mn-lt"/>
+            </a:endParaRPr>
           </a:p>
         </p:txBody>
       </p:sp>
     </p:spTree>
     <p:extLst>
       <p:ext uri="{BB962C8B-B14F-4D97-AF65-F5344CB8AC3E}">
-        <p14:creationId xmlns:p14="http://schemas.microsoft.com/office/powerpoint/2010/main" val="3724179917"/>
+        <p14:creationId xmlns:p14="http://schemas.microsoft.com/office/powerpoint/2010/main" val="3813592226"/>
       </p:ext>
     </p:extLst>
   </p:cSld>
@@ -22067,6 +22044,149 @@
 </file>
 
 <file path=ppt/slides/slide30.xml><?xml version="1.0" encoding="utf-8"?>
+<p:sld xmlns:a="http://schemas.openxmlformats.org/drawingml/2006/main" xmlns:r="http://schemas.openxmlformats.org/officeDocument/2006/relationships" xmlns:p="http://schemas.openxmlformats.org/presentationml/2006/main">
+  <p:cSld>
+    <p:spTree>
+      <p:nvGrpSpPr>
+        <p:cNvPr id="1" name=""/>
+        <p:cNvGrpSpPr/>
+        <p:nvPr/>
+      </p:nvGrpSpPr>
+      <p:grpSpPr>
+        <a:xfrm>
+          <a:off x="0" y="0"/>
+          <a:ext cx="0" cy="0"/>
+          <a:chOff x="0" y="0"/>
+          <a:chExt cx="0" cy="0"/>
+        </a:xfrm>
+      </p:grpSpPr>
+      <p:sp>
+        <p:nvSpPr>
+          <p:cNvPr id="2" name="object 2"/>
+          <p:cNvSpPr txBox="1">
+            <a:spLocks noGrp="1"/>
+          </p:cNvSpPr>
+          <p:nvPr>
+            <p:ph type="title"/>
+          </p:nvPr>
+        </p:nvSpPr>
+        <p:spPr>
+          <a:xfrm>
+            <a:off x="4923503" y="2157383"/>
+            <a:ext cx="2344994" cy="511422"/>
+          </a:xfrm>
+          <a:prstGeom prst="rect">
+            <a:avLst/>
+          </a:prstGeom>
+        </p:spPr>
+        <p:txBody>
+          <a:bodyPr vert="horz" wrap="square" lIns="0" tIns="12700" rIns="0" bIns="0" rtlCol="0" anchor="ctr">
+            <a:spAutoFit/>
+          </a:bodyPr>
+          <a:lstStyle/>
+          <a:p>
+            <a:pPr marL="12700">
+              <a:spcBef>
+                <a:spcPts val="100"/>
+              </a:spcBef>
+            </a:pPr>
+            <a:r>
+              <a:rPr lang="zh-CN" altLang="en-US" sz="3600" b="1" spc="-15" dirty="0">
+                <a:solidFill>
+                  <a:srgbClr val="34495E"/>
+                </a:solidFill>
+                <a:latin typeface="+mn-lt"/>
+                <a:ea typeface="+mn-ea"/>
+                <a:cs typeface="+mn-ea"/>
+                <a:sym typeface="+mn-lt"/>
+              </a:rPr>
+              <a:t>鼓励模块化</a:t>
+            </a:r>
+            <a:endParaRPr lang="zh-CN" altLang="en-US" sz="3600" dirty="0">
+              <a:latin typeface="+mn-lt"/>
+              <a:ea typeface="+mn-ea"/>
+              <a:cs typeface="+mn-ea"/>
+              <a:sym typeface="+mn-lt"/>
+            </a:endParaRPr>
+          </a:p>
+        </p:txBody>
+      </p:sp>
+      <p:sp>
+        <p:nvSpPr>
+          <p:cNvPr id="3" name="object 3"/>
+          <p:cNvSpPr txBox="1"/>
+          <p:nvPr/>
+        </p:nvSpPr>
+        <p:spPr>
+          <a:xfrm>
+            <a:off x="3888739" y="3018695"/>
+            <a:ext cx="4116744" cy="782265"/>
+          </a:xfrm>
+          <a:prstGeom prst="rect">
+            <a:avLst/>
+          </a:prstGeom>
+        </p:spPr>
+        <p:txBody>
+          <a:bodyPr vert="horz" wrap="square" lIns="0" tIns="12700" rIns="0" bIns="0" rtlCol="0">
+            <a:spAutoFit/>
+          </a:bodyPr>
+          <a:lstStyle/>
+          <a:p>
+            <a:pPr marL="622300" marR="5080" indent="-609600">
+              <a:lnSpc>
+                <a:spcPts val="2850"/>
+              </a:lnSpc>
+              <a:spcBef>
+                <a:spcPts val="220"/>
+              </a:spcBef>
+            </a:pPr>
+            <a:r>
+              <a:rPr sz="2400" dirty="0">
+                <a:solidFill>
+                  <a:srgbClr val="34495E"/>
+                </a:solidFill>
+                <a:cs typeface="+mn-ea"/>
+                <a:sym typeface="+mn-lt"/>
+              </a:rPr>
+              <a:t>~18kb min+gzip，无外部依赖</a:t>
+            </a:r>
+          </a:p>
+          <a:p>
+            <a:pPr marL="622300" marR="5080" indent="-609600">
+              <a:lnSpc>
+                <a:spcPts val="2850"/>
+              </a:lnSpc>
+              <a:spcBef>
+                <a:spcPts val="220"/>
+              </a:spcBef>
+            </a:pPr>
+            <a:r>
+              <a:rPr sz="2400" dirty="0">
+                <a:solidFill>
+                  <a:srgbClr val="34495E"/>
+                </a:solidFill>
+                <a:cs typeface="+mn-ea"/>
+                <a:sym typeface="+mn-lt"/>
+              </a:rPr>
+              <a:t>不依赖脏检测的高效数据绑定</a:t>
+            </a:r>
+          </a:p>
+        </p:txBody>
+      </p:sp>
+    </p:spTree>
+    <p:extLst>
+      <p:ext uri="{BB962C8B-B14F-4D97-AF65-F5344CB8AC3E}">
+        <p14:creationId xmlns:p14="http://schemas.microsoft.com/office/powerpoint/2010/main" val="3724179917"/>
+      </p:ext>
+    </p:extLst>
+  </p:cSld>
+  <p:clrMapOvr>
+    <a:masterClrMapping/>
+  </p:clrMapOvr>
+</p:sld>
+</file>
+
+<file path=ppt/slides/slide31.xml><?xml version="1.0" encoding="utf-8"?>
 <p:sld xmlns:a="http://schemas.openxmlformats.org/drawingml/2006/main" xmlns:r="http://schemas.openxmlformats.org/officeDocument/2006/relationships" xmlns:p="http://schemas.openxmlformats.org/presentationml/2006/main" showMasterSp="0">
   <p:cSld>
     <p:spTree>
@@ -22762,7 +22882,7 @@
 </p:sld>
 </file>
 
-<file path=ppt/slides/slide31.xml><?xml version="1.0" encoding="utf-8"?>
+<file path=ppt/slides/slide32.xml><?xml version="1.0" encoding="utf-8"?>
 <p:sld xmlns:a="http://schemas.openxmlformats.org/drawingml/2006/main" xmlns:r="http://schemas.openxmlformats.org/officeDocument/2006/relationships" xmlns:p="http://schemas.openxmlformats.org/presentationml/2006/main">
   <p:cSld>
     <p:spTree>
@@ -23453,7 +23573,7 @@
 </p:sld>
 </file>
 
-<file path=ppt/slides/slide32.xml><?xml version="1.0" encoding="utf-8"?>
+<file path=ppt/slides/slide33.xml><?xml version="1.0" encoding="utf-8"?>
 <p:sld xmlns:a="http://schemas.openxmlformats.org/drawingml/2006/main" xmlns:r="http://schemas.openxmlformats.org/officeDocument/2006/relationships" xmlns:p="http://schemas.openxmlformats.org/presentationml/2006/main">
   <p:cSld>
     <p:spTree>
@@ -27893,7 +28013,7 @@
         <a:srgbClr val="70AD47"/>
       </a:accent6>
       <a:hlink>
-        <a:srgbClr val="AEAEAE"/>
+        <a:srgbClr val="FFFFFF"/>
       </a:hlink>
       <a:folHlink>
         <a:srgbClr val="FFFFFF"/>

--- a/Vue 2.pptx
+++ b/Vue 2.pptx
@@ -5186,7 +5186,7 @@
         <p:spPr>
           <a:xfrm>
             <a:off x="5607583" y="1941422"/>
-            <a:ext cx="977265" cy="574040"/>
+            <a:ext cx="1104302" cy="574040"/>
           </a:xfrm>
           <a:prstGeom prst="rect">
             <a:avLst/>
@@ -5213,7 +5213,7 @@
               </a:rPr>
               <a:t>DOM</a:t>
             </a:r>
-            <a:endParaRPr sz="3600">
+            <a:endParaRPr sz="3600" dirty="0">
               <a:latin typeface="Source Sans Pro"/>
               <a:cs typeface="Source Sans Pro"/>
             </a:endParaRPr>
@@ -5682,7 +5682,7 @@
           <p:spPr>
             <a:xfrm>
               <a:off x="1939598" y="3160539"/>
-              <a:ext cx="511809" cy="299720"/>
+              <a:ext cx="569522" cy="289823"/>
             </a:xfrm>
             <a:prstGeom prst="rect">
               <a:avLst/>
@@ -5712,7 +5712,7 @@
                 </a:rPr>
                 <a:t>View</a:t>
               </a:r>
-              <a:endParaRPr sz="1800">
+              <a:endParaRPr sz="1800" dirty="0">
                 <a:latin typeface="Source Sans Pro"/>
                 <a:cs typeface="Source Sans Pro"/>
               </a:endParaRPr>
@@ -6360,8 +6360,8 @@
           </p:nvSpPr>
           <p:spPr>
             <a:xfrm>
-              <a:off x="6812051" y="3315956"/>
-              <a:ext cx="641350" cy="299720"/>
+              <a:off x="6812050" y="3315956"/>
+              <a:ext cx="744731" cy="289823"/>
             </a:xfrm>
             <a:prstGeom prst="rect">
               <a:avLst/>
@@ -6391,7 +6391,7 @@
                 </a:rPr>
                 <a:t>Model</a:t>
               </a:r>
-              <a:endParaRPr sz="1800">
+              <a:endParaRPr sz="1800" dirty="0">
                 <a:latin typeface="Source Sans Pro"/>
                 <a:cs typeface="Source Sans Pro"/>
               </a:endParaRPr>
@@ -7016,7 +7016,7 @@
             <p:spPr>
               <a:xfrm>
                 <a:off x="3396943" y="4761795"/>
-                <a:ext cx="659765" cy="391160"/>
+                <a:ext cx="886719" cy="391160"/>
               </a:xfrm>
               <a:prstGeom prst="rect">
                 <a:avLst/>
@@ -7040,7 +7040,7 @@
                   </a:rPr>
                   <a:t>DOM</a:t>
                 </a:r>
-                <a:endParaRPr sz="2400">
+                <a:endParaRPr sz="2400" dirty="0">
                   <a:latin typeface="Source Sans Pro"/>
                   <a:cs typeface="Source Sans Pro"/>
                 </a:endParaRPr>
@@ -7080,7 +7080,7 @@
                   </a:rPr>
                   <a:t>POJO</a:t>
                 </a:r>
-                <a:endParaRPr sz="2400">
+                <a:endParaRPr sz="2400" dirty="0">
                   <a:latin typeface="Source Sans Pro"/>
                   <a:cs typeface="Source Sans Pro"/>
                 </a:endParaRPr>
@@ -7147,7 +7147,7 @@
                   </a:rPr>
                   <a:t>)</a:t>
                 </a:r>
-                <a:endParaRPr sz="1400">
+                <a:endParaRPr sz="1400" dirty="0">
                   <a:latin typeface="Source Sans Pro"/>
                   <a:cs typeface="Source Sans Pro"/>
                 </a:endParaRPr>
@@ -7163,7 +7163,7 @@
             <p:spPr>
               <a:xfrm>
                 <a:off x="5924322" y="4713445"/>
-                <a:ext cx="526415" cy="391160"/>
+                <a:ext cx="703882" cy="382156"/>
               </a:xfrm>
               <a:prstGeom prst="rect">
                 <a:avLst/>
@@ -7187,7 +7187,7 @@
                   </a:rPr>
                   <a:t>Vue</a:t>
                 </a:r>
-                <a:endParaRPr sz="2400">
+                <a:endParaRPr sz="2400" dirty="0">
                   <a:latin typeface="Source Sans Pro"/>
                   <a:cs typeface="Source Sans Pro"/>
                 </a:endParaRPr>
@@ -7766,8 +7766,8 @@
           </p:nvSpPr>
           <p:spPr>
             <a:xfrm>
-              <a:off x="1939598" y="3160539"/>
-              <a:ext cx="511809" cy="299720"/>
+              <a:off x="1939598" y="3160538"/>
+              <a:ext cx="569522" cy="289823"/>
             </a:xfrm>
             <a:prstGeom prst="rect">
               <a:avLst/>
@@ -7797,7 +7797,7 @@
                 </a:rPr>
                 <a:t>View</a:t>
               </a:r>
-              <a:endParaRPr sz="1800">
+              <a:endParaRPr sz="1800" dirty="0">
                 <a:latin typeface="Source Sans Pro"/>
                 <a:cs typeface="Source Sans Pro"/>
               </a:endParaRPr>
@@ -8446,7 +8446,7 @@
           <p:spPr>
             <a:xfrm>
               <a:off x="6812051" y="3315956"/>
-              <a:ext cx="641350" cy="299720"/>
+              <a:ext cx="839678" cy="289823"/>
             </a:xfrm>
             <a:prstGeom prst="rect">
               <a:avLst/>
@@ -8476,7 +8476,7 @@
                 </a:rPr>
                 <a:t>Model</a:t>
               </a:r>
-              <a:endParaRPr sz="1800">
+              <a:endParaRPr sz="1800" dirty="0">
                 <a:latin typeface="Source Sans Pro"/>
                 <a:cs typeface="Source Sans Pro"/>
               </a:endParaRPr>
@@ -10444,8 +10444,8 @@
         </p:nvGrpSpPr>
         <p:grpSpPr>
           <a:xfrm>
-            <a:off x="2995930" y="1973775"/>
-            <a:ext cx="6200140" cy="4081779"/>
+            <a:off x="2842856" y="1973775"/>
+            <a:ext cx="6506289" cy="4081779"/>
             <a:chOff x="1471949" y="1973775"/>
             <a:chExt cx="6200140" cy="4081779"/>
           </a:xfrm>
@@ -10689,7 +10689,7 @@
           <p:spPr>
             <a:xfrm>
               <a:off x="6157745" y="3490024"/>
-              <a:ext cx="598170" cy="561340"/>
+              <a:ext cx="598170" cy="625812"/>
             </a:xfrm>
             <a:custGeom>
               <a:avLst/>
@@ -10745,7 +10745,7 @@
           <p:spPr>
             <a:xfrm>
               <a:off x="6824395" y="3490024"/>
-              <a:ext cx="598170" cy="561340"/>
+              <a:ext cx="598170" cy="625812"/>
             </a:xfrm>
             <a:custGeom>
               <a:avLst/>
@@ -10911,7 +10911,7 @@
           <p:spPr>
             <a:xfrm>
               <a:off x="1639224" y="3099038"/>
-              <a:ext cx="5899150" cy="238760"/>
+              <a:ext cx="5899150" cy="228268"/>
             </a:xfrm>
             <a:prstGeom prst="rect">
               <a:avLst/>
@@ -10945,6 +10945,16 @@
                 <a:t>Content	</a:t>
               </a:r>
               <a:r>
+                <a:rPr lang="en-US" sz="1400" b="1" dirty="0">
+                  <a:solidFill>
+                    <a:srgbClr val="FFFFFF"/>
+                  </a:solidFill>
+                  <a:latin typeface="Source Sans Pro"/>
+                  <a:cs typeface="Source Sans Pro"/>
+                </a:rPr>
+                <a:t>    </a:t>
+              </a:r>
+              <a:r>
                 <a:rPr sz="1400" b="1" spc="-5" dirty="0">
                   <a:solidFill>
                     <a:srgbClr val="FFFFFF"/>
@@ -10954,7 +10964,7 @@
                 </a:rPr>
                 <a:t>Sidebar</a:t>
               </a:r>
-              <a:endParaRPr sz="1400">
+              <a:endParaRPr sz="1400" dirty="0">
                 <a:latin typeface="Source Sans Pro"/>
                 <a:cs typeface="Source Sans Pro"/>
               </a:endParaRPr>
@@ -10976,7 +10986,7 @@
           <p:spPr>
             <a:xfrm>
               <a:off x="5491095" y="3490024"/>
-              <a:ext cx="598170" cy="561340"/>
+              <a:ext cx="598170" cy="625812"/>
             </a:xfrm>
             <a:prstGeom prst="rect">
               <a:avLst/>
@@ -11007,9 +11017,29 @@
                   <a:latin typeface="Source Sans Pro"/>
                   <a:cs typeface="Source Sans Pro"/>
                 </a:rPr>
-                <a:t>Side  Item</a:t>
+                <a:t>Si</a:t>
               </a:r>
-              <a:endParaRPr sz="1200">
+              <a:r>
+                <a:rPr lang="en-US" sz="1200" b="1" dirty="0">
+                  <a:solidFill>
+                    <a:srgbClr val="FFFFFF"/>
+                  </a:solidFill>
+                  <a:latin typeface="Source Sans Pro"/>
+                  <a:cs typeface="Source Sans Pro"/>
+                </a:rPr>
+                <a:t>d</a:t>
+              </a:r>
+              <a:r>
+                <a:rPr sz="1200" b="1" dirty="0">
+                  <a:solidFill>
+                    <a:srgbClr val="FFFFFF"/>
+                  </a:solidFill>
+                  <a:latin typeface="Source Sans Pro"/>
+                  <a:cs typeface="Source Sans Pro"/>
+                </a:rPr>
+                <a:t>e  Item</a:t>
+              </a:r>
+              <a:endParaRPr sz="1200" dirty="0">
                 <a:latin typeface="Source Sans Pro"/>
                 <a:cs typeface="Source Sans Pro"/>
               </a:endParaRPr>
@@ -11061,8 +11091,8 @@
         </p:nvGrpSpPr>
         <p:grpSpPr>
           <a:xfrm>
-            <a:off x="2995930" y="1973776"/>
-            <a:ext cx="6200140" cy="4081779"/>
+            <a:off x="2840736" y="1973776"/>
+            <a:ext cx="6510528" cy="4081779"/>
             <a:chOff x="2995949" y="1973776"/>
             <a:chExt cx="6200140" cy="4081779"/>
           </a:xfrm>
@@ -16672,7 +16702,7 @@
         <p:spPr>
           <a:xfrm>
             <a:off x="5742187" y="2752843"/>
-            <a:ext cx="708025" cy="566822"/>
+            <a:ext cx="796244" cy="289823"/>
           </a:xfrm>
           <a:prstGeom prst="rect">
             <a:avLst/>
@@ -16699,7 +16729,7 @@
               </a:rPr>
               <a:t>Parent</a:t>
             </a:r>
-            <a:endParaRPr>
+            <a:endParaRPr dirty="0">
               <a:cs typeface="+mn-ea"/>
               <a:sym typeface="+mn-lt"/>
             </a:endParaRPr>
@@ -17029,7 +17059,7 @@
         <p:spPr>
           <a:xfrm>
             <a:off x="5819540" y="4843668"/>
-            <a:ext cx="553085" cy="566822"/>
+            <a:ext cx="679997" cy="289823"/>
           </a:xfrm>
           <a:prstGeom prst="rect">
             <a:avLst/>
@@ -17056,7 +17086,7 @@
               </a:rPr>
               <a:t>Child</a:t>
             </a:r>
-            <a:endParaRPr>
+            <a:endParaRPr dirty="0">
               <a:cs typeface="+mn-ea"/>
               <a:sym typeface="+mn-lt"/>
             </a:endParaRPr>
@@ -17597,7 +17627,7 @@
         <p:spPr>
           <a:xfrm>
             <a:off x="4366116" y="3686271"/>
-            <a:ext cx="638810" cy="746358"/>
+            <a:ext cx="772922" cy="511294"/>
           </a:xfrm>
           <a:prstGeom prst="rect">
             <a:avLst/>
@@ -17637,7 +17667,7 @@
               </a:rPr>
               <a:t>Events</a:t>
             </a:r>
-            <a:endParaRPr sz="1600">
+            <a:endParaRPr sz="1600" dirty="0">
               <a:cs typeface="+mn-ea"/>
               <a:sym typeface="+mn-lt"/>
             </a:endParaRPr>
@@ -17653,7 +17683,7 @@
         <p:spPr>
           <a:xfrm>
             <a:off x="7291088" y="3686271"/>
-            <a:ext cx="564515" cy="746358"/>
+            <a:ext cx="692251" cy="511294"/>
           </a:xfrm>
           <a:prstGeom prst="rect">
             <a:avLst/>
@@ -17693,7 +17723,7 @@
               </a:rPr>
               <a:t>Props</a:t>
             </a:r>
-            <a:endParaRPr sz="1600">
+            <a:endParaRPr sz="1600" dirty="0">
               <a:cs typeface="+mn-ea"/>
               <a:sym typeface="+mn-lt"/>
             </a:endParaRPr>
@@ -22901,59 +22931,6 @@
       </p:grpSpPr>
       <p:sp>
         <p:nvSpPr>
-          <p:cNvPr id="2" name="object 2"/>
-          <p:cNvSpPr/>
-          <p:nvPr/>
-        </p:nvSpPr>
-        <p:spPr>
-          <a:xfrm>
-            <a:off x="1524000" y="6795494"/>
-            <a:ext cx="9144000" cy="62865"/>
-          </a:xfrm>
-          <a:custGeom>
-            <a:avLst/>
-            <a:gdLst/>
-            <a:ahLst/>
-            <a:cxnLst/>
-            <a:rect l="l" t="t" r="r" b="b"/>
-            <a:pathLst>
-              <a:path w="9144000" h="62865">
-                <a:moveTo>
-                  <a:pt x="0" y="0"/>
-                </a:moveTo>
-                <a:lnTo>
-                  <a:pt x="9143999" y="0"/>
-                </a:lnTo>
-                <a:lnTo>
-                  <a:pt x="9143999" y="62506"/>
-                </a:lnTo>
-                <a:lnTo>
-                  <a:pt x="0" y="62506"/>
-                </a:lnTo>
-                <a:lnTo>
-                  <a:pt x="0" y="0"/>
-                </a:lnTo>
-                <a:close/>
-              </a:path>
-            </a:pathLst>
-          </a:custGeom>
-          <a:solidFill>
-            <a:srgbClr val="4FC08D"/>
-          </a:solidFill>
-        </p:spPr>
-        <p:txBody>
-          <a:bodyPr wrap="square" lIns="0" tIns="0" rIns="0" bIns="0" rtlCol="0"/>
-          <a:lstStyle/>
-          <a:p>
-            <a:endParaRPr>
-              <a:cs typeface="+mn-ea"/>
-              <a:sym typeface="+mn-lt"/>
-            </a:endParaRPr>
-          </a:p>
-        </p:txBody>
-      </p:sp>
-      <p:sp>
-        <p:nvSpPr>
           <p:cNvPr id="3" name="object 3"/>
           <p:cNvSpPr txBox="1">
             <a:spLocks noGrp="1"/>
@@ -25564,7 +25541,7 @@
         <p:spPr>
           <a:xfrm>
             <a:off x="3941749" y="3914917"/>
-            <a:ext cx="511809" cy="575945"/>
+            <a:ext cx="630251" cy="575945"/>
           </a:xfrm>
           <a:prstGeom prst="rect">
             <a:avLst/>
@@ -25591,7 +25568,7 @@
               </a:rPr>
               <a:t>视图</a:t>
             </a:r>
-            <a:endParaRPr>
+            <a:endParaRPr dirty="0">
               <a:latin typeface="黑体"/>
               <a:cs typeface="黑体"/>
             </a:endParaRPr>
@@ -25612,7 +25589,7 @@
               </a:rPr>
               <a:t>View</a:t>
             </a:r>
-            <a:endParaRPr>
+            <a:endParaRPr dirty="0">
               <a:latin typeface="Source Sans Pro"/>
               <a:cs typeface="Source Sans Pro"/>
             </a:endParaRPr>
@@ -26763,7 +26740,7 @@
         <p:spPr>
           <a:xfrm>
             <a:off x="3941749" y="3914917"/>
-            <a:ext cx="511809" cy="575945"/>
+            <a:ext cx="592544" cy="575945"/>
           </a:xfrm>
           <a:prstGeom prst="rect">
             <a:avLst/>
@@ -26790,7 +26767,7 @@
               </a:rPr>
               <a:t>视图</a:t>
             </a:r>
-            <a:endParaRPr>
+            <a:endParaRPr dirty="0">
               <a:latin typeface="黑体"/>
               <a:cs typeface="黑体"/>
             </a:endParaRPr>
@@ -26811,7 +26788,7 @@
               </a:rPr>
               <a:t>View</a:t>
             </a:r>
-            <a:endParaRPr>
+            <a:endParaRPr dirty="0">
               <a:latin typeface="Source Sans Pro"/>
               <a:cs typeface="Source Sans Pro"/>
             </a:endParaRPr>

--- a/Vue 2.pptx
+++ b/Vue 2.pptx
@@ -5,7 +5,7 @@
     <p:sldMasterId id="2147483648" r:id="rId1"/>
   </p:sldMasterIdLst>
   <p:notesMasterIdLst>
-    <p:notesMasterId r:id="rId35"/>
+    <p:notesMasterId r:id="rId34"/>
   </p:notesMasterIdLst>
   <p:sldIdLst>
     <p:sldId id="256" r:id="rId2"/>
@@ -37,15 +37,14 @@
     <p:sldId id="295" r:id="rId28"/>
     <p:sldId id="287" r:id="rId29"/>
     <p:sldId id="289" r:id="rId30"/>
-    <p:sldId id="291" r:id="rId31"/>
-    <p:sldId id="296" r:id="rId32"/>
-    <p:sldId id="299" r:id="rId33"/>
-    <p:sldId id="292" r:id="rId34"/>
+    <p:sldId id="296" r:id="rId31"/>
+    <p:sldId id="299" r:id="rId32"/>
+    <p:sldId id="292" r:id="rId33"/>
   </p:sldIdLst>
   <p:sldSz cx="12192000" cy="6858000"/>
   <p:notesSz cx="6858000" cy="9144000"/>
   <p:custDataLst>
-    <p:tags r:id="rId36"/>
+    <p:tags r:id="rId35"/>
   </p:custDataLst>
   <p:defaultTextStyle>
     <a:defPPr>
@@ -4675,8 +4674,8 @@
         </p:nvSpPr>
         <p:spPr>
           <a:xfrm>
-            <a:off x="3776004" y="4446866"/>
-            <a:ext cx="4640580" cy="417807"/>
+            <a:off x="4104526" y="4446866"/>
+            <a:ext cx="3982949" cy="456022"/>
           </a:xfrm>
           <a:prstGeom prst="rect">
             <a:avLst/>
@@ -4734,14 +4733,34 @@
               <a:t> </a:t>
             </a:r>
             <a:r>
-              <a:rPr sz="2400" dirty="0">
+              <a:rPr sz="2400" dirty="0" err="1">
                 <a:solidFill>
                   <a:srgbClr val="34495E"/>
                 </a:solidFill>
                 <a:cs typeface="+mn-ea"/>
                 <a:sym typeface="+mn-lt"/>
               </a:rPr>
-              <a:t>组件化的前端界面开发</a:t>
+              <a:t>组件化的</a:t>
+            </a:r>
+            <a:r>
+              <a:rPr lang="en-US" sz="2400" dirty="0" err="1">
+                <a:solidFill>
+                  <a:srgbClr val="34495E"/>
+                </a:solidFill>
+                <a:cs typeface="+mn-ea"/>
+                <a:sym typeface="+mn-lt"/>
+              </a:rPr>
+              <a:t>Web</a:t>
+            </a:r>
+            <a:r>
+              <a:rPr sz="2400" dirty="0" err="1">
+                <a:solidFill>
+                  <a:srgbClr val="34495E"/>
+                </a:solidFill>
+                <a:cs typeface="+mn-ea"/>
+                <a:sym typeface="+mn-lt"/>
+              </a:rPr>
+              <a:t>前端</a:t>
             </a:r>
             <a:endParaRPr sz="2400" dirty="0">
               <a:cs typeface="+mn-ea"/>
@@ -5057,6 +5076,18 @@
   <p:clrMapOvr>
     <a:masterClrMapping/>
   </p:clrMapOvr>
+  <mc:AlternateContent xmlns:mc="http://schemas.openxmlformats.org/markup-compatibility/2006">
+    <mc:Choice xmlns:p159="http://schemas.microsoft.com/office/powerpoint/2015/09/main" Requires="p159">
+      <p:transition xmlns:p14="http://schemas.microsoft.com/office/powerpoint/2010/main" spd="slow" p14:dur="1500" advClick="0">
+        <p159:morph option="byObject"/>
+      </p:transition>
+    </mc:Choice>
+    <mc:Fallback>
+      <p:transition spd="slow" advClick="0">
+        <p:fade/>
+      </p:transition>
+    </mc:Fallback>
+  </mc:AlternateContent>
 </p:sld>
 </file>
 
@@ -5515,6 +5546,18 @@
   <p:clrMapOvr>
     <a:masterClrMapping/>
   </p:clrMapOvr>
+  <mc:AlternateContent xmlns:mc="http://schemas.openxmlformats.org/markup-compatibility/2006">
+    <mc:Choice xmlns:p159="http://schemas.microsoft.com/office/powerpoint/2015/09/main" Requires="p159">
+      <p:transition xmlns:p14="http://schemas.microsoft.com/office/powerpoint/2010/main" spd="slow" p14:dur="1500">
+        <p159:morph option="byObject"/>
+      </p:transition>
+    </mc:Choice>
+    <mc:Fallback>
+      <p:transition spd="slow">
+        <p:fade/>
+      </p:transition>
+    </mc:Fallback>
+  </mc:AlternateContent>
 </p:sld>
 </file>
 
@@ -6863,6 +6906,18 @@
   <p:clrMapOvr>
     <a:masterClrMapping/>
   </p:clrMapOvr>
+  <mc:AlternateContent xmlns:mc="http://schemas.openxmlformats.org/markup-compatibility/2006">
+    <mc:Choice xmlns:p159="http://schemas.microsoft.com/office/powerpoint/2015/09/main" Requires="p159">
+      <p:transition xmlns:p14="http://schemas.microsoft.com/office/powerpoint/2010/main" spd="slow" p14:dur="1500">
+        <p159:morph option="byObject"/>
+      </p:transition>
+    </mc:Choice>
+    <mc:Fallback>
+      <p:transition spd="slow">
+        <p:fade/>
+      </p:transition>
+    </mc:Fallback>
+  </mc:AlternateContent>
 </p:sld>
 </file>
 
@@ -8854,6 +8909,18 @@
   <p:clrMapOvr>
     <a:masterClrMapping/>
   </p:clrMapOvr>
+  <mc:AlternateContent xmlns:mc="http://schemas.openxmlformats.org/markup-compatibility/2006">
+    <mc:Choice xmlns:p159="http://schemas.microsoft.com/office/powerpoint/2015/09/main" Requires="p159">
+      <p:transition xmlns:p14="http://schemas.microsoft.com/office/powerpoint/2010/main" spd="slow" p14:dur="1500">
+        <p159:morph option="byObject"/>
+      </p:transition>
+    </mc:Choice>
+    <mc:Fallback>
+      <p:transition spd="slow">
+        <p:fade/>
+      </p:transition>
+    </mc:Fallback>
+  </mc:AlternateContent>
 </p:sld>
 </file>
 
@@ -10053,6 +10120,18 @@
   <p:clrMapOvr>
     <a:masterClrMapping/>
   </p:clrMapOvr>
+  <mc:AlternateContent xmlns:mc="http://schemas.openxmlformats.org/markup-compatibility/2006">
+    <mc:Choice xmlns:p159="http://schemas.microsoft.com/office/powerpoint/2015/09/main" Requires="p159">
+      <p:transition xmlns:p14="http://schemas.microsoft.com/office/powerpoint/2010/main" spd="slow" p14:dur="1500">
+        <p159:morph option="byObject"/>
+      </p:transition>
+    </mc:Choice>
+    <mc:Fallback>
+      <p:transition spd="slow">
+        <p:fade/>
+      </p:transition>
+    </mc:Fallback>
+  </mc:AlternateContent>
 </p:sld>
 </file>
 
@@ -10166,6 +10245,18 @@
   <p:clrMapOvr>
     <a:overrideClrMapping bg1="lt1" tx1="dk1" bg2="lt2" tx2="dk2" accent1="accent1" accent2="accent2" accent3="accent3" accent4="accent4" accent5="accent5" accent6="accent6" hlink="hlink" folHlink="folHlink"/>
   </p:clrMapOvr>
+  <mc:AlternateContent xmlns:mc="http://schemas.openxmlformats.org/markup-compatibility/2006">
+    <mc:Choice xmlns:p159="http://schemas.microsoft.com/office/powerpoint/2015/09/main" Requires="p159">
+      <p:transition xmlns:p14="http://schemas.microsoft.com/office/powerpoint/2010/main" spd="slow" p14:dur="1500">
+        <p159:morph option="byObject"/>
+      </p:transition>
+    </mc:Choice>
+    <mc:Fallback>
+      <p:transition spd="slow">
+        <p:fade/>
+      </p:transition>
+    </mc:Fallback>
+  </mc:AlternateContent>
 </p:sld>
 </file>
 
@@ -10362,6 +10453,18 @@
   <p:clrMapOvr>
     <a:masterClrMapping/>
   </p:clrMapOvr>
+  <mc:AlternateContent xmlns:mc="http://schemas.openxmlformats.org/markup-compatibility/2006">
+    <mc:Choice xmlns:p159="http://schemas.microsoft.com/office/powerpoint/2015/09/main" Requires="p159">
+      <p:transition xmlns:p14="http://schemas.microsoft.com/office/powerpoint/2010/main" spd="slow" p14:dur="1500">
+        <p159:morph option="byObject"/>
+      </p:transition>
+    </mc:Choice>
+    <mc:Fallback>
+      <p:transition spd="slow">
+        <p:fade/>
+      </p:transition>
+    </mc:Fallback>
+  </mc:AlternateContent>
 </p:sld>
 </file>
 
@@ -11057,6 +11160,18 @@
   <p:clrMapOvr>
     <a:masterClrMapping/>
   </p:clrMapOvr>
+  <mc:AlternateContent xmlns:mc="http://schemas.openxmlformats.org/markup-compatibility/2006">
+    <mc:Choice xmlns:p159="http://schemas.microsoft.com/office/powerpoint/2015/09/main" Requires="p159">
+      <p:transition xmlns:p14="http://schemas.microsoft.com/office/powerpoint/2010/main" spd="slow" p14:dur="1500">
+        <p159:morph option="byObject"/>
+      </p:transition>
+    </mc:Choice>
+    <mc:Fallback>
+      <p:transition spd="slow">
+        <p:fade/>
+      </p:transition>
+    </mc:Fallback>
+  </mc:AlternateContent>
 </p:sld>
 </file>
 
@@ -13120,6 +13235,18 @@
   <p:clrMapOvr>
     <a:masterClrMapping/>
   </p:clrMapOvr>
+  <mc:AlternateContent xmlns:mc="http://schemas.openxmlformats.org/markup-compatibility/2006">
+    <mc:Choice xmlns:p159="http://schemas.microsoft.com/office/powerpoint/2015/09/main" Requires="p159">
+      <p:transition xmlns:p14="http://schemas.microsoft.com/office/powerpoint/2010/main" spd="slow" p14:dur="1500">
+        <p159:morph option="byObject"/>
+      </p:transition>
+    </mc:Choice>
+    <mc:Fallback>
+      <p:transition spd="slow">
+        <p:fade/>
+      </p:transition>
+    </mc:Fallback>
+  </mc:AlternateContent>
 </p:sld>
 </file>
 
@@ -16064,6 +16191,18 @@
   <p:clrMapOvr>
     <a:masterClrMapping/>
   </p:clrMapOvr>
+  <mc:AlternateContent xmlns:mc="http://schemas.openxmlformats.org/markup-compatibility/2006">
+    <mc:Choice xmlns:p159="http://schemas.microsoft.com/office/powerpoint/2015/09/main" Requires="p159">
+      <p:transition xmlns:p14="http://schemas.microsoft.com/office/powerpoint/2010/main" spd="slow" p14:dur="1500">
+        <p159:morph option="byObject"/>
+      </p:transition>
+    </mc:Choice>
+    <mc:Fallback>
+      <p:transition spd="slow">
+        <p:fade/>
+      </p:transition>
+    </mc:Fallback>
+  </mc:AlternateContent>
 </p:sld>
 </file>
 
@@ -17740,6 +17879,18 @@
   <p:clrMapOvr>
     <a:masterClrMapping/>
   </p:clrMapOvr>
+  <mc:AlternateContent xmlns:mc="http://schemas.openxmlformats.org/markup-compatibility/2006">
+    <mc:Choice xmlns:p159="http://schemas.microsoft.com/office/powerpoint/2015/09/main" Requires="p159">
+      <p:transition xmlns:p14="http://schemas.microsoft.com/office/powerpoint/2010/main" spd="slow" p14:dur="1500">
+        <p159:morph option="byObject"/>
+      </p:transition>
+    </mc:Choice>
+    <mc:Fallback>
+      <p:transition spd="slow">
+        <p:fade/>
+      </p:transition>
+    </mc:Fallback>
+  </mc:AlternateContent>
 </p:sld>
 </file>
 
@@ -18354,6 +18505,42 @@
           </p:txBody>
         </p:sp>
       </p:grpSp>
+      <p:pic>
+        <p:nvPicPr>
+          <p:cNvPr id="16" name="图片 15">
+            <a:extLst>
+              <a:ext uri="{FF2B5EF4-FFF2-40B4-BE49-F238E27FC236}">
+                <a16:creationId xmlns:a16="http://schemas.microsoft.com/office/drawing/2014/main" id="{8EFF46C9-5AC9-4209-A1C5-60AE37C594AF}"/>
+              </a:ext>
+            </a:extLst>
+          </p:cNvPr>
+          <p:cNvPicPr>
+            <a:picLocks noChangeAspect="1"/>
+          </p:cNvPicPr>
+          <p:nvPr/>
+        </p:nvPicPr>
+        <p:blipFill>
+          <a:blip r:embed="rId6">
+            <a:extLst>
+              <a:ext uri="{28A0092B-C50C-407E-A947-70E740481C1C}">
+                <a14:useLocalDpi xmlns:a14="http://schemas.microsoft.com/office/drawing/2010/main" val="0"/>
+              </a:ext>
+            </a:extLst>
+          </a:blip>
+          <a:stretch>
+            <a:fillRect/>
+          </a:stretch>
+        </p:blipFill>
+        <p:spPr>
+          <a:xfrm>
+            <a:off x="2974380" y="2409123"/>
+            <a:ext cx="1831113" cy="1816464"/>
+          </a:xfrm>
+          <a:prstGeom prst="rect">
+            <a:avLst/>
+          </a:prstGeom>
+        </p:spPr>
+      </p:pic>
     </p:spTree>
     <p:extLst>
       <p:ext uri="{BB962C8B-B14F-4D97-AF65-F5344CB8AC3E}">
@@ -18364,6 +18551,142 @@
   <p:clrMapOvr>
     <a:masterClrMapping/>
   </p:clrMapOvr>
+  <mc:AlternateContent xmlns:mc="http://schemas.openxmlformats.org/markup-compatibility/2006">
+    <mc:Choice xmlns:p159="http://schemas.microsoft.com/office/powerpoint/2015/09/main" Requires="p159">
+      <p:transition xmlns:p14="http://schemas.microsoft.com/office/powerpoint/2010/main" spd="slow" p14:dur="1500">
+        <p159:morph option="byObject"/>
+      </p:transition>
+    </mc:Choice>
+    <mc:Fallback>
+      <p:transition spd="slow">
+        <p:fade/>
+      </p:transition>
+    </mc:Fallback>
+  </mc:AlternateContent>
+  <p:timing>
+    <p:tnLst>
+      <p:par>
+        <p:cTn id="1" dur="indefinite" restart="never" nodeType="tmRoot">
+          <p:childTnLst>
+            <p:seq concurrent="1" nextAc="seek">
+              <p:cTn id="2" dur="indefinite" nodeType="mainSeq">
+                <p:childTnLst>
+                  <p:par>
+                    <p:cTn id="3" fill="hold">
+                      <p:stCondLst>
+                        <p:cond delay="indefinite"/>
+                        <p:cond evt="onBegin" delay="0">
+                          <p:tn val="2"/>
+                        </p:cond>
+                      </p:stCondLst>
+                      <p:childTnLst>
+                        <p:par>
+                          <p:cTn id="4" fill="hold">
+                            <p:stCondLst>
+                              <p:cond delay="0"/>
+                            </p:stCondLst>
+                            <p:childTnLst>
+                              <p:par>
+                                <p:cTn id="5" presetID="2" presetClass="entr" presetSubtype="1" fill="hold" nodeType="afterEffect">
+                                  <p:stCondLst>
+                                    <p:cond delay="0"/>
+                                  </p:stCondLst>
+                                  <p:childTnLst>
+                                    <p:set>
+                                      <p:cBhvr>
+                                        <p:cTn id="6" dur="1" fill="hold">
+                                          <p:stCondLst>
+                                            <p:cond delay="0"/>
+                                          </p:stCondLst>
+                                        </p:cTn>
+                                        <p:tgtEl>
+                                          <p:spTgt spid="16"/>
+                                        </p:tgtEl>
+                                        <p:attrNameLst>
+                                          <p:attrName>style.visibility</p:attrName>
+                                        </p:attrNameLst>
+                                      </p:cBhvr>
+                                      <p:to>
+                                        <p:strVal val="visible"/>
+                                      </p:to>
+                                    </p:set>
+                                    <p:anim calcmode="lin" valueType="num">
+                                      <p:cBhvr additive="base">
+                                        <p:cTn id="7" dur="1500" fill="hold"/>
+                                        <p:tgtEl>
+                                          <p:spTgt spid="16"/>
+                                        </p:tgtEl>
+                                        <p:attrNameLst>
+                                          <p:attrName>ppt_x</p:attrName>
+                                        </p:attrNameLst>
+                                      </p:cBhvr>
+                                      <p:tavLst>
+                                        <p:tav tm="0">
+                                          <p:val>
+                                            <p:strVal val="#ppt_x"/>
+                                          </p:val>
+                                        </p:tav>
+                                        <p:tav tm="100000">
+                                          <p:val>
+                                            <p:strVal val="#ppt_x"/>
+                                          </p:val>
+                                        </p:tav>
+                                      </p:tavLst>
+                                    </p:anim>
+                                    <p:anim calcmode="lin" valueType="num">
+                                      <p:cBhvr additive="base">
+                                        <p:cTn id="8" dur="1500" fill="hold"/>
+                                        <p:tgtEl>
+                                          <p:spTgt spid="16"/>
+                                        </p:tgtEl>
+                                        <p:attrNameLst>
+                                          <p:attrName>ppt_y</p:attrName>
+                                        </p:attrNameLst>
+                                      </p:cBhvr>
+                                      <p:tavLst>
+                                        <p:tav tm="0">
+                                          <p:val>
+                                            <p:strVal val="0-#ppt_h/2"/>
+                                          </p:val>
+                                        </p:tav>
+                                        <p:tav tm="100000">
+                                          <p:val>
+                                            <p:strVal val="#ppt_y"/>
+                                          </p:val>
+                                        </p:tav>
+                                      </p:tavLst>
+                                    </p:anim>
+                                  </p:childTnLst>
+                                </p:cTn>
+                              </p:par>
+                            </p:childTnLst>
+                          </p:cTn>
+                        </p:par>
+                      </p:childTnLst>
+                    </p:cTn>
+                  </p:par>
+                </p:childTnLst>
+              </p:cTn>
+              <p:prevCondLst>
+                <p:cond evt="onPrev" delay="0">
+                  <p:tgtEl>
+                    <p:sldTgt/>
+                  </p:tgtEl>
+                </p:cond>
+              </p:prevCondLst>
+              <p:nextCondLst>
+                <p:cond evt="onNext" delay="0">
+                  <p:tgtEl>
+                    <p:sldTgt/>
+                  </p:tgtEl>
+                </p:cond>
+              </p:nextCondLst>
+            </p:seq>
+          </p:childTnLst>
+        </p:cTn>
+      </p:par>
+    </p:tnLst>
+  </p:timing>
 </p:sld>
 </file>
 
@@ -18477,6 +18800,18 @@
   <p:clrMapOvr>
     <a:overrideClrMapping bg1="lt1" tx1="dk1" bg2="lt2" tx2="dk2" accent1="accent1" accent2="accent2" accent3="accent3" accent4="accent4" accent5="accent5" accent6="accent6" hlink="hlink" folHlink="folHlink"/>
   </p:clrMapOvr>
+  <mc:AlternateContent xmlns:mc="http://schemas.openxmlformats.org/markup-compatibility/2006">
+    <mc:Choice xmlns:p159="http://schemas.microsoft.com/office/powerpoint/2015/09/main" Requires="p159">
+      <p:transition xmlns:p14="http://schemas.microsoft.com/office/powerpoint/2010/main" spd="slow" p14:dur="1500">
+        <p159:morph option="byObject"/>
+      </p:transition>
+    </mc:Choice>
+    <mc:Fallback>
+      <p:transition spd="slow">
+        <p:fade/>
+      </p:transition>
+    </mc:Fallback>
+  </mc:AlternateContent>
 </p:sld>
 </file>
 
@@ -18594,6 +18929,18 @@
   <p:clrMapOvr>
     <a:masterClrMapping/>
   </p:clrMapOvr>
+  <mc:AlternateContent xmlns:mc="http://schemas.openxmlformats.org/markup-compatibility/2006">
+    <mc:Choice xmlns:p159="http://schemas.microsoft.com/office/powerpoint/2015/09/main" Requires="p159">
+      <p:transition xmlns:p14="http://schemas.microsoft.com/office/powerpoint/2010/main" spd="slow" p14:dur="1500">
+        <p159:morph option="byObject"/>
+      </p:transition>
+    </mc:Choice>
+    <mc:Fallback>
+      <p:transition spd="slow">
+        <p:fade/>
+      </p:transition>
+    </mc:Fallback>
+  </mc:AlternateContent>
 </p:sld>
 </file>
 
@@ -19133,6 +19480,18 @@
   <p:clrMapOvr>
     <a:masterClrMapping/>
   </p:clrMapOvr>
+  <mc:AlternateContent xmlns:mc="http://schemas.openxmlformats.org/markup-compatibility/2006">
+    <mc:Choice xmlns:p159="http://schemas.microsoft.com/office/powerpoint/2015/09/main" Requires="p159">
+      <p:transition xmlns:p14="http://schemas.microsoft.com/office/powerpoint/2010/main" spd="slow" p14:dur="1500">
+        <p159:morph option="byObject"/>
+      </p:transition>
+    </mc:Choice>
+    <mc:Fallback>
+      <p:transition spd="slow">
+        <p:fade/>
+      </p:transition>
+    </mc:Fallback>
+  </mc:AlternateContent>
 </p:sld>
 </file>
 
@@ -19491,6 +19850,18 @@
   <p:clrMapOvr>
     <a:masterClrMapping/>
   </p:clrMapOvr>
+  <mc:AlternateContent xmlns:mc="http://schemas.openxmlformats.org/markup-compatibility/2006">
+    <mc:Choice xmlns:p159="http://schemas.microsoft.com/office/powerpoint/2015/09/main" Requires="p159">
+      <p:transition xmlns:p14="http://schemas.microsoft.com/office/powerpoint/2010/main" spd="slow" p14:dur="1500">
+        <p159:morph option="byObject"/>
+      </p:transition>
+    </mc:Choice>
+    <mc:Fallback>
+      <p:transition spd="slow">
+        <p:fade/>
+      </p:transition>
+    </mc:Fallback>
+  </mc:AlternateContent>
 </p:sld>
 </file>
 
@@ -19575,6 +19946,18 @@
   <p:clrMapOvr>
     <a:masterClrMapping/>
   </p:clrMapOvr>
+  <mc:AlternateContent xmlns:mc="http://schemas.openxmlformats.org/markup-compatibility/2006">
+    <mc:Choice xmlns:p159="http://schemas.microsoft.com/office/powerpoint/2015/09/main" Requires="p159">
+      <p:transition xmlns:p14="http://schemas.microsoft.com/office/powerpoint/2010/main" spd="slow" p14:dur="1500">
+        <p159:morph option="byObject"/>
+      </p:transition>
+    </mc:Choice>
+    <mc:Fallback>
+      <p:transition spd="slow">
+        <p:fade/>
+      </p:transition>
+    </mc:Fallback>
+  </mc:AlternateContent>
 </p:sld>
 </file>
 
@@ -20151,6 +20534,18 @@
   <p:clrMapOvr>
     <a:masterClrMapping/>
   </p:clrMapOvr>
+  <mc:AlternateContent xmlns:mc="http://schemas.openxmlformats.org/markup-compatibility/2006">
+    <mc:Choice xmlns:p159="http://schemas.microsoft.com/office/powerpoint/2015/09/main" Requires="p159">
+      <p:transition xmlns:p14="http://schemas.microsoft.com/office/powerpoint/2010/main" spd="slow" p14:dur="1500">
+        <p159:morph option="byObject"/>
+      </p:transition>
+    </mc:Choice>
+    <mc:Fallback>
+      <p:transition spd="slow">
+        <p:fade/>
+      </p:transition>
+    </mc:Fallback>
+  </mc:AlternateContent>
 </p:sld>
 </file>
 
@@ -21050,6 +21445,18 @@
   <p:clrMapOvr>
     <a:masterClrMapping/>
   </p:clrMapOvr>
+  <mc:AlternateContent xmlns:mc="http://schemas.openxmlformats.org/markup-compatibility/2006">
+    <mc:Choice xmlns:p159="http://schemas.microsoft.com/office/powerpoint/2015/09/main" Requires="p159">
+      <p:transition xmlns:p14="http://schemas.microsoft.com/office/powerpoint/2010/main" spd="slow" p14:dur="1500">
+        <p159:morph option="byObject"/>
+      </p:transition>
+    </mc:Choice>
+    <mc:Fallback>
+      <p:transition spd="slow">
+        <p:fade/>
+      </p:transition>
+    </mc:Fallback>
+  </mc:AlternateContent>
 </p:sld>
 </file>
 
@@ -21281,6 +21688,18 @@
   <p:clrMapOvr>
     <a:masterClrMapping/>
   </p:clrMapOvr>
+  <mc:AlternateContent xmlns:mc="http://schemas.openxmlformats.org/markup-compatibility/2006">
+    <mc:Choice xmlns:p159="http://schemas.microsoft.com/office/powerpoint/2015/09/main" Requires="p159">
+      <p:transition xmlns:p14="http://schemas.microsoft.com/office/powerpoint/2010/main" spd="slow" p14:dur="1500">
+        <p159:morph option="byObject"/>
+      </p:transition>
+    </mc:Choice>
+    <mc:Fallback>
+      <p:transition spd="slow">
+        <p:fade/>
+      </p:transition>
+    </mc:Fallback>
+  </mc:AlternateContent>
 </p:sld>
 </file>
 
@@ -21396,6 +21815,18 @@
   <p:clrMapOvr>
     <a:masterClrMapping/>
   </p:clrMapOvr>
+  <mc:AlternateContent xmlns:mc="http://schemas.openxmlformats.org/markup-compatibility/2006">
+    <mc:Choice xmlns:p159="http://schemas.microsoft.com/office/powerpoint/2015/09/main" Requires="p159">
+      <p:transition xmlns:p14="http://schemas.microsoft.com/office/powerpoint/2010/main" spd="slow" p14:dur="1500">
+        <p159:morph option="byObject"/>
+      </p:transition>
+    </mc:Choice>
+    <mc:Fallback>
+      <p:transition spd="slow">
+        <p:fade/>
+      </p:transition>
+    </mc:Fallback>
+  </mc:AlternateContent>
 </p:sld>
 </file>
 
@@ -21521,12 +21952,32 @@
   <p:clrMapOvr>
     <a:masterClrMapping/>
   </p:clrMapOvr>
+  <mc:AlternateContent xmlns:mc="http://schemas.openxmlformats.org/markup-compatibility/2006">
+    <mc:Choice xmlns:p159="http://schemas.microsoft.com/office/powerpoint/2015/09/main" Requires="p159">
+      <p:transition xmlns:p14="http://schemas.microsoft.com/office/powerpoint/2010/main" spd="slow" p14:dur="1500">
+        <p159:morph option="byObject"/>
+      </p:transition>
+    </mc:Choice>
+    <mc:Fallback>
+      <p:transition spd="slow">
+        <p:fade/>
+      </p:transition>
+    </mc:Fallback>
+  </mc:AlternateContent>
 </p:sld>
 </file>
 
 <file path=ppt/slides/slide3.xml><?xml version="1.0" encoding="utf-8"?>
 <p:sld xmlns:a="http://schemas.openxmlformats.org/drawingml/2006/main" xmlns:r="http://schemas.openxmlformats.org/officeDocument/2006/relationships" xmlns:p="http://schemas.openxmlformats.org/presentationml/2006/main">
   <p:cSld>
+    <p:bg>
+      <p:bgPr>
+        <a:solidFill>
+          <a:schemeClr val="bg1"/>
+        </a:solidFill>
+        <a:effectLst/>
+      </p:bgPr>
+    </p:bg>
     <p:spTree>
       <p:nvGrpSpPr>
         <p:cNvPr id="1" name=""/>
@@ -21541,6 +21992,259 @@
           <a:chExt cx="0" cy="0"/>
         </a:xfrm>
       </p:grpSpPr>
+      <p:sp>
+        <p:nvSpPr>
+          <p:cNvPr id="71" name="Freeform 28">
+            <a:extLst>
+              <a:ext uri="{FF2B5EF4-FFF2-40B4-BE49-F238E27FC236}">
+                <a16:creationId xmlns:a16="http://schemas.microsoft.com/office/drawing/2014/main" id="{3FCC729B-E528-40C3-82D3-BA4375575E87}"/>
+              </a:ext>
+            </a:extLst>
+          </p:cNvPr>
+          <p:cNvSpPr>
+            <a:spLocks noGrp="1" noRot="1" noChangeAspect="1" noMove="1" noResize="1" noEditPoints="1" noAdjustHandles="1" noChangeArrowheads="1" noChangeShapeType="1" noTextEdit="1"/>
+          </p:cNvSpPr>
+          <p:nvPr>
+            <p:extLst>
+              <p:ext uri="{386F3935-93C4-4BCD-93E2-E3B085C9AB24}">
+                <p16:designElem xmlns:p16="http://schemas.microsoft.com/office/powerpoint/2015/main" val="1"/>
+              </p:ext>
+            </p:extLst>
+          </p:nvPr>
+        </p:nvSpPr>
+        <p:spPr>
+          <a:xfrm flipH="1" flipV="1">
+            <a:off x="960120" y="0"/>
+            <a:ext cx="11218661" cy="6858000"/>
+          </a:xfrm>
+          <a:custGeom>
+            <a:avLst/>
+            <a:gdLst>
+              <a:gd name="connsiteX0" fmla="*/ 0 w 11218661"/>
+              <a:gd name="connsiteY0" fmla="*/ 0 h 6858000"/>
+              <a:gd name="connsiteX1" fmla="*/ 8042507 w 11218661"/>
+              <a:gd name="connsiteY1" fmla="*/ 0 h 6858000"/>
+              <a:gd name="connsiteX2" fmla="*/ 11218661 w 11218661"/>
+              <a:gd name="connsiteY2" fmla="*/ 6858000 h 6858000"/>
+              <a:gd name="connsiteX3" fmla="*/ 0 w 11218661"/>
+              <a:gd name="connsiteY3" fmla="*/ 6858000 h 6858000"/>
+            </a:gdLst>
+            <a:ahLst/>
+            <a:cxnLst>
+              <a:cxn ang="0">
+                <a:pos x="connsiteX0" y="connsiteY0"/>
+              </a:cxn>
+              <a:cxn ang="0">
+                <a:pos x="connsiteX1" y="connsiteY1"/>
+              </a:cxn>
+              <a:cxn ang="0">
+                <a:pos x="connsiteX2" y="connsiteY2"/>
+              </a:cxn>
+              <a:cxn ang="0">
+                <a:pos x="connsiteX3" y="connsiteY3"/>
+              </a:cxn>
+            </a:cxnLst>
+            <a:rect l="l" t="t" r="r" b="b"/>
+            <a:pathLst>
+              <a:path w="11218661" h="6858000">
+                <a:moveTo>
+                  <a:pt x="0" y="0"/>
+                </a:moveTo>
+                <a:lnTo>
+                  <a:pt x="8042507" y="0"/>
+                </a:lnTo>
+                <a:lnTo>
+                  <a:pt x="11218661" y="6858000"/>
+                </a:lnTo>
+                <a:lnTo>
+                  <a:pt x="0" y="6858000"/>
+                </a:lnTo>
+                <a:close/>
+              </a:path>
+            </a:pathLst>
+          </a:custGeom>
+          <a:solidFill>
+            <a:schemeClr val="tx1">
+              <a:lumMod val="85000"/>
+              <a:lumOff val="15000"/>
+              <a:alpha val="70000"/>
+            </a:schemeClr>
+          </a:solidFill>
+          <a:ln>
+            <a:noFill/>
+          </a:ln>
+        </p:spPr>
+        <p:style>
+          <a:lnRef idx="2">
+            <a:schemeClr val="accent1">
+              <a:shade val="50000"/>
+            </a:schemeClr>
+          </a:lnRef>
+          <a:fillRef idx="1">
+            <a:schemeClr val="accent1"/>
+          </a:fillRef>
+          <a:effectRef idx="0">
+            <a:schemeClr val="accent1"/>
+          </a:effectRef>
+          <a:fontRef idx="minor">
+            <a:schemeClr val="lt1"/>
+          </a:fontRef>
+        </p:style>
+        <p:txBody>
+          <a:bodyPr wrap="square" rtlCol="0" anchor="ctr">
+            <a:noAutofit/>
+          </a:bodyPr>
+          <a:lstStyle/>
+          <a:p>
+            <a:pPr algn="ctr"/>
+            <a:endParaRPr lang="en-US"/>
+          </a:p>
+        </p:txBody>
+      </p:sp>
+      <p:sp>
+        <p:nvSpPr>
+          <p:cNvPr id="73" name="Freeform 26">
+            <a:extLst>
+              <a:ext uri="{FF2B5EF4-FFF2-40B4-BE49-F238E27FC236}">
+                <a16:creationId xmlns:a16="http://schemas.microsoft.com/office/drawing/2014/main" id="{58F1FB8D-1842-4A04-998D-6CF047AB2790}"/>
+              </a:ext>
+            </a:extLst>
+          </p:cNvPr>
+          <p:cNvSpPr>
+            <a:spLocks noGrp="1" noRot="1" noChangeAspect="1" noMove="1" noResize="1" noEditPoints="1" noAdjustHandles="1" noChangeArrowheads="1" noChangeShapeType="1" noTextEdit="1"/>
+          </p:cNvSpPr>
+          <p:nvPr>
+            <p:extLst>
+              <p:ext uri="{386F3935-93C4-4BCD-93E2-E3B085C9AB24}">
+                <p16:designElem xmlns:p16="http://schemas.microsoft.com/office/powerpoint/2015/main" val="1"/>
+              </p:ext>
+            </p:extLst>
+          </p:nvPr>
+        </p:nvSpPr>
+        <p:spPr>
+          <a:xfrm flipH="1" flipV="1">
+            <a:off x="1420248" y="0"/>
+            <a:ext cx="10771752" cy="6858000"/>
+          </a:xfrm>
+          <a:custGeom>
+            <a:avLst/>
+            <a:gdLst>
+              <a:gd name="connsiteX0" fmla="*/ 0 w 10771752"/>
+              <a:gd name="connsiteY0" fmla="*/ 0 h 6858000"/>
+              <a:gd name="connsiteX1" fmla="*/ 7595598 w 10771752"/>
+              <a:gd name="connsiteY1" fmla="*/ 0 h 6858000"/>
+              <a:gd name="connsiteX2" fmla="*/ 10771752 w 10771752"/>
+              <a:gd name="connsiteY2" fmla="*/ 6858000 h 6858000"/>
+              <a:gd name="connsiteX3" fmla="*/ 0 w 10771752"/>
+              <a:gd name="connsiteY3" fmla="*/ 6858000 h 6858000"/>
+            </a:gdLst>
+            <a:ahLst/>
+            <a:cxnLst>
+              <a:cxn ang="0">
+                <a:pos x="connsiteX0" y="connsiteY0"/>
+              </a:cxn>
+              <a:cxn ang="0">
+                <a:pos x="connsiteX1" y="connsiteY1"/>
+              </a:cxn>
+              <a:cxn ang="0">
+                <a:pos x="connsiteX2" y="connsiteY2"/>
+              </a:cxn>
+              <a:cxn ang="0">
+                <a:pos x="connsiteX3" y="connsiteY3"/>
+              </a:cxn>
+            </a:cxnLst>
+            <a:rect l="l" t="t" r="r" b="b"/>
+            <a:pathLst>
+              <a:path w="10771752" h="6858000">
+                <a:moveTo>
+                  <a:pt x="0" y="0"/>
+                </a:moveTo>
+                <a:lnTo>
+                  <a:pt x="7595598" y="0"/>
+                </a:lnTo>
+                <a:lnTo>
+                  <a:pt x="10771752" y="6858000"/>
+                </a:lnTo>
+                <a:lnTo>
+                  <a:pt x="0" y="6858000"/>
+                </a:lnTo>
+                <a:close/>
+              </a:path>
+            </a:pathLst>
+          </a:custGeom>
+          <a:solidFill>
+            <a:schemeClr val="tx1">
+              <a:lumMod val="85000"/>
+              <a:lumOff val="15000"/>
+            </a:schemeClr>
+          </a:solidFill>
+          <a:ln>
+            <a:noFill/>
+          </a:ln>
+        </p:spPr>
+        <p:style>
+          <a:lnRef idx="2">
+            <a:schemeClr val="accent1">
+              <a:shade val="50000"/>
+            </a:schemeClr>
+          </a:lnRef>
+          <a:fillRef idx="1">
+            <a:schemeClr val="accent1"/>
+          </a:fillRef>
+          <a:effectRef idx="0">
+            <a:schemeClr val="accent1"/>
+          </a:effectRef>
+          <a:fontRef idx="minor">
+            <a:schemeClr val="lt1"/>
+          </a:fontRef>
+        </p:style>
+        <p:txBody>
+          <a:bodyPr wrap="square" rtlCol="0" anchor="ctr">
+            <a:noAutofit/>
+          </a:bodyPr>
+          <a:lstStyle/>
+          <a:p>
+            <a:pPr algn="ctr"/>
+            <a:endParaRPr lang="en-US"/>
+          </a:p>
+        </p:txBody>
+      </p:sp>
+      <p:pic>
+        <p:nvPicPr>
+          <p:cNvPr id="3" name="图片 2">
+            <a:extLst>
+              <a:ext uri="{FF2B5EF4-FFF2-40B4-BE49-F238E27FC236}">
+                <a16:creationId xmlns:a16="http://schemas.microsoft.com/office/drawing/2014/main" id="{AFA21650-B573-4598-8181-39F3461F5E01}"/>
+              </a:ext>
+            </a:extLst>
+          </p:cNvPr>
+          <p:cNvPicPr>
+            <a:picLocks noChangeAspect="1"/>
+          </p:cNvPicPr>
+          <p:nvPr/>
+        </p:nvPicPr>
+        <p:blipFill>
+          <a:blip r:embed="rId2">
+            <a:extLst>
+              <a:ext uri="{28A0092B-C50C-407E-A947-70E740481C1C}">
+                <a14:useLocalDpi xmlns:a14="http://schemas.microsoft.com/office/drawing/2010/main" val="0"/>
+              </a:ext>
+            </a:extLst>
+          </a:blip>
+          <a:stretch>
+            <a:fillRect/>
+          </a:stretch>
+        </p:blipFill>
+        <p:spPr>
+          <a:xfrm>
+            <a:off x="480060" y="1715781"/>
+            <a:ext cx="3425957" cy="3425957"/>
+          </a:xfrm>
+          <a:prstGeom prst="rect">
+            <a:avLst/>
+          </a:prstGeom>
+        </p:spPr>
+      </p:pic>
       <p:sp>
         <p:nvSpPr>
           <p:cNvPr id="4098" name="内容占位符 2">
@@ -21559,44 +22263,49 @@
         </p:nvSpPr>
         <p:spPr>
           <a:xfrm>
-            <a:off x="1981200" y="381001"/>
-            <a:ext cx="8229600" cy="5745163"/>
+            <a:off x="4387515" y="1116107"/>
+            <a:ext cx="7161017" cy="5060856"/>
           </a:xfrm>
         </p:spPr>
         <p:txBody>
-          <a:bodyPr/>
+          <a:bodyPr>
+            <a:normAutofit/>
+          </a:bodyPr>
           <a:lstStyle/>
           <a:p>
             <a:pPr algn="ctr" eaLnBrk="1" hangingPunct="1">
-              <a:lnSpc>
-                <a:spcPct val="120000"/>
-              </a:lnSpc>
               <a:spcBef>
                 <a:spcPts val="0"/>
               </a:spcBef>
+              <a:spcAft>
+                <a:spcPts val="600"/>
+              </a:spcAft>
               <a:buFontTx/>
               <a:buNone/>
             </a:pPr>
             <a:r>
-              <a:rPr lang="en-US" altLang="zh-CN" dirty="0">
+              <a:rPr lang="en-US" altLang="zh-CN" sz="1300" dirty="0">
+                <a:solidFill>
+                  <a:schemeClr val="bg1"/>
+                </a:solidFill>
                 <a:cs typeface="+mn-ea"/>
                 <a:sym typeface="+mn-lt"/>
               </a:rPr>
               <a:t> </a:t>
             </a:r>
             <a:r>
-              <a:rPr lang="zh-CN" altLang="en-US" sz="2000" b="1" spc="-15" dirty="0">
-                <a:solidFill>
-                  <a:srgbClr val="34495E"/>
+              <a:rPr lang="zh-CN" altLang="en-US" sz="1300" b="1" spc="-15" dirty="0">
+                <a:solidFill>
+                  <a:schemeClr val="bg1"/>
                 </a:solidFill>
                 <a:cs typeface="+mn-ea"/>
                 <a:sym typeface="+mn-lt"/>
               </a:rPr>
               <a:t>历史由来</a:t>
             </a:r>
-            <a:endParaRPr lang="en-US" altLang="zh-CN" sz="2000" b="1" spc="-15" dirty="0">
+            <a:endParaRPr lang="en-US" altLang="zh-CN" sz="1300" b="1" spc="-15" dirty="0">
               <a:solidFill>
-                <a:srgbClr val="34495E"/>
+                <a:schemeClr val="bg1"/>
               </a:solidFill>
               <a:cs typeface="+mn-ea"/>
               <a:sym typeface="+mn-lt"/>
@@ -21604,17 +22313,20 @@
           </a:p>
           <a:p>
             <a:pPr eaLnBrk="1" hangingPunct="1">
-              <a:lnSpc>
-                <a:spcPct val="120000"/>
-              </a:lnSpc>
               <a:spcBef>
                 <a:spcPts val="0"/>
               </a:spcBef>
+              <a:spcAft>
+                <a:spcPts val="600"/>
+              </a:spcAft>
               <a:buFontTx/>
               <a:buNone/>
             </a:pPr>
             <a:r>
-              <a:rPr lang="en-US" altLang="zh-CN" sz="1600" dirty="0">
+              <a:rPr lang="en-US" altLang="zh-CN" sz="1300" dirty="0">
+                <a:solidFill>
+                  <a:schemeClr val="bg1"/>
+                </a:solidFill>
                 <a:cs typeface="+mn-ea"/>
                 <a:sym typeface="+mn-lt"/>
               </a:rPr>
@@ -21623,391 +22335,535 @@
           </a:p>
           <a:p>
             <a:pPr eaLnBrk="1" hangingPunct="1">
-              <a:lnSpc>
-                <a:spcPct val="120000"/>
-              </a:lnSpc>
               <a:spcBef>
                 <a:spcPts val="0"/>
               </a:spcBef>
+              <a:spcAft>
+                <a:spcPts val="600"/>
+              </a:spcAft>
               <a:buFontTx/>
               <a:buNone/>
             </a:pPr>
             <a:r>
-              <a:rPr lang="en-US" altLang="zh-CN" sz="1600" dirty="0">
+              <a:rPr lang="en-US" altLang="zh-CN" sz="1300" dirty="0">
+                <a:solidFill>
+                  <a:schemeClr val="bg1"/>
+                </a:solidFill>
                 <a:cs typeface="+mn-ea"/>
                 <a:sym typeface="+mn-lt"/>
               </a:rPr>
               <a:t>    </a:t>
             </a:r>
             <a:r>
-              <a:rPr lang="zh-CN" altLang="en-US" sz="1600" dirty="0">
+              <a:rPr lang="zh-CN" altLang="en-US" sz="1300" dirty="0">
+                <a:solidFill>
+                  <a:schemeClr val="bg1"/>
+                </a:solidFill>
                 <a:cs typeface="+mn-ea"/>
                 <a:sym typeface="+mn-lt"/>
               </a:rPr>
               <a:t>尤雨溪谈</a:t>
             </a:r>
             <a:r>
-              <a:rPr lang="en-US" altLang="zh-CN" sz="1600" dirty="0">
+              <a:rPr lang="en-US" altLang="zh-CN" sz="1300" dirty="0">
+                <a:solidFill>
+                  <a:schemeClr val="bg1"/>
+                </a:solidFill>
                 <a:cs typeface="+mn-ea"/>
                 <a:sym typeface="+mn-lt"/>
               </a:rPr>
               <a:t>Vue.js</a:t>
             </a:r>
             <a:r>
-              <a:rPr lang="zh-CN" altLang="en-US" sz="1600" dirty="0">
+              <a:rPr lang="zh-CN" altLang="en-US" sz="1300" dirty="0">
+                <a:solidFill>
+                  <a:schemeClr val="bg1"/>
+                </a:solidFill>
                 <a:cs typeface="+mn-ea"/>
                 <a:sym typeface="+mn-lt"/>
               </a:rPr>
               <a:t>：</a:t>
             </a:r>
-            <a:endParaRPr lang="en-US" altLang="zh-CN" sz="1600" dirty="0">
+            <a:endParaRPr lang="en-US" altLang="zh-CN" sz="1300" dirty="0">
+              <a:solidFill>
+                <a:schemeClr val="bg1"/>
+              </a:solidFill>
               <a:cs typeface="+mn-ea"/>
               <a:sym typeface="+mn-lt"/>
             </a:endParaRPr>
           </a:p>
           <a:p>
             <a:pPr eaLnBrk="1" hangingPunct="1">
-              <a:lnSpc>
-                <a:spcPct val="120000"/>
-              </a:lnSpc>
               <a:spcBef>
                 <a:spcPts val="0"/>
               </a:spcBef>
+              <a:spcAft>
+                <a:spcPts val="600"/>
+              </a:spcAft>
               <a:buFontTx/>
               <a:buNone/>
             </a:pPr>
-            <a:endParaRPr lang="en-US" altLang="zh-CN" sz="1600" dirty="0">
+            <a:endParaRPr lang="en-US" altLang="zh-CN" sz="1300" dirty="0">
+              <a:solidFill>
+                <a:schemeClr val="bg1"/>
+              </a:solidFill>
               <a:cs typeface="+mn-ea"/>
               <a:sym typeface="+mn-lt"/>
             </a:endParaRPr>
           </a:p>
           <a:p>
             <a:pPr eaLnBrk="1" hangingPunct="1">
-              <a:lnSpc>
-                <a:spcPct val="120000"/>
-              </a:lnSpc>
               <a:spcBef>
                 <a:spcPts val="0"/>
               </a:spcBef>
+              <a:spcAft>
+                <a:spcPts val="600"/>
+              </a:spcAft>
               <a:buFontTx/>
               <a:buNone/>
             </a:pPr>
             <a:r>
-              <a:rPr lang="en-US" altLang="zh-CN" sz="1600" dirty="0">
+              <a:rPr lang="en-US" altLang="zh-CN" sz="1300" dirty="0">
+                <a:solidFill>
+                  <a:schemeClr val="bg1"/>
+                </a:solidFill>
                 <a:cs typeface="+mn-ea"/>
                 <a:sym typeface="+mn-lt"/>
               </a:rPr>
               <a:t>		</a:t>
             </a:r>
             <a:r>
-              <a:rPr lang="zh-CN" altLang="en-US" sz="1600" dirty="0">
+              <a:rPr lang="zh-CN" altLang="en-US" sz="1300" dirty="0">
+                <a:solidFill>
+                  <a:schemeClr val="bg1"/>
+                </a:solidFill>
                 <a:cs typeface="+mn-ea"/>
                 <a:sym typeface="+mn-lt"/>
               </a:rPr>
               <a:t>“我在 </a:t>
             </a:r>
             <a:r>
-              <a:rPr lang="en-US" altLang="zh-CN" sz="1600" dirty="0">
+              <a:rPr lang="en-US" altLang="zh-CN" sz="1300" dirty="0">
+                <a:solidFill>
+                  <a:schemeClr val="bg1"/>
+                </a:solidFill>
                 <a:cs typeface="+mn-ea"/>
                 <a:sym typeface="+mn-lt"/>
               </a:rPr>
               <a:t>Google </a:t>
             </a:r>
             <a:r>
-              <a:rPr lang="zh-CN" altLang="en-US" sz="1600" dirty="0">
+              <a:rPr lang="zh-CN" altLang="en-US" sz="1300" dirty="0">
+                <a:solidFill>
+                  <a:schemeClr val="bg1"/>
+                </a:solidFill>
                 <a:cs typeface="+mn-ea"/>
                 <a:sym typeface="+mn-lt"/>
               </a:rPr>
               <a:t>的工作需要在浏览器上进行大量原型设计，于是我想要尽快获得有形的东西。当时有些项目使用了 </a:t>
             </a:r>
             <a:r>
-              <a:rPr lang="en-US" altLang="zh-CN" sz="1600" dirty="0">
+              <a:rPr lang="en-US" altLang="zh-CN" sz="1300" dirty="0">
+                <a:solidFill>
+                  <a:schemeClr val="bg1"/>
+                </a:solidFill>
                 <a:cs typeface="+mn-ea"/>
                 <a:sym typeface="+mn-lt"/>
               </a:rPr>
               <a:t>Angular</a:t>
             </a:r>
             <a:r>
-              <a:rPr lang="zh-CN" altLang="en-US" sz="1600" dirty="0">
+              <a:rPr lang="zh-CN" altLang="en-US" sz="1300" dirty="0">
+                <a:solidFill>
+                  <a:schemeClr val="bg1"/>
+                </a:solidFill>
                 <a:cs typeface="+mn-ea"/>
                 <a:sym typeface="+mn-lt"/>
               </a:rPr>
               <a:t>。</a:t>
             </a:r>
             <a:r>
-              <a:rPr lang="en-US" altLang="zh-CN" sz="1600" dirty="0">
+              <a:rPr lang="en-US" altLang="zh-CN" sz="1300" dirty="0">
+                <a:solidFill>
+                  <a:schemeClr val="bg1"/>
+                </a:solidFill>
                 <a:cs typeface="+mn-ea"/>
                 <a:sym typeface="+mn-lt"/>
               </a:rPr>
               <a:t>Angular </a:t>
             </a:r>
             <a:r>
-              <a:rPr lang="zh-CN" altLang="en-US" sz="1600" dirty="0">
+              <a:rPr lang="zh-CN" altLang="en-US" sz="1300" dirty="0">
+                <a:solidFill>
+                  <a:schemeClr val="bg1"/>
+                </a:solidFill>
                 <a:cs typeface="+mn-ea"/>
                 <a:sym typeface="+mn-lt"/>
               </a:rPr>
               <a:t>提供了一些用数据绑定和数据驱动来处理 </a:t>
             </a:r>
             <a:r>
-              <a:rPr lang="en-US" altLang="zh-CN" sz="1600" dirty="0">
+              <a:rPr lang="en-US" altLang="zh-CN" sz="1300" dirty="0">
+                <a:solidFill>
+                  <a:schemeClr val="bg1"/>
+                </a:solidFill>
                 <a:cs typeface="+mn-ea"/>
                 <a:sym typeface="+mn-lt"/>
               </a:rPr>
               <a:t>DOM </a:t>
             </a:r>
             <a:r>
-              <a:rPr lang="zh-CN" altLang="en-US" sz="1600" dirty="0">
+              <a:rPr lang="zh-CN" altLang="en-US" sz="1300" dirty="0">
+                <a:solidFill>
+                  <a:schemeClr val="bg1"/>
+                </a:solidFill>
                 <a:cs typeface="+mn-ea"/>
                 <a:sym typeface="+mn-lt"/>
               </a:rPr>
               <a:t>的方法，所以你不必自己碰 </a:t>
             </a:r>
             <a:r>
-              <a:rPr lang="en-US" altLang="zh-CN" sz="1600" dirty="0">
+              <a:rPr lang="en-US" altLang="zh-CN" sz="1300" dirty="0">
+                <a:solidFill>
+                  <a:schemeClr val="bg1"/>
+                </a:solidFill>
                 <a:cs typeface="+mn-ea"/>
                 <a:sym typeface="+mn-lt"/>
               </a:rPr>
               <a:t>DOM</a:t>
             </a:r>
             <a:r>
-              <a:rPr lang="zh-CN" altLang="en-US" sz="1600" dirty="0">
+              <a:rPr lang="zh-CN" altLang="en-US" sz="1300" dirty="0">
+                <a:solidFill>
+                  <a:schemeClr val="bg1"/>
+                </a:solidFill>
                 <a:cs typeface="+mn-ea"/>
                 <a:sym typeface="+mn-lt"/>
               </a:rPr>
               <a:t>。它也有一些副作用，就是按照它规定的方式来构建代码。对于当时的场景而言实在是太重了。</a:t>
             </a:r>
-            <a:endParaRPr lang="en-US" altLang="zh-CN" sz="1600" dirty="0">
+            <a:endParaRPr lang="en-US" altLang="zh-CN" sz="1300" dirty="0">
+              <a:solidFill>
+                <a:schemeClr val="bg1"/>
+              </a:solidFill>
               <a:cs typeface="+mn-ea"/>
               <a:sym typeface="+mn-lt"/>
             </a:endParaRPr>
           </a:p>
           <a:p>
             <a:pPr eaLnBrk="1" hangingPunct="1">
-              <a:lnSpc>
-                <a:spcPct val="120000"/>
-              </a:lnSpc>
               <a:spcBef>
                 <a:spcPts val="0"/>
               </a:spcBef>
+              <a:spcAft>
+                <a:spcPts val="600"/>
+              </a:spcAft>
               <a:buFontTx/>
               <a:buNone/>
             </a:pPr>
             <a:r>
-              <a:rPr lang="en-US" altLang="zh-CN" sz="1600" dirty="0">
+              <a:rPr lang="en-US" altLang="zh-CN" sz="1300" dirty="0">
+                <a:solidFill>
+                  <a:schemeClr val="bg1"/>
+                </a:solidFill>
                 <a:cs typeface="+mn-ea"/>
                 <a:sym typeface="+mn-lt"/>
               </a:rPr>
               <a:t>    	</a:t>
             </a:r>
             <a:r>
-              <a:rPr lang="zh-CN" altLang="en-US" sz="1600" dirty="0">
+              <a:rPr lang="zh-CN" altLang="en-US" sz="1300" dirty="0">
+                <a:solidFill>
+                  <a:schemeClr val="bg1"/>
+                </a:solidFill>
                 <a:cs typeface="+mn-ea"/>
                 <a:sym typeface="+mn-lt"/>
               </a:rPr>
               <a:t>我想，我可以只把我喜欢的部分从 </a:t>
             </a:r>
             <a:r>
-              <a:rPr lang="en-US" altLang="zh-CN" sz="1600" dirty="0">
+              <a:rPr lang="en-US" altLang="zh-CN" sz="1300" dirty="0">
+                <a:solidFill>
+                  <a:schemeClr val="bg1"/>
+                </a:solidFill>
                 <a:cs typeface="+mn-ea"/>
                 <a:sym typeface="+mn-lt"/>
               </a:rPr>
               <a:t>Angular </a:t>
             </a:r>
             <a:r>
-              <a:rPr lang="zh-CN" altLang="en-US" sz="1600" dirty="0">
+              <a:rPr lang="zh-CN" altLang="en-US" sz="1300" dirty="0">
+                <a:solidFill>
+                  <a:schemeClr val="bg1"/>
+                </a:solidFill>
                 <a:cs typeface="+mn-ea"/>
                 <a:sym typeface="+mn-lt"/>
               </a:rPr>
               <a:t>中提出来，建立一个非常轻巧的库，不需要那些额外的逻辑。我也很好奇 </a:t>
             </a:r>
             <a:r>
-              <a:rPr lang="en-US" altLang="zh-CN" sz="1600" dirty="0">
+              <a:rPr lang="en-US" altLang="zh-CN" sz="1300" dirty="0">
+                <a:solidFill>
+                  <a:schemeClr val="bg1"/>
+                </a:solidFill>
                 <a:cs typeface="+mn-ea"/>
                 <a:sym typeface="+mn-lt"/>
               </a:rPr>
               <a:t>Angular </a:t>
             </a:r>
             <a:r>
-              <a:rPr lang="zh-CN" altLang="en-US" sz="1600" dirty="0">
+              <a:rPr lang="zh-CN" altLang="en-US" sz="1300" dirty="0">
+                <a:solidFill>
+                  <a:schemeClr val="bg1"/>
+                </a:solidFill>
                 <a:cs typeface="+mn-ea"/>
                 <a:sym typeface="+mn-lt"/>
               </a:rPr>
               <a:t>的源码到底是怎么设计的。我最开始只是想着手提取 </a:t>
             </a:r>
             <a:r>
-              <a:rPr lang="en-US" altLang="zh-CN" sz="1600" dirty="0">
+              <a:rPr lang="en-US" altLang="zh-CN" sz="1300" dirty="0">
+                <a:solidFill>
+                  <a:schemeClr val="bg1"/>
+                </a:solidFill>
                 <a:cs typeface="+mn-ea"/>
                 <a:sym typeface="+mn-lt"/>
               </a:rPr>
               <a:t>Angular </a:t>
             </a:r>
             <a:r>
-              <a:rPr lang="zh-CN" altLang="en-US" sz="1600" dirty="0">
+              <a:rPr lang="zh-CN" altLang="en-US" sz="1300" dirty="0">
+                <a:solidFill>
+                  <a:schemeClr val="bg1"/>
+                </a:solidFill>
                 <a:cs typeface="+mn-ea"/>
                 <a:sym typeface="+mn-lt"/>
               </a:rPr>
               <a:t>里面很小的功能，如声明式数据绑定。</a:t>
             </a:r>
             <a:r>
-              <a:rPr lang="en-US" altLang="zh-CN" sz="1600" dirty="0" err="1">
+              <a:rPr lang="en-US" altLang="zh-CN" sz="1300" dirty="0" err="1">
+                <a:solidFill>
+                  <a:schemeClr val="bg1"/>
+                </a:solidFill>
                 <a:cs typeface="+mn-ea"/>
                 <a:sym typeface="+mn-lt"/>
               </a:rPr>
               <a:t>Vue</a:t>
             </a:r>
             <a:r>
-              <a:rPr lang="en-US" altLang="zh-CN" sz="1600" dirty="0">
+              <a:rPr lang="en-US" altLang="zh-CN" sz="1300" dirty="0">
+                <a:solidFill>
+                  <a:schemeClr val="bg1"/>
+                </a:solidFill>
                 <a:cs typeface="+mn-ea"/>
                 <a:sym typeface="+mn-lt"/>
               </a:rPr>
               <a:t> </a:t>
             </a:r>
             <a:r>
-              <a:rPr lang="zh-CN" altLang="en-US" sz="1600" dirty="0">
+              <a:rPr lang="zh-CN" altLang="en-US" sz="1300" dirty="0">
+                <a:solidFill>
+                  <a:schemeClr val="bg1"/>
+                </a:solidFill>
                 <a:cs typeface="+mn-ea"/>
                 <a:sym typeface="+mn-lt"/>
               </a:rPr>
               <a:t>大概就是这么开始的。</a:t>
             </a:r>
-            <a:endParaRPr lang="en-US" altLang="zh-CN" sz="1600" dirty="0">
+            <a:endParaRPr lang="en-US" altLang="zh-CN" sz="1300" dirty="0">
+              <a:solidFill>
+                <a:schemeClr val="bg1"/>
+              </a:solidFill>
               <a:cs typeface="+mn-ea"/>
               <a:sym typeface="+mn-lt"/>
             </a:endParaRPr>
           </a:p>
           <a:p>
             <a:pPr eaLnBrk="1" hangingPunct="1">
-              <a:lnSpc>
-                <a:spcPct val="120000"/>
-              </a:lnSpc>
               <a:spcBef>
                 <a:spcPts val="0"/>
               </a:spcBef>
+              <a:spcAft>
+                <a:spcPts val="600"/>
+              </a:spcAft>
               <a:buFontTx/>
               <a:buNone/>
             </a:pPr>
             <a:r>
-              <a:rPr lang="en-US" altLang="zh-CN" sz="1600" dirty="0">
+              <a:rPr lang="en-US" altLang="zh-CN" sz="1300" dirty="0">
+                <a:solidFill>
+                  <a:schemeClr val="bg1"/>
+                </a:solidFill>
                 <a:cs typeface="+mn-ea"/>
                 <a:sym typeface="+mn-lt"/>
               </a:rPr>
               <a:t>    	</a:t>
             </a:r>
             <a:r>
-              <a:rPr lang="zh-CN" altLang="en-US" sz="1600" dirty="0">
+              <a:rPr lang="zh-CN" altLang="en-US" sz="1300" dirty="0">
+                <a:solidFill>
+                  <a:schemeClr val="bg1"/>
+                </a:solidFill>
                 <a:cs typeface="+mn-ea"/>
                 <a:sym typeface="+mn-lt"/>
               </a:rPr>
               <a:t>用过一段时间之后，我感觉我做的东西还有点前途，因为我自己就很喜欢用。于是我花了更多的时间把它封装好，取了一个名字叫做 </a:t>
             </a:r>
             <a:r>
-              <a:rPr lang="en-US" altLang="zh-CN" sz="1600" dirty="0">
+              <a:rPr lang="en-US" altLang="zh-CN" sz="1300" dirty="0">
+                <a:solidFill>
+                  <a:schemeClr val="bg1"/>
+                </a:solidFill>
                 <a:cs typeface="+mn-ea"/>
                 <a:sym typeface="+mn-lt"/>
               </a:rPr>
               <a:t>Vue.js</a:t>
             </a:r>
             <a:r>
-              <a:rPr lang="zh-CN" altLang="en-US" sz="1600" dirty="0">
+              <a:rPr lang="zh-CN" altLang="en-US" sz="1300" dirty="0">
+                <a:solidFill>
+                  <a:schemeClr val="bg1"/>
+                </a:solidFill>
                 <a:cs typeface="+mn-ea"/>
                 <a:sym typeface="+mn-lt"/>
               </a:rPr>
               <a:t>。 </a:t>
             </a:r>
-            <a:endParaRPr lang="en-US" altLang="zh-CN" sz="1600" dirty="0">
+            <a:endParaRPr lang="en-US" altLang="zh-CN" sz="1300" dirty="0">
+              <a:solidFill>
+                <a:schemeClr val="bg1"/>
+              </a:solidFill>
               <a:cs typeface="+mn-ea"/>
               <a:sym typeface="+mn-lt"/>
             </a:endParaRPr>
           </a:p>
           <a:p>
             <a:pPr eaLnBrk="1" hangingPunct="1">
-              <a:lnSpc>
-                <a:spcPct val="120000"/>
-              </a:lnSpc>
               <a:spcBef>
                 <a:spcPts val="0"/>
               </a:spcBef>
+              <a:spcAft>
+                <a:spcPts val="600"/>
+              </a:spcAft>
               <a:buFontTx/>
               <a:buNone/>
             </a:pPr>
             <a:r>
-              <a:rPr lang="en-US" altLang="zh-CN" sz="1600" dirty="0">
+              <a:rPr lang="en-US" altLang="zh-CN" sz="1300" dirty="0">
+                <a:solidFill>
+                  <a:schemeClr val="bg1"/>
+                </a:solidFill>
                 <a:cs typeface="+mn-ea"/>
                 <a:sym typeface="+mn-lt"/>
               </a:rPr>
               <a:t>              2014 </a:t>
             </a:r>
             <a:r>
-              <a:rPr lang="zh-CN" altLang="en-US" sz="1600" dirty="0">
+              <a:rPr lang="zh-CN" altLang="en-US" sz="1300" dirty="0">
+                <a:solidFill>
+                  <a:schemeClr val="bg1"/>
+                </a:solidFill>
                 <a:cs typeface="+mn-ea"/>
                 <a:sym typeface="+mn-lt"/>
               </a:rPr>
               <a:t>年 </a:t>
             </a:r>
             <a:r>
-              <a:rPr lang="en-US" altLang="zh-CN" sz="1600" dirty="0">
+              <a:rPr lang="en-US" altLang="zh-CN" sz="1300" dirty="0">
+                <a:solidFill>
+                  <a:schemeClr val="bg1"/>
+                </a:solidFill>
                 <a:cs typeface="+mn-ea"/>
                 <a:sym typeface="+mn-lt"/>
               </a:rPr>
               <a:t>2 </a:t>
             </a:r>
             <a:r>
-              <a:rPr lang="zh-CN" altLang="en-US" sz="1600" dirty="0">
+              <a:rPr lang="zh-CN" altLang="en-US" sz="1300" dirty="0">
+                <a:solidFill>
+                  <a:schemeClr val="bg1"/>
+                </a:solidFill>
                 <a:cs typeface="+mn-ea"/>
                 <a:sym typeface="+mn-lt"/>
               </a:rPr>
               <a:t>月，我第一次将它作为实际的项目发布在 </a:t>
             </a:r>
             <a:r>
-              <a:rPr lang="en-US" altLang="zh-CN" sz="1600" dirty="0" err="1">
+              <a:rPr lang="en-US" altLang="zh-CN" sz="1300" dirty="0" err="1">
+                <a:solidFill>
+                  <a:schemeClr val="bg1"/>
+                </a:solidFill>
                 <a:cs typeface="+mn-ea"/>
                 <a:sym typeface="+mn-lt"/>
               </a:rPr>
               <a:t>Github</a:t>
             </a:r>
             <a:r>
-              <a:rPr lang="en-US" altLang="zh-CN" sz="1600" dirty="0">
+              <a:rPr lang="en-US" altLang="zh-CN" sz="1300" dirty="0">
+                <a:solidFill>
+                  <a:schemeClr val="bg1"/>
+                </a:solidFill>
                 <a:cs typeface="+mn-ea"/>
                 <a:sym typeface="+mn-lt"/>
               </a:rPr>
               <a:t> </a:t>
             </a:r>
             <a:r>
-              <a:rPr lang="zh-CN" altLang="en-US" sz="1600" dirty="0">
+              <a:rPr lang="zh-CN" altLang="en-US" sz="1300" dirty="0">
+                <a:solidFill>
+                  <a:schemeClr val="bg1"/>
+                </a:solidFill>
                 <a:cs typeface="+mn-ea"/>
                 <a:sym typeface="+mn-lt"/>
               </a:rPr>
               <a:t>上，并把链接发送到了 </a:t>
             </a:r>
             <a:r>
-              <a:rPr lang="en-US" altLang="zh-CN" sz="1600" dirty="0">
+              <a:rPr lang="en-US" altLang="zh-CN" sz="1300" dirty="0">
+                <a:solidFill>
+                  <a:schemeClr val="bg1"/>
+                </a:solidFill>
                 <a:cs typeface="+mn-ea"/>
                 <a:sym typeface="+mn-lt"/>
               </a:rPr>
               <a:t>Hacker News </a:t>
             </a:r>
             <a:r>
-              <a:rPr lang="zh-CN" altLang="en-US" sz="1600" dirty="0">
+              <a:rPr lang="zh-CN" altLang="en-US" sz="1300" dirty="0">
+                <a:solidFill>
+                  <a:schemeClr val="bg1"/>
+                </a:solidFill>
                 <a:cs typeface="+mn-ea"/>
                 <a:sym typeface="+mn-lt"/>
               </a:rPr>
               <a:t>上，它就被顶到了首页，然后它在首页待了好几个小时。后来，我写了一篇文章，分享了 </a:t>
             </a:r>
             <a:r>
-              <a:rPr lang="en-US" altLang="zh-CN" sz="1600" dirty="0" err="1">
+              <a:rPr lang="en-US" altLang="zh-CN" sz="1300" dirty="0" err="1">
+                <a:solidFill>
+                  <a:schemeClr val="bg1"/>
+                </a:solidFill>
                 <a:cs typeface="+mn-ea"/>
                 <a:sym typeface="+mn-lt"/>
               </a:rPr>
               <a:t>Vue</a:t>
             </a:r>
             <a:r>
-              <a:rPr lang="en-US" altLang="zh-CN" sz="1600" dirty="0">
+              <a:rPr lang="en-US" altLang="zh-CN" sz="1300" dirty="0">
+                <a:solidFill>
+                  <a:schemeClr val="bg1"/>
+                </a:solidFill>
                 <a:cs typeface="+mn-ea"/>
                 <a:sym typeface="+mn-lt"/>
               </a:rPr>
               <a:t> </a:t>
             </a:r>
             <a:r>
-              <a:rPr lang="zh-CN" altLang="en-US" sz="1600" dirty="0">
+              <a:rPr lang="zh-CN" altLang="en-US" sz="1300" dirty="0">
+                <a:solidFill>
+                  <a:schemeClr val="bg1"/>
+                </a:solidFill>
                 <a:cs typeface="+mn-ea"/>
                 <a:sym typeface="+mn-lt"/>
               </a:rPr>
@@ -22016,44 +22872,59 @@
           </a:p>
           <a:p>
             <a:pPr eaLnBrk="1" hangingPunct="1">
-              <a:lnSpc>
-                <a:spcPct val="120000"/>
-              </a:lnSpc>
               <a:spcBef>
                 <a:spcPts val="0"/>
               </a:spcBef>
+              <a:spcAft>
+                <a:spcPts val="600"/>
+              </a:spcAft>
               <a:buFontTx/>
               <a:buNone/>
             </a:pPr>
             <a:r>
-              <a:rPr lang="zh-CN" altLang="en-US" sz="1600" dirty="0">
+              <a:rPr lang="zh-CN" altLang="en-US" sz="1300" dirty="0">
+                <a:solidFill>
+                  <a:schemeClr val="bg1"/>
+                </a:solidFill>
                 <a:cs typeface="+mn-ea"/>
                 <a:sym typeface="+mn-lt"/>
               </a:rPr>
               <a:t>              那是我第一次看见这么多人在 </a:t>
             </a:r>
             <a:r>
-              <a:rPr lang="en-US" altLang="zh-CN" sz="1600" dirty="0" err="1">
+              <a:rPr lang="en-US" altLang="zh-CN" sz="1300" dirty="0" err="1">
+                <a:solidFill>
+                  <a:schemeClr val="bg1"/>
+                </a:solidFill>
                 <a:cs typeface="+mn-ea"/>
                 <a:sym typeface="+mn-lt"/>
               </a:rPr>
               <a:t>Github</a:t>
             </a:r>
             <a:r>
-              <a:rPr lang="en-US" altLang="zh-CN" sz="1600" dirty="0">
+              <a:rPr lang="en-US" altLang="zh-CN" sz="1300" dirty="0">
+                <a:solidFill>
+                  <a:schemeClr val="bg1"/>
+                </a:solidFill>
                 <a:cs typeface="+mn-ea"/>
                 <a:sym typeface="+mn-lt"/>
               </a:rPr>
               <a:t> </a:t>
             </a:r>
             <a:r>
-              <a:rPr lang="zh-CN" altLang="en-US" sz="1600" dirty="0">
+              <a:rPr lang="zh-CN" altLang="en-US" sz="1300" dirty="0">
+                <a:solidFill>
+                  <a:schemeClr val="bg1"/>
+                </a:solidFill>
                 <a:cs typeface="+mn-ea"/>
                 <a:sym typeface="+mn-lt"/>
               </a:rPr>
               <a:t>上为一个项目打星星。我当时一个星期收获了好几百个星星，整个人都激动坏了。</a:t>
             </a:r>
-            <a:endParaRPr lang="en-US" altLang="zh-CN" sz="1600" dirty="0">
+            <a:endParaRPr lang="en-US" altLang="zh-CN" sz="1300" dirty="0">
+              <a:solidFill>
+                <a:schemeClr val="bg1"/>
+              </a:solidFill>
               <a:cs typeface="+mn-ea"/>
               <a:sym typeface="+mn-lt"/>
             </a:endParaRPr>
@@ -22070,153 +22941,339 @@
   <p:clrMapOvr>
     <a:masterClrMapping/>
   </p:clrMapOvr>
+  <mc:AlternateContent xmlns:mc="http://schemas.openxmlformats.org/markup-compatibility/2006">
+    <mc:Choice xmlns:p159="http://schemas.microsoft.com/office/powerpoint/2015/09/main" Requires="p159">
+      <p:transition xmlns:p14="http://schemas.microsoft.com/office/powerpoint/2010/main" spd="slow" p14:dur="1500">
+        <p159:morph option="byObject"/>
+      </p:transition>
+    </mc:Choice>
+    <mc:Fallback>
+      <p:transition spd="slow">
+        <p:fade/>
+      </p:transition>
+    </mc:Fallback>
+  </mc:AlternateContent>
+  <p:timing>
+    <p:tnLst>
+      <p:par>
+        <p:cTn id="1" dur="indefinite" restart="never" nodeType="tmRoot">
+          <p:childTnLst>
+            <p:seq concurrent="1" nextAc="seek">
+              <p:cTn id="2" dur="indefinite" nodeType="mainSeq">
+                <p:childTnLst>
+                  <p:par>
+                    <p:cTn id="3" fill="hold">
+                      <p:stCondLst>
+                        <p:cond delay="indefinite"/>
+                        <p:cond evt="onBegin" delay="0">
+                          <p:tn val="2"/>
+                        </p:cond>
+                      </p:stCondLst>
+                      <p:childTnLst>
+                        <p:par>
+                          <p:cTn id="4" fill="hold">
+                            <p:stCondLst>
+                              <p:cond delay="0"/>
+                            </p:stCondLst>
+                            <p:childTnLst>
+                              <p:par>
+                                <p:cTn id="5" presetID="10" presetClass="entr" presetSubtype="0" fill="hold" nodeType="afterEffect">
+                                  <p:stCondLst>
+                                    <p:cond delay="0"/>
+                                  </p:stCondLst>
+                                  <p:iterate type="wd">
+                                    <p:tmPct val="10000"/>
+                                  </p:iterate>
+                                  <p:childTnLst>
+                                    <p:set>
+                                      <p:cBhvr>
+                                        <p:cTn id="6" dur="1" fill="hold">
+                                          <p:stCondLst>
+                                            <p:cond delay="0"/>
+                                          </p:stCondLst>
+                                        </p:cTn>
+                                        <p:tgtEl>
+                                          <p:spTgt spid="4098">
+                                            <p:txEl>
+                                              <p:pRg st="4" end="4"/>
+                                            </p:txEl>
+                                          </p:spTgt>
+                                        </p:tgtEl>
+                                        <p:attrNameLst>
+                                          <p:attrName>style.visibility</p:attrName>
+                                        </p:attrNameLst>
+                                      </p:cBhvr>
+                                      <p:to>
+                                        <p:strVal val="visible"/>
+                                      </p:to>
+                                    </p:set>
+                                    <p:animEffect transition="in" filter="fade">
+                                      <p:cBhvr>
+                                        <p:cTn id="7" dur="500"/>
+                                        <p:tgtEl>
+                                          <p:spTgt spid="4098">
+                                            <p:txEl>
+                                              <p:pRg st="4" end="4"/>
+                                            </p:txEl>
+                                          </p:spTgt>
+                                        </p:tgtEl>
+                                      </p:cBhvr>
+                                    </p:animEffect>
+                                  </p:childTnLst>
+                                </p:cTn>
+                              </p:par>
+                            </p:childTnLst>
+                          </p:cTn>
+                        </p:par>
+                        <p:par>
+                          <p:cTn id="8" fill="hold">
+                            <p:stCondLst>
+                              <p:cond delay="4400"/>
+                            </p:stCondLst>
+                            <p:childTnLst>
+                              <p:par>
+                                <p:cTn id="9" presetID="10" presetClass="entr" presetSubtype="0" fill="hold" nodeType="afterEffect">
+                                  <p:stCondLst>
+                                    <p:cond delay="0"/>
+                                  </p:stCondLst>
+                                  <p:iterate type="wd">
+                                    <p:tmPct val="10000"/>
+                                  </p:iterate>
+                                  <p:childTnLst>
+                                    <p:set>
+                                      <p:cBhvr>
+                                        <p:cTn id="10" dur="1" fill="hold">
+                                          <p:stCondLst>
+                                            <p:cond delay="0"/>
+                                          </p:stCondLst>
+                                        </p:cTn>
+                                        <p:tgtEl>
+                                          <p:spTgt spid="4098">
+                                            <p:txEl>
+                                              <p:pRg st="5" end="5"/>
+                                            </p:txEl>
+                                          </p:spTgt>
+                                        </p:tgtEl>
+                                        <p:attrNameLst>
+                                          <p:attrName>style.visibility</p:attrName>
+                                        </p:attrNameLst>
+                                      </p:cBhvr>
+                                      <p:to>
+                                        <p:strVal val="visible"/>
+                                      </p:to>
+                                    </p:set>
+                                    <p:animEffect transition="in" filter="fade">
+                                      <p:cBhvr>
+                                        <p:cTn id="11" dur="500"/>
+                                        <p:tgtEl>
+                                          <p:spTgt spid="4098">
+                                            <p:txEl>
+                                              <p:pRg st="5" end="5"/>
+                                            </p:txEl>
+                                          </p:spTgt>
+                                        </p:tgtEl>
+                                      </p:cBhvr>
+                                    </p:animEffect>
+                                  </p:childTnLst>
+                                </p:cTn>
+                              </p:par>
+                            </p:childTnLst>
+                          </p:cTn>
+                        </p:par>
+                        <p:par>
+                          <p:cTn id="12" fill="hold">
+                            <p:stCondLst>
+                              <p:cond delay="8500"/>
+                            </p:stCondLst>
+                            <p:childTnLst>
+                              <p:par>
+                                <p:cTn id="13" presetID="10" presetClass="entr" presetSubtype="0" fill="hold" nodeType="afterEffect">
+                                  <p:stCondLst>
+                                    <p:cond delay="0"/>
+                                  </p:stCondLst>
+                                  <p:iterate type="wd">
+                                    <p:tmPct val="10000"/>
+                                  </p:iterate>
+                                  <p:childTnLst>
+                                    <p:set>
+                                      <p:cBhvr>
+                                        <p:cTn id="14" dur="1" fill="hold">
+                                          <p:stCondLst>
+                                            <p:cond delay="0"/>
+                                          </p:stCondLst>
+                                        </p:cTn>
+                                        <p:tgtEl>
+                                          <p:spTgt spid="4098">
+                                            <p:txEl>
+                                              <p:pRg st="6" end="6"/>
+                                            </p:txEl>
+                                          </p:spTgt>
+                                        </p:tgtEl>
+                                        <p:attrNameLst>
+                                          <p:attrName>style.visibility</p:attrName>
+                                        </p:attrNameLst>
+                                      </p:cBhvr>
+                                      <p:to>
+                                        <p:strVal val="visible"/>
+                                      </p:to>
+                                    </p:set>
+                                    <p:animEffect transition="in" filter="fade">
+                                      <p:cBhvr>
+                                        <p:cTn id="15" dur="500"/>
+                                        <p:tgtEl>
+                                          <p:spTgt spid="4098">
+                                            <p:txEl>
+                                              <p:pRg st="6" end="6"/>
+                                            </p:txEl>
+                                          </p:spTgt>
+                                        </p:tgtEl>
+                                      </p:cBhvr>
+                                    </p:animEffect>
+                                  </p:childTnLst>
+                                </p:cTn>
+                              </p:par>
+                            </p:childTnLst>
+                          </p:cTn>
+                        </p:par>
+                        <p:par>
+                          <p:cTn id="16" fill="hold">
+                            <p:stCondLst>
+                              <p:cond delay="11300"/>
+                            </p:stCondLst>
+                            <p:childTnLst>
+                              <p:par>
+                                <p:cTn id="17" presetID="10" presetClass="entr" presetSubtype="0" fill="hold" nodeType="afterEffect">
+                                  <p:stCondLst>
+                                    <p:cond delay="0"/>
+                                  </p:stCondLst>
+                                  <p:iterate type="wd">
+                                    <p:tmPct val="10000"/>
+                                  </p:iterate>
+                                  <p:childTnLst>
+                                    <p:set>
+                                      <p:cBhvr>
+                                        <p:cTn id="18" dur="1" fill="hold">
+                                          <p:stCondLst>
+                                            <p:cond delay="0"/>
+                                          </p:stCondLst>
+                                        </p:cTn>
+                                        <p:tgtEl>
+                                          <p:spTgt spid="4098">
+                                            <p:txEl>
+                                              <p:pRg st="7" end="7"/>
+                                            </p:txEl>
+                                          </p:spTgt>
+                                        </p:tgtEl>
+                                        <p:attrNameLst>
+                                          <p:attrName>style.visibility</p:attrName>
+                                        </p:attrNameLst>
+                                      </p:cBhvr>
+                                      <p:to>
+                                        <p:strVal val="visible"/>
+                                      </p:to>
+                                    </p:set>
+                                    <p:animEffect transition="in" filter="fade">
+                                      <p:cBhvr>
+                                        <p:cTn id="19" dur="500"/>
+                                        <p:tgtEl>
+                                          <p:spTgt spid="4098">
+                                            <p:txEl>
+                                              <p:pRg st="7" end="7"/>
+                                            </p:txEl>
+                                          </p:spTgt>
+                                        </p:tgtEl>
+                                      </p:cBhvr>
+                                    </p:animEffect>
+                                  </p:childTnLst>
+                                </p:cTn>
+                              </p:par>
+                            </p:childTnLst>
+                          </p:cTn>
+                        </p:par>
+                        <p:par>
+                          <p:cTn id="20" fill="hold">
+                            <p:stCondLst>
+                              <p:cond delay="15050"/>
+                            </p:stCondLst>
+                            <p:childTnLst>
+                              <p:par>
+                                <p:cTn id="21" presetID="10" presetClass="entr" presetSubtype="0" fill="hold" nodeType="afterEffect">
+                                  <p:stCondLst>
+                                    <p:cond delay="0"/>
+                                  </p:stCondLst>
+                                  <p:iterate type="wd">
+                                    <p:tmPct val="10000"/>
+                                  </p:iterate>
+                                  <p:childTnLst>
+                                    <p:set>
+                                      <p:cBhvr>
+                                        <p:cTn id="22" dur="1" fill="hold">
+                                          <p:stCondLst>
+                                            <p:cond delay="0"/>
+                                          </p:stCondLst>
+                                        </p:cTn>
+                                        <p:tgtEl>
+                                          <p:spTgt spid="4098">
+                                            <p:txEl>
+                                              <p:pRg st="8" end="8"/>
+                                            </p:txEl>
+                                          </p:spTgt>
+                                        </p:tgtEl>
+                                        <p:attrNameLst>
+                                          <p:attrName>style.visibility</p:attrName>
+                                        </p:attrNameLst>
+                                      </p:cBhvr>
+                                      <p:to>
+                                        <p:strVal val="visible"/>
+                                      </p:to>
+                                    </p:set>
+                                    <p:animEffect transition="in" filter="fade">
+                                      <p:cBhvr>
+                                        <p:cTn id="23" dur="500"/>
+                                        <p:tgtEl>
+                                          <p:spTgt spid="4098">
+                                            <p:txEl>
+                                              <p:pRg st="8" end="8"/>
+                                            </p:txEl>
+                                          </p:spTgt>
+                                        </p:tgtEl>
+                                      </p:cBhvr>
+                                    </p:animEffect>
+                                  </p:childTnLst>
+                                </p:cTn>
+                              </p:par>
+                            </p:childTnLst>
+                          </p:cTn>
+                        </p:par>
+                      </p:childTnLst>
+                    </p:cTn>
+                  </p:par>
+                </p:childTnLst>
+              </p:cTn>
+              <p:prevCondLst>
+                <p:cond evt="onPrev" delay="0">
+                  <p:tgtEl>
+                    <p:sldTgt/>
+                  </p:tgtEl>
+                </p:cond>
+              </p:prevCondLst>
+              <p:nextCondLst>
+                <p:cond evt="onNext" delay="0">
+                  <p:tgtEl>
+                    <p:sldTgt/>
+                  </p:tgtEl>
+                </p:cond>
+              </p:nextCondLst>
+            </p:seq>
+          </p:childTnLst>
+        </p:cTn>
+      </p:par>
+    </p:tnLst>
+  </p:timing>
 </p:sld>
 </file>
 
 <file path=ppt/slides/slide30.xml><?xml version="1.0" encoding="utf-8"?>
-<p:sld xmlns:a="http://schemas.openxmlformats.org/drawingml/2006/main" xmlns:r="http://schemas.openxmlformats.org/officeDocument/2006/relationships" xmlns:p="http://schemas.openxmlformats.org/presentationml/2006/main">
-  <p:cSld>
-    <p:spTree>
-      <p:nvGrpSpPr>
-        <p:cNvPr id="1" name=""/>
-        <p:cNvGrpSpPr/>
-        <p:nvPr/>
-      </p:nvGrpSpPr>
-      <p:grpSpPr>
-        <a:xfrm>
-          <a:off x="0" y="0"/>
-          <a:ext cx="0" cy="0"/>
-          <a:chOff x="0" y="0"/>
-          <a:chExt cx="0" cy="0"/>
-        </a:xfrm>
-      </p:grpSpPr>
-      <p:sp>
-        <p:nvSpPr>
-          <p:cNvPr id="2" name="object 2"/>
-          <p:cNvSpPr txBox="1">
-            <a:spLocks noGrp="1"/>
-          </p:cNvSpPr>
-          <p:nvPr>
-            <p:ph type="title"/>
-          </p:nvPr>
-        </p:nvSpPr>
-        <p:spPr>
-          <a:xfrm>
-            <a:off x="4923503" y="2157383"/>
-            <a:ext cx="2344994" cy="511422"/>
-          </a:xfrm>
-          <a:prstGeom prst="rect">
-            <a:avLst/>
-          </a:prstGeom>
-        </p:spPr>
-        <p:txBody>
-          <a:bodyPr vert="horz" wrap="square" lIns="0" tIns="12700" rIns="0" bIns="0" rtlCol="0" anchor="ctr">
-            <a:spAutoFit/>
-          </a:bodyPr>
-          <a:lstStyle/>
-          <a:p>
-            <a:pPr marL="12700">
-              <a:spcBef>
-                <a:spcPts val="100"/>
-              </a:spcBef>
-            </a:pPr>
-            <a:r>
-              <a:rPr lang="zh-CN" altLang="en-US" sz="3600" b="1" spc="-15" dirty="0">
-                <a:solidFill>
-                  <a:srgbClr val="34495E"/>
-                </a:solidFill>
-                <a:latin typeface="+mn-lt"/>
-                <a:ea typeface="+mn-ea"/>
-                <a:cs typeface="+mn-ea"/>
-                <a:sym typeface="+mn-lt"/>
-              </a:rPr>
-              <a:t>鼓励模块化</a:t>
-            </a:r>
-            <a:endParaRPr lang="zh-CN" altLang="en-US" sz="3600" dirty="0">
-              <a:latin typeface="+mn-lt"/>
-              <a:ea typeface="+mn-ea"/>
-              <a:cs typeface="+mn-ea"/>
-              <a:sym typeface="+mn-lt"/>
-            </a:endParaRPr>
-          </a:p>
-        </p:txBody>
-      </p:sp>
-      <p:sp>
-        <p:nvSpPr>
-          <p:cNvPr id="3" name="object 3"/>
-          <p:cNvSpPr txBox="1"/>
-          <p:nvPr/>
-        </p:nvSpPr>
-        <p:spPr>
-          <a:xfrm>
-            <a:off x="3888739" y="3018695"/>
-            <a:ext cx="4116744" cy="782265"/>
-          </a:xfrm>
-          <a:prstGeom prst="rect">
-            <a:avLst/>
-          </a:prstGeom>
-        </p:spPr>
-        <p:txBody>
-          <a:bodyPr vert="horz" wrap="square" lIns="0" tIns="12700" rIns="0" bIns="0" rtlCol="0">
-            <a:spAutoFit/>
-          </a:bodyPr>
-          <a:lstStyle/>
-          <a:p>
-            <a:pPr marL="622300" marR="5080" indent="-609600">
-              <a:lnSpc>
-                <a:spcPts val="2850"/>
-              </a:lnSpc>
-              <a:spcBef>
-                <a:spcPts val="220"/>
-              </a:spcBef>
-            </a:pPr>
-            <a:r>
-              <a:rPr sz="2400" dirty="0">
-                <a:solidFill>
-                  <a:srgbClr val="34495E"/>
-                </a:solidFill>
-                <a:cs typeface="+mn-ea"/>
-                <a:sym typeface="+mn-lt"/>
-              </a:rPr>
-              <a:t>~18kb min+gzip，无外部依赖</a:t>
-            </a:r>
-          </a:p>
-          <a:p>
-            <a:pPr marL="622300" marR="5080" indent="-609600">
-              <a:lnSpc>
-                <a:spcPts val="2850"/>
-              </a:lnSpc>
-              <a:spcBef>
-                <a:spcPts val="220"/>
-              </a:spcBef>
-            </a:pPr>
-            <a:r>
-              <a:rPr sz="2400" dirty="0">
-                <a:solidFill>
-                  <a:srgbClr val="34495E"/>
-                </a:solidFill>
-                <a:cs typeface="+mn-ea"/>
-                <a:sym typeface="+mn-lt"/>
-              </a:rPr>
-              <a:t>不依赖脏检测的高效数据绑定</a:t>
-            </a:r>
-          </a:p>
-        </p:txBody>
-      </p:sp>
-    </p:spTree>
-    <p:extLst>
-      <p:ext uri="{BB962C8B-B14F-4D97-AF65-F5344CB8AC3E}">
-        <p14:creationId xmlns:p14="http://schemas.microsoft.com/office/powerpoint/2010/main" val="3724179917"/>
-      </p:ext>
-    </p:extLst>
-  </p:cSld>
-  <p:clrMapOvr>
-    <a:masterClrMapping/>
-  </p:clrMapOvr>
-</p:sld>
-</file>
-
-<file path=ppt/slides/slide31.xml><?xml version="1.0" encoding="utf-8"?>
 <p:sld xmlns:a="http://schemas.openxmlformats.org/drawingml/2006/main" xmlns:r="http://schemas.openxmlformats.org/officeDocument/2006/relationships" xmlns:p="http://schemas.openxmlformats.org/presentationml/2006/main" showMasterSp="0">
   <p:cSld>
     <p:spTree>
@@ -22233,59 +23290,6 @@
           <a:chExt cx="0" cy="0"/>
         </a:xfrm>
       </p:grpSpPr>
-      <p:sp>
-        <p:nvSpPr>
-          <p:cNvPr id="2" name="object 2"/>
-          <p:cNvSpPr/>
-          <p:nvPr/>
-        </p:nvSpPr>
-        <p:spPr>
-          <a:xfrm>
-            <a:off x="1524000" y="6795494"/>
-            <a:ext cx="9144000" cy="62865"/>
-          </a:xfrm>
-          <a:custGeom>
-            <a:avLst/>
-            <a:gdLst/>
-            <a:ahLst/>
-            <a:cxnLst/>
-            <a:rect l="l" t="t" r="r" b="b"/>
-            <a:pathLst>
-              <a:path w="9144000" h="62865">
-                <a:moveTo>
-                  <a:pt x="0" y="0"/>
-                </a:moveTo>
-                <a:lnTo>
-                  <a:pt x="9143999" y="0"/>
-                </a:lnTo>
-                <a:lnTo>
-                  <a:pt x="9143999" y="62506"/>
-                </a:lnTo>
-                <a:lnTo>
-                  <a:pt x="0" y="62506"/>
-                </a:lnTo>
-                <a:lnTo>
-                  <a:pt x="0" y="0"/>
-                </a:lnTo>
-                <a:close/>
-              </a:path>
-            </a:pathLst>
-          </a:custGeom>
-          <a:solidFill>
-            <a:srgbClr val="4FC08D"/>
-          </a:solidFill>
-        </p:spPr>
-        <p:txBody>
-          <a:bodyPr wrap="square" lIns="0" tIns="0" rIns="0" bIns="0" rtlCol="0"/>
-          <a:lstStyle/>
-          <a:p>
-            <a:endParaRPr>
-              <a:cs typeface="+mn-ea"/>
-              <a:sym typeface="+mn-lt"/>
-            </a:endParaRPr>
-          </a:p>
-        </p:txBody>
-      </p:sp>
       <p:sp>
         <p:nvSpPr>
           <p:cNvPr id="3" name="object 3"/>
@@ -22899,6 +23903,42 @@
           </a:p>
         </p:txBody>
       </p:sp>
+      <p:pic>
+        <p:nvPicPr>
+          <p:cNvPr id="22" name="图片 21" descr="图片包含 文字&#10;&#10;已生成高可信度的说明">
+            <a:extLst>
+              <a:ext uri="{FF2B5EF4-FFF2-40B4-BE49-F238E27FC236}">
+                <a16:creationId xmlns:a16="http://schemas.microsoft.com/office/drawing/2014/main" id="{36BF3DD2-35B0-4408-A9CF-122D4CABBACC}"/>
+              </a:ext>
+            </a:extLst>
+          </p:cNvPr>
+          <p:cNvPicPr>
+            <a:picLocks noChangeAspect="1"/>
+          </p:cNvPicPr>
+          <p:nvPr/>
+        </p:nvPicPr>
+        <p:blipFill>
+          <a:blip r:embed="rId18">
+            <a:extLst>
+              <a:ext uri="{28A0092B-C50C-407E-A947-70E740481C1C}">
+                <a14:useLocalDpi xmlns:a14="http://schemas.microsoft.com/office/drawing/2010/main" val="0"/>
+              </a:ext>
+            </a:extLst>
+          </a:blip>
+          <a:stretch>
+            <a:fillRect/>
+          </a:stretch>
+        </p:blipFill>
+        <p:spPr>
+          <a:xfrm>
+            <a:off x="73204" y="4654136"/>
+            <a:ext cx="2233646" cy="2203864"/>
+          </a:xfrm>
+          <a:prstGeom prst="rect">
+            <a:avLst/>
+          </a:prstGeom>
+        </p:spPr>
+      </p:pic>
     </p:spTree>
     <p:extLst>
       <p:ext uri="{BB962C8B-B14F-4D97-AF65-F5344CB8AC3E}">
@@ -22909,10 +23949,22 @@
   <p:clrMapOvr>
     <a:masterClrMapping/>
   </p:clrMapOvr>
+  <mc:AlternateContent xmlns:mc="http://schemas.openxmlformats.org/markup-compatibility/2006">
+    <mc:Choice xmlns:p159="http://schemas.microsoft.com/office/powerpoint/2015/09/main" Requires="p159">
+      <p:transition xmlns:p14="http://schemas.microsoft.com/office/powerpoint/2010/main" spd="slow" p14:dur="1500">
+        <p159:morph option="byObject"/>
+      </p:transition>
+    </mc:Choice>
+    <mc:Fallback>
+      <p:transition spd="slow">
+        <p:fade/>
+      </p:transition>
+    </mc:Fallback>
+  </mc:AlternateContent>
 </p:sld>
 </file>
 
-<file path=ppt/slides/slide32.xml><?xml version="1.0" encoding="utf-8"?>
+<file path=ppt/slides/slide31.xml><?xml version="1.0" encoding="utf-8"?>
 <p:sld xmlns:a="http://schemas.openxmlformats.org/drawingml/2006/main" xmlns:r="http://schemas.openxmlformats.org/officeDocument/2006/relationships" xmlns:p="http://schemas.openxmlformats.org/presentationml/2006/main">
   <p:cSld>
     <p:spTree>
@@ -23547,10 +24599,22 @@
   <p:clrMapOvr>
     <a:masterClrMapping/>
   </p:clrMapOvr>
+  <mc:AlternateContent xmlns:mc="http://schemas.openxmlformats.org/markup-compatibility/2006">
+    <mc:Choice xmlns:p159="http://schemas.microsoft.com/office/powerpoint/2015/09/main" Requires="p159">
+      <p:transition xmlns:p14="http://schemas.microsoft.com/office/powerpoint/2010/main" spd="slow" p14:dur="1500">
+        <p159:morph option="byObject"/>
+      </p:transition>
+    </mc:Choice>
+    <mc:Fallback>
+      <p:transition spd="slow">
+        <p:fade/>
+      </p:transition>
+    </mc:Fallback>
+  </mc:AlternateContent>
 </p:sld>
 </file>
 
-<file path=ppt/slides/slide33.xml><?xml version="1.0" encoding="utf-8"?>
+<file path=ppt/slides/slide32.xml><?xml version="1.0" encoding="utf-8"?>
 <p:sld xmlns:a="http://schemas.openxmlformats.org/drawingml/2006/main" xmlns:r="http://schemas.openxmlformats.org/officeDocument/2006/relationships" xmlns:p="http://schemas.openxmlformats.org/presentationml/2006/main">
   <p:cSld>
     <p:spTree>
@@ -23618,7 +24682,7 @@
         </p:nvSpPr>
         <p:spPr>
           <a:xfrm>
-            <a:off x="11309989" y="6436115"/>
+            <a:off x="10694894" y="6463009"/>
             <a:ext cx="951865" cy="228268"/>
           </a:xfrm>
           <a:prstGeom prst="rect">
@@ -23653,6 +24717,78 @@
           </a:p>
         </p:txBody>
       </p:sp>
+      <p:pic>
+        <p:nvPicPr>
+          <p:cNvPr id="4" name="图片 3">
+            <a:extLst>
+              <a:ext uri="{FF2B5EF4-FFF2-40B4-BE49-F238E27FC236}">
+                <a16:creationId xmlns:a16="http://schemas.microsoft.com/office/drawing/2014/main" id="{B4719525-9D71-4FB5-A7C4-D40D07A15BF7}"/>
+              </a:ext>
+            </a:extLst>
+          </p:cNvPr>
+          <p:cNvPicPr>
+            <a:picLocks noChangeAspect="1"/>
+          </p:cNvPicPr>
+          <p:nvPr/>
+        </p:nvPicPr>
+        <p:blipFill>
+          <a:blip r:embed="rId2">
+            <a:extLst>
+              <a:ext uri="{28A0092B-C50C-407E-A947-70E740481C1C}">
+                <a14:useLocalDpi xmlns:a14="http://schemas.microsoft.com/office/drawing/2010/main" val="0"/>
+              </a:ext>
+            </a:extLst>
+          </a:blip>
+          <a:stretch>
+            <a:fillRect/>
+          </a:stretch>
+        </p:blipFill>
+        <p:spPr>
+          <a:xfrm>
+            <a:off x="9297894" y="3429000"/>
+            <a:ext cx="2794000" cy="2794000"/>
+          </a:xfrm>
+          <a:prstGeom prst="rect">
+            <a:avLst/>
+          </a:prstGeom>
+        </p:spPr>
+      </p:pic>
+      <p:pic>
+        <p:nvPicPr>
+          <p:cNvPr id="7" name="图片 6">
+            <a:extLst>
+              <a:ext uri="{FF2B5EF4-FFF2-40B4-BE49-F238E27FC236}">
+                <a16:creationId xmlns:a16="http://schemas.microsoft.com/office/drawing/2014/main" id="{052C02BE-00F2-48C0-8353-AACF0F4F23A8}"/>
+              </a:ext>
+            </a:extLst>
+          </p:cNvPr>
+          <p:cNvPicPr>
+            <a:picLocks noChangeAspect="1"/>
+          </p:cNvPicPr>
+          <p:nvPr/>
+        </p:nvPicPr>
+        <p:blipFill>
+          <a:blip r:embed="rId3">
+            <a:extLst>
+              <a:ext uri="{28A0092B-C50C-407E-A947-70E740481C1C}">
+                <a14:useLocalDpi xmlns:a14="http://schemas.microsoft.com/office/drawing/2010/main" val="0"/>
+              </a:ext>
+            </a:extLst>
+          </a:blip>
+          <a:stretch>
+            <a:fillRect/>
+          </a:stretch>
+        </p:blipFill>
+        <p:spPr>
+          <a:xfrm>
+            <a:off x="10096500" y="0"/>
+            <a:ext cx="2095500" cy="2095500"/>
+          </a:xfrm>
+          <a:prstGeom prst="rect">
+            <a:avLst/>
+          </a:prstGeom>
+        </p:spPr>
+      </p:pic>
     </p:spTree>
     <p:extLst>
       <p:ext uri="{BB962C8B-B14F-4D97-AF65-F5344CB8AC3E}">
@@ -23663,6 +24799,142 @@
   <p:clrMapOvr>
     <a:masterClrMapping/>
   </p:clrMapOvr>
+  <mc:AlternateContent xmlns:mc="http://schemas.openxmlformats.org/markup-compatibility/2006">
+    <mc:Choice xmlns:p159="http://schemas.microsoft.com/office/powerpoint/2015/09/main" Requires="p159">
+      <p:transition xmlns:p14="http://schemas.microsoft.com/office/powerpoint/2010/main" spd="slow" p14:dur="1500">
+        <p159:morph option="byObject"/>
+      </p:transition>
+    </mc:Choice>
+    <mc:Fallback>
+      <p:transition spd="slow">
+        <p:fade/>
+      </p:transition>
+    </mc:Fallback>
+  </mc:AlternateContent>
+  <p:timing>
+    <p:tnLst>
+      <p:par>
+        <p:cTn id="1" dur="indefinite" restart="never" nodeType="tmRoot">
+          <p:childTnLst>
+            <p:seq concurrent="1" nextAc="seek">
+              <p:cTn id="2" dur="indefinite" nodeType="mainSeq">
+                <p:childTnLst>
+                  <p:par>
+                    <p:cTn id="3" fill="hold">
+                      <p:stCondLst>
+                        <p:cond delay="indefinite"/>
+                        <p:cond evt="onBegin" delay="0">
+                          <p:tn val="2"/>
+                        </p:cond>
+                      </p:stCondLst>
+                      <p:childTnLst>
+                        <p:par>
+                          <p:cTn id="4" fill="hold">
+                            <p:stCondLst>
+                              <p:cond delay="0"/>
+                            </p:stCondLst>
+                            <p:childTnLst>
+                              <p:par>
+                                <p:cTn id="5" presetID="2" presetClass="exit" presetSubtype="8" fill="hold" nodeType="afterEffect">
+                                  <p:stCondLst>
+                                    <p:cond delay="0"/>
+                                  </p:stCondLst>
+                                  <p:childTnLst>
+                                    <p:anim calcmode="lin" valueType="num">
+                                      <p:cBhvr additive="base">
+                                        <p:cTn id="6" dur="2000"/>
+                                        <p:tgtEl>
+                                          <p:spTgt spid="7"/>
+                                        </p:tgtEl>
+                                        <p:attrNameLst>
+                                          <p:attrName>ppt_x</p:attrName>
+                                        </p:attrNameLst>
+                                      </p:cBhvr>
+                                      <p:tavLst>
+                                        <p:tav tm="0">
+                                          <p:val>
+                                            <p:strVal val="ppt_x"/>
+                                          </p:val>
+                                        </p:tav>
+                                        <p:tav tm="100000">
+                                          <p:val>
+                                            <p:strVal val="0-ppt_w/2"/>
+                                          </p:val>
+                                        </p:tav>
+                                      </p:tavLst>
+                                    </p:anim>
+                                    <p:anim calcmode="lin" valueType="num">
+                                      <p:cBhvr additive="base">
+                                        <p:cTn id="7" dur="2000"/>
+                                        <p:tgtEl>
+                                          <p:spTgt spid="7"/>
+                                        </p:tgtEl>
+                                        <p:attrNameLst>
+                                          <p:attrName>ppt_y</p:attrName>
+                                        </p:attrNameLst>
+                                      </p:cBhvr>
+                                      <p:tavLst>
+                                        <p:tav tm="0">
+                                          <p:val>
+                                            <p:strVal val="ppt_y"/>
+                                          </p:val>
+                                        </p:tav>
+                                        <p:tav tm="100000">
+                                          <p:val>
+                                            <p:strVal val="ppt_y"/>
+                                          </p:val>
+                                        </p:tav>
+                                      </p:tavLst>
+                                    </p:anim>
+                                    <p:set>
+                                      <p:cBhvr>
+                                        <p:cTn id="8" dur="1" fill="hold">
+                                          <p:stCondLst>
+                                            <p:cond delay="1999"/>
+                                          </p:stCondLst>
+                                        </p:cTn>
+                                        <p:tgtEl>
+                                          <p:spTgt spid="7"/>
+                                        </p:tgtEl>
+                                        <p:attrNameLst>
+                                          <p:attrName>style.visibility</p:attrName>
+                                        </p:attrNameLst>
+                                      </p:cBhvr>
+                                      <p:to>
+                                        <p:strVal val="hidden"/>
+                                      </p:to>
+                                    </p:set>
+                                  </p:childTnLst>
+                                </p:cTn>
+                              </p:par>
+                            </p:childTnLst>
+                          </p:cTn>
+                        </p:par>
+                      </p:childTnLst>
+                    </p:cTn>
+                  </p:par>
+                </p:childTnLst>
+              </p:cTn>
+              <p:prevCondLst>
+                <p:cond evt="onPrev" delay="0">
+                  <p:tgtEl>
+                    <p:sldTgt/>
+                  </p:tgtEl>
+                </p:cond>
+              </p:prevCondLst>
+              <p:nextCondLst>
+                <p:cond evt="onNext" delay="0">
+                  <p:tgtEl>
+                    <p:sldTgt/>
+                  </p:tgtEl>
+                </p:cond>
+              </p:nextCondLst>
+            </p:seq>
+          </p:childTnLst>
+        </p:cTn>
+      </p:par>
+    </p:tnLst>
+  </p:timing>
 </p:sld>
 </file>
 
@@ -23719,7 +24991,7 @@
               </a:rPr>
               <a:t>现状</a:t>
             </a:r>
-            <a:endParaRPr sz="3600">
+            <a:endParaRPr sz="3600" dirty="0">
               <a:cs typeface="+mn-ea"/>
               <a:sym typeface="+mn-lt"/>
             </a:endParaRPr>
@@ -24039,12 +25311,32 @@
   <p:clrMapOvr>
     <a:masterClrMapping/>
   </p:clrMapOvr>
+  <mc:AlternateContent xmlns:mc="http://schemas.openxmlformats.org/markup-compatibility/2006">
+    <mc:Choice xmlns:p159="http://schemas.microsoft.com/office/powerpoint/2015/09/main" Requires="p159">
+      <p:transition xmlns:p14="http://schemas.microsoft.com/office/powerpoint/2010/main" spd="slow" p14:dur="1500">
+        <p159:morph option="byObject"/>
+      </p:transition>
+    </mc:Choice>
+    <mc:Fallback>
+      <p:transition spd="slow">
+        <p:fade/>
+      </p:transition>
+    </mc:Fallback>
+  </mc:AlternateContent>
 </p:sld>
 </file>
 
 <file path=ppt/slides/slide5.xml><?xml version="1.0" encoding="utf-8"?>
 <p:sld xmlns:a="http://schemas.openxmlformats.org/drawingml/2006/main" xmlns:r="http://schemas.openxmlformats.org/officeDocument/2006/relationships" xmlns:p="http://schemas.openxmlformats.org/presentationml/2006/main">
   <p:cSld>
+    <p:bg>
+      <p:bgPr>
+        <a:solidFill>
+          <a:schemeClr val="bg1"/>
+        </a:solidFill>
+        <a:effectLst/>
+      </p:bgPr>
+    </p:bg>
     <p:spTree>
       <p:nvGrpSpPr>
         <p:cNvPr id="1" name=""/>
@@ -24059,6 +25351,474 @@
           <a:chExt cx="0" cy="0"/>
         </a:xfrm>
       </p:grpSpPr>
+      <p:sp useBgFill="1">
+        <p:nvSpPr>
+          <p:cNvPr id="10" name="Rectangle 6">
+            <a:extLst>
+              <a:ext uri="{FF2B5EF4-FFF2-40B4-BE49-F238E27FC236}">
+                <a16:creationId xmlns:a16="http://schemas.microsoft.com/office/drawing/2014/main" id="{E4F9F79B-A093-478E-96B5-EE02BC93A858}"/>
+              </a:ext>
+            </a:extLst>
+          </p:cNvPr>
+          <p:cNvSpPr>
+            <a:spLocks noGrp="1" noRot="1" noChangeAspect="1" noMove="1" noResize="1" noEditPoints="1" noAdjustHandles="1" noChangeArrowheads="1" noChangeShapeType="1" noTextEdit="1"/>
+          </p:cNvSpPr>
+          <p:nvPr>
+            <p:extLst>
+              <p:ext uri="{386F3935-93C4-4BCD-93E2-E3B085C9AB24}">
+                <p16:designElem xmlns:p16="http://schemas.microsoft.com/office/powerpoint/2015/main" val="1"/>
+              </p:ext>
+            </p:extLst>
+          </p:nvPr>
+        </p:nvSpPr>
+        <p:spPr>
+          <a:xfrm>
+            <a:off x="0" y="0"/>
+            <a:ext cx="12192000" cy="6858000"/>
+          </a:xfrm>
+          <a:prstGeom prst="rect">
+            <a:avLst/>
+          </a:prstGeom>
+          <a:ln>
+            <a:noFill/>
+          </a:ln>
+        </p:spPr>
+        <p:style>
+          <a:lnRef idx="2">
+            <a:schemeClr val="accent1">
+              <a:shade val="50000"/>
+            </a:schemeClr>
+          </a:lnRef>
+          <a:fillRef idx="1">
+            <a:schemeClr val="accent1"/>
+          </a:fillRef>
+          <a:effectRef idx="0">
+            <a:schemeClr val="accent1"/>
+          </a:effectRef>
+          <a:fontRef idx="minor">
+            <a:schemeClr val="lt1"/>
+          </a:fontRef>
+        </p:style>
+        <p:txBody>
+          <a:bodyPr rtlCol="0" anchor="ctr"/>
+          <a:lstStyle/>
+          <a:p>
+            <a:pPr marL="0" marR="0" lvl="0" indent="0" algn="ctr" defTabSz="914400" rtl="0" eaLnBrk="1" fontAlgn="auto" latinLnBrk="0" hangingPunct="1">
+              <a:lnSpc>
+                <a:spcPct val="100000"/>
+              </a:lnSpc>
+              <a:spcBef>
+                <a:spcPts val="0"/>
+              </a:spcBef>
+              <a:spcAft>
+                <a:spcPts val="0"/>
+              </a:spcAft>
+              <a:buClrTx/>
+              <a:buSzTx/>
+              <a:buFontTx/>
+              <a:buNone/>
+              <a:tabLst/>
+              <a:defRPr/>
+            </a:pPr>
+            <a:endParaRPr kumimoji="0" lang="en-US" sz="1800" b="0" i="0" u="none" strike="noStrike" kern="1200" cap="none" spc="0" normalizeH="0" baseline="0" noProof="0">
+              <a:ln>
+                <a:noFill/>
+              </a:ln>
+              <a:solidFill>
+                <a:prstClr val="white"/>
+              </a:solidFill>
+              <a:effectLst/>
+              <a:uLnTx/>
+              <a:uFillTx/>
+              <a:latin typeface="Calibri" panose="020F0502020204030204"/>
+              <a:ea typeface="+mn-ea"/>
+              <a:cs typeface="+mn-cs"/>
+            </a:endParaRPr>
+          </a:p>
+        </p:txBody>
+      </p:sp>
+      <p:cxnSp>
+        <p:nvCxnSpPr>
+          <p:cNvPr id="9" name="Straight Connector 8">
+            <a:extLst>
+              <a:ext uri="{FF2B5EF4-FFF2-40B4-BE49-F238E27FC236}">
+                <a16:creationId xmlns:a16="http://schemas.microsoft.com/office/drawing/2014/main" id="{D4C22394-EBC2-4FAF-A555-6C02D589EED7}"/>
+              </a:ext>
+            </a:extLst>
+          </p:cNvPr>
+          <p:cNvCxnSpPr>
+            <a:cxnSpLocks noGrp="1" noRot="1" noChangeAspect="1" noMove="1" noResize="1" noEditPoints="1" noAdjustHandles="1" noChangeArrowheads="1" noChangeShapeType="1"/>
+          </p:cNvCxnSpPr>
+          <p:nvPr>
+            <p:extLst>
+              <p:ext uri="{386F3935-93C4-4BCD-93E2-E3B085C9AB24}">
+                <p16:designElem xmlns:p16="http://schemas.microsoft.com/office/powerpoint/2015/main" val="1"/>
+              </p:ext>
+            </p:extLst>
+          </p:nvPr>
+        </p:nvCxnSpPr>
+        <p:spPr>
+          <a:xfrm rot="16200000">
+            <a:off x="1508760" y="3431556"/>
+            <a:ext cx="0" cy="1737360"/>
+          </a:xfrm>
+          <a:prstGeom prst="line">
+            <a:avLst/>
+          </a:prstGeom>
+          <a:ln w="19050" cap="sq">
+            <a:solidFill>
+              <a:schemeClr val="tx1"/>
+            </a:solidFill>
+          </a:ln>
+        </p:spPr>
+        <p:style>
+          <a:lnRef idx="1">
+            <a:schemeClr val="accent1"/>
+          </a:lnRef>
+          <a:fillRef idx="0">
+            <a:schemeClr val="accent1"/>
+          </a:fillRef>
+          <a:effectRef idx="0">
+            <a:schemeClr val="accent1"/>
+          </a:effectRef>
+          <a:fontRef idx="minor">
+            <a:schemeClr val="tx1"/>
+          </a:fontRef>
+        </p:style>
+      </p:cxnSp>
+      <p:sp>
+        <p:nvSpPr>
+          <p:cNvPr id="11" name="Oval 10">
+            <a:extLst>
+              <a:ext uri="{FF2B5EF4-FFF2-40B4-BE49-F238E27FC236}">
+                <a16:creationId xmlns:a16="http://schemas.microsoft.com/office/drawing/2014/main" id="{F7194F93-1F71-4A70-9DF1-28F183771111}"/>
+              </a:ext>
+            </a:extLst>
+          </p:cNvPr>
+          <p:cNvSpPr>
+            <a:spLocks noGrp="1" noRot="1" noChangeAspect="1" noMove="1" noResize="1" noEditPoints="1" noAdjustHandles="1" noChangeArrowheads="1" noChangeShapeType="1" noTextEdit="1"/>
+          </p:cNvSpPr>
+          <p:nvPr>
+            <p:extLst>
+              <p:ext uri="{386F3935-93C4-4BCD-93E2-E3B085C9AB24}">
+                <p16:designElem xmlns:p16="http://schemas.microsoft.com/office/powerpoint/2015/main" val="1"/>
+              </p:ext>
+            </p:extLst>
+          </p:nvPr>
+        </p:nvSpPr>
+        <p:spPr>
+          <a:xfrm>
+            <a:off x="8732897" y="5004581"/>
+            <a:ext cx="962395" cy="962395"/>
+          </a:xfrm>
+          <a:prstGeom prst="ellipse">
+            <a:avLst/>
+          </a:prstGeom>
+          <a:solidFill>
+            <a:schemeClr val="accent1"/>
+          </a:solidFill>
+          <a:ln>
+            <a:noFill/>
+          </a:ln>
+        </p:spPr>
+        <p:style>
+          <a:lnRef idx="2">
+            <a:schemeClr val="accent1">
+              <a:shade val="50000"/>
+            </a:schemeClr>
+          </a:lnRef>
+          <a:fillRef idx="1">
+            <a:schemeClr val="accent1"/>
+          </a:fillRef>
+          <a:effectRef idx="0">
+            <a:schemeClr val="accent1"/>
+          </a:effectRef>
+          <a:fontRef idx="minor">
+            <a:schemeClr val="lt1"/>
+          </a:fontRef>
+        </p:style>
+        <p:txBody>
+          <a:bodyPr rtlCol="0" anchor="ctr"/>
+          <a:lstStyle/>
+          <a:p>
+            <a:pPr marL="0" marR="0" lvl="0" indent="0" algn="ctr" defTabSz="914400" rtl="0" eaLnBrk="1" fontAlgn="auto" latinLnBrk="0" hangingPunct="1">
+              <a:lnSpc>
+                <a:spcPct val="100000"/>
+              </a:lnSpc>
+              <a:spcBef>
+                <a:spcPts val="0"/>
+              </a:spcBef>
+              <a:spcAft>
+                <a:spcPts val="0"/>
+              </a:spcAft>
+              <a:buClrTx/>
+              <a:buSzTx/>
+              <a:buFontTx/>
+              <a:buNone/>
+              <a:tabLst/>
+              <a:defRPr/>
+            </a:pPr>
+            <a:endParaRPr kumimoji="0" lang="en-US" sz="1800" b="0" i="0" u="none" strike="noStrike" kern="1200" cap="none" spc="0" normalizeH="0" baseline="0" noProof="0">
+              <a:ln>
+                <a:noFill/>
+              </a:ln>
+              <a:solidFill>
+                <a:prstClr val="white"/>
+              </a:solidFill>
+              <a:effectLst/>
+              <a:uLnTx/>
+              <a:uFillTx/>
+              <a:latin typeface="Calibri" panose="020F0502020204030204"/>
+              <a:ea typeface="+mn-ea"/>
+              <a:cs typeface="+mn-cs"/>
+            </a:endParaRPr>
+          </a:p>
+        </p:txBody>
+      </p:sp>
+      <p:sp>
+        <p:nvSpPr>
+          <p:cNvPr id="13" name="Oval 12">
+            <a:extLst>
+              <a:ext uri="{FF2B5EF4-FFF2-40B4-BE49-F238E27FC236}">
+                <a16:creationId xmlns:a16="http://schemas.microsoft.com/office/drawing/2014/main" id="{9BBC0C84-DC2A-43AE-9576-0A44295E8B9C}"/>
+              </a:ext>
+            </a:extLst>
+          </p:cNvPr>
+          <p:cNvSpPr>
+            <a:spLocks noGrp="1" noRot="1" noChangeAspect="1" noMove="1" noResize="1" noEditPoints="1" noAdjustHandles="1" noChangeArrowheads="1" noChangeShapeType="1" noTextEdit="1"/>
+          </p:cNvSpPr>
+          <p:nvPr>
+            <p:extLst>
+              <p:ext uri="{386F3935-93C4-4BCD-93E2-E3B085C9AB24}">
+                <p16:designElem xmlns:p16="http://schemas.microsoft.com/office/powerpoint/2015/main" val="1"/>
+              </p:ext>
+            </p:extLst>
+          </p:nvPr>
+        </p:nvSpPr>
+        <p:spPr>
+          <a:xfrm>
+            <a:off x="10463725" y="4865965"/>
+            <a:ext cx="293695" cy="293695"/>
+          </a:xfrm>
+          <a:prstGeom prst="ellipse">
+            <a:avLst/>
+          </a:prstGeom>
+          <a:solidFill>
+            <a:schemeClr val="accent4"/>
+          </a:solidFill>
+          <a:ln>
+            <a:noFill/>
+          </a:ln>
+        </p:spPr>
+        <p:style>
+          <a:lnRef idx="2">
+            <a:schemeClr val="accent1">
+              <a:shade val="50000"/>
+            </a:schemeClr>
+          </a:lnRef>
+          <a:fillRef idx="1">
+            <a:schemeClr val="accent1"/>
+          </a:fillRef>
+          <a:effectRef idx="0">
+            <a:schemeClr val="accent1"/>
+          </a:effectRef>
+          <a:fontRef idx="minor">
+            <a:schemeClr val="lt1"/>
+          </a:fontRef>
+        </p:style>
+        <p:txBody>
+          <a:bodyPr rtlCol="0" anchor="ctr"/>
+          <a:lstStyle/>
+          <a:p>
+            <a:pPr marL="0" marR="0" lvl="0" indent="0" algn="ctr" defTabSz="914400" rtl="0" eaLnBrk="1" fontAlgn="auto" latinLnBrk="0" hangingPunct="1">
+              <a:lnSpc>
+                <a:spcPct val="100000"/>
+              </a:lnSpc>
+              <a:spcBef>
+                <a:spcPts val="0"/>
+              </a:spcBef>
+              <a:spcAft>
+                <a:spcPts val="0"/>
+              </a:spcAft>
+              <a:buClrTx/>
+              <a:buSzTx/>
+              <a:buFontTx/>
+              <a:buNone/>
+              <a:tabLst/>
+              <a:defRPr/>
+            </a:pPr>
+            <a:endParaRPr kumimoji="0" lang="en-US" sz="1800" b="0" i="0" u="none" strike="noStrike" kern="1200" cap="none" spc="0" normalizeH="0" baseline="0" noProof="0">
+              <a:ln>
+                <a:noFill/>
+              </a:ln>
+              <a:solidFill>
+                <a:prstClr val="white"/>
+              </a:solidFill>
+              <a:effectLst/>
+              <a:uLnTx/>
+              <a:uFillTx/>
+              <a:latin typeface="Calibri" panose="020F0502020204030204"/>
+              <a:ea typeface="+mn-ea"/>
+              <a:cs typeface="+mn-cs"/>
+            </a:endParaRPr>
+          </a:p>
+        </p:txBody>
+      </p:sp>
+      <p:sp>
+        <p:nvSpPr>
+          <p:cNvPr id="15" name="Freeform: Shape 14">
+            <a:extLst>
+              <a:ext uri="{FF2B5EF4-FFF2-40B4-BE49-F238E27FC236}">
+                <a16:creationId xmlns:a16="http://schemas.microsoft.com/office/drawing/2014/main" id="{11394CD8-BD30-4B74-86F4-51FDF3383419}"/>
+              </a:ext>
+            </a:extLst>
+          </p:cNvPr>
+          <p:cNvSpPr>
+            <a:spLocks noGrp="1" noRot="1" noChangeAspect="1" noMove="1" noResize="1" noEditPoints="1" noAdjustHandles="1" noChangeArrowheads="1" noChangeShapeType="1" noTextEdit="1"/>
+          </p:cNvSpPr>
+          <p:nvPr>
+            <p:extLst>
+              <p:ext uri="{386F3935-93C4-4BCD-93E2-E3B085C9AB24}">
+                <p16:designElem xmlns:p16="http://schemas.microsoft.com/office/powerpoint/2015/main" val="1"/>
+              </p:ext>
+            </p:extLst>
+          </p:nvPr>
+        </p:nvSpPr>
+        <p:spPr>
+          <a:xfrm>
+            <a:off x="6492113" y="0"/>
+            <a:ext cx="5699887" cy="4059244"/>
+          </a:xfrm>
+          <a:custGeom>
+            <a:avLst/>
+            <a:gdLst>
+              <a:gd name="connsiteX0" fmla="*/ 0 w 5699887"/>
+              <a:gd name="connsiteY0" fmla="*/ 0 h 4059244"/>
+              <a:gd name="connsiteX1" fmla="*/ 5699887 w 5699887"/>
+              <a:gd name="connsiteY1" fmla="*/ 0 h 4059244"/>
+              <a:gd name="connsiteX2" fmla="*/ 5699887 w 5699887"/>
+              <a:gd name="connsiteY2" fmla="*/ 3944096 h 4059244"/>
+              <a:gd name="connsiteX3" fmla="*/ 5525775 w 5699887"/>
+              <a:gd name="connsiteY3" fmla="*/ 3980429 h 4059244"/>
+              <a:gd name="connsiteX4" fmla="*/ 4663256 w 5699887"/>
+              <a:gd name="connsiteY4" fmla="*/ 4059244 h 4059244"/>
+              <a:gd name="connsiteX5" fmla="*/ 8566 w 5699887"/>
+              <a:gd name="connsiteY5" fmla="*/ 67422 h 4059244"/>
+            </a:gdLst>
+            <a:ahLst/>
+            <a:cxnLst>
+              <a:cxn ang="0">
+                <a:pos x="connsiteX0" y="connsiteY0"/>
+              </a:cxn>
+              <a:cxn ang="0">
+                <a:pos x="connsiteX1" y="connsiteY1"/>
+              </a:cxn>
+              <a:cxn ang="0">
+                <a:pos x="connsiteX2" y="connsiteY2"/>
+              </a:cxn>
+              <a:cxn ang="0">
+                <a:pos x="connsiteX3" y="connsiteY3"/>
+              </a:cxn>
+              <a:cxn ang="0">
+                <a:pos x="connsiteX4" y="connsiteY4"/>
+              </a:cxn>
+              <a:cxn ang="0">
+                <a:pos x="connsiteX5" y="connsiteY5"/>
+              </a:cxn>
+            </a:cxnLst>
+            <a:rect l="l" t="t" r="r" b="b"/>
+            <a:pathLst>
+              <a:path w="5699887" h="4059244">
+                <a:moveTo>
+                  <a:pt x="0" y="0"/>
+                </a:moveTo>
+                <a:lnTo>
+                  <a:pt x="5699887" y="0"/>
+                </a:lnTo>
+                <a:lnTo>
+                  <a:pt x="5699887" y="3944096"/>
+                </a:lnTo>
+                <a:lnTo>
+                  <a:pt x="5525775" y="3980429"/>
+                </a:lnTo>
+                <a:cubicBezTo>
+                  <a:pt x="5246154" y="4032190"/>
+                  <a:pt x="4957865" y="4059244"/>
+                  <a:pt x="4663256" y="4059244"/>
+                </a:cubicBezTo>
+                <a:cubicBezTo>
+                  <a:pt x="2306390" y="4059244"/>
+                  <a:pt x="353936" y="2327747"/>
+                  <a:pt x="8566" y="67422"/>
+                </a:cubicBezTo>
+                <a:close/>
+              </a:path>
+            </a:pathLst>
+          </a:custGeom>
+          <a:solidFill>
+            <a:schemeClr val="tx1">
+              <a:lumMod val="75000"/>
+              <a:lumOff val="25000"/>
+            </a:schemeClr>
+          </a:solidFill>
+          <a:ln>
+            <a:noFill/>
+          </a:ln>
+        </p:spPr>
+        <p:style>
+          <a:lnRef idx="2">
+            <a:schemeClr val="accent1">
+              <a:shade val="50000"/>
+            </a:schemeClr>
+          </a:lnRef>
+          <a:fillRef idx="1">
+            <a:schemeClr val="accent1"/>
+          </a:fillRef>
+          <a:effectRef idx="0">
+            <a:schemeClr val="accent1"/>
+          </a:effectRef>
+          <a:fontRef idx="minor">
+            <a:schemeClr val="lt1"/>
+          </a:fontRef>
+        </p:style>
+        <p:txBody>
+          <a:bodyPr rtlCol="0" anchor="ctr"/>
+          <a:lstStyle/>
+          <a:p>
+            <a:pPr marL="0" marR="0" lvl="0" indent="0" algn="ctr" defTabSz="914400" rtl="0" eaLnBrk="1" fontAlgn="auto" latinLnBrk="0" hangingPunct="1">
+              <a:lnSpc>
+                <a:spcPct val="100000"/>
+              </a:lnSpc>
+              <a:spcBef>
+                <a:spcPts val="0"/>
+              </a:spcBef>
+              <a:spcAft>
+                <a:spcPts val="0"/>
+              </a:spcAft>
+              <a:buClrTx/>
+              <a:buSzTx/>
+              <a:buFontTx/>
+              <a:buNone/>
+              <a:tabLst/>
+              <a:defRPr/>
+            </a:pPr>
+            <a:endParaRPr kumimoji="0" lang="en-US" sz="1800" b="0" i="0" u="none" strike="noStrike" kern="1200" cap="none" spc="0" normalizeH="0" baseline="0" noProof="0">
+              <a:ln>
+                <a:noFill/>
+              </a:ln>
+              <a:solidFill>
+                <a:prstClr val="white"/>
+              </a:solidFill>
+              <a:effectLst/>
+              <a:uLnTx/>
+              <a:uFillTx/>
+              <a:latin typeface="Calibri" panose="020F0502020204030204"/>
+              <a:ea typeface="+mn-ea"/>
+              <a:cs typeface="+mn-cs"/>
+            </a:endParaRPr>
+          </a:p>
+        </p:txBody>
+      </p:sp>
       <p:sp>
         <p:nvSpPr>
           <p:cNvPr id="2" name="object 2"/>
@@ -24067,113 +25827,119 @@
         </p:nvSpPr>
         <p:spPr>
           <a:xfrm>
-            <a:off x="5020138" y="2022888"/>
-            <a:ext cx="3160035" cy="2708947"/>
+            <a:off x="559552" y="2840954"/>
+            <a:ext cx="5676637" cy="3463950"/>
           </a:xfrm>
           <a:prstGeom prst="rect">
             <a:avLst/>
           </a:prstGeom>
         </p:spPr>
         <p:txBody>
-          <a:bodyPr vert="horz" wrap="square" lIns="0" tIns="12700" rIns="0" bIns="0" rtlCol="0">
-            <a:spAutoFit/>
+          <a:bodyPr vert="horz" lIns="91440" tIns="45720" rIns="91440" bIns="45720" rtlCol="0" anchor="ctr">
+            <a:normAutofit/>
           </a:bodyPr>
           <a:lstStyle/>
           <a:p>
-            <a:pPr marL="162560">
+            <a:pPr marL="162560" indent="-228600">
               <a:lnSpc>
-                <a:spcPct val="120000"/>
+                <a:spcPct val="90000"/>
               </a:lnSpc>
               <a:spcBef>
                 <a:spcPct val="0"/>
               </a:spcBef>
+              <a:spcAft>
+                <a:spcPts val="600"/>
+              </a:spcAft>
+              <a:buFont typeface="Arial" panose="020B0604020202020204" pitchFamily="34" charset="0"/>
+              <a:buChar char="•"/>
             </a:pPr>
             <a:r>
-              <a:rPr sz="3600" b="1" spc="-15" dirty="0">
-                <a:solidFill>
-                  <a:srgbClr val="34495E"/>
-                </a:solidFill>
-                <a:cs typeface="+mn-ea"/>
-                <a:sym typeface="+mn-lt"/>
-              </a:rPr>
-              <a:t>核心思想：</a:t>
-            </a:r>
-            <a:endParaRPr sz="3600" dirty="0">
-              <a:cs typeface="+mn-ea"/>
+              <a:rPr lang="en-US" b="1" spc="-15" dirty="0" err="1">
+                <a:sym typeface="+mn-lt"/>
+              </a:rPr>
+              <a:t>核心思想</a:t>
+            </a:r>
+            <a:r>
+              <a:rPr lang="en-US" b="1" spc="-15" dirty="0">
+                <a:sym typeface="+mn-lt"/>
+              </a:rPr>
+              <a:t>：</a:t>
+            </a:r>
+            <a:endParaRPr lang="en-US" dirty="0">
               <a:sym typeface="+mn-lt"/>
             </a:endParaRPr>
           </a:p>
           <a:p>
-            <a:pPr>
+            <a:pPr indent="-228600">
               <a:lnSpc>
-                <a:spcPct val="120000"/>
+                <a:spcPct val="90000"/>
               </a:lnSpc>
               <a:spcBef>
                 <a:spcPct val="0"/>
               </a:spcBef>
+              <a:spcAft>
+                <a:spcPts val="600"/>
+              </a:spcAft>
+              <a:buFont typeface="Arial" panose="020B0604020202020204" pitchFamily="34" charset="0"/>
+              <a:buChar char="•"/>
             </a:pPr>
-            <a:endParaRPr sz="3800" dirty="0">
-              <a:cs typeface="+mn-ea"/>
+            <a:endParaRPr lang="en-US" dirty="0">
               <a:sym typeface="+mn-lt"/>
             </a:endParaRPr>
           </a:p>
           <a:p>
-            <a:pPr marL="619760" indent="-607060">
+            <a:pPr marL="619760" indent="-228600">
               <a:lnSpc>
-                <a:spcPct val="120000"/>
+                <a:spcPct val="90000"/>
               </a:lnSpc>
               <a:spcBef>
                 <a:spcPct val="0"/>
               </a:spcBef>
-              <a:buFont typeface="Source Sans Pro"/>
-              <a:buAutoNum type="arabicPeriod"/>
+              <a:spcAft>
+                <a:spcPts val="600"/>
+              </a:spcAft>
+              <a:buFont typeface="Arial" panose="020B0604020202020204" pitchFamily="34" charset="0"/>
+              <a:buChar char="•"/>
               <a:tabLst>
                 <a:tab pos="619760" algn="l"/>
                 <a:tab pos="620395" algn="l"/>
               </a:tabLst>
             </a:pPr>
             <a:r>
-              <a:rPr sz="3600" b="1" spc="-15" dirty="0">
-                <a:solidFill>
-                  <a:srgbClr val="34495E"/>
-                </a:solidFill>
-                <a:cs typeface="+mn-ea"/>
+              <a:rPr lang="en-US" b="1" spc="-15" dirty="0" err="1">
                 <a:sym typeface="+mn-lt"/>
               </a:rPr>
               <a:t>数据驱动</a:t>
             </a:r>
-            <a:endParaRPr sz="3600" dirty="0">
-              <a:cs typeface="+mn-ea"/>
+            <a:endParaRPr lang="en-US" dirty="0">
               <a:sym typeface="+mn-lt"/>
             </a:endParaRPr>
           </a:p>
           <a:p>
-            <a:pPr marL="619760" indent="-607060">
+            <a:pPr marL="619760" indent="-228600">
               <a:lnSpc>
-                <a:spcPct val="120000"/>
+                <a:spcPct val="90000"/>
               </a:lnSpc>
               <a:spcBef>
                 <a:spcPct val="0"/>
               </a:spcBef>
-              <a:buFont typeface="Source Sans Pro"/>
-              <a:buAutoNum type="arabicPeriod"/>
+              <a:spcAft>
+                <a:spcPts val="600"/>
+              </a:spcAft>
+              <a:buFont typeface="Arial" panose="020B0604020202020204" pitchFamily="34" charset="0"/>
+              <a:buChar char="•"/>
               <a:tabLst>
                 <a:tab pos="619760" algn="l"/>
                 <a:tab pos="620395" algn="l"/>
               </a:tabLst>
             </a:pPr>
             <a:r>
-              <a:rPr sz="3600" b="1" spc="-15" dirty="0">
-                <a:solidFill>
-                  <a:srgbClr val="34495E"/>
-                </a:solidFill>
-                <a:cs typeface="+mn-ea"/>
+              <a:rPr lang="en-US" b="1" spc="-15" dirty="0" err="1">
                 <a:sym typeface="+mn-lt"/>
               </a:rPr>
               <a:t>组件化</a:t>
             </a:r>
-            <a:endParaRPr sz="3600" dirty="0">
-              <a:cs typeface="+mn-ea"/>
+            <a:endParaRPr lang="en-US" dirty="0">
               <a:sym typeface="+mn-lt"/>
             </a:endParaRPr>
           </a:p>
@@ -24189,6 +25955,153 @@
   <p:clrMapOvr>
     <a:masterClrMapping/>
   </p:clrMapOvr>
+  <mc:AlternateContent xmlns:mc="http://schemas.openxmlformats.org/markup-compatibility/2006">
+    <mc:Choice xmlns:p159="http://schemas.microsoft.com/office/powerpoint/2015/09/main" Requires="p159">
+      <p:transition xmlns:p14="http://schemas.microsoft.com/office/powerpoint/2010/main" spd="slow" p14:dur="1500">
+        <p159:morph option="byObject"/>
+      </p:transition>
+    </mc:Choice>
+    <mc:Fallback>
+      <p:transition spd="slow">
+        <p:fade/>
+      </p:transition>
+    </mc:Fallback>
+  </mc:AlternateContent>
+  <p:timing>
+    <p:tnLst>
+      <p:par>
+        <p:cTn id="1" dur="indefinite" restart="never" nodeType="tmRoot">
+          <p:childTnLst>
+            <p:seq concurrent="1" nextAc="seek">
+              <p:cTn id="2" dur="indefinite" nodeType="mainSeq">
+                <p:childTnLst>
+                  <p:par>
+                    <p:cTn id="3" fill="hold">
+                      <p:stCondLst>
+                        <p:cond delay="indefinite"/>
+                        <p:cond evt="onBegin" delay="0">
+                          <p:tn val="2"/>
+                        </p:cond>
+                      </p:stCondLst>
+                      <p:childTnLst>
+                        <p:par>
+                          <p:cTn id="4" fill="hold">
+                            <p:stCondLst>
+                              <p:cond delay="0"/>
+                            </p:stCondLst>
+                            <p:childTnLst>
+                              <p:par>
+                                <p:cTn id="5" presetID="42" presetClass="entr" presetSubtype="0" fill="hold" grpId="0" nodeType="afterEffect">
+                                  <p:stCondLst>
+                                    <p:cond delay="0"/>
+                                  </p:stCondLst>
+                                  <p:childTnLst>
+                                    <p:set>
+                                      <p:cBhvr>
+                                        <p:cTn id="6" dur="1" fill="hold">
+                                          <p:stCondLst>
+                                            <p:cond delay="0"/>
+                                          </p:stCondLst>
+                                        </p:cTn>
+                                        <p:tgtEl>
+                                          <p:spTgt spid="2"/>
+                                        </p:tgtEl>
+                                        <p:attrNameLst>
+                                          <p:attrName>style.visibility</p:attrName>
+                                        </p:attrNameLst>
+                                      </p:cBhvr>
+                                      <p:to>
+                                        <p:strVal val="visible"/>
+                                      </p:to>
+                                    </p:set>
+                                    <p:animEffect transition="in" filter="fade">
+                                      <p:cBhvr>
+                                        <p:cTn id="7" dur="1000"/>
+                                        <p:tgtEl>
+                                          <p:spTgt spid="2"/>
+                                        </p:tgtEl>
+                                      </p:cBhvr>
+                                    </p:animEffect>
+                                    <p:anim calcmode="lin" valueType="num">
+                                      <p:cBhvr>
+                                        <p:cTn id="8" dur="1000" fill="hold"/>
+                                        <p:tgtEl>
+                                          <p:spTgt spid="2"/>
+                                        </p:tgtEl>
+                                        <p:attrNameLst>
+                                          <p:attrName>ppt_x</p:attrName>
+                                        </p:attrNameLst>
+                                      </p:cBhvr>
+                                      <p:tavLst>
+                                        <p:tav tm="0">
+                                          <p:val>
+                                            <p:strVal val="#ppt_x"/>
+                                          </p:val>
+                                        </p:tav>
+                                        <p:tav tm="100000">
+                                          <p:val>
+                                            <p:strVal val="#ppt_x"/>
+                                          </p:val>
+                                        </p:tav>
+                                      </p:tavLst>
+                                    </p:anim>
+                                    <p:anim calcmode="lin" valueType="num">
+                                      <p:cBhvr>
+                                        <p:cTn id="9" dur="1000" fill="hold"/>
+                                        <p:tgtEl>
+                                          <p:spTgt spid="2"/>
+                                        </p:tgtEl>
+                                        <p:attrNameLst>
+                                          <p:attrName>ppt_y</p:attrName>
+                                        </p:attrNameLst>
+                                      </p:cBhvr>
+                                      <p:tavLst>
+                                        <p:tav tm="0">
+                                          <p:val>
+                                            <p:strVal val="#ppt_y+.1"/>
+                                          </p:val>
+                                        </p:tav>
+                                        <p:tav tm="100000">
+                                          <p:val>
+                                            <p:strVal val="#ppt_y"/>
+                                          </p:val>
+                                        </p:tav>
+                                      </p:tavLst>
+                                    </p:anim>
+                                  </p:childTnLst>
+                                </p:cTn>
+                              </p:par>
+                            </p:childTnLst>
+                          </p:cTn>
+                        </p:par>
+                      </p:childTnLst>
+                    </p:cTn>
+                  </p:par>
+                </p:childTnLst>
+              </p:cTn>
+              <p:prevCondLst>
+                <p:cond evt="onPrev" delay="0">
+                  <p:tgtEl>
+                    <p:sldTgt/>
+                  </p:tgtEl>
+                </p:cond>
+              </p:prevCondLst>
+              <p:nextCondLst>
+                <p:cond evt="onNext" delay="0">
+                  <p:tgtEl>
+                    <p:sldTgt/>
+                  </p:tgtEl>
+                </p:cond>
+              </p:nextCondLst>
+            </p:seq>
+          </p:childTnLst>
+        </p:cTn>
+      </p:par>
+    </p:tnLst>
+    <p:bldLst>
+      <p:bldP spid="2" grpId="0"/>
+    </p:bldLst>
+  </p:timing>
 </p:sld>
 </file>
 
@@ -24297,12 +26210,32 @@
   <p:clrMapOvr>
     <a:masterClrMapping/>
   </p:clrMapOvr>
+  <mc:AlternateContent xmlns:mc="http://schemas.openxmlformats.org/markup-compatibility/2006">
+    <mc:Choice xmlns:p159="http://schemas.microsoft.com/office/powerpoint/2015/09/main" Requires="p159">
+      <p:transition xmlns:p14="http://schemas.microsoft.com/office/powerpoint/2010/main" spd="slow" p14:dur="1500">
+        <p159:morph option="byObject"/>
+      </p:transition>
+    </mc:Choice>
+    <mc:Fallback>
+      <p:transition spd="slow">
+        <p:fade/>
+      </p:transition>
+    </mc:Fallback>
+  </mc:AlternateContent>
 </p:sld>
 </file>
 
 <file path=ppt/slides/slide7.xml><?xml version="1.0" encoding="utf-8"?>
 <p:sld xmlns:a="http://schemas.openxmlformats.org/drawingml/2006/main" xmlns:r="http://schemas.openxmlformats.org/officeDocument/2006/relationships" xmlns:p="http://schemas.openxmlformats.org/presentationml/2006/main">
   <p:cSld>
+    <p:bg>
+      <p:bgPr>
+        <a:solidFill>
+          <a:schemeClr val="bg1"/>
+        </a:solidFill>
+        <a:effectLst/>
+      </p:bgPr>
+    </p:bg>
     <p:spTree>
       <p:nvGrpSpPr>
         <p:cNvPr id="1" name=""/>
@@ -24317,6 +26250,259 @@
           <a:chExt cx="0" cy="0"/>
         </a:xfrm>
       </p:grpSpPr>
+      <p:sp>
+        <p:nvSpPr>
+          <p:cNvPr id="71" name="Freeform 28">
+            <a:extLst>
+              <a:ext uri="{FF2B5EF4-FFF2-40B4-BE49-F238E27FC236}">
+                <a16:creationId xmlns:a16="http://schemas.microsoft.com/office/drawing/2014/main" id="{3FCC729B-E528-40C3-82D3-BA4375575E87}"/>
+              </a:ext>
+            </a:extLst>
+          </p:cNvPr>
+          <p:cNvSpPr>
+            <a:spLocks noGrp="1" noRot="1" noChangeAspect="1" noMove="1" noResize="1" noEditPoints="1" noAdjustHandles="1" noChangeArrowheads="1" noChangeShapeType="1" noTextEdit="1"/>
+          </p:cNvSpPr>
+          <p:nvPr>
+            <p:extLst>
+              <p:ext uri="{386F3935-93C4-4BCD-93E2-E3B085C9AB24}">
+                <p16:designElem xmlns:p16="http://schemas.microsoft.com/office/powerpoint/2015/main" val="1"/>
+              </p:ext>
+            </p:extLst>
+          </p:nvPr>
+        </p:nvSpPr>
+        <p:spPr>
+          <a:xfrm flipH="1" flipV="1">
+            <a:off x="960120" y="0"/>
+            <a:ext cx="11218661" cy="6858000"/>
+          </a:xfrm>
+          <a:custGeom>
+            <a:avLst/>
+            <a:gdLst>
+              <a:gd name="connsiteX0" fmla="*/ 0 w 11218661"/>
+              <a:gd name="connsiteY0" fmla="*/ 0 h 6858000"/>
+              <a:gd name="connsiteX1" fmla="*/ 8042507 w 11218661"/>
+              <a:gd name="connsiteY1" fmla="*/ 0 h 6858000"/>
+              <a:gd name="connsiteX2" fmla="*/ 11218661 w 11218661"/>
+              <a:gd name="connsiteY2" fmla="*/ 6858000 h 6858000"/>
+              <a:gd name="connsiteX3" fmla="*/ 0 w 11218661"/>
+              <a:gd name="connsiteY3" fmla="*/ 6858000 h 6858000"/>
+            </a:gdLst>
+            <a:ahLst/>
+            <a:cxnLst>
+              <a:cxn ang="0">
+                <a:pos x="connsiteX0" y="connsiteY0"/>
+              </a:cxn>
+              <a:cxn ang="0">
+                <a:pos x="connsiteX1" y="connsiteY1"/>
+              </a:cxn>
+              <a:cxn ang="0">
+                <a:pos x="connsiteX2" y="connsiteY2"/>
+              </a:cxn>
+              <a:cxn ang="0">
+                <a:pos x="connsiteX3" y="connsiteY3"/>
+              </a:cxn>
+            </a:cxnLst>
+            <a:rect l="l" t="t" r="r" b="b"/>
+            <a:pathLst>
+              <a:path w="11218661" h="6858000">
+                <a:moveTo>
+                  <a:pt x="0" y="0"/>
+                </a:moveTo>
+                <a:lnTo>
+                  <a:pt x="8042507" y="0"/>
+                </a:lnTo>
+                <a:lnTo>
+                  <a:pt x="11218661" y="6858000"/>
+                </a:lnTo>
+                <a:lnTo>
+                  <a:pt x="0" y="6858000"/>
+                </a:lnTo>
+                <a:close/>
+              </a:path>
+            </a:pathLst>
+          </a:custGeom>
+          <a:solidFill>
+            <a:schemeClr val="tx1">
+              <a:lumMod val="85000"/>
+              <a:lumOff val="15000"/>
+              <a:alpha val="70000"/>
+            </a:schemeClr>
+          </a:solidFill>
+          <a:ln>
+            <a:noFill/>
+          </a:ln>
+        </p:spPr>
+        <p:style>
+          <a:lnRef idx="2">
+            <a:schemeClr val="accent1">
+              <a:shade val="50000"/>
+            </a:schemeClr>
+          </a:lnRef>
+          <a:fillRef idx="1">
+            <a:schemeClr val="accent1"/>
+          </a:fillRef>
+          <a:effectRef idx="0">
+            <a:schemeClr val="accent1"/>
+          </a:effectRef>
+          <a:fontRef idx="minor">
+            <a:schemeClr val="lt1"/>
+          </a:fontRef>
+        </p:style>
+        <p:txBody>
+          <a:bodyPr wrap="square" rtlCol="0" anchor="ctr">
+            <a:noAutofit/>
+          </a:bodyPr>
+          <a:lstStyle/>
+          <a:p>
+            <a:pPr algn="ctr"/>
+            <a:endParaRPr lang="en-US"/>
+          </a:p>
+        </p:txBody>
+      </p:sp>
+      <p:sp>
+        <p:nvSpPr>
+          <p:cNvPr id="73" name="Freeform 26">
+            <a:extLst>
+              <a:ext uri="{FF2B5EF4-FFF2-40B4-BE49-F238E27FC236}">
+                <a16:creationId xmlns:a16="http://schemas.microsoft.com/office/drawing/2014/main" id="{58F1FB8D-1842-4A04-998D-6CF047AB2790}"/>
+              </a:ext>
+            </a:extLst>
+          </p:cNvPr>
+          <p:cNvSpPr>
+            <a:spLocks noGrp="1" noRot="1" noChangeAspect="1" noMove="1" noResize="1" noEditPoints="1" noAdjustHandles="1" noChangeArrowheads="1" noChangeShapeType="1" noTextEdit="1"/>
+          </p:cNvSpPr>
+          <p:nvPr>
+            <p:extLst>
+              <p:ext uri="{386F3935-93C4-4BCD-93E2-E3B085C9AB24}">
+                <p16:designElem xmlns:p16="http://schemas.microsoft.com/office/powerpoint/2015/main" val="1"/>
+              </p:ext>
+            </p:extLst>
+          </p:nvPr>
+        </p:nvSpPr>
+        <p:spPr>
+          <a:xfrm flipH="1" flipV="1">
+            <a:off x="1420248" y="0"/>
+            <a:ext cx="10771752" cy="6858000"/>
+          </a:xfrm>
+          <a:custGeom>
+            <a:avLst/>
+            <a:gdLst>
+              <a:gd name="connsiteX0" fmla="*/ 0 w 10771752"/>
+              <a:gd name="connsiteY0" fmla="*/ 0 h 6858000"/>
+              <a:gd name="connsiteX1" fmla="*/ 7595598 w 10771752"/>
+              <a:gd name="connsiteY1" fmla="*/ 0 h 6858000"/>
+              <a:gd name="connsiteX2" fmla="*/ 10771752 w 10771752"/>
+              <a:gd name="connsiteY2" fmla="*/ 6858000 h 6858000"/>
+              <a:gd name="connsiteX3" fmla="*/ 0 w 10771752"/>
+              <a:gd name="connsiteY3" fmla="*/ 6858000 h 6858000"/>
+            </a:gdLst>
+            <a:ahLst/>
+            <a:cxnLst>
+              <a:cxn ang="0">
+                <a:pos x="connsiteX0" y="connsiteY0"/>
+              </a:cxn>
+              <a:cxn ang="0">
+                <a:pos x="connsiteX1" y="connsiteY1"/>
+              </a:cxn>
+              <a:cxn ang="0">
+                <a:pos x="connsiteX2" y="connsiteY2"/>
+              </a:cxn>
+              <a:cxn ang="0">
+                <a:pos x="connsiteX3" y="connsiteY3"/>
+              </a:cxn>
+            </a:cxnLst>
+            <a:rect l="l" t="t" r="r" b="b"/>
+            <a:pathLst>
+              <a:path w="10771752" h="6858000">
+                <a:moveTo>
+                  <a:pt x="0" y="0"/>
+                </a:moveTo>
+                <a:lnTo>
+                  <a:pt x="7595598" y="0"/>
+                </a:lnTo>
+                <a:lnTo>
+                  <a:pt x="10771752" y="6858000"/>
+                </a:lnTo>
+                <a:lnTo>
+                  <a:pt x="0" y="6858000"/>
+                </a:lnTo>
+                <a:close/>
+              </a:path>
+            </a:pathLst>
+          </a:custGeom>
+          <a:solidFill>
+            <a:schemeClr val="tx1">
+              <a:lumMod val="85000"/>
+              <a:lumOff val="15000"/>
+            </a:schemeClr>
+          </a:solidFill>
+          <a:ln>
+            <a:noFill/>
+          </a:ln>
+        </p:spPr>
+        <p:style>
+          <a:lnRef idx="2">
+            <a:schemeClr val="accent1">
+              <a:shade val="50000"/>
+            </a:schemeClr>
+          </a:lnRef>
+          <a:fillRef idx="1">
+            <a:schemeClr val="accent1"/>
+          </a:fillRef>
+          <a:effectRef idx="0">
+            <a:schemeClr val="accent1"/>
+          </a:effectRef>
+          <a:fontRef idx="minor">
+            <a:schemeClr val="lt1"/>
+          </a:fontRef>
+        </p:style>
+        <p:txBody>
+          <a:bodyPr wrap="square" rtlCol="0" anchor="ctr">
+            <a:noAutofit/>
+          </a:bodyPr>
+          <a:lstStyle/>
+          <a:p>
+            <a:pPr algn="ctr"/>
+            <a:endParaRPr lang="en-US"/>
+          </a:p>
+        </p:txBody>
+      </p:sp>
+      <p:pic>
+        <p:nvPicPr>
+          <p:cNvPr id="5" name="图片 4">
+            <a:extLst>
+              <a:ext uri="{FF2B5EF4-FFF2-40B4-BE49-F238E27FC236}">
+                <a16:creationId xmlns:a16="http://schemas.microsoft.com/office/drawing/2014/main" id="{7A256C9B-52C8-40DC-8D0B-C13CFD6DCD1F}"/>
+              </a:ext>
+            </a:extLst>
+          </p:cNvPr>
+          <p:cNvPicPr>
+            <a:picLocks noChangeAspect="1"/>
+          </p:cNvPicPr>
+          <p:nvPr/>
+        </p:nvPicPr>
+        <p:blipFill>
+          <a:blip r:embed="rId2">
+            <a:extLst>
+              <a:ext uri="{28A0092B-C50C-407E-A947-70E740481C1C}">
+                <a14:useLocalDpi xmlns:a14="http://schemas.microsoft.com/office/drawing/2010/main" val="0"/>
+              </a:ext>
+            </a:extLst>
+          </a:blip>
+          <a:stretch>
+            <a:fillRect/>
+          </a:stretch>
+        </p:blipFill>
+        <p:spPr>
+          <a:xfrm>
+            <a:off x="514058" y="333798"/>
+            <a:ext cx="2893134" cy="2893134"/>
+          </a:xfrm>
+          <a:prstGeom prst="rect">
+            <a:avLst/>
+          </a:prstGeom>
+        </p:spPr>
+      </p:pic>
       <p:sp>
         <p:nvSpPr>
           <p:cNvPr id="9218" name="内容占位符 2">
@@ -24335,610 +26521,468 @@
         </p:nvSpPr>
         <p:spPr>
           <a:xfrm>
-            <a:off x="2129481" y="934028"/>
-            <a:ext cx="7933039" cy="4989944"/>
+            <a:off x="4387515" y="777549"/>
+            <a:ext cx="7161017" cy="5302903"/>
           </a:xfrm>
         </p:spPr>
         <p:txBody>
           <a:bodyPr>
-            <a:normAutofit fontScale="85000" lnSpcReduction="20000"/>
+            <a:noAutofit/>
           </a:bodyPr>
           <a:lstStyle/>
           <a:p>
             <a:pPr>
-              <a:lnSpc>
-                <a:spcPct val="130000"/>
-              </a:lnSpc>
               <a:spcBef>
                 <a:spcPts val="0"/>
               </a:spcBef>
+              <a:spcAft>
+                <a:spcPts val="600"/>
+              </a:spcAft>
               <a:buNone/>
             </a:pPr>
             <a:r>
-              <a:rPr lang="en-US" altLang="zh-CN" sz="1800" dirty="0">
+              <a:rPr lang="en-US" altLang="zh-CN" sz="1600">
+                <a:solidFill>
+                  <a:schemeClr val="bg1"/>
+                </a:solidFill>
                 <a:cs typeface="+mn-ea"/>
                 <a:sym typeface="+mn-lt"/>
               </a:rPr>
               <a:t>		</a:t>
             </a:r>
             <a:r>
-              <a:rPr lang="zh-CN" altLang="en-US" sz="1800" dirty="0">
+              <a:rPr lang="zh-CN" altLang="en-US" sz="1600">
+                <a:solidFill>
+                  <a:schemeClr val="bg1"/>
+                </a:solidFill>
                 <a:cs typeface="+mn-ea"/>
                 <a:sym typeface="+mn-lt"/>
               </a:rPr>
               <a:t>程序</a:t>
             </a:r>
             <a:r>
-              <a:rPr lang="en-US" altLang="zh-CN" sz="1800" dirty="0">
+              <a:rPr lang="en-US" altLang="zh-CN" sz="1600">
+                <a:solidFill>
+                  <a:schemeClr val="bg1"/>
+                </a:solidFill>
                 <a:cs typeface="+mn-ea"/>
                 <a:sym typeface="+mn-lt"/>
               </a:rPr>
               <a:t>=</a:t>
             </a:r>
             <a:r>
-              <a:rPr lang="zh-CN" altLang="en-US" sz="1800" dirty="0">
+              <a:rPr lang="zh-CN" altLang="en-US" sz="1600">
+                <a:solidFill>
+                  <a:schemeClr val="bg1"/>
+                </a:solidFill>
                 <a:cs typeface="+mn-ea"/>
                 <a:sym typeface="+mn-lt"/>
               </a:rPr>
               <a:t>数据结构</a:t>
             </a:r>
             <a:r>
-              <a:rPr lang="en-US" altLang="zh-CN" sz="1800" dirty="0">
+              <a:rPr lang="en-US" altLang="zh-CN" sz="1600">
+                <a:solidFill>
+                  <a:schemeClr val="bg1"/>
+                </a:solidFill>
                 <a:cs typeface="+mn-ea"/>
                 <a:sym typeface="+mn-lt"/>
               </a:rPr>
               <a:t>+</a:t>
             </a:r>
             <a:r>
-              <a:rPr lang="zh-CN" altLang="en-US" sz="1800" dirty="0">
+              <a:rPr lang="zh-CN" altLang="en-US" sz="1600">
+                <a:solidFill>
+                  <a:schemeClr val="bg1"/>
+                </a:solidFill>
                 <a:cs typeface="+mn-ea"/>
                 <a:sym typeface="+mn-lt"/>
               </a:rPr>
               <a:t>算法，这是每个程序都耳熟能详的一句话</a:t>
             </a:r>
             <a:r>
-              <a:rPr lang="en-US" altLang="zh-CN" sz="1800" dirty="0">
+              <a:rPr lang="en-US" altLang="zh-CN" sz="1600">
+                <a:solidFill>
+                  <a:schemeClr val="bg1"/>
+                </a:solidFill>
                 <a:cs typeface="+mn-ea"/>
                 <a:sym typeface="+mn-lt"/>
               </a:rPr>
               <a:t>,</a:t>
             </a:r>
             <a:r>
-              <a:rPr lang="zh-CN" altLang="en-US" sz="1800" dirty="0">
+              <a:rPr lang="zh-CN" altLang="en-US" sz="1600">
+                <a:solidFill>
+                  <a:schemeClr val="bg1"/>
+                </a:solidFill>
                 <a:cs typeface="+mn-ea"/>
                 <a:sym typeface="+mn-lt"/>
               </a:rPr>
               <a:t>可在前端这里并不纯粹</a:t>
             </a:r>
             <a:r>
-              <a:rPr lang="en-US" altLang="zh-CN" sz="1800" dirty="0">
+              <a:rPr lang="en-US" altLang="zh-CN" sz="1600">
+                <a:solidFill>
+                  <a:schemeClr val="bg1"/>
+                </a:solidFill>
                 <a:cs typeface="+mn-ea"/>
                 <a:sym typeface="+mn-lt"/>
               </a:rPr>
               <a:t>,</a:t>
             </a:r>
             <a:r>
-              <a:rPr lang="zh-CN" altLang="en-US" sz="1800" dirty="0">
+              <a:rPr lang="zh-CN" altLang="en-US" sz="1600">
+                <a:solidFill>
+                  <a:schemeClr val="bg1"/>
+                </a:solidFill>
                 <a:cs typeface="+mn-ea"/>
                 <a:sym typeface="+mn-lt"/>
               </a:rPr>
               <a:t>因为前端需要跟界面打交道</a:t>
             </a:r>
             <a:r>
-              <a:rPr lang="en-US" altLang="zh-CN" sz="1800" dirty="0">
+              <a:rPr lang="en-US" altLang="zh-CN" sz="1600">
+                <a:solidFill>
+                  <a:schemeClr val="bg1"/>
+                </a:solidFill>
                 <a:cs typeface="+mn-ea"/>
                 <a:sym typeface="+mn-lt"/>
               </a:rPr>
               <a:t>,HTML + CSS</a:t>
             </a:r>
             <a:r>
-              <a:rPr lang="zh-CN" altLang="en-US" sz="1800" dirty="0">
+              <a:rPr lang="zh-CN" altLang="en-US" sz="1600">
+                <a:solidFill>
+                  <a:schemeClr val="bg1"/>
+                </a:solidFill>
                 <a:cs typeface="+mn-ea"/>
                 <a:sym typeface="+mn-lt"/>
               </a:rPr>
               <a:t>并没用被抽象成某种在</a:t>
             </a:r>
             <a:r>
-              <a:rPr lang="en-US" altLang="zh-CN" sz="1800" dirty="0">
+              <a:rPr lang="en-US" altLang="zh-CN" sz="1600">
+                <a:solidFill>
+                  <a:schemeClr val="bg1"/>
+                </a:solidFill>
                 <a:cs typeface="+mn-ea"/>
                 <a:sym typeface="+mn-lt"/>
               </a:rPr>
               <a:t>JS</a:t>
             </a:r>
             <a:r>
-              <a:rPr lang="zh-CN" altLang="en-US" sz="1800" dirty="0">
+              <a:rPr lang="zh-CN" altLang="en-US" sz="1600">
+                <a:solidFill>
+                  <a:schemeClr val="bg1"/>
+                </a:solidFill>
                 <a:cs typeface="+mn-ea"/>
                 <a:sym typeface="+mn-lt"/>
               </a:rPr>
               <a:t>中使用的数据结构</a:t>
             </a:r>
             <a:r>
-              <a:rPr lang="en-US" altLang="zh-CN" sz="1800" dirty="0">
+              <a:rPr lang="en-US" altLang="zh-CN" sz="1600">
+                <a:solidFill>
+                  <a:schemeClr val="bg1"/>
+                </a:solidFill>
                 <a:cs typeface="+mn-ea"/>
                 <a:sym typeface="+mn-lt"/>
               </a:rPr>
               <a:t>,</a:t>
             </a:r>
             <a:r>
-              <a:rPr lang="zh-CN" altLang="en-US" sz="1800" dirty="0">
+              <a:rPr lang="zh-CN" altLang="en-US" sz="1600">
+                <a:solidFill>
+                  <a:schemeClr val="bg1"/>
+                </a:solidFill>
                 <a:cs typeface="+mn-ea"/>
                 <a:sym typeface="+mn-lt"/>
               </a:rPr>
               <a:t>充当的更多是界面的一种配置</a:t>
             </a:r>
             <a:r>
-              <a:rPr lang="en-US" altLang="zh-CN" sz="1800" dirty="0">
+              <a:rPr lang="en-US" altLang="zh-CN" sz="1600">
+                <a:solidFill>
+                  <a:schemeClr val="bg1"/>
+                </a:solidFill>
+                <a:cs typeface="+mn-ea"/>
+                <a:sym typeface="+mn-lt"/>
+              </a:rPr>
+              <a:t>, jQuery</a:t>
+            </a:r>
+            <a:r>
+              <a:rPr lang="zh-CN" altLang="en-US" sz="1600">
+                <a:solidFill>
+                  <a:schemeClr val="bg1"/>
+                </a:solidFill>
+                <a:cs typeface="+mn-ea"/>
+                <a:sym typeface="+mn-lt"/>
+              </a:rPr>
+              <a:t>程序员看待他的方式就一块块的</a:t>
+            </a:r>
+            <a:r>
+              <a:rPr lang="en-US" altLang="zh-CN" sz="1600">
+                <a:solidFill>
+                  <a:schemeClr val="bg1"/>
+                </a:solidFill>
+                <a:cs typeface="+mn-ea"/>
+                <a:sym typeface="+mn-lt"/>
+              </a:rPr>
+              <a:t>UI,</a:t>
+            </a:r>
+            <a:r>
+              <a:rPr lang="zh-CN" altLang="en-US" sz="1600">
+                <a:solidFill>
+                  <a:schemeClr val="bg1"/>
+                </a:solidFill>
+                <a:cs typeface="+mn-ea"/>
+                <a:sym typeface="+mn-lt"/>
+              </a:rPr>
+              <a:t>用到的时候再</a:t>
+            </a:r>
+            <a:r>
+              <a:rPr lang="en-US" altLang="zh-CN" sz="1600">
+                <a:solidFill>
+                  <a:schemeClr val="bg1"/>
+                </a:solidFill>
+                <a:cs typeface="+mn-ea"/>
+                <a:sym typeface="+mn-lt"/>
+              </a:rPr>
+              <a:t>$</a:t>
+            </a:r>
+            <a:r>
+              <a:rPr lang="zh-CN" altLang="en-US" sz="1600">
+                <a:solidFill>
+                  <a:schemeClr val="bg1"/>
+                </a:solidFill>
+                <a:cs typeface="+mn-ea"/>
+                <a:sym typeface="+mn-lt"/>
+              </a:rPr>
+              <a:t>一下</a:t>
+            </a:r>
+            <a:r>
+              <a:rPr lang="en-US" altLang="zh-CN" sz="1600">
+                <a:solidFill>
+                  <a:schemeClr val="bg1"/>
+                </a:solidFill>
                 <a:cs typeface="+mn-ea"/>
                 <a:sym typeface="+mn-lt"/>
               </a:rPr>
               <a:t>,</a:t>
             </a:r>
             <a:r>
-              <a:rPr lang="en-US" altLang="zh-CN" sz="1800" dirty="0">
-                <a:solidFill>
-                  <a:srgbClr val="00B0F0"/>
-                </a:solidFill>
-                <a:cs typeface="+mn-ea"/>
-                <a:sym typeface="+mn-lt"/>
-              </a:rPr>
-              <a:t> jQuery</a:t>
-            </a:r>
-            <a:r>
-              <a:rPr lang="zh-CN" altLang="en-US" sz="1800" dirty="0">
-                <a:cs typeface="+mn-ea"/>
-                <a:sym typeface="+mn-lt"/>
-              </a:rPr>
-              <a:t>程序员看待他的方式就一块块的</a:t>
-            </a:r>
-            <a:r>
-              <a:rPr lang="en-US" altLang="zh-CN" sz="1800" dirty="0">
-                <a:cs typeface="+mn-ea"/>
-                <a:sym typeface="+mn-lt"/>
-              </a:rPr>
-              <a:t>UI,</a:t>
-            </a:r>
-            <a:r>
-              <a:rPr lang="zh-CN" altLang="en-US" sz="1800" dirty="0">
-                <a:cs typeface="+mn-ea"/>
-                <a:sym typeface="+mn-lt"/>
-              </a:rPr>
-              <a:t>用到的时候再</a:t>
-            </a:r>
-            <a:r>
-              <a:rPr lang="en-US" altLang="zh-CN" sz="1800" dirty="0">
-                <a:cs typeface="+mn-ea"/>
-                <a:sym typeface="+mn-lt"/>
-              </a:rPr>
-              <a:t>$</a:t>
-            </a:r>
-            <a:r>
-              <a:rPr lang="zh-CN" altLang="en-US" sz="1800" dirty="0">
-                <a:cs typeface="+mn-ea"/>
-                <a:sym typeface="+mn-lt"/>
-              </a:rPr>
-              <a:t>一下</a:t>
-            </a:r>
-            <a:r>
-              <a:rPr lang="en-US" altLang="zh-CN" sz="1800" dirty="0">
+              <a:rPr lang="zh-CN" altLang="en-US" sz="1600">
+                <a:solidFill>
+                  <a:schemeClr val="bg1"/>
+                </a:solidFill>
+                <a:cs typeface="+mn-ea"/>
+                <a:sym typeface="+mn-lt"/>
+              </a:rPr>
+              <a:t>获取之后修改</a:t>
+            </a:r>
+            <a:r>
+              <a:rPr lang="en-US" altLang="zh-CN" sz="1600">
+                <a:solidFill>
+                  <a:schemeClr val="bg1"/>
+                </a:solidFill>
+                <a:cs typeface="+mn-ea"/>
+                <a:sym typeface="+mn-lt"/>
+              </a:rPr>
+              <a:t>.</a:t>
+            </a:r>
+            <a:r>
+              <a:rPr lang="zh-CN" altLang="en-US" sz="1600">
+                <a:solidFill>
+                  <a:schemeClr val="bg1"/>
+                </a:solidFill>
+                <a:cs typeface="+mn-ea"/>
+                <a:sym typeface="+mn-lt"/>
+              </a:rPr>
+              <a:t>整个程序写下来是零零散散的节点操作。一个比较实际的情况就是</a:t>
+            </a:r>
+            <a:r>
+              <a:rPr lang="en-US" altLang="zh-CN" sz="1600">
+                <a:solidFill>
+                  <a:schemeClr val="bg1"/>
+                </a:solidFill>
                 <a:cs typeface="+mn-ea"/>
                 <a:sym typeface="+mn-lt"/>
               </a:rPr>
               <a:t>,</a:t>
             </a:r>
             <a:r>
-              <a:rPr lang="zh-CN" altLang="en-US" sz="1800" dirty="0">
-                <a:cs typeface="+mn-ea"/>
-                <a:sym typeface="+mn-lt"/>
-              </a:rPr>
-              <a:t>获取之后修改</a:t>
-            </a:r>
-            <a:r>
-              <a:rPr lang="en-US" altLang="zh-CN" sz="1800" dirty="0">
-                <a:cs typeface="+mn-ea"/>
-                <a:sym typeface="+mn-lt"/>
-              </a:rPr>
-              <a:t>.</a:t>
-            </a:r>
-            <a:r>
-              <a:rPr lang="zh-CN" altLang="en-US" sz="1800" dirty="0">
-                <a:cs typeface="+mn-ea"/>
-                <a:sym typeface="+mn-lt"/>
-              </a:rPr>
-              <a:t>整个程序写下来是零零散散的节点操作。一个比较实际的情况就是</a:t>
-            </a:r>
-            <a:r>
-              <a:rPr lang="en-US" altLang="zh-CN" sz="1800" dirty="0">
+              <a:rPr lang="zh-CN" altLang="en-US" sz="1600">
+                <a:solidFill>
+                  <a:schemeClr val="bg1"/>
+                </a:solidFill>
+                <a:cs typeface="+mn-ea"/>
+                <a:sym typeface="+mn-lt"/>
+              </a:rPr>
+              <a:t>在</a:t>
+            </a:r>
+            <a:r>
+              <a:rPr lang="en-US" altLang="zh-CN" sz="1600">
+                <a:solidFill>
+                  <a:schemeClr val="bg1"/>
+                </a:solidFill>
+                <a:cs typeface="+mn-ea"/>
+                <a:sym typeface="+mn-lt"/>
+              </a:rPr>
+              <a:t>UI</a:t>
+            </a:r>
+            <a:r>
+              <a:rPr lang="zh-CN" altLang="en-US" sz="1600">
+                <a:solidFill>
+                  <a:schemeClr val="bg1"/>
+                </a:solidFill>
+                <a:cs typeface="+mn-ea"/>
+                <a:sym typeface="+mn-lt"/>
+              </a:rPr>
+              <a:t>控件有联动的时候</a:t>
+            </a:r>
+            <a:r>
+              <a:rPr lang="en-US" altLang="zh-CN" sz="1600">
+                <a:solidFill>
+                  <a:schemeClr val="bg1"/>
+                </a:solidFill>
                 <a:cs typeface="+mn-ea"/>
                 <a:sym typeface="+mn-lt"/>
               </a:rPr>
               <a:t>,</a:t>
             </a:r>
             <a:r>
-              <a:rPr lang="zh-CN" altLang="en-US" sz="1800" dirty="0">
-                <a:cs typeface="+mn-ea"/>
-                <a:sym typeface="+mn-lt"/>
-              </a:rPr>
-              <a:t>在</a:t>
-            </a:r>
-            <a:r>
-              <a:rPr lang="en-US" altLang="zh-CN" sz="1800" dirty="0">
+              <a:rPr lang="zh-CN" altLang="en-US" sz="1600">
+                <a:solidFill>
+                  <a:schemeClr val="bg1"/>
+                </a:solidFill>
+                <a:cs typeface="+mn-ea"/>
+                <a:sym typeface="+mn-lt"/>
+              </a:rPr>
+              <a:t>如果没有一种机制来管理这些</a:t>
+            </a:r>
+            <a:r>
+              <a:rPr lang="en-US" altLang="zh-CN" sz="1600">
+                <a:solidFill>
+                  <a:schemeClr val="bg1"/>
+                </a:solidFill>
                 <a:cs typeface="+mn-ea"/>
                 <a:sym typeface="+mn-lt"/>
               </a:rPr>
               <a:t>UI</a:t>
             </a:r>
             <a:r>
-              <a:rPr lang="zh-CN" altLang="en-US" sz="1800" dirty="0">
-                <a:cs typeface="+mn-ea"/>
-                <a:sym typeface="+mn-lt"/>
-              </a:rPr>
-              <a:t>控件有联动的时候</a:t>
-            </a:r>
-            <a:r>
-              <a:rPr lang="en-US" altLang="zh-CN" sz="1800" dirty="0">
+              <a:rPr lang="zh-CN" altLang="en-US" sz="1600">
+                <a:solidFill>
+                  <a:schemeClr val="bg1"/>
+                </a:solidFill>
+                <a:cs typeface="+mn-ea"/>
+                <a:sym typeface="+mn-lt"/>
+              </a:rPr>
+              <a:t>之间的修改</a:t>
+            </a:r>
+            <a:r>
+              <a:rPr lang="en-US" altLang="zh-CN" sz="1600">
+                <a:solidFill>
+                  <a:schemeClr val="bg1"/>
+                </a:solidFill>
                 <a:cs typeface="+mn-ea"/>
                 <a:sym typeface="+mn-lt"/>
               </a:rPr>
               <a:t>,</a:t>
             </a:r>
             <a:r>
-              <a:rPr lang="zh-CN" altLang="en-US" sz="1800" dirty="0">
-                <a:cs typeface="+mn-ea"/>
-                <a:sym typeface="+mn-lt"/>
-              </a:rPr>
-              <a:t>如果没有一种机制来管理这些</a:t>
-            </a:r>
-            <a:r>
-              <a:rPr lang="en-US" altLang="zh-CN" sz="1800" dirty="0">
+              <a:rPr lang="zh-CN" altLang="en-US" sz="1600">
+                <a:solidFill>
+                  <a:schemeClr val="bg1"/>
+                </a:solidFill>
+                <a:cs typeface="+mn-ea"/>
+                <a:sym typeface="+mn-lt"/>
+              </a:rPr>
+              <a:t>那么依赖程序员自己去手动管理这些</a:t>
+            </a:r>
+            <a:r>
+              <a:rPr lang="en-US" altLang="zh-CN" sz="1600">
+                <a:solidFill>
+                  <a:schemeClr val="bg1"/>
+                </a:solidFill>
                 <a:cs typeface="+mn-ea"/>
                 <a:sym typeface="+mn-lt"/>
               </a:rPr>
               <a:t>UI</a:t>
             </a:r>
             <a:r>
-              <a:rPr lang="zh-CN" altLang="en-US" sz="1800" dirty="0">
-                <a:cs typeface="+mn-ea"/>
-                <a:sym typeface="+mn-lt"/>
-              </a:rPr>
-              <a:t>之间的修改</a:t>
-            </a:r>
-            <a:r>
-              <a:rPr lang="en-US" altLang="zh-CN" sz="1800" dirty="0">
+              <a:rPr lang="zh-CN" altLang="en-US" sz="1600">
+                <a:solidFill>
+                  <a:schemeClr val="bg1"/>
+                </a:solidFill>
+                <a:cs typeface="+mn-ea"/>
+                <a:sym typeface="+mn-lt"/>
+              </a:rPr>
+              <a:t>的状态</a:t>
+            </a:r>
+            <a:r>
+              <a:rPr lang="en-US" altLang="zh-CN" sz="1600">
+                <a:solidFill>
+                  <a:schemeClr val="bg1"/>
+                </a:solidFill>
                 <a:cs typeface="+mn-ea"/>
                 <a:sym typeface="+mn-lt"/>
               </a:rPr>
               <a:t>,</a:t>
             </a:r>
             <a:r>
-              <a:rPr lang="zh-CN" altLang="en-US" sz="1800" dirty="0">
-                <a:cs typeface="+mn-ea"/>
-                <a:sym typeface="+mn-lt"/>
-              </a:rPr>
-              <a:t>那么依赖程序员自己去手动管理这些</a:t>
-            </a:r>
-            <a:r>
-              <a:rPr lang="en-US" altLang="zh-CN" sz="1800" dirty="0">
-                <a:cs typeface="+mn-ea"/>
-                <a:sym typeface="+mn-lt"/>
-              </a:rPr>
-              <a:t>UI</a:t>
-            </a:r>
-            <a:r>
-              <a:rPr lang="zh-CN" altLang="en-US" sz="1800" dirty="0">
-                <a:cs typeface="+mn-ea"/>
-                <a:sym typeface="+mn-lt"/>
-              </a:rPr>
-              <a:t>的状态</a:t>
-            </a:r>
-            <a:r>
-              <a:rPr lang="en-US" altLang="zh-CN" sz="1800" dirty="0">
+              <a:rPr lang="zh-CN" altLang="en-US" sz="1600">
+                <a:solidFill>
+                  <a:schemeClr val="bg1"/>
+                </a:solidFill>
+                <a:cs typeface="+mn-ea"/>
+                <a:sym typeface="+mn-lt"/>
+              </a:rPr>
+              <a:t>会让人烦不胜烦</a:t>
+            </a:r>
+            <a:r>
+              <a:rPr lang="en-US" altLang="zh-CN" sz="1600">
+                <a:solidFill>
+                  <a:schemeClr val="bg1"/>
+                </a:solidFill>
                 <a:cs typeface="+mn-ea"/>
                 <a:sym typeface="+mn-lt"/>
               </a:rPr>
               <a:t>,</a:t>
             </a:r>
             <a:r>
-              <a:rPr lang="zh-CN" altLang="en-US" sz="1800" dirty="0">
-                <a:cs typeface="+mn-ea"/>
-                <a:sym typeface="+mn-lt"/>
-              </a:rPr>
-              <a:t>会让人烦不胜烦</a:t>
-            </a:r>
-            <a:r>
-              <a:rPr lang="en-US" altLang="zh-CN" sz="1800" dirty="0">
-                <a:cs typeface="+mn-ea"/>
-                <a:sym typeface="+mn-lt"/>
-              </a:rPr>
-              <a:t>,</a:t>
-            </a:r>
-            <a:r>
-              <a:rPr lang="zh-CN" altLang="en-US" sz="1800" dirty="0">
+              <a:rPr lang="zh-CN" altLang="en-US" sz="1600">
+                <a:solidFill>
+                  <a:schemeClr val="bg1"/>
+                </a:solidFill>
                 <a:cs typeface="+mn-ea"/>
                 <a:sym typeface="+mn-lt"/>
               </a:rPr>
               <a:t>且容易出现</a:t>
             </a:r>
             <a:r>
-              <a:rPr lang="en-US" altLang="zh-CN" sz="1800" dirty="0">
+              <a:rPr lang="en-US" altLang="zh-CN" sz="1600">
+                <a:solidFill>
+                  <a:schemeClr val="bg1"/>
+                </a:solidFill>
                 <a:cs typeface="+mn-ea"/>
                 <a:sym typeface="+mn-lt"/>
               </a:rPr>
               <a:t>Bug</a:t>
             </a:r>
             <a:r>
-              <a:rPr lang="zh-CN" altLang="en-US" sz="1800" dirty="0">
+              <a:rPr lang="zh-CN" altLang="en-US" sz="1600">
+                <a:solidFill>
+                  <a:schemeClr val="bg1"/>
+                </a:solidFill>
                 <a:cs typeface="+mn-ea"/>
                 <a:sym typeface="+mn-lt"/>
               </a:rPr>
               <a:t>。</a:t>
             </a:r>
-            <a:endParaRPr lang="en-US" altLang="zh-CN" sz="1800" dirty="0">
-              <a:cs typeface="+mn-ea"/>
-              <a:sym typeface="+mn-lt"/>
-            </a:endParaRPr>
-          </a:p>
-          <a:p>
-            <a:pPr eaLnBrk="1" hangingPunct="1">
-              <a:lnSpc>
-                <a:spcPct val="130000"/>
-              </a:lnSpc>
-              <a:spcBef>
-                <a:spcPts val="0"/>
-              </a:spcBef>
-              <a:buFontTx/>
-              <a:buNone/>
-            </a:pPr>
-            <a:r>
-              <a:rPr lang="en-US" altLang="zh-CN" sz="1800" dirty="0">
-                <a:cs typeface="+mn-ea"/>
-                <a:sym typeface="+mn-lt"/>
-              </a:rPr>
-              <a:t>		</a:t>
-            </a:r>
-            <a:r>
-              <a:rPr lang="zh-CN" altLang="en-US" sz="1800" dirty="0">
-                <a:cs typeface="+mn-ea"/>
-                <a:sym typeface="+mn-lt"/>
-              </a:rPr>
-              <a:t>总结一下基于操作</a:t>
-            </a:r>
-            <a:r>
-              <a:rPr lang="en-US" altLang="zh-CN" sz="1800" dirty="0">
-                <a:cs typeface="+mn-ea"/>
-                <a:sym typeface="+mn-lt"/>
-              </a:rPr>
-              <a:t>DOM</a:t>
-            </a:r>
-            <a:r>
-              <a:rPr lang="zh-CN" altLang="en-US" sz="1800" dirty="0">
-                <a:cs typeface="+mn-ea"/>
-                <a:sym typeface="+mn-lt"/>
-              </a:rPr>
-              <a:t>的前端开发方式：</a:t>
-            </a:r>
-            <a:endParaRPr lang="en-US" altLang="zh-CN" sz="1800" dirty="0">
-              <a:cs typeface="+mn-ea"/>
-              <a:sym typeface="+mn-lt"/>
-            </a:endParaRPr>
-          </a:p>
-          <a:p>
-            <a:pPr>
-              <a:lnSpc>
-                <a:spcPct val="130000"/>
-              </a:lnSpc>
-              <a:spcBef>
-                <a:spcPts val="0"/>
-              </a:spcBef>
-              <a:buNone/>
-            </a:pPr>
-            <a:r>
-              <a:rPr lang="en-US" altLang="zh-CN" sz="1800" dirty="0">
-                <a:cs typeface="+mn-ea"/>
-                <a:sym typeface="+mn-lt"/>
-              </a:rPr>
-              <a:t>		</a:t>
-            </a:r>
-            <a:r>
-              <a:rPr lang="zh-CN" altLang="en-US" sz="1800" dirty="0">
-                <a:cs typeface="+mn-ea"/>
-                <a:sym typeface="+mn-lt"/>
-              </a:rPr>
-              <a:t>拼界面</a:t>
-            </a:r>
-            <a:r>
-              <a:rPr lang="en-US" altLang="zh-CN" sz="1800" dirty="0">
-                <a:cs typeface="+mn-ea"/>
-                <a:sym typeface="+mn-lt"/>
-              </a:rPr>
-              <a:t>-&gt;</a:t>
-            </a:r>
-            <a:r>
-              <a:rPr lang="zh-CN" altLang="en-US" sz="1800" dirty="0">
-                <a:cs typeface="+mn-ea"/>
-                <a:sym typeface="+mn-lt"/>
-              </a:rPr>
-              <a:t>找到</a:t>
-            </a:r>
-            <a:r>
-              <a:rPr lang="en-US" altLang="zh-CN" sz="1800" dirty="0">
-                <a:cs typeface="+mn-ea"/>
-                <a:sym typeface="+mn-lt"/>
-              </a:rPr>
-              <a:t>DOM</a:t>
-            </a:r>
-            <a:r>
-              <a:rPr lang="zh-CN" altLang="en-US" sz="1800" dirty="0">
-                <a:cs typeface="+mn-ea"/>
-                <a:sym typeface="+mn-lt"/>
-              </a:rPr>
-              <a:t>节点</a:t>
-            </a:r>
-            <a:r>
-              <a:rPr lang="en-US" altLang="zh-CN" sz="1800" dirty="0">
-                <a:cs typeface="+mn-ea"/>
-                <a:sym typeface="+mn-lt"/>
-              </a:rPr>
-              <a:t>-&gt;</a:t>
-            </a:r>
-            <a:r>
-              <a:rPr lang="zh-CN" altLang="en-US" sz="1800" dirty="0">
-                <a:cs typeface="+mn-ea"/>
-                <a:sym typeface="+mn-lt"/>
-              </a:rPr>
-              <a:t>修改属性</a:t>
-            </a:r>
-            <a:r>
-              <a:rPr lang="en-US" altLang="zh-CN" sz="1800" dirty="0">
-                <a:cs typeface="+mn-ea"/>
-                <a:sym typeface="+mn-lt"/>
-              </a:rPr>
-              <a:t>-&gt;</a:t>
-            </a:r>
-            <a:r>
-              <a:rPr lang="zh-CN" altLang="en-US" sz="1800" dirty="0">
-                <a:cs typeface="+mn-ea"/>
-                <a:sym typeface="+mn-lt"/>
-              </a:rPr>
-              <a:t>检测是否有其他影响的节点</a:t>
-            </a:r>
-            <a:r>
-              <a:rPr lang="en-US" altLang="zh-CN" sz="1800" dirty="0">
-                <a:cs typeface="+mn-ea"/>
-                <a:sym typeface="+mn-lt"/>
-              </a:rPr>
-              <a:t>-&gt;</a:t>
-            </a:r>
-            <a:r>
-              <a:rPr lang="zh-CN" altLang="en-US" sz="1800" dirty="0">
-                <a:cs typeface="+mn-ea"/>
-                <a:sym typeface="+mn-lt"/>
-              </a:rPr>
-              <a:t>根据刚刚修改的</a:t>
-            </a:r>
-            <a:r>
-              <a:rPr lang="en-US" altLang="zh-CN" sz="1800" dirty="0">
-                <a:cs typeface="+mn-ea"/>
-                <a:sym typeface="+mn-lt"/>
-              </a:rPr>
-              <a:t>DOM</a:t>
-            </a:r>
-            <a:r>
-              <a:rPr lang="zh-CN" altLang="en-US" sz="1800" dirty="0">
-                <a:cs typeface="+mn-ea"/>
-                <a:sym typeface="+mn-lt"/>
-              </a:rPr>
-              <a:t>节点更新自己的状态，那么对于</a:t>
-            </a:r>
-            <a:r>
-              <a:rPr lang="en-US" altLang="zh-CN" sz="1800" dirty="0">
-                <a:cs typeface="+mn-ea"/>
-                <a:sym typeface="+mn-lt"/>
-              </a:rPr>
-              <a:t>Web</a:t>
-            </a:r>
-            <a:r>
-              <a:rPr lang="zh-CN" altLang="en-US" sz="1800" dirty="0">
-                <a:cs typeface="+mn-ea"/>
-                <a:sym typeface="+mn-lt"/>
-              </a:rPr>
-              <a:t>前端程序狗上面的那句话就变成了 ：</a:t>
-            </a:r>
-            <a:endParaRPr lang="en-US" altLang="zh-CN" sz="1800" dirty="0">
-              <a:cs typeface="+mn-ea"/>
-              <a:sym typeface="+mn-lt"/>
-            </a:endParaRPr>
-          </a:p>
-          <a:p>
-            <a:pPr eaLnBrk="1" hangingPunct="1">
-              <a:lnSpc>
-                <a:spcPct val="130000"/>
-              </a:lnSpc>
-              <a:spcBef>
-                <a:spcPts val="0"/>
-              </a:spcBef>
-              <a:buFontTx/>
-              <a:buNone/>
-            </a:pPr>
-            <a:r>
-              <a:rPr lang="en-US" altLang="zh-CN" sz="1800" dirty="0">
-                <a:cs typeface="+mn-ea"/>
-                <a:sym typeface="+mn-lt"/>
-              </a:rPr>
-              <a:t>		</a:t>
-            </a:r>
-            <a:r>
-              <a:rPr lang="zh-CN" altLang="en-US" sz="1800" dirty="0">
-                <a:solidFill>
-                  <a:srgbClr val="FF0000"/>
-                </a:solidFill>
-                <a:cs typeface="+mn-ea"/>
-                <a:sym typeface="+mn-lt"/>
-              </a:rPr>
-              <a:t>程序 </a:t>
-            </a:r>
-            <a:r>
-              <a:rPr lang="en-US" altLang="zh-CN" sz="1800" dirty="0">
-                <a:solidFill>
-                  <a:srgbClr val="FF0000"/>
-                </a:solidFill>
-                <a:cs typeface="+mn-ea"/>
-                <a:sym typeface="+mn-lt"/>
-              </a:rPr>
-              <a:t>= </a:t>
-            </a:r>
-            <a:r>
-              <a:rPr lang="zh-CN" altLang="en-US" sz="1800" dirty="0">
-                <a:solidFill>
-                  <a:srgbClr val="FF0000"/>
-                </a:solidFill>
-                <a:cs typeface="+mn-ea"/>
-                <a:sym typeface="+mn-lt"/>
-              </a:rPr>
-              <a:t>拼界面 </a:t>
-            </a:r>
-            <a:r>
-              <a:rPr lang="en-US" altLang="zh-CN" sz="1800" dirty="0">
-                <a:solidFill>
-                  <a:srgbClr val="FF0000"/>
-                </a:solidFill>
-                <a:cs typeface="+mn-ea"/>
-                <a:sym typeface="+mn-lt"/>
-              </a:rPr>
-              <a:t>+ </a:t>
-            </a:r>
-            <a:r>
-              <a:rPr lang="zh-CN" altLang="en-US" sz="1800" dirty="0">
-                <a:solidFill>
-                  <a:srgbClr val="FF0000"/>
-                </a:solidFill>
-                <a:cs typeface="+mn-ea"/>
-                <a:sym typeface="+mn-lt"/>
-              </a:rPr>
-              <a:t>操作</a:t>
-            </a:r>
-            <a:r>
-              <a:rPr lang="en-US" altLang="zh-CN" sz="1800" dirty="0">
-                <a:solidFill>
-                  <a:srgbClr val="FF0000"/>
-                </a:solidFill>
-                <a:cs typeface="+mn-ea"/>
-                <a:sym typeface="+mn-lt"/>
-              </a:rPr>
-              <a:t>UI + </a:t>
-            </a:r>
-            <a:r>
-              <a:rPr lang="zh-CN" altLang="en-US" sz="1800" dirty="0">
-                <a:solidFill>
-                  <a:srgbClr val="FF0000"/>
-                </a:solidFill>
-                <a:cs typeface="+mn-ea"/>
-                <a:sym typeface="+mn-lt"/>
-              </a:rPr>
-              <a:t>算法</a:t>
-            </a:r>
-            <a:endParaRPr lang="en-US" altLang="zh-CN" sz="1800" dirty="0">
+            <a:endParaRPr lang="en-US" altLang="zh-CN" sz="1600">
               <a:solidFill>
-                <a:srgbClr val="FF0000"/>
+                <a:schemeClr val="bg1"/>
               </a:solidFill>
               <a:cs typeface="+mn-ea"/>
               <a:sym typeface="+mn-lt"/>
@@ -24946,462 +26990,981 @@
           </a:p>
           <a:p>
             <a:pPr eaLnBrk="1" hangingPunct="1">
-              <a:lnSpc>
-                <a:spcPct val="130000"/>
-              </a:lnSpc>
               <a:spcBef>
                 <a:spcPts val="0"/>
               </a:spcBef>
+              <a:spcAft>
+                <a:spcPts val="600"/>
+              </a:spcAft>
               <a:buFontTx/>
               <a:buNone/>
             </a:pPr>
             <a:r>
-              <a:rPr lang="en-US" altLang="zh-CN" sz="1800" dirty="0">
+              <a:rPr lang="en-US" altLang="zh-CN" sz="1600">
+                <a:solidFill>
+                  <a:schemeClr val="bg1"/>
+                </a:solidFill>
                 <a:cs typeface="+mn-ea"/>
                 <a:sym typeface="+mn-lt"/>
               </a:rPr>
               <a:t>		</a:t>
             </a:r>
             <a:r>
-              <a:rPr lang="en-US" altLang="zh-CN" sz="1800" dirty="0" err="1">
-                <a:cs typeface="+mn-ea"/>
-                <a:sym typeface="+mn-lt"/>
-              </a:rPr>
-              <a:t>Vue</a:t>
-            </a:r>
-            <a:r>
-              <a:rPr lang="zh-CN" altLang="en-US" sz="1800" dirty="0">
-                <a:cs typeface="+mn-ea"/>
-                <a:sym typeface="+mn-lt"/>
-              </a:rPr>
-              <a:t>或者</a:t>
-            </a:r>
-            <a:r>
-              <a:rPr lang="en-US" altLang="zh-CN" sz="1800" dirty="0">
-                <a:cs typeface="+mn-ea"/>
-                <a:sym typeface="+mn-lt"/>
-              </a:rPr>
-              <a:t>Angular</a:t>
-            </a:r>
-            <a:r>
-              <a:rPr lang="zh-CN" altLang="en-US" sz="1800" dirty="0">
-                <a:cs typeface="+mn-ea"/>
-                <a:sym typeface="+mn-lt"/>
-              </a:rPr>
-              <a:t>这些</a:t>
-            </a:r>
-            <a:r>
-              <a:rPr lang="en-US" altLang="zh-CN" sz="1800" dirty="0">
-                <a:cs typeface="+mn-ea"/>
-                <a:sym typeface="+mn-lt"/>
-              </a:rPr>
-              <a:t>MVVM</a:t>
-            </a:r>
-            <a:r>
-              <a:rPr lang="zh-CN" altLang="en-US" sz="1800" dirty="0">
-                <a:cs typeface="+mn-ea"/>
-                <a:sym typeface="+mn-lt"/>
-              </a:rPr>
-              <a:t>框架给了前端另一种思路</a:t>
-            </a:r>
-            <a:r>
-              <a:rPr lang="en-US" altLang="zh-CN" sz="1800" dirty="0">
-                <a:cs typeface="+mn-ea"/>
-                <a:sym typeface="+mn-lt"/>
-              </a:rPr>
-              <a:t>,</a:t>
-            </a:r>
-            <a:r>
-              <a:rPr lang="zh-CN" altLang="en-US" sz="1800" dirty="0">
-                <a:cs typeface="+mn-ea"/>
-                <a:sym typeface="+mn-lt"/>
-              </a:rPr>
-              <a:t>完全基于数据驱动的编程。如果你之前已经习惯了用</a:t>
-            </a:r>
-            <a:r>
-              <a:rPr lang="en-US" altLang="zh-CN" sz="1800" dirty="0">
-                <a:solidFill>
-                  <a:srgbClr val="00B0F0"/>
-                </a:solidFill>
-                <a:cs typeface="+mn-ea"/>
-                <a:sym typeface="+mn-lt"/>
-              </a:rPr>
-              <a:t>jQuery</a:t>
-            </a:r>
-            <a:r>
-              <a:rPr lang="zh-CN" altLang="en-US" sz="1800" dirty="0">
-                <a:cs typeface="+mn-ea"/>
-                <a:sym typeface="+mn-lt"/>
-              </a:rPr>
-              <a:t>操作</a:t>
-            </a:r>
-            <a:r>
-              <a:rPr lang="en-US" altLang="zh-CN" sz="1800" dirty="0">
+              <a:rPr lang="zh-CN" altLang="en-US" sz="1600">
+                <a:solidFill>
+                  <a:schemeClr val="bg1"/>
+                </a:solidFill>
+                <a:cs typeface="+mn-ea"/>
+                <a:sym typeface="+mn-lt"/>
+              </a:rPr>
+              <a:t>总结一下基于操作</a:t>
+            </a:r>
+            <a:r>
+              <a:rPr lang="en-US" altLang="zh-CN" sz="1600">
+                <a:solidFill>
+                  <a:schemeClr val="bg1"/>
+                </a:solidFill>
                 <a:cs typeface="+mn-ea"/>
                 <a:sym typeface="+mn-lt"/>
               </a:rPr>
               <a:t>DOM</a:t>
             </a:r>
             <a:r>
-              <a:rPr lang="zh-CN" altLang="en-US" sz="1800" dirty="0">
-                <a:cs typeface="+mn-ea"/>
-                <a:sym typeface="+mn-lt"/>
-              </a:rPr>
-              <a:t>，学习</a:t>
-            </a:r>
-            <a:r>
-              <a:rPr lang="en-US" altLang="zh-CN" sz="1800" dirty="0" err="1">
-                <a:cs typeface="+mn-ea"/>
-                <a:sym typeface="+mn-lt"/>
-              </a:rPr>
-              <a:t>Vue</a:t>
-            </a:r>
-            <a:r>
-              <a:rPr lang="zh-CN" altLang="en-US" sz="1800" dirty="0">
-                <a:cs typeface="+mn-ea"/>
-                <a:sym typeface="+mn-lt"/>
-              </a:rPr>
-              <a:t>时请先抛开手动操作</a:t>
-            </a:r>
-            <a:r>
-              <a:rPr lang="en-US" altLang="zh-CN" sz="1800" dirty="0">
-                <a:cs typeface="+mn-ea"/>
-                <a:sym typeface="+mn-lt"/>
-              </a:rPr>
-              <a:t>DOM</a:t>
-            </a:r>
-            <a:r>
-              <a:rPr lang="zh-CN" altLang="en-US" sz="1800" dirty="0">
-                <a:cs typeface="+mn-ea"/>
-                <a:sym typeface="+mn-lt"/>
-              </a:rPr>
-              <a:t>的思维，因为</a:t>
-            </a:r>
-            <a:r>
-              <a:rPr lang="en-US" altLang="zh-CN" sz="1800" dirty="0" err="1">
-                <a:cs typeface="+mn-ea"/>
-                <a:sym typeface="+mn-lt"/>
-              </a:rPr>
-              <a:t>Vue</a:t>
-            </a:r>
-            <a:r>
-              <a:rPr lang="zh-CN" altLang="en-US" sz="1800" dirty="0">
-                <a:cs typeface="+mn-ea"/>
-                <a:sym typeface="+mn-lt"/>
-              </a:rPr>
-              <a:t>是数据驱动的，你无需手动操作</a:t>
-            </a:r>
-            <a:r>
-              <a:rPr lang="en-US" altLang="zh-CN" sz="1800" dirty="0">
-                <a:cs typeface="+mn-ea"/>
-                <a:sym typeface="+mn-lt"/>
-              </a:rPr>
-              <a:t>DOM</a:t>
-            </a:r>
-            <a:r>
-              <a:rPr lang="zh-CN" altLang="en-US" sz="1800" dirty="0">
-                <a:cs typeface="+mn-ea"/>
-                <a:sym typeface="+mn-lt"/>
-              </a:rPr>
-              <a:t>。</a:t>
-            </a:r>
-            <a:r>
-              <a:rPr lang="en-US" altLang="zh-CN" sz="1800" dirty="0" err="1">
-                <a:cs typeface="+mn-ea"/>
-                <a:sym typeface="+mn-lt"/>
-              </a:rPr>
-              <a:t>Vue</a:t>
-            </a:r>
-            <a:r>
-              <a:rPr lang="zh-CN" altLang="en-US" sz="1800" dirty="0">
-                <a:cs typeface="+mn-ea"/>
-                <a:sym typeface="+mn-lt"/>
-              </a:rPr>
-              <a:t>采用一种数据绑定的方式</a:t>
-            </a:r>
-            <a:r>
-              <a:rPr lang="en-US" altLang="zh-CN" sz="1800" dirty="0">
-                <a:cs typeface="+mn-ea"/>
-                <a:sym typeface="+mn-lt"/>
-              </a:rPr>
-              <a:t>,</a:t>
-            </a:r>
-            <a:r>
-              <a:rPr lang="zh-CN" altLang="en-US" sz="1800" dirty="0">
-                <a:cs typeface="+mn-ea"/>
-                <a:sym typeface="+mn-lt"/>
-              </a:rPr>
-              <a:t>自动绑定</a:t>
-            </a:r>
-            <a:r>
-              <a:rPr lang="en-US" altLang="zh-CN" sz="1800" dirty="0">
-                <a:cs typeface="+mn-ea"/>
-                <a:sym typeface="+mn-lt"/>
-              </a:rPr>
-              <a:t>DOM</a:t>
-            </a:r>
-            <a:r>
-              <a:rPr lang="zh-CN" altLang="en-US" sz="1800" dirty="0">
-                <a:cs typeface="+mn-ea"/>
-                <a:sym typeface="+mn-lt"/>
-              </a:rPr>
-              <a:t>节点的属性</a:t>
-            </a:r>
-            <a:r>
-              <a:rPr lang="en-US" altLang="zh-CN" sz="1800" dirty="0">
-                <a:cs typeface="+mn-ea"/>
-                <a:sym typeface="+mn-lt"/>
-              </a:rPr>
-              <a:t>.</a:t>
-            </a:r>
-            <a:r>
-              <a:rPr lang="zh-CN" altLang="en-US" sz="1800" dirty="0">
-                <a:cs typeface="+mn-ea"/>
-                <a:sym typeface="+mn-lt"/>
-              </a:rPr>
-              <a:t>这样就把你从操作</a:t>
-            </a:r>
-            <a:r>
-              <a:rPr lang="en-US" altLang="zh-CN" sz="1800" dirty="0">
-                <a:cs typeface="+mn-ea"/>
-                <a:sym typeface="+mn-lt"/>
-              </a:rPr>
-              <a:t>DOM</a:t>
-            </a:r>
-            <a:r>
-              <a:rPr lang="zh-CN" altLang="en-US" sz="1800" dirty="0">
-                <a:cs typeface="+mn-ea"/>
-                <a:sym typeface="+mn-lt"/>
-              </a:rPr>
-              <a:t>节点的繁琐过程中解脱出来了</a:t>
-            </a:r>
-            <a:r>
-              <a:rPr lang="en-US" altLang="zh-CN" sz="1800" dirty="0">
-                <a:cs typeface="+mn-ea"/>
-                <a:sym typeface="+mn-lt"/>
-              </a:rPr>
-              <a:t>,</a:t>
-            </a:r>
-            <a:r>
-              <a:rPr lang="zh-CN" altLang="en-US" sz="1800" dirty="0">
-                <a:cs typeface="+mn-ea"/>
-                <a:sym typeface="+mn-lt"/>
-              </a:rPr>
-              <a:t>你只要专注于数据的状态</a:t>
-            </a:r>
-            <a:r>
-              <a:rPr lang="en-US" altLang="zh-CN" sz="1800" dirty="0">
-                <a:cs typeface="+mn-ea"/>
-                <a:sym typeface="+mn-lt"/>
-              </a:rPr>
-              <a:t>,UI</a:t>
-            </a:r>
-            <a:r>
-              <a:rPr lang="zh-CN" altLang="en-US" sz="1800" dirty="0">
-                <a:cs typeface="+mn-ea"/>
-                <a:sym typeface="+mn-lt"/>
-              </a:rPr>
-              <a:t>更新的事情你不需要去管了</a:t>
-            </a:r>
-            <a:r>
-              <a:rPr lang="en-US" altLang="zh-CN" sz="1800" dirty="0">
-                <a:cs typeface="+mn-ea"/>
-                <a:sym typeface="+mn-lt"/>
-              </a:rPr>
-              <a:t>,</a:t>
-            </a:r>
-            <a:r>
-              <a:rPr lang="zh-CN" altLang="en-US" sz="1800" dirty="0">
-                <a:cs typeface="+mn-ea"/>
-                <a:sym typeface="+mn-lt"/>
-              </a:rPr>
-              <a:t>不管是样式还是内容</a:t>
-            </a:r>
-            <a:r>
-              <a:rPr lang="en-US" altLang="zh-CN" sz="1800" dirty="0">
-                <a:cs typeface="+mn-ea"/>
-                <a:sym typeface="+mn-lt"/>
-              </a:rPr>
-              <a:t>,</a:t>
-            </a:r>
-            <a:r>
-              <a:rPr lang="zh-CN" altLang="en-US" sz="1800" dirty="0">
-                <a:cs typeface="+mn-ea"/>
-                <a:sym typeface="+mn-lt"/>
-              </a:rPr>
-              <a:t>可见性还是切换</a:t>
-            </a:r>
-            <a:r>
-              <a:rPr lang="en-US" altLang="zh-CN" sz="1800" dirty="0">
-                <a:cs typeface="+mn-ea"/>
-                <a:sym typeface="+mn-lt"/>
-              </a:rPr>
-              <a:t>Class,</a:t>
-            </a:r>
-            <a:r>
-              <a:rPr lang="zh-CN" altLang="en-US" sz="1800" dirty="0">
-                <a:cs typeface="+mn-ea"/>
-                <a:sym typeface="+mn-lt"/>
-              </a:rPr>
-              <a:t>框架帮你把关注点从传统的</a:t>
-            </a:r>
-            <a:r>
-              <a:rPr lang="en-US" altLang="zh-CN" sz="1800" dirty="0">
-                <a:cs typeface="+mn-ea"/>
-                <a:sym typeface="+mn-lt"/>
-              </a:rPr>
-              <a:t>DOM</a:t>
-            </a:r>
-            <a:r>
-              <a:rPr lang="zh-CN" altLang="en-US" sz="1800" dirty="0">
-                <a:cs typeface="+mn-ea"/>
-                <a:sym typeface="+mn-lt"/>
-              </a:rPr>
-              <a:t>操作转移到了数据</a:t>
-            </a:r>
-            <a:r>
-              <a:rPr lang="en-US" altLang="zh-CN" sz="1800" dirty="0">
-                <a:cs typeface="+mn-ea"/>
-                <a:sym typeface="+mn-lt"/>
-              </a:rPr>
-              <a:t>,</a:t>
-            </a:r>
-            <a:r>
-              <a:rPr lang="zh-CN" altLang="en-US" sz="1800" dirty="0">
-                <a:cs typeface="+mn-ea"/>
-                <a:sym typeface="+mn-lt"/>
-              </a:rPr>
-              <a:t>回归编程的本质</a:t>
-            </a:r>
-            <a:r>
-              <a:rPr lang="en-US" altLang="zh-CN" sz="1800" dirty="0">
-                <a:cs typeface="+mn-ea"/>
-                <a:sym typeface="+mn-lt"/>
-              </a:rPr>
-              <a:t>:</a:t>
-            </a:r>
-          </a:p>
-          <a:p>
-            <a:pPr eaLnBrk="1" hangingPunct="1">
-              <a:lnSpc>
-                <a:spcPct val="130000"/>
-              </a:lnSpc>
+              <a:rPr lang="zh-CN" altLang="en-US" sz="1600">
+                <a:solidFill>
+                  <a:schemeClr val="bg1"/>
+                </a:solidFill>
+                <a:cs typeface="+mn-ea"/>
+                <a:sym typeface="+mn-lt"/>
+              </a:rPr>
+              <a:t>的前端开发方式：</a:t>
+            </a:r>
+            <a:endParaRPr lang="en-US" altLang="zh-CN" sz="1600">
+              <a:solidFill>
+                <a:schemeClr val="bg1"/>
+              </a:solidFill>
+              <a:cs typeface="+mn-ea"/>
+              <a:sym typeface="+mn-lt"/>
+            </a:endParaRPr>
+          </a:p>
+          <a:p>
+            <a:pPr>
               <a:spcBef>
                 <a:spcPts val="0"/>
               </a:spcBef>
+              <a:spcAft>
+                <a:spcPts val="600"/>
+              </a:spcAft>
+              <a:buNone/>
+            </a:pPr>
+            <a:r>
+              <a:rPr lang="en-US" altLang="zh-CN" sz="1600">
+                <a:solidFill>
+                  <a:schemeClr val="bg1"/>
+                </a:solidFill>
+                <a:cs typeface="+mn-ea"/>
+                <a:sym typeface="+mn-lt"/>
+              </a:rPr>
+              <a:t>		</a:t>
+            </a:r>
+            <a:r>
+              <a:rPr lang="zh-CN" altLang="en-US" sz="1600">
+                <a:solidFill>
+                  <a:schemeClr val="bg1"/>
+                </a:solidFill>
+                <a:cs typeface="+mn-ea"/>
+                <a:sym typeface="+mn-lt"/>
+              </a:rPr>
+              <a:t>拼界面</a:t>
+            </a:r>
+            <a:r>
+              <a:rPr lang="en-US" altLang="zh-CN" sz="1600">
+                <a:solidFill>
+                  <a:schemeClr val="bg1"/>
+                </a:solidFill>
+                <a:cs typeface="+mn-ea"/>
+                <a:sym typeface="+mn-lt"/>
+              </a:rPr>
+              <a:t>-&gt;</a:t>
+            </a:r>
+            <a:r>
+              <a:rPr lang="zh-CN" altLang="en-US" sz="1600">
+                <a:solidFill>
+                  <a:schemeClr val="bg1"/>
+                </a:solidFill>
+                <a:cs typeface="+mn-ea"/>
+                <a:sym typeface="+mn-lt"/>
+              </a:rPr>
+              <a:t>找到</a:t>
+            </a:r>
+            <a:r>
+              <a:rPr lang="en-US" altLang="zh-CN" sz="1600">
+                <a:solidFill>
+                  <a:schemeClr val="bg1"/>
+                </a:solidFill>
+                <a:cs typeface="+mn-ea"/>
+                <a:sym typeface="+mn-lt"/>
+              </a:rPr>
+              <a:t>DOM</a:t>
+            </a:r>
+            <a:r>
+              <a:rPr lang="zh-CN" altLang="en-US" sz="1600">
+                <a:solidFill>
+                  <a:schemeClr val="bg1"/>
+                </a:solidFill>
+                <a:cs typeface="+mn-ea"/>
+                <a:sym typeface="+mn-lt"/>
+              </a:rPr>
+              <a:t>节点</a:t>
+            </a:r>
+            <a:r>
+              <a:rPr lang="en-US" altLang="zh-CN" sz="1600">
+                <a:solidFill>
+                  <a:schemeClr val="bg1"/>
+                </a:solidFill>
+                <a:cs typeface="+mn-ea"/>
+                <a:sym typeface="+mn-lt"/>
+              </a:rPr>
+              <a:t>-&gt;</a:t>
+            </a:r>
+            <a:r>
+              <a:rPr lang="zh-CN" altLang="en-US" sz="1600">
+                <a:solidFill>
+                  <a:schemeClr val="bg1"/>
+                </a:solidFill>
+                <a:cs typeface="+mn-ea"/>
+                <a:sym typeface="+mn-lt"/>
+              </a:rPr>
+              <a:t>修改属性</a:t>
+            </a:r>
+            <a:r>
+              <a:rPr lang="en-US" altLang="zh-CN" sz="1600">
+                <a:solidFill>
+                  <a:schemeClr val="bg1"/>
+                </a:solidFill>
+                <a:cs typeface="+mn-ea"/>
+                <a:sym typeface="+mn-lt"/>
+              </a:rPr>
+              <a:t>-&gt;</a:t>
+            </a:r>
+            <a:r>
+              <a:rPr lang="zh-CN" altLang="en-US" sz="1600">
+                <a:solidFill>
+                  <a:schemeClr val="bg1"/>
+                </a:solidFill>
+                <a:cs typeface="+mn-ea"/>
+                <a:sym typeface="+mn-lt"/>
+              </a:rPr>
+              <a:t>检测是否有其他影响的节点</a:t>
+            </a:r>
+            <a:r>
+              <a:rPr lang="en-US" altLang="zh-CN" sz="1600">
+                <a:solidFill>
+                  <a:schemeClr val="bg1"/>
+                </a:solidFill>
+                <a:cs typeface="+mn-ea"/>
+                <a:sym typeface="+mn-lt"/>
+              </a:rPr>
+              <a:t>-&gt;</a:t>
+            </a:r>
+            <a:r>
+              <a:rPr lang="zh-CN" altLang="en-US" sz="1600">
+                <a:solidFill>
+                  <a:schemeClr val="bg1"/>
+                </a:solidFill>
+                <a:cs typeface="+mn-ea"/>
+                <a:sym typeface="+mn-lt"/>
+              </a:rPr>
+              <a:t>根据刚刚修改的</a:t>
+            </a:r>
+            <a:r>
+              <a:rPr lang="en-US" altLang="zh-CN" sz="1600">
+                <a:solidFill>
+                  <a:schemeClr val="bg1"/>
+                </a:solidFill>
+                <a:cs typeface="+mn-ea"/>
+                <a:sym typeface="+mn-lt"/>
+              </a:rPr>
+              <a:t>DOM</a:t>
+            </a:r>
+            <a:r>
+              <a:rPr lang="zh-CN" altLang="en-US" sz="1600">
+                <a:solidFill>
+                  <a:schemeClr val="bg1"/>
+                </a:solidFill>
+                <a:cs typeface="+mn-ea"/>
+                <a:sym typeface="+mn-lt"/>
+              </a:rPr>
+              <a:t>节点更新自己的状态，那么对于</a:t>
+            </a:r>
+            <a:r>
+              <a:rPr lang="en-US" altLang="zh-CN" sz="1600">
+                <a:solidFill>
+                  <a:schemeClr val="bg1"/>
+                </a:solidFill>
+                <a:cs typeface="+mn-ea"/>
+                <a:sym typeface="+mn-lt"/>
+              </a:rPr>
+              <a:t>Web</a:t>
+            </a:r>
+            <a:r>
+              <a:rPr lang="zh-CN" altLang="en-US" sz="1600">
+                <a:solidFill>
+                  <a:schemeClr val="bg1"/>
+                </a:solidFill>
+                <a:cs typeface="+mn-ea"/>
+                <a:sym typeface="+mn-lt"/>
+              </a:rPr>
+              <a:t>前端程序狗上面的那句话就变成了 ：</a:t>
+            </a:r>
+            <a:endParaRPr lang="en-US" altLang="zh-CN" sz="1600">
+              <a:solidFill>
+                <a:schemeClr val="bg1"/>
+              </a:solidFill>
+              <a:cs typeface="+mn-ea"/>
+              <a:sym typeface="+mn-lt"/>
+            </a:endParaRPr>
+          </a:p>
+          <a:p>
+            <a:pPr eaLnBrk="1" hangingPunct="1">
+              <a:spcBef>
+                <a:spcPts val="0"/>
+              </a:spcBef>
+              <a:spcAft>
+                <a:spcPts val="600"/>
+              </a:spcAft>
               <a:buFontTx/>
               <a:buNone/>
             </a:pPr>
             <a:r>
-              <a:rPr lang="en-US" altLang="zh-CN" sz="1800" dirty="0">
+              <a:rPr lang="en-US" altLang="zh-CN" sz="1600">
+                <a:solidFill>
+                  <a:schemeClr val="bg1"/>
+                </a:solidFill>
                 <a:cs typeface="+mn-ea"/>
                 <a:sym typeface="+mn-lt"/>
               </a:rPr>
               <a:t>		</a:t>
             </a:r>
             <a:r>
-              <a:rPr lang="zh-CN" altLang="en-US" sz="1800" dirty="0">
-                <a:solidFill>
-                  <a:srgbClr val="FF0000"/>
-                </a:solidFill>
-                <a:cs typeface="+mn-ea"/>
-                <a:sym typeface="+mn-lt"/>
-              </a:rPr>
-              <a:t>程序</a:t>
-            </a:r>
-            <a:r>
-              <a:rPr lang="en-US" altLang="zh-CN" sz="1800" dirty="0">
-                <a:solidFill>
-                  <a:srgbClr val="FF0000"/>
-                </a:solidFill>
-                <a:cs typeface="+mn-ea"/>
-                <a:sym typeface="+mn-lt"/>
-              </a:rPr>
-              <a:t>=</a:t>
-            </a:r>
-            <a:r>
-              <a:rPr lang="zh-CN" altLang="en-US" sz="1800" dirty="0">
-                <a:solidFill>
-                  <a:srgbClr val="FF0000"/>
-                </a:solidFill>
-                <a:cs typeface="+mn-ea"/>
-                <a:sym typeface="+mn-lt"/>
-              </a:rPr>
-              <a:t>数据结构</a:t>
-            </a:r>
-            <a:r>
-              <a:rPr lang="en-US" altLang="zh-CN" sz="1800" dirty="0">
-                <a:solidFill>
-                  <a:srgbClr val="FF0000"/>
-                </a:solidFill>
-                <a:cs typeface="+mn-ea"/>
-                <a:sym typeface="+mn-lt"/>
-              </a:rPr>
-              <a:t>+</a:t>
-            </a:r>
-            <a:r>
-              <a:rPr lang="zh-CN" altLang="en-US" sz="1800" dirty="0">
-                <a:solidFill>
-                  <a:srgbClr val="FF0000"/>
+              <a:rPr lang="zh-CN" altLang="en-US" sz="1600">
+                <a:solidFill>
+                  <a:schemeClr val="bg1"/>
+                </a:solidFill>
+                <a:cs typeface="+mn-ea"/>
+                <a:sym typeface="+mn-lt"/>
+              </a:rPr>
+              <a:t>程序 </a:t>
+            </a:r>
+            <a:r>
+              <a:rPr lang="en-US" altLang="zh-CN" sz="1600">
+                <a:solidFill>
+                  <a:schemeClr val="bg1"/>
+                </a:solidFill>
+                <a:cs typeface="+mn-ea"/>
+                <a:sym typeface="+mn-lt"/>
+              </a:rPr>
+              <a:t>= </a:t>
+            </a:r>
+            <a:r>
+              <a:rPr lang="zh-CN" altLang="en-US" sz="1600">
+                <a:solidFill>
+                  <a:schemeClr val="bg1"/>
+                </a:solidFill>
+                <a:cs typeface="+mn-ea"/>
+                <a:sym typeface="+mn-lt"/>
+              </a:rPr>
+              <a:t>拼界面 </a:t>
+            </a:r>
+            <a:r>
+              <a:rPr lang="en-US" altLang="zh-CN" sz="1600">
+                <a:solidFill>
+                  <a:schemeClr val="bg1"/>
+                </a:solidFill>
+                <a:cs typeface="+mn-ea"/>
+                <a:sym typeface="+mn-lt"/>
+              </a:rPr>
+              <a:t>+ </a:t>
+            </a:r>
+            <a:r>
+              <a:rPr lang="zh-CN" altLang="en-US" sz="1600">
+                <a:solidFill>
+                  <a:schemeClr val="bg1"/>
+                </a:solidFill>
+                <a:cs typeface="+mn-ea"/>
+                <a:sym typeface="+mn-lt"/>
+              </a:rPr>
+              <a:t>操作</a:t>
+            </a:r>
+            <a:r>
+              <a:rPr lang="en-US" altLang="zh-CN" sz="1600">
+                <a:solidFill>
+                  <a:schemeClr val="bg1"/>
+                </a:solidFill>
+                <a:cs typeface="+mn-ea"/>
+                <a:sym typeface="+mn-lt"/>
+              </a:rPr>
+              <a:t>UI + </a:t>
+            </a:r>
+            <a:r>
+              <a:rPr lang="zh-CN" altLang="en-US" sz="1600">
+                <a:solidFill>
+                  <a:schemeClr val="bg1"/>
                 </a:solidFill>
                 <a:cs typeface="+mn-ea"/>
                 <a:sym typeface="+mn-lt"/>
               </a:rPr>
               <a:t>算法</a:t>
             </a:r>
-            <a:r>
-              <a:rPr lang="en-US" altLang="zh-CN" sz="1800" dirty="0">
-                <a:solidFill>
-                  <a:srgbClr val="FF0000"/>
-                </a:solidFill>
-                <a:cs typeface="+mn-ea"/>
-                <a:sym typeface="+mn-lt"/>
-              </a:rPr>
-              <a:t>.</a:t>
-            </a:r>
+            <a:endParaRPr lang="en-US" altLang="zh-CN" sz="1600">
+              <a:solidFill>
+                <a:schemeClr val="bg1"/>
+              </a:solidFill>
+              <a:cs typeface="+mn-ea"/>
+              <a:sym typeface="+mn-lt"/>
+            </a:endParaRPr>
           </a:p>
           <a:p>
             <a:pPr eaLnBrk="1" hangingPunct="1">
-              <a:lnSpc>
-                <a:spcPct val="130000"/>
-              </a:lnSpc>
               <a:spcBef>
                 <a:spcPts val="0"/>
               </a:spcBef>
+              <a:spcAft>
+                <a:spcPts val="600"/>
+              </a:spcAft>
               <a:buFontTx/>
               <a:buNone/>
             </a:pPr>
             <a:r>
-              <a:rPr lang="en-US" altLang="zh-CN" sz="1800" dirty="0">
+              <a:rPr lang="en-US" altLang="zh-CN" sz="1600">
+                <a:solidFill>
+                  <a:schemeClr val="bg1"/>
+                </a:solidFill>
+                <a:cs typeface="+mn-ea"/>
+                <a:sym typeface="+mn-lt"/>
+              </a:rPr>
+              <a:t>		Vue</a:t>
+            </a:r>
+            <a:r>
+              <a:rPr lang="zh-CN" altLang="en-US" sz="1600">
+                <a:solidFill>
+                  <a:schemeClr val="bg1"/>
+                </a:solidFill>
+                <a:cs typeface="+mn-ea"/>
+                <a:sym typeface="+mn-lt"/>
+              </a:rPr>
+              <a:t>或者</a:t>
+            </a:r>
+            <a:r>
+              <a:rPr lang="en-US" altLang="zh-CN" sz="1600">
+                <a:solidFill>
+                  <a:schemeClr val="bg1"/>
+                </a:solidFill>
+                <a:cs typeface="+mn-ea"/>
+                <a:sym typeface="+mn-lt"/>
+              </a:rPr>
+              <a:t>Angular</a:t>
+            </a:r>
+            <a:r>
+              <a:rPr lang="zh-CN" altLang="en-US" sz="1600">
+                <a:solidFill>
+                  <a:schemeClr val="bg1"/>
+                </a:solidFill>
+                <a:cs typeface="+mn-ea"/>
+                <a:sym typeface="+mn-lt"/>
+              </a:rPr>
+              <a:t>这些</a:t>
+            </a:r>
+            <a:r>
+              <a:rPr lang="en-US" altLang="zh-CN" sz="1600">
+                <a:solidFill>
+                  <a:schemeClr val="bg1"/>
+                </a:solidFill>
+                <a:cs typeface="+mn-ea"/>
+                <a:sym typeface="+mn-lt"/>
+              </a:rPr>
+              <a:t>MVVM</a:t>
+            </a:r>
+            <a:r>
+              <a:rPr lang="zh-CN" altLang="en-US" sz="1600">
+                <a:solidFill>
+                  <a:schemeClr val="bg1"/>
+                </a:solidFill>
+                <a:cs typeface="+mn-ea"/>
+                <a:sym typeface="+mn-lt"/>
+              </a:rPr>
+              <a:t>框架给了前端另一种思路</a:t>
+            </a:r>
+            <a:r>
+              <a:rPr lang="en-US" altLang="zh-CN" sz="1600">
+                <a:solidFill>
+                  <a:schemeClr val="bg1"/>
+                </a:solidFill>
+                <a:cs typeface="+mn-ea"/>
+                <a:sym typeface="+mn-lt"/>
+              </a:rPr>
+              <a:t>,</a:t>
+            </a:r>
+            <a:r>
+              <a:rPr lang="zh-CN" altLang="en-US" sz="1600">
+                <a:solidFill>
+                  <a:schemeClr val="bg1"/>
+                </a:solidFill>
+                <a:cs typeface="+mn-ea"/>
+                <a:sym typeface="+mn-lt"/>
+              </a:rPr>
+              <a:t>完全基于数据驱动的编程。如果你之前已经习惯了用</a:t>
+            </a:r>
+            <a:r>
+              <a:rPr lang="en-US" altLang="zh-CN" sz="1600">
+                <a:solidFill>
+                  <a:schemeClr val="bg1"/>
+                </a:solidFill>
+                <a:cs typeface="+mn-ea"/>
+                <a:sym typeface="+mn-lt"/>
+              </a:rPr>
+              <a:t>jQuery</a:t>
+            </a:r>
+            <a:r>
+              <a:rPr lang="zh-CN" altLang="en-US" sz="1600">
+                <a:solidFill>
+                  <a:schemeClr val="bg1"/>
+                </a:solidFill>
+                <a:cs typeface="+mn-ea"/>
+                <a:sym typeface="+mn-lt"/>
+              </a:rPr>
+              <a:t>操作</a:t>
+            </a:r>
+            <a:r>
+              <a:rPr lang="en-US" altLang="zh-CN" sz="1600">
+                <a:solidFill>
+                  <a:schemeClr val="bg1"/>
+                </a:solidFill>
+                <a:cs typeface="+mn-ea"/>
+                <a:sym typeface="+mn-lt"/>
+              </a:rPr>
+              <a:t>DOM</a:t>
+            </a:r>
+            <a:r>
+              <a:rPr lang="zh-CN" altLang="en-US" sz="1600">
+                <a:solidFill>
+                  <a:schemeClr val="bg1"/>
+                </a:solidFill>
+                <a:cs typeface="+mn-ea"/>
+                <a:sym typeface="+mn-lt"/>
+              </a:rPr>
+              <a:t>，学习</a:t>
+            </a:r>
+            <a:r>
+              <a:rPr lang="en-US" altLang="zh-CN" sz="1600">
+                <a:solidFill>
+                  <a:schemeClr val="bg1"/>
+                </a:solidFill>
+                <a:cs typeface="+mn-ea"/>
+                <a:sym typeface="+mn-lt"/>
+              </a:rPr>
+              <a:t>Vue</a:t>
+            </a:r>
+            <a:r>
+              <a:rPr lang="zh-CN" altLang="en-US" sz="1600">
+                <a:solidFill>
+                  <a:schemeClr val="bg1"/>
+                </a:solidFill>
+                <a:cs typeface="+mn-ea"/>
+                <a:sym typeface="+mn-lt"/>
+              </a:rPr>
+              <a:t>时请先抛开手动操作</a:t>
+            </a:r>
+            <a:r>
+              <a:rPr lang="en-US" altLang="zh-CN" sz="1600">
+                <a:solidFill>
+                  <a:schemeClr val="bg1"/>
+                </a:solidFill>
+                <a:cs typeface="+mn-ea"/>
+                <a:sym typeface="+mn-lt"/>
+              </a:rPr>
+              <a:t>DOM</a:t>
+            </a:r>
+            <a:r>
+              <a:rPr lang="zh-CN" altLang="en-US" sz="1600">
+                <a:solidFill>
+                  <a:schemeClr val="bg1"/>
+                </a:solidFill>
+                <a:cs typeface="+mn-ea"/>
+                <a:sym typeface="+mn-lt"/>
+              </a:rPr>
+              <a:t>的思维，因为</a:t>
+            </a:r>
+            <a:r>
+              <a:rPr lang="en-US" altLang="zh-CN" sz="1600">
+                <a:solidFill>
+                  <a:schemeClr val="bg1"/>
+                </a:solidFill>
+                <a:cs typeface="+mn-ea"/>
+                <a:sym typeface="+mn-lt"/>
+              </a:rPr>
+              <a:t>Vue</a:t>
+            </a:r>
+            <a:r>
+              <a:rPr lang="zh-CN" altLang="en-US" sz="1600">
+                <a:solidFill>
+                  <a:schemeClr val="bg1"/>
+                </a:solidFill>
+                <a:cs typeface="+mn-ea"/>
+                <a:sym typeface="+mn-lt"/>
+              </a:rPr>
+              <a:t>是数据驱动的，你无需手动操作</a:t>
+            </a:r>
+            <a:r>
+              <a:rPr lang="en-US" altLang="zh-CN" sz="1600">
+                <a:solidFill>
+                  <a:schemeClr val="bg1"/>
+                </a:solidFill>
+                <a:cs typeface="+mn-ea"/>
+                <a:sym typeface="+mn-lt"/>
+              </a:rPr>
+              <a:t>DOM</a:t>
+            </a:r>
+            <a:r>
+              <a:rPr lang="zh-CN" altLang="en-US" sz="1600">
+                <a:solidFill>
+                  <a:schemeClr val="bg1"/>
+                </a:solidFill>
+                <a:cs typeface="+mn-ea"/>
+                <a:sym typeface="+mn-lt"/>
+              </a:rPr>
+              <a:t>。</a:t>
+            </a:r>
+            <a:r>
+              <a:rPr lang="en-US" altLang="zh-CN" sz="1600">
+                <a:solidFill>
+                  <a:schemeClr val="bg1"/>
+                </a:solidFill>
+                <a:cs typeface="+mn-ea"/>
+                <a:sym typeface="+mn-lt"/>
+              </a:rPr>
+              <a:t>Vue</a:t>
+            </a:r>
+            <a:r>
+              <a:rPr lang="zh-CN" altLang="en-US" sz="1600">
+                <a:solidFill>
+                  <a:schemeClr val="bg1"/>
+                </a:solidFill>
+                <a:cs typeface="+mn-ea"/>
+                <a:sym typeface="+mn-lt"/>
+              </a:rPr>
+              <a:t>采用一种数据绑定的方式</a:t>
+            </a:r>
+            <a:r>
+              <a:rPr lang="en-US" altLang="zh-CN" sz="1600">
+                <a:solidFill>
+                  <a:schemeClr val="bg1"/>
+                </a:solidFill>
+                <a:cs typeface="+mn-ea"/>
+                <a:sym typeface="+mn-lt"/>
+              </a:rPr>
+              <a:t>,</a:t>
+            </a:r>
+            <a:r>
+              <a:rPr lang="zh-CN" altLang="en-US" sz="1600">
+                <a:solidFill>
+                  <a:schemeClr val="bg1"/>
+                </a:solidFill>
+                <a:cs typeface="+mn-ea"/>
+                <a:sym typeface="+mn-lt"/>
+              </a:rPr>
+              <a:t>自动绑定</a:t>
+            </a:r>
+            <a:r>
+              <a:rPr lang="en-US" altLang="zh-CN" sz="1600">
+                <a:solidFill>
+                  <a:schemeClr val="bg1"/>
+                </a:solidFill>
+                <a:cs typeface="+mn-ea"/>
+                <a:sym typeface="+mn-lt"/>
+              </a:rPr>
+              <a:t>DOM</a:t>
+            </a:r>
+            <a:r>
+              <a:rPr lang="zh-CN" altLang="en-US" sz="1600">
+                <a:solidFill>
+                  <a:schemeClr val="bg1"/>
+                </a:solidFill>
+                <a:cs typeface="+mn-ea"/>
+                <a:sym typeface="+mn-lt"/>
+              </a:rPr>
+              <a:t>节点的属性</a:t>
+            </a:r>
+            <a:r>
+              <a:rPr lang="en-US" altLang="zh-CN" sz="1600">
+                <a:solidFill>
+                  <a:schemeClr val="bg1"/>
+                </a:solidFill>
+                <a:cs typeface="+mn-ea"/>
+                <a:sym typeface="+mn-lt"/>
+              </a:rPr>
+              <a:t>.</a:t>
+            </a:r>
+            <a:r>
+              <a:rPr lang="zh-CN" altLang="en-US" sz="1600">
+                <a:solidFill>
+                  <a:schemeClr val="bg1"/>
+                </a:solidFill>
+                <a:cs typeface="+mn-ea"/>
+                <a:sym typeface="+mn-lt"/>
+              </a:rPr>
+              <a:t>这样就把你从操作</a:t>
+            </a:r>
+            <a:r>
+              <a:rPr lang="en-US" altLang="zh-CN" sz="1600">
+                <a:solidFill>
+                  <a:schemeClr val="bg1"/>
+                </a:solidFill>
+                <a:cs typeface="+mn-ea"/>
+                <a:sym typeface="+mn-lt"/>
+              </a:rPr>
+              <a:t>DOM</a:t>
+            </a:r>
+            <a:r>
+              <a:rPr lang="zh-CN" altLang="en-US" sz="1600">
+                <a:solidFill>
+                  <a:schemeClr val="bg1"/>
+                </a:solidFill>
+                <a:cs typeface="+mn-ea"/>
+                <a:sym typeface="+mn-lt"/>
+              </a:rPr>
+              <a:t>节点的繁琐过程中解脱出来了</a:t>
+            </a:r>
+            <a:r>
+              <a:rPr lang="en-US" altLang="zh-CN" sz="1600">
+                <a:solidFill>
+                  <a:schemeClr val="bg1"/>
+                </a:solidFill>
+                <a:cs typeface="+mn-ea"/>
+                <a:sym typeface="+mn-lt"/>
+              </a:rPr>
+              <a:t>,</a:t>
+            </a:r>
+            <a:r>
+              <a:rPr lang="zh-CN" altLang="en-US" sz="1600">
+                <a:solidFill>
+                  <a:schemeClr val="bg1"/>
+                </a:solidFill>
+                <a:cs typeface="+mn-ea"/>
+                <a:sym typeface="+mn-lt"/>
+              </a:rPr>
+              <a:t>你只要专注于数据的状态</a:t>
+            </a:r>
+            <a:r>
+              <a:rPr lang="en-US" altLang="zh-CN" sz="1600">
+                <a:solidFill>
+                  <a:schemeClr val="bg1"/>
+                </a:solidFill>
+                <a:cs typeface="+mn-ea"/>
+                <a:sym typeface="+mn-lt"/>
+              </a:rPr>
+              <a:t>,UI</a:t>
+            </a:r>
+            <a:r>
+              <a:rPr lang="zh-CN" altLang="en-US" sz="1600">
+                <a:solidFill>
+                  <a:schemeClr val="bg1"/>
+                </a:solidFill>
+                <a:cs typeface="+mn-ea"/>
+                <a:sym typeface="+mn-lt"/>
+              </a:rPr>
+              <a:t>更新的事情你不需要去管了</a:t>
+            </a:r>
+            <a:r>
+              <a:rPr lang="en-US" altLang="zh-CN" sz="1600">
+                <a:solidFill>
+                  <a:schemeClr val="bg1"/>
+                </a:solidFill>
+                <a:cs typeface="+mn-ea"/>
+                <a:sym typeface="+mn-lt"/>
+              </a:rPr>
+              <a:t>,</a:t>
+            </a:r>
+            <a:r>
+              <a:rPr lang="zh-CN" altLang="en-US" sz="1600">
+                <a:solidFill>
+                  <a:schemeClr val="bg1"/>
+                </a:solidFill>
+                <a:cs typeface="+mn-ea"/>
+                <a:sym typeface="+mn-lt"/>
+              </a:rPr>
+              <a:t>不管是样式还是内容</a:t>
+            </a:r>
+            <a:r>
+              <a:rPr lang="en-US" altLang="zh-CN" sz="1600">
+                <a:solidFill>
+                  <a:schemeClr val="bg1"/>
+                </a:solidFill>
+                <a:cs typeface="+mn-ea"/>
+                <a:sym typeface="+mn-lt"/>
+              </a:rPr>
+              <a:t>,</a:t>
+            </a:r>
+            <a:r>
+              <a:rPr lang="zh-CN" altLang="en-US" sz="1600">
+                <a:solidFill>
+                  <a:schemeClr val="bg1"/>
+                </a:solidFill>
+                <a:cs typeface="+mn-ea"/>
+                <a:sym typeface="+mn-lt"/>
+              </a:rPr>
+              <a:t>可见性还是切换</a:t>
+            </a:r>
+            <a:r>
+              <a:rPr lang="en-US" altLang="zh-CN" sz="1600">
+                <a:solidFill>
+                  <a:schemeClr val="bg1"/>
+                </a:solidFill>
+                <a:cs typeface="+mn-ea"/>
+                <a:sym typeface="+mn-lt"/>
+              </a:rPr>
+              <a:t>Class,</a:t>
+            </a:r>
+            <a:r>
+              <a:rPr lang="zh-CN" altLang="en-US" sz="1600">
+                <a:solidFill>
+                  <a:schemeClr val="bg1"/>
+                </a:solidFill>
+                <a:cs typeface="+mn-ea"/>
+                <a:sym typeface="+mn-lt"/>
+              </a:rPr>
+              <a:t>框架帮你把关注点从传统的</a:t>
+            </a:r>
+            <a:r>
+              <a:rPr lang="en-US" altLang="zh-CN" sz="1600">
+                <a:solidFill>
+                  <a:schemeClr val="bg1"/>
+                </a:solidFill>
+                <a:cs typeface="+mn-ea"/>
+                <a:sym typeface="+mn-lt"/>
+              </a:rPr>
+              <a:t>DOM</a:t>
+            </a:r>
+            <a:r>
+              <a:rPr lang="zh-CN" altLang="en-US" sz="1600">
+                <a:solidFill>
+                  <a:schemeClr val="bg1"/>
+                </a:solidFill>
+                <a:cs typeface="+mn-ea"/>
+                <a:sym typeface="+mn-lt"/>
+              </a:rPr>
+              <a:t>操作转移到了数据</a:t>
+            </a:r>
+            <a:r>
+              <a:rPr lang="en-US" altLang="zh-CN" sz="1600">
+                <a:solidFill>
+                  <a:schemeClr val="bg1"/>
+                </a:solidFill>
+                <a:cs typeface="+mn-ea"/>
+                <a:sym typeface="+mn-lt"/>
+              </a:rPr>
+              <a:t>,</a:t>
+            </a:r>
+            <a:r>
+              <a:rPr lang="zh-CN" altLang="en-US" sz="1600">
+                <a:solidFill>
+                  <a:schemeClr val="bg1"/>
+                </a:solidFill>
+                <a:cs typeface="+mn-ea"/>
+                <a:sym typeface="+mn-lt"/>
+              </a:rPr>
+              <a:t>回归编程的本质</a:t>
+            </a:r>
+            <a:r>
+              <a:rPr lang="en-US" altLang="zh-CN" sz="1600">
+                <a:solidFill>
+                  <a:schemeClr val="bg1"/>
+                </a:solidFill>
+                <a:cs typeface="+mn-ea"/>
+                <a:sym typeface="+mn-lt"/>
+              </a:rPr>
+              <a:t>:</a:t>
+            </a:r>
+          </a:p>
+          <a:p>
+            <a:pPr eaLnBrk="1" hangingPunct="1">
+              <a:spcBef>
+                <a:spcPts val="0"/>
+              </a:spcBef>
+              <a:spcAft>
+                <a:spcPts val="600"/>
+              </a:spcAft>
+              <a:buFontTx/>
+              <a:buNone/>
+            </a:pPr>
+            <a:r>
+              <a:rPr lang="en-US" altLang="zh-CN" sz="1600">
+                <a:solidFill>
+                  <a:schemeClr val="bg1"/>
+                </a:solidFill>
+                <a:cs typeface="+mn-ea"/>
+                <a:sym typeface="+mn-lt"/>
+              </a:rPr>
+              <a:t>		</a:t>
+            </a:r>
+            <a:r>
+              <a:rPr lang="zh-CN" altLang="en-US" sz="1600">
+                <a:solidFill>
+                  <a:schemeClr val="bg1"/>
+                </a:solidFill>
+                <a:cs typeface="+mn-ea"/>
+                <a:sym typeface="+mn-lt"/>
+              </a:rPr>
+              <a:t>程序</a:t>
+            </a:r>
+            <a:r>
+              <a:rPr lang="en-US" altLang="zh-CN" sz="1600">
+                <a:solidFill>
+                  <a:schemeClr val="bg1"/>
+                </a:solidFill>
+                <a:cs typeface="+mn-ea"/>
+                <a:sym typeface="+mn-lt"/>
+              </a:rPr>
+              <a:t>=</a:t>
+            </a:r>
+            <a:r>
+              <a:rPr lang="zh-CN" altLang="en-US" sz="1600">
+                <a:solidFill>
+                  <a:schemeClr val="bg1"/>
+                </a:solidFill>
+                <a:cs typeface="+mn-ea"/>
+                <a:sym typeface="+mn-lt"/>
+              </a:rPr>
+              <a:t>数据结构</a:t>
+            </a:r>
+            <a:r>
+              <a:rPr lang="en-US" altLang="zh-CN" sz="1600">
+                <a:solidFill>
+                  <a:schemeClr val="bg1"/>
+                </a:solidFill>
+                <a:cs typeface="+mn-ea"/>
+                <a:sym typeface="+mn-lt"/>
+              </a:rPr>
+              <a:t>+</a:t>
+            </a:r>
+            <a:r>
+              <a:rPr lang="zh-CN" altLang="en-US" sz="1600">
+                <a:solidFill>
+                  <a:schemeClr val="bg1"/>
+                </a:solidFill>
+                <a:cs typeface="+mn-ea"/>
+                <a:sym typeface="+mn-lt"/>
+              </a:rPr>
+              <a:t>算法</a:t>
+            </a:r>
+            <a:r>
+              <a:rPr lang="en-US" altLang="zh-CN" sz="1600">
+                <a:solidFill>
+                  <a:schemeClr val="bg1"/>
+                </a:solidFill>
+                <a:cs typeface="+mn-ea"/>
+                <a:sym typeface="+mn-lt"/>
+              </a:rPr>
+              <a:t>.</a:t>
+            </a:r>
+          </a:p>
+          <a:p>
+            <a:pPr eaLnBrk="1" hangingPunct="1">
+              <a:spcBef>
+                <a:spcPts val="0"/>
+              </a:spcBef>
+              <a:spcAft>
+                <a:spcPts val="600"/>
+              </a:spcAft>
+              <a:buFontTx/>
+              <a:buNone/>
+            </a:pPr>
+            <a:r>
+              <a:rPr lang="en-US" altLang="zh-CN" sz="1600">
+                <a:solidFill>
+                  <a:schemeClr val="bg1"/>
+                </a:solidFill>
                 <a:cs typeface="+mn-ea"/>
                 <a:sym typeface="+mn-lt"/>
               </a:rPr>
               <a:t>	</a:t>
             </a:r>
             <a:r>
-              <a:rPr lang="zh-CN" altLang="en-US" sz="1800" dirty="0">
+              <a:rPr lang="zh-CN" altLang="en-US" sz="1600">
+                <a:solidFill>
+                  <a:schemeClr val="bg1"/>
+                </a:solidFill>
                 <a:cs typeface="+mn-ea"/>
                 <a:sym typeface="+mn-lt"/>
               </a:rPr>
               <a:t>这也是</a:t>
             </a:r>
             <a:r>
-              <a:rPr lang="en-US" altLang="zh-CN" sz="1800" dirty="0">
+              <a:rPr lang="en-US" altLang="zh-CN" sz="1600">
+                <a:solidFill>
+                  <a:schemeClr val="bg1"/>
+                </a:solidFill>
                 <a:cs typeface="+mn-ea"/>
                 <a:sym typeface="+mn-lt"/>
               </a:rPr>
               <a:t>MVVM</a:t>
             </a:r>
             <a:r>
-              <a:rPr lang="zh-CN" altLang="en-US" sz="1800" dirty="0">
+              <a:rPr lang="zh-CN" altLang="en-US" sz="1600">
+                <a:solidFill>
+                  <a:schemeClr val="bg1"/>
+                </a:solidFill>
                 <a:cs typeface="+mn-ea"/>
                 <a:sym typeface="+mn-lt"/>
               </a:rPr>
               <a:t>框架最大的思路上的突破。</a:t>
             </a:r>
+            <a:endParaRPr lang="zh-CN" altLang="en-US" sz="1600" dirty="0">
+              <a:solidFill>
+                <a:schemeClr val="bg1"/>
+              </a:solidFill>
+              <a:cs typeface="+mn-ea"/>
+              <a:sym typeface="+mn-lt"/>
+            </a:endParaRPr>
           </a:p>
         </p:txBody>
       </p:sp>
+      <p:pic>
+        <p:nvPicPr>
+          <p:cNvPr id="7" name="图片 6" descr="图片包含 黑色&#10;&#10;已生成高可信度的说明">
+            <a:extLst>
+              <a:ext uri="{FF2B5EF4-FFF2-40B4-BE49-F238E27FC236}">
+                <a16:creationId xmlns:a16="http://schemas.microsoft.com/office/drawing/2014/main" id="{5677DC45-37BC-4F88-9AAF-1ACFA064CA9F}"/>
+              </a:ext>
+            </a:extLst>
+          </p:cNvPr>
+          <p:cNvPicPr>
+            <a:picLocks noChangeAspect="1"/>
+          </p:cNvPicPr>
+          <p:nvPr/>
+        </p:nvPicPr>
+        <p:blipFill>
+          <a:blip r:embed="rId3">
+            <a:extLst>
+              <a:ext uri="{28A0092B-C50C-407E-A947-70E740481C1C}">
+                <a14:useLocalDpi xmlns:a14="http://schemas.microsoft.com/office/drawing/2010/main" val="0"/>
+              </a:ext>
+            </a:extLst>
+          </a:blip>
+          <a:stretch>
+            <a:fillRect/>
+          </a:stretch>
+        </p:blipFill>
+        <p:spPr>
+          <a:xfrm>
+            <a:off x="643468" y="3650525"/>
+            <a:ext cx="2763724" cy="2763724"/>
+          </a:xfrm>
+          <a:prstGeom prst="rect">
+            <a:avLst/>
+          </a:prstGeom>
+        </p:spPr>
+      </p:pic>
     </p:spTree>
     <p:extLst>
       <p:ext uri="{BB962C8B-B14F-4D97-AF65-F5344CB8AC3E}">
@@ -25412,6 +27975,18 @@
   <p:clrMapOvr>
     <a:masterClrMapping/>
   </p:clrMapOvr>
+  <mc:AlternateContent xmlns:mc="http://schemas.openxmlformats.org/markup-compatibility/2006">
+    <mc:Choice xmlns:p159="http://schemas.microsoft.com/office/powerpoint/2015/09/main" Requires="p159">
+      <p:transition xmlns:p14="http://schemas.microsoft.com/office/powerpoint/2010/main" spd="slow" p14:dur="1500">
+        <p159:morph option="byObject"/>
+      </p:transition>
+    </mc:Choice>
+    <mc:Fallback>
+      <p:transition spd="slow">
+        <p:fade/>
+      </p:transition>
+    </mc:Fallback>
+  </mc:AlternateContent>
 </p:sld>
 </file>
 
@@ -26611,6 +29186,18 @@
   <p:clrMapOvr>
     <a:masterClrMapping/>
   </p:clrMapOvr>
+  <mc:AlternateContent xmlns:mc="http://schemas.openxmlformats.org/markup-compatibility/2006">
+    <mc:Choice xmlns:p159="http://schemas.microsoft.com/office/powerpoint/2015/09/main" Requires="p159">
+      <p:transition xmlns:p14="http://schemas.microsoft.com/office/powerpoint/2010/main" spd="slow" p14:dur="1500">
+        <p159:morph option="byObject"/>
+      </p:transition>
+    </mc:Choice>
+    <mc:Fallback>
+      <p:transition spd="slow">
+        <p:fade/>
+      </p:transition>
+    </mc:Fallback>
+  </mc:AlternateContent>
 </p:sld>
 </file>
 
@@ -27946,6 +30533,18 @@
   <p:clrMapOvr>
     <a:masterClrMapping/>
   </p:clrMapOvr>
+  <mc:AlternateContent xmlns:mc="http://schemas.openxmlformats.org/markup-compatibility/2006">
+    <mc:Choice xmlns:p159="http://schemas.microsoft.com/office/powerpoint/2015/09/main" Requires="p159">
+      <p:transition xmlns:p14="http://schemas.microsoft.com/office/powerpoint/2010/main" spd="slow" p14:dur="1500">
+        <p159:morph option="byObject"/>
+      </p:transition>
+    </mc:Choice>
+    <mc:Fallback>
+      <p:transition spd="slow">
+        <p:fade/>
+      </p:transition>
+    </mc:Fallback>
+  </mc:AlternateContent>
 </p:sld>
 </file>
 

--- a/Vue 2.pptx
+++ b/Vue 2.pptx
@@ -246,7 +246,7 @@
           <a:p>
             <a:fld id="{D802B44D-2405-42CD-AF10-33B7848DE687}" type="datetimeFigureOut">
               <a:rPr lang="en-US" smtClean="0"/>
-              <a:t>12/4/2017</a:t>
+              <a:t>12/5/2017</a:t>
             </a:fld>
             <a:endParaRPr lang="en-US"/>
           </a:p>
@@ -943,7 +943,7 @@
           <a:p>
             <a:fld id="{3B0830C5-3F22-4DB6-AF09-6A9D24316F71}" type="datetimeFigureOut">
               <a:rPr lang="en-US" smtClean="0"/>
-              <a:t>12/4/2017</a:t>
+              <a:t>12/5/2017</a:t>
             </a:fld>
             <a:endParaRPr lang="en-US"/>
           </a:p>
@@ -1143,7 +1143,7 @@
           <a:p>
             <a:fld id="{3B0830C5-3F22-4DB6-AF09-6A9D24316F71}" type="datetimeFigureOut">
               <a:rPr lang="en-US" smtClean="0"/>
-              <a:t>12/4/2017</a:t>
+              <a:t>12/5/2017</a:t>
             </a:fld>
             <a:endParaRPr lang="en-US"/>
           </a:p>
@@ -1353,7 +1353,7 @@
           <a:p>
             <a:fld id="{3B0830C5-3F22-4DB6-AF09-6A9D24316F71}" type="datetimeFigureOut">
               <a:rPr lang="en-US" smtClean="0"/>
-              <a:t>12/4/2017</a:t>
+              <a:t>12/5/2017</a:t>
             </a:fld>
             <a:endParaRPr lang="en-US"/>
           </a:p>
@@ -1499,7 +1499,7 @@
           <a:p>
             <a:fld id="{1D8BD707-D9CF-40AE-B4C6-C98DA3205C09}" type="datetimeFigureOut">
               <a:rPr lang="en-US"/>
-              <a:t>12/4/2017</a:t>
+              <a:t>12/5/2017</a:t>
             </a:fld>
             <a:endParaRPr lang="en-US"/>
           </a:p>
@@ -1710,7 +1710,7 @@
           <a:p>
             <a:fld id="{1D8BD707-D9CF-40AE-B4C6-C98DA3205C09}" type="datetimeFigureOut">
               <a:rPr lang="en-US"/>
-              <a:t>12/4/2017</a:t>
+              <a:t>12/5/2017</a:t>
             </a:fld>
             <a:endParaRPr lang="en-US"/>
           </a:p>
@@ -1929,7 +1929,7 @@
           <a:p>
             <a:fld id="{1D8BD707-D9CF-40AE-B4C6-C98DA3205C09}" type="datetimeFigureOut">
               <a:rPr lang="en-US"/>
-              <a:t>12/4/2017</a:t>
+              <a:t>12/5/2017</a:t>
             </a:fld>
             <a:endParaRPr lang="en-US"/>
           </a:p>
@@ -2107,7 +2107,7 @@
           <a:p>
             <a:fld id="{3B0830C5-3F22-4DB6-AF09-6A9D24316F71}" type="datetimeFigureOut">
               <a:rPr lang="en-US" smtClean="0"/>
-              <a:t>12/4/2017</a:t>
+              <a:t>12/5/2017</a:t>
             </a:fld>
             <a:endParaRPr lang="en-US"/>
           </a:p>
@@ -2383,7 +2383,7 @@
           <a:p>
             <a:fld id="{3B0830C5-3F22-4DB6-AF09-6A9D24316F71}" type="datetimeFigureOut">
               <a:rPr lang="en-US" smtClean="0"/>
-              <a:t>12/4/2017</a:t>
+              <a:t>12/5/2017</a:t>
             </a:fld>
             <a:endParaRPr lang="en-US"/>
           </a:p>
@@ -2651,7 +2651,7 @@
           <a:p>
             <a:fld id="{3B0830C5-3F22-4DB6-AF09-6A9D24316F71}" type="datetimeFigureOut">
               <a:rPr lang="en-US" smtClean="0"/>
-              <a:t>12/4/2017</a:t>
+              <a:t>12/5/2017</a:t>
             </a:fld>
             <a:endParaRPr lang="en-US"/>
           </a:p>
@@ -3066,7 +3066,7 @@
           <a:p>
             <a:fld id="{3B0830C5-3F22-4DB6-AF09-6A9D24316F71}" type="datetimeFigureOut">
               <a:rPr lang="en-US" smtClean="0"/>
-              <a:t>12/4/2017</a:t>
+              <a:t>12/5/2017</a:t>
             </a:fld>
             <a:endParaRPr lang="en-US"/>
           </a:p>
@@ -3208,7 +3208,7 @@
           <a:p>
             <a:fld id="{3B0830C5-3F22-4DB6-AF09-6A9D24316F71}" type="datetimeFigureOut">
               <a:rPr lang="en-US" smtClean="0"/>
-              <a:t>12/4/2017</a:t>
+              <a:t>12/5/2017</a:t>
             </a:fld>
             <a:endParaRPr lang="en-US"/>
           </a:p>
@@ -3321,7 +3321,7 @@
           <a:p>
             <a:fld id="{3B0830C5-3F22-4DB6-AF09-6A9D24316F71}" type="datetimeFigureOut">
               <a:rPr lang="en-US" smtClean="0"/>
-              <a:t>12/4/2017</a:t>
+              <a:t>12/5/2017</a:t>
             </a:fld>
             <a:endParaRPr lang="en-US"/>
           </a:p>
@@ -3634,7 +3634,7 @@
           <a:p>
             <a:fld id="{3B0830C5-3F22-4DB6-AF09-6A9D24316F71}" type="datetimeFigureOut">
               <a:rPr lang="en-US" smtClean="0"/>
-              <a:t>12/4/2017</a:t>
+              <a:t>12/5/2017</a:t>
             </a:fld>
             <a:endParaRPr lang="en-US"/>
           </a:p>
@@ -3923,7 +3923,7 @@
           <a:p>
             <a:fld id="{3B0830C5-3F22-4DB6-AF09-6A9D24316F71}" type="datetimeFigureOut">
               <a:rPr lang="en-US" smtClean="0"/>
-              <a:t>12/4/2017</a:t>
+              <a:t>12/5/2017</a:t>
             </a:fld>
             <a:endParaRPr lang="en-US"/>
           </a:p>
@@ -4166,7 +4166,7 @@
           <a:p>
             <a:fld id="{3B0830C5-3F22-4DB6-AF09-6A9D24316F71}" type="datetimeFigureOut">
               <a:rPr lang="en-US" smtClean="0"/>
-              <a:t>12/4/2017</a:t>
+              <a:t>12/5/2017</a:t>
             </a:fld>
             <a:endParaRPr lang="en-US"/>
           </a:p>
@@ -5076,13 +5076,13 @@
   <p:clrMapOvr>
     <a:masterClrMapping/>
   </p:clrMapOvr>
-  <mc:AlternateContent xmlns:mc="http://schemas.openxmlformats.org/markup-compatibility/2006">
-    <mc:Choice xmlns:p159="http://schemas.microsoft.com/office/powerpoint/2015/09/main" Requires="p159">
+  <mc:AlternateContent xmlns:mc="http://schemas.openxmlformats.org/markup-compatibility/2006" xmlns:p159="http://schemas.microsoft.com/office/powerpoint/2015/09/main">
+    <mc:Choice Requires="p159">
       <p:transition xmlns:p14="http://schemas.microsoft.com/office/powerpoint/2010/main" spd="slow" p14:dur="1500" advClick="0">
         <p159:morph option="byObject"/>
       </p:transition>
     </mc:Choice>
-    <mc:Fallback>
+    <mc:Fallback xmlns="">
       <p:transition spd="slow" advClick="0">
         <p:fade/>
       </p:transition>
@@ -5216,7 +5216,7 @@
         </p:nvSpPr>
         <p:spPr>
           <a:xfrm>
-            <a:off x="5607583" y="1941422"/>
+            <a:off x="5543849" y="1961616"/>
             <a:ext cx="1104302" cy="574040"/>
           </a:xfrm>
           <a:prstGeom prst="rect">
@@ -5546,13 +5546,13 @@
   <p:clrMapOvr>
     <a:masterClrMapping/>
   </p:clrMapOvr>
-  <mc:AlternateContent xmlns:mc="http://schemas.openxmlformats.org/markup-compatibility/2006">
-    <mc:Choice xmlns:p159="http://schemas.microsoft.com/office/powerpoint/2015/09/main" Requires="p159">
+  <mc:AlternateContent xmlns:mc="http://schemas.openxmlformats.org/markup-compatibility/2006" xmlns:p159="http://schemas.microsoft.com/office/powerpoint/2015/09/main">
+    <mc:Choice Requires="p159">
       <p:transition xmlns:p14="http://schemas.microsoft.com/office/powerpoint/2010/main" spd="slow" p14:dur="1500">
         <p159:morph option="byObject"/>
       </p:transition>
     </mc:Choice>
-    <mc:Fallback>
+    <mc:Fallback xmlns="">
       <p:transition spd="slow">
         <p:fade/>
       </p:transition>
@@ -6906,13 +6906,13 @@
   <p:clrMapOvr>
     <a:masterClrMapping/>
   </p:clrMapOvr>
-  <mc:AlternateContent xmlns:mc="http://schemas.openxmlformats.org/markup-compatibility/2006">
-    <mc:Choice xmlns:p159="http://schemas.microsoft.com/office/powerpoint/2015/09/main" Requires="p159">
+  <mc:AlternateContent xmlns:mc="http://schemas.openxmlformats.org/markup-compatibility/2006" xmlns:p159="http://schemas.microsoft.com/office/powerpoint/2015/09/main">
+    <mc:Choice Requires="p159">
       <p:transition xmlns:p14="http://schemas.microsoft.com/office/powerpoint/2010/main" spd="slow" p14:dur="1500">
         <p159:morph option="byObject"/>
       </p:transition>
     </mc:Choice>
-    <mc:Fallback>
+    <mc:Fallback xmlns="">
       <p:transition spd="slow">
         <p:fade/>
       </p:transition>
@@ -8909,13 +8909,13 @@
   <p:clrMapOvr>
     <a:masterClrMapping/>
   </p:clrMapOvr>
-  <mc:AlternateContent xmlns:mc="http://schemas.openxmlformats.org/markup-compatibility/2006">
-    <mc:Choice xmlns:p159="http://schemas.microsoft.com/office/powerpoint/2015/09/main" Requires="p159">
+  <mc:AlternateContent xmlns:mc="http://schemas.openxmlformats.org/markup-compatibility/2006" xmlns:p159="http://schemas.microsoft.com/office/powerpoint/2015/09/main">
+    <mc:Choice Requires="p159">
       <p:transition xmlns:p14="http://schemas.microsoft.com/office/powerpoint/2010/main" spd="slow" p14:dur="1500">
         <p159:morph option="byObject"/>
       </p:transition>
     </mc:Choice>
-    <mc:Fallback>
+    <mc:Fallback xmlns="">
       <p:transition spd="slow">
         <p:fade/>
       </p:transition>
@@ -8949,8 +8949,8 @@
         </p:nvSpPr>
         <p:spPr>
           <a:xfrm>
-            <a:off x="1524000" y="0"/>
-            <a:ext cx="9144000" cy="6858000"/>
+            <a:off x="0" y="0"/>
+            <a:ext cx="12192000" cy="6858000"/>
           </a:xfrm>
           <a:custGeom>
             <a:avLst/>
@@ -9398,7 +9398,7 @@
               </a:rPr>
               <a:t>,</a:t>
             </a:r>
-            <a:endParaRPr sz="1600">
+            <a:endParaRPr sz="1600" dirty="0">
               <a:cs typeface="+mn-ea"/>
               <a:sym typeface="+mn-lt"/>
             </a:endParaRPr>
@@ -9409,7 +9409,7 @@
                 <a:spcPts val="15"/>
               </a:spcBef>
             </a:pPr>
-            <a:endParaRPr sz="2100">
+            <a:endParaRPr sz="2100" dirty="0">
               <a:cs typeface="+mn-ea"/>
               <a:sym typeface="+mn-lt"/>
             </a:endParaRPr>
@@ -9456,7 +9456,7 @@
               </a:rPr>
               <a:t>Vue.js!'</a:t>
             </a:r>
-            <a:endParaRPr sz="1600">
+            <a:endParaRPr sz="1600" dirty="0">
               <a:cs typeface="+mn-ea"/>
               <a:sym typeface="+mn-lt"/>
             </a:endParaRPr>
@@ -9910,7 +9910,7 @@
               </a:rPr>
               <a:t>&gt;</a:t>
             </a:r>
-            <a:endParaRPr sz="1600">
+            <a:endParaRPr sz="1600" dirty="0">
               <a:cs typeface="+mn-ea"/>
               <a:sym typeface="+mn-lt"/>
             </a:endParaRPr>
@@ -9971,7 +9971,7 @@
               </a:rPr>
               <a:t>&gt;</a:t>
             </a:r>
-            <a:endParaRPr sz="1600">
+            <a:endParaRPr sz="1600" dirty="0">
               <a:cs typeface="+mn-ea"/>
               <a:sym typeface="+mn-lt"/>
             </a:endParaRPr>
@@ -10012,7 +10012,7 @@
               </a:rPr>
               <a:t>&gt;</a:t>
             </a:r>
-            <a:endParaRPr sz="1600">
+            <a:endParaRPr sz="1600" dirty="0">
               <a:cs typeface="+mn-ea"/>
               <a:sym typeface="+mn-lt"/>
             </a:endParaRPr>
@@ -10120,13 +10120,13 @@
   <p:clrMapOvr>
     <a:masterClrMapping/>
   </p:clrMapOvr>
-  <mc:AlternateContent xmlns:mc="http://schemas.openxmlformats.org/markup-compatibility/2006">
-    <mc:Choice xmlns:p159="http://schemas.microsoft.com/office/powerpoint/2015/09/main" Requires="p159">
+  <mc:AlternateContent xmlns:mc="http://schemas.openxmlformats.org/markup-compatibility/2006" xmlns:p159="http://schemas.microsoft.com/office/powerpoint/2015/09/main">
+    <mc:Choice Requires="p159">
       <p:transition xmlns:p14="http://schemas.microsoft.com/office/powerpoint/2010/main" spd="slow" p14:dur="1500">
         <p159:morph option="byObject"/>
       </p:transition>
     </mc:Choice>
-    <mc:Fallback>
+    <mc:Fallback xmlns="">
       <p:transition spd="slow">
         <p:fade/>
       </p:transition>
@@ -10245,13 +10245,13 @@
   <p:clrMapOvr>
     <a:overrideClrMapping bg1="lt1" tx1="dk1" bg2="lt2" tx2="dk2" accent1="accent1" accent2="accent2" accent3="accent3" accent4="accent4" accent5="accent5" accent6="accent6" hlink="hlink" folHlink="folHlink"/>
   </p:clrMapOvr>
-  <mc:AlternateContent xmlns:mc="http://schemas.openxmlformats.org/markup-compatibility/2006">
-    <mc:Choice xmlns:p159="http://schemas.microsoft.com/office/powerpoint/2015/09/main" Requires="p159">
+  <mc:AlternateContent xmlns:mc="http://schemas.openxmlformats.org/markup-compatibility/2006" xmlns:p159="http://schemas.microsoft.com/office/powerpoint/2015/09/main">
+    <mc:Choice Requires="p159">
       <p:transition xmlns:p14="http://schemas.microsoft.com/office/powerpoint/2010/main" spd="slow" p14:dur="1500">
         <p159:morph option="byObject"/>
       </p:transition>
     </mc:Choice>
-    <mc:Fallback>
+    <mc:Fallback xmlns="">
       <p:transition spd="slow">
         <p:fade/>
       </p:transition>
@@ -10453,13 +10453,13 @@
   <p:clrMapOvr>
     <a:masterClrMapping/>
   </p:clrMapOvr>
-  <mc:AlternateContent xmlns:mc="http://schemas.openxmlformats.org/markup-compatibility/2006">
-    <mc:Choice xmlns:p159="http://schemas.microsoft.com/office/powerpoint/2015/09/main" Requires="p159">
+  <mc:AlternateContent xmlns:mc="http://schemas.openxmlformats.org/markup-compatibility/2006" xmlns:p159="http://schemas.microsoft.com/office/powerpoint/2015/09/main">
+    <mc:Choice Requires="p159">
       <p:transition xmlns:p14="http://schemas.microsoft.com/office/powerpoint/2010/main" spd="slow" p14:dur="1500">
         <p159:morph option="byObject"/>
       </p:transition>
     </mc:Choice>
-    <mc:Fallback>
+    <mc:Fallback xmlns="">
       <p:transition spd="slow">
         <p:fade/>
       </p:transition>
@@ -11160,13 +11160,13 @@
   <p:clrMapOvr>
     <a:masterClrMapping/>
   </p:clrMapOvr>
-  <mc:AlternateContent xmlns:mc="http://schemas.openxmlformats.org/markup-compatibility/2006">
-    <mc:Choice xmlns:p159="http://schemas.microsoft.com/office/powerpoint/2015/09/main" Requires="p159">
+  <mc:AlternateContent xmlns:mc="http://schemas.openxmlformats.org/markup-compatibility/2006" xmlns:p159="http://schemas.microsoft.com/office/powerpoint/2015/09/main">
+    <mc:Choice Requires="p159">
       <p:transition xmlns:p14="http://schemas.microsoft.com/office/powerpoint/2010/main" spd="slow" p14:dur="1500">
         <p159:morph option="byObject"/>
       </p:transition>
     </mc:Choice>
-    <mc:Fallback>
+    <mc:Fallback xmlns="">
       <p:transition spd="slow">
         <p:fade/>
       </p:transition>
@@ -13235,13 +13235,13 @@
   <p:clrMapOvr>
     <a:masterClrMapping/>
   </p:clrMapOvr>
-  <mc:AlternateContent xmlns:mc="http://schemas.openxmlformats.org/markup-compatibility/2006">
-    <mc:Choice xmlns:p159="http://schemas.microsoft.com/office/powerpoint/2015/09/main" Requires="p159">
+  <mc:AlternateContent xmlns:mc="http://schemas.openxmlformats.org/markup-compatibility/2006" xmlns:p159="http://schemas.microsoft.com/office/powerpoint/2015/09/main">
+    <mc:Choice Requires="p159">
       <p:transition xmlns:p14="http://schemas.microsoft.com/office/powerpoint/2010/main" spd="slow" p14:dur="1500">
         <p159:morph option="byObject"/>
       </p:transition>
     </mc:Choice>
-    <mc:Fallback>
+    <mc:Fallback xmlns="">
       <p:transition spd="slow">
         <p:fade/>
       </p:transition>
@@ -16191,13 +16191,13 @@
   <p:clrMapOvr>
     <a:masterClrMapping/>
   </p:clrMapOvr>
-  <mc:AlternateContent xmlns:mc="http://schemas.openxmlformats.org/markup-compatibility/2006">
-    <mc:Choice xmlns:p159="http://schemas.microsoft.com/office/powerpoint/2015/09/main" Requires="p159">
+  <mc:AlternateContent xmlns:mc="http://schemas.openxmlformats.org/markup-compatibility/2006" xmlns:p159="http://schemas.microsoft.com/office/powerpoint/2015/09/main">
+    <mc:Choice Requires="p159">
       <p:transition xmlns:p14="http://schemas.microsoft.com/office/powerpoint/2010/main" spd="slow" p14:dur="1500">
         <p159:morph option="byObject"/>
       </p:transition>
     </mc:Choice>
-    <mc:Fallback>
+    <mc:Fallback xmlns="">
       <p:transition spd="slow">
         <p:fade/>
       </p:transition>
@@ -17879,13 +17879,13 @@
   <p:clrMapOvr>
     <a:masterClrMapping/>
   </p:clrMapOvr>
-  <mc:AlternateContent xmlns:mc="http://schemas.openxmlformats.org/markup-compatibility/2006">
-    <mc:Choice xmlns:p159="http://schemas.microsoft.com/office/powerpoint/2015/09/main" Requires="p159">
+  <mc:AlternateContent xmlns:mc="http://schemas.openxmlformats.org/markup-compatibility/2006" xmlns:p159="http://schemas.microsoft.com/office/powerpoint/2015/09/main">
+    <mc:Choice Requires="p159">
       <p:transition xmlns:p14="http://schemas.microsoft.com/office/powerpoint/2010/main" spd="slow" p14:dur="1500">
         <p159:morph option="byObject"/>
       </p:transition>
     </mc:Choice>
-    <mc:Fallback>
+    <mc:Fallback xmlns="">
       <p:transition spd="slow">
         <p:fade/>
       </p:transition>
@@ -18551,13 +18551,13 @@
   <p:clrMapOvr>
     <a:masterClrMapping/>
   </p:clrMapOvr>
-  <mc:AlternateContent xmlns:mc="http://schemas.openxmlformats.org/markup-compatibility/2006">
-    <mc:Choice xmlns:p159="http://schemas.microsoft.com/office/powerpoint/2015/09/main" Requires="p159">
+  <mc:AlternateContent xmlns:mc="http://schemas.openxmlformats.org/markup-compatibility/2006" xmlns:p159="http://schemas.microsoft.com/office/powerpoint/2015/09/main">
+    <mc:Choice Requires="p159">
       <p:transition xmlns:p14="http://schemas.microsoft.com/office/powerpoint/2010/main" spd="slow" p14:dur="1500">
         <p159:morph option="byObject"/>
       </p:transition>
     </mc:Choice>
-    <mc:Fallback>
+    <mc:Fallback xmlns="">
       <p:transition spd="slow">
         <p:fade/>
       </p:transition>
@@ -18800,13 +18800,13 @@
   <p:clrMapOvr>
     <a:overrideClrMapping bg1="lt1" tx1="dk1" bg2="lt2" tx2="dk2" accent1="accent1" accent2="accent2" accent3="accent3" accent4="accent4" accent5="accent5" accent6="accent6" hlink="hlink" folHlink="folHlink"/>
   </p:clrMapOvr>
-  <mc:AlternateContent xmlns:mc="http://schemas.openxmlformats.org/markup-compatibility/2006">
-    <mc:Choice xmlns:p159="http://schemas.microsoft.com/office/powerpoint/2015/09/main" Requires="p159">
+  <mc:AlternateContent xmlns:mc="http://schemas.openxmlformats.org/markup-compatibility/2006" xmlns:p159="http://schemas.microsoft.com/office/powerpoint/2015/09/main">
+    <mc:Choice Requires="p159">
       <p:transition xmlns:p14="http://schemas.microsoft.com/office/powerpoint/2010/main" spd="slow" p14:dur="1500">
         <p159:morph option="byObject"/>
       </p:transition>
     </mc:Choice>
-    <mc:Fallback>
+    <mc:Fallback xmlns="">
       <p:transition spd="slow">
         <p:fade/>
       </p:transition>
@@ -18929,13 +18929,13 @@
   <p:clrMapOvr>
     <a:masterClrMapping/>
   </p:clrMapOvr>
-  <mc:AlternateContent xmlns:mc="http://schemas.openxmlformats.org/markup-compatibility/2006">
-    <mc:Choice xmlns:p159="http://schemas.microsoft.com/office/powerpoint/2015/09/main" Requires="p159">
+  <mc:AlternateContent xmlns:mc="http://schemas.openxmlformats.org/markup-compatibility/2006" xmlns:p159="http://schemas.microsoft.com/office/powerpoint/2015/09/main">
+    <mc:Choice Requires="p159">
       <p:transition xmlns:p14="http://schemas.microsoft.com/office/powerpoint/2010/main" spd="slow" p14:dur="1500">
         <p159:morph option="byObject"/>
       </p:transition>
     </mc:Choice>
-    <mc:Fallback>
+    <mc:Fallback xmlns="">
       <p:transition spd="slow">
         <p:fade/>
       </p:transition>
@@ -19480,13 +19480,13 @@
   <p:clrMapOvr>
     <a:masterClrMapping/>
   </p:clrMapOvr>
-  <mc:AlternateContent xmlns:mc="http://schemas.openxmlformats.org/markup-compatibility/2006">
-    <mc:Choice xmlns:p159="http://schemas.microsoft.com/office/powerpoint/2015/09/main" Requires="p159">
+  <mc:AlternateContent xmlns:mc="http://schemas.openxmlformats.org/markup-compatibility/2006" xmlns:p159="http://schemas.microsoft.com/office/powerpoint/2015/09/main">
+    <mc:Choice Requires="p159">
       <p:transition xmlns:p14="http://schemas.microsoft.com/office/powerpoint/2010/main" spd="slow" p14:dur="1500">
         <p159:morph option="byObject"/>
       </p:transition>
     </mc:Choice>
-    <mc:Fallback>
+    <mc:Fallback xmlns="">
       <p:transition spd="slow">
         <p:fade/>
       </p:transition>
@@ -19850,13 +19850,13 @@
   <p:clrMapOvr>
     <a:masterClrMapping/>
   </p:clrMapOvr>
-  <mc:AlternateContent xmlns:mc="http://schemas.openxmlformats.org/markup-compatibility/2006">
-    <mc:Choice xmlns:p159="http://schemas.microsoft.com/office/powerpoint/2015/09/main" Requires="p159">
+  <mc:AlternateContent xmlns:mc="http://schemas.openxmlformats.org/markup-compatibility/2006" xmlns:p159="http://schemas.microsoft.com/office/powerpoint/2015/09/main">
+    <mc:Choice Requires="p159">
       <p:transition xmlns:p14="http://schemas.microsoft.com/office/powerpoint/2010/main" spd="slow" p14:dur="1500">
         <p159:morph option="byObject"/>
       </p:transition>
     </mc:Choice>
-    <mc:Fallback>
+    <mc:Fallback xmlns="">
       <p:transition spd="slow">
         <p:fade/>
       </p:transition>
@@ -19946,13 +19946,13 @@
   <p:clrMapOvr>
     <a:masterClrMapping/>
   </p:clrMapOvr>
-  <mc:AlternateContent xmlns:mc="http://schemas.openxmlformats.org/markup-compatibility/2006">
-    <mc:Choice xmlns:p159="http://schemas.microsoft.com/office/powerpoint/2015/09/main" Requires="p159">
+  <mc:AlternateContent xmlns:mc="http://schemas.openxmlformats.org/markup-compatibility/2006" xmlns:p159="http://schemas.microsoft.com/office/powerpoint/2015/09/main">
+    <mc:Choice Requires="p159">
       <p:transition xmlns:p14="http://schemas.microsoft.com/office/powerpoint/2010/main" spd="slow" p14:dur="1500">
         <p159:morph option="byObject"/>
       </p:transition>
     </mc:Choice>
-    <mc:Fallback>
+    <mc:Fallback xmlns="">
       <p:transition spd="slow">
         <p:fade/>
       </p:transition>
@@ -20534,13 +20534,13 @@
   <p:clrMapOvr>
     <a:masterClrMapping/>
   </p:clrMapOvr>
-  <mc:AlternateContent xmlns:mc="http://schemas.openxmlformats.org/markup-compatibility/2006">
-    <mc:Choice xmlns:p159="http://schemas.microsoft.com/office/powerpoint/2015/09/main" Requires="p159">
+  <mc:AlternateContent xmlns:mc="http://schemas.openxmlformats.org/markup-compatibility/2006" xmlns:p159="http://schemas.microsoft.com/office/powerpoint/2015/09/main">
+    <mc:Choice Requires="p159">
       <p:transition xmlns:p14="http://schemas.microsoft.com/office/powerpoint/2010/main" spd="slow" p14:dur="1500">
         <p159:morph option="byObject"/>
       </p:transition>
     </mc:Choice>
-    <mc:Fallback>
+    <mc:Fallback xmlns="">
       <p:transition spd="slow">
         <p:fade/>
       </p:transition>
@@ -21445,13 +21445,13 @@
   <p:clrMapOvr>
     <a:masterClrMapping/>
   </p:clrMapOvr>
-  <mc:AlternateContent xmlns:mc="http://schemas.openxmlformats.org/markup-compatibility/2006">
-    <mc:Choice xmlns:p159="http://schemas.microsoft.com/office/powerpoint/2015/09/main" Requires="p159">
+  <mc:AlternateContent xmlns:mc="http://schemas.openxmlformats.org/markup-compatibility/2006" xmlns:p159="http://schemas.microsoft.com/office/powerpoint/2015/09/main">
+    <mc:Choice Requires="p159">
       <p:transition xmlns:p14="http://schemas.microsoft.com/office/powerpoint/2010/main" spd="slow" p14:dur="1500">
         <p159:morph option="byObject"/>
       </p:transition>
     </mc:Choice>
-    <mc:Fallback>
+    <mc:Fallback xmlns="">
       <p:transition spd="slow">
         <p:fade/>
       </p:transition>
@@ -21688,13 +21688,13 @@
   <p:clrMapOvr>
     <a:masterClrMapping/>
   </p:clrMapOvr>
-  <mc:AlternateContent xmlns:mc="http://schemas.openxmlformats.org/markup-compatibility/2006">
-    <mc:Choice xmlns:p159="http://schemas.microsoft.com/office/powerpoint/2015/09/main" Requires="p159">
+  <mc:AlternateContent xmlns:mc="http://schemas.openxmlformats.org/markup-compatibility/2006" xmlns:p159="http://schemas.microsoft.com/office/powerpoint/2015/09/main">
+    <mc:Choice Requires="p159">
       <p:transition xmlns:p14="http://schemas.microsoft.com/office/powerpoint/2010/main" spd="slow" p14:dur="1500">
         <p159:morph option="byObject"/>
       </p:transition>
     </mc:Choice>
-    <mc:Fallback>
+    <mc:Fallback xmlns="">
       <p:transition spd="slow">
         <p:fade/>
       </p:transition>
@@ -21815,13 +21815,13 @@
   <p:clrMapOvr>
     <a:masterClrMapping/>
   </p:clrMapOvr>
-  <mc:AlternateContent xmlns:mc="http://schemas.openxmlformats.org/markup-compatibility/2006">
-    <mc:Choice xmlns:p159="http://schemas.microsoft.com/office/powerpoint/2015/09/main" Requires="p159">
+  <mc:AlternateContent xmlns:mc="http://schemas.openxmlformats.org/markup-compatibility/2006" xmlns:p159="http://schemas.microsoft.com/office/powerpoint/2015/09/main">
+    <mc:Choice Requires="p159">
       <p:transition xmlns:p14="http://schemas.microsoft.com/office/powerpoint/2010/main" spd="slow" p14:dur="1500">
         <p159:morph option="byObject"/>
       </p:transition>
     </mc:Choice>
-    <mc:Fallback>
+    <mc:Fallback xmlns="">
       <p:transition spd="slow">
         <p:fade/>
       </p:transition>
@@ -21952,13 +21952,13 @@
   <p:clrMapOvr>
     <a:masterClrMapping/>
   </p:clrMapOvr>
-  <mc:AlternateContent xmlns:mc="http://schemas.openxmlformats.org/markup-compatibility/2006">
-    <mc:Choice xmlns:p159="http://schemas.microsoft.com/office/powerpoint/2015/09/main" Requires="p159">
+  <mc:AlternateContent xmlns:mc="http://schemas.openxmlformats.org/markup-compatibility/2006" xmlns:p159="http://schemas.microsoft.com/office/powerpoint/2015/09/main">
+    <mc:Choice Requires="p159">
       <p:transition xmlns:p14="http://schemas.microsoft.com/office/powerpoint/2010/main" spd="slow" p14:dur="1500">
         <p159:morph option="byObject"/>
       </p:transition>
     </mc:Choice>
-    <mc:Fallback>
+    <mc:Fallback xmlns="">
       <p:transition spd="slow">
         <p:fade/>
       </p:transition>
@@ -22941,13 +22941,13 @@
   <p:clrMapOvr>
     <a:masterClrMapping/>
   </p:clrMapOvr>
-  <mc:AlternateContent xmlns:mc="http://schemas.openxmlformats.org/markup-compatibility/2006">
-    <mc:Choice xmlns:p159="http://schemas.microsoft.com/office/powerpoint/2015/09/main" Requires="p159">
+  <mc:AlternateContent xmlns:mc="http://schemas.openxmlformats.org/markup-compatibility/2006" xmlns:p159="http://schemas.microsoft.com/office/powerpoint/2015/09/main">
+    <mc:Choice Requires="p159">
       <p:transition xmlns:p14="http://schemas.microsoft.com/office/powerpoint/2010/main" spd="slow" p14:dur="1500">
         <p159:morph option="byObject"/>
       </p:transition>
     </mc:Choice>
-    <mc:Fallback>
+    <mc:Fallback xmlns="">
       <p:transition spd="slow">
         <p:fade/>
       </p:transition>
@@ -23949,13 +23949,13 @@
   <p:clrMapOvr>
     <a:masterClrMapping/>
   </p:clrMapOvr>
-  <mc:AlternateContent xmlns:mc="http://schemas.openxmlformats.org/markup-compatibility/2006">
-    <mc:Choice xmlns:p159="http://schemas.microsoft.com/office/powerpoint/2015/09/main" Requires="p159">
+  <mc:AlternateContent xmlns:mc="http://schemas.openxmlformats.org/markup-compatibility/2006" xmlns:p159="http://schemas.microsoft.com/office/powerpoint/2015/09/main">
+    <mc:Choice Requires="p159">
       <p:transition xmlns:p14="http://schemas.microsoft.com/office/powerpoint/2010/main" spd="slow" p14:dur="1500">
         <p159:morph option="byObject"/>
       </p:transition>
     </mc:Choice>
-    <mc:Fallback>
+    <mc:Fallback xmlns="">
       <p:transition spd="slow">
         <p:fade/>
       </p:transition>
@@ -24599,13 +24599,13 @@
   <p:clrMapOvr>
     <a:masterClrMapping/>
   </p:clrMapOvr>
-  <mc:AlternateContent xmlns:mc="http://schemas.openxmlformats.org/markup-compatibility/2006">
-    <mc:Choice xmlns:p159="http://schemas.microsoft.com/office/powerpoint/2015/09/main" Requires="p159">
+  <mc:AlternateContent xmlns:mc="http://schemas.openxmlformats.org/markup-compatibility/2006" xmlns:p159="http://schemas.microsoft.com/office/powerpoint/2015/09/main">
+    <mc:Choice Requires="p159">
       <p:transition xmlns:p14="http://schemas.microsoft.com/office/powerpoint/2010/main" spd="slow" p14:dur="1500">
         <p159:morph option="byObject"/>
       </p:transition>
     </mc:Choice>
-    <mc:Fallback>
+    <mc:Fallback xmlns="">
       <p:transition spd="slow">
         <p:fade/>
       </p:transition>
@@ -24701,14 +24701,14 @@
               </a:spcBef>
             </a:pPr>
             <a:r>
-              <a:rPr lang="en-US" altLang="zh-CN" sz="1400" dirty="0">
+              <a:rPr lang="en-US" altLang="zh-CN" sz="1400">
                 <a:solidFill>
                   <a:srgbClr val="34495E"/>
                 </a:solidFill>
                 <a:cs typeface="+mn-ea"/>
                 <a:sym typeface="+mn-lt"/>
               </a:rPr>
-              <a:t>Ramirez</a:t>
+              <a:t>Ramirez Ni</a:t>
             </a:r>
             <a:endParaRPr sz="1400" dirty="0">
               <a:cs typeface="+mn-ea"/>
@@ -24799,13 +24799,13 @@
   <p:clrMapOvr>
     <a:masterClrMapping/>
   </p:clrMapOvr>
-  <mc:AlternateContent xmlns:mc="http://schemas.openxmlformats.org/markup-compatibility/2006">
-    <mc:Choice xmlns:p159="http://schemas.microsoft.com/office/powerpoint/2015/09/main" Requires="p159">
+  <mc:AlternateContent xmlns:mc="http://schemas.openxmlformats.org/markup-compatibility/2006" xmlns:p159="http://schemas.microsoft.com/office/powerpoint/2015/09/main">
+    <mc:Choice Requires="p159">
       <p:transition xmlns:p14="http://schemas.microsoft.com/office/powerpoint/2010/main" spd="slow" p14:dur="1500">
         <p159:morph option="byObject"/>
       </p:transition>
     </mc:Choice>
-    <mc:Fallback>
+    <mc:Fallback xmlns="">
       <p:transition spd="slow">
         <p:fade/>
       </p:transition>
@@ -25311,13 +25311,13 @@
   <p:clrMapOvr>
     <a:masterClrMapping/>
   </p:clrMapOvr>
-  <mc:AlternateContent xmlns:mc="http://schemas.openxmlformats.org/markup-compatibility/2006">
-    <mc:Choice xmlns:p159="http://schemas.microsoft.com/office/powerpoint/2015/09/main" Requires="p159">
+  <mc:AlternateContent xmlns:mc="http://schemas.openxmlformats.org/markup-compatibility/2006" xmlns:p159="http://schemas.microsoft.com/office/powerpoint/2015/09/main">
+    <mc:Choice Requires="p159">
       <p:transition xmlns:p14="http://schemas.microsoft.com/office/powerpoint/2010/main" spd="slow" p14:dur="1500">
         <p159:morph option="byObject"/>
       </p:transition>
     </mc:Choice>
-    <mc:Fallback>
+    <mc:Fallback xmlns="">
       <p:transition spd="slow">
         <p:fade/>
       </p:transition>
@@ -25955,13 +25955,13 @@
   <p:clrMapOvr>
     <a:masterClrMapping/>
   </p:clrMapOvr>
-  <mc:AlternateContent xmlns:mc="http://schemas.openxmlformats.org/markup-compatibility/2006">
-    <mc:Choice xmlns:p159="http://schemas.microsoft.com/office/powerpoint/2015/09/main" Requires="p159">
+  <mc:AlternateContent xmlns:mc="http://schemas.openxmlformats.org/markup-compatibility/2006" xmlns:p159="http://schemas.microsoft.com/office/powerpoint/2015/09/main">
+    <mc:Choice Requires="p159">
       <p:transition xmlns:p14="http://schemas.microsoft.com/office/powerpoint/2010/main" spd="slow" p14:dur="1500">
         <p159:morph option="byObject"/>
       </p:transition>
     </mc:Choice>
-    <mc:Fallback>
+    <mc:Fallback xmlns="">
       <p:transition spd="slow">
         <p:fade/>
       </p:transition>
@@ -26210,13 +26210,13 @@
   <p:clrMapOvr>
     <a:masterClrMapping/>
   </p:clrMapOvr>
-  <mc:AlternateContent xmlns:mc="http://schemas.openxmlformats.org/markup-compatibility/2006">
-    <mc:Choice xmlns:p159="http://schemas.microsoft.com/office/powerpoint/2015/09/main" Requires="p159">
+  <mc:AlternateContent xmlns:mc="http://schemas.openxmlformats.org/markup-compatibility/2006" xmlns:p159="http://schemas.microsoft.com/office/powerpoint/2015/09/main">
+    <mc:Choice Requires="p159">
       <p:transition xmlns:p14="http://schemas.microsoft.com/office/powerpoint/2010/main" spd="slow" p14:dur="1500">
         <p159:morph option="byObject"/>
       </p:transition>
     </mc:Choice>
-    <mc:Fallback>
+    <mc:Fallback xmlns="">
       <p:transition spd="slow">
         <p:fade/>
       </p:transition>
@@ -27975,13 +27975,13 @@
   <p:clrMapOvr>
     <a:masterClrMapping/>
   </p:clrMapOvr>
-  <mc:AlternateContent xmlns:mc="http://schemas.openxmlformats.org/markup-compatibility/2006">
-    <mc:Choice xmlns:p159="http://schemas.microsoft.com/office/powerpoint/2015/09/main" Requires="p159">
+  <mc:AlternateContent xmlns:mc="http://schemas.openxmlformats.org/markup-compatibility/2006" xmlns:p159="http://schemas.microsoft.com/office/powerpoint/2015/09/main">
+    <mc:Choice Requires="p159">
       <p:transition xmlns:p14="http://schemas.microsoft.com/office/powerpoint/2010/main" spd="slow" p14:dur="1500">
         <p159:morph option="byObject"/>
       </p:transition>
     </mc:Choice>
-    <mc:Fallback>
+    <mc:Fallback xmlns="">
       <p:transition spd="slow">
         <p:fade/>
       </p:transition>
@@ -29186,13 +29186,13 @@
   <p:clrMapOvr>
     <a:masterClrMapping/>
   </p:clrMapOvr>
-  <mc:AlternateContent xmlns:mc="http://schemas.openxmlformats.org/markup-compatibility/2006">
-    <mc:Choice xmlns:p159="http://schemas.microsoft.com/office/powerpoint/2015/09/main" Requires="p159">
+  <mc:AlternateContent xmlns:mc="http://schemas.openxmlformats.org/markup-compatibility/2006" xmlns:p159="http://schemas.microsoft.com/office/powerpoint/2015/09/main">
+    <mc:Choice Requires="p159">
       <p:transition xmlns:p14="http://schemas.microsoft.com/office/powerpoint/2010/main" spd="slow" p14:dur="1500">
         <p159:morph option="byObject"/>
       </p:transition>
     </mc:Choice>
-    <mc:Fallback>
+    <mc:Fallback xmlns="">
       <p:transition spd="slow">
         <p:fade/>
       </p:transition>
@@ -30533,13 +30533,13 @@
   <p:clrMapOvr>
     <a:masterClrMapping/>
   </p:clrMapOvr>
-  <mc:AlternateContent xmlns:mc="http://schemas.openxmlformats.org/markup-compatibility/2006">
-    <mc:Choice xmlns:p159="http://schemas.microsoft.com/office/powerpoint/2015/09/main" Requires="p159">
+  <mc:AlternateContent xmlns:mc="http://schemas.openxmlformats.org/markup-compatibility/2006" xmlns:p159="http://schemas.microsoft.com/office/powerpoint/2015/09/main">
+    <mc:Choice Requires="p159">
       <p:transition xmlns:p14="http://schemas.microsoft.com/office/powerpoint/2010/main" spd="slow" p14:dur="1500">
         <p159:morph option="byObject"/>
       </p:transition>
     </mc:Choice>
-    <mc:Fallback>
+    <mc:Fallback xmlns="">
       <p:transition spd="slow">
         <p:fade/>
       </p:transition>

--- a/Vue 2.pptx
+++ b/Vue 2.pptx
@@ -17869,6 +17869,42 @@
           </a:p>
         </p:txBody>
       </p:sp>
+      <p:pic>
+        <p:nvPicPr>
+          <p:cNvPr id="16" name="图片 15">
+            <a:extLst>
+              <a:ext uri="{FF2B5EF4-FFF2-40B4-BE49-F238E27FC236}">
+                <a16:creationId xmlns:a16="http://schemas.microsoft.com/office/drawing/2014/main" id="{3C68D40F-08E4-4E23-A1FB-5F8DBDC67C51}"/>
+              </a:ext>
+            </a:extLst>
+          </p:cNvPr>
+          <p:cNvPicPr>
+            <a:picLocks noChangeAspect="1"/>
+          </p:cNvPicPr>
+          <p:nvPr/>
+        </p:nvPicPr>
+        <p:blipFill>
+          <a:blip r:embed="rId2">
+            <a:extLst>
+              <a:ext uri="{28A0092B-C50C-407E-A947-70E740481C1C}">
+                <a14:useLocalDpi xmlns:a14="http://schemas.microsoft.com/office/drawing/2010/main" val="0"/>
+              </a:ext>
+            </a:extLst>
+          </a:blip>
+          <a:stretch>
+            <a:fillRect/>
+          </a:stretch>
+        </p:blipFill>
+        <p:spPr>
+          <a:xfrm>
+            <a:off x="0" y="3810000"/>
+            <a:ext cx="2886075" cy="3048000"/>
+          </a:xfrm>
+          <a:prstGeom prst="rect">
+            <a:avLst/>
+          </a:prstGeom>
+        </p:spPr>
+      </p:pic>
     </p:spTree>
     <p:extLst>
       <p:ext uri="{BB962C8B-B14F-4D97-AF65-F5344CB8AC3E}">
@@ -21435,6 +21471,42 @@
           </a:p>
         </p:txBody>
       </p:sp>
+      <p:pic>
+        <p:nvPicPr>
+          <p:cNvPr id="21" name="图片 20">
+            <a:extLst>
+              <a:ext uri="{FF2B5EF4-FFF2-40B4-BE49-F238E27FC236}">
+                <a16:creationId xmlns:a16="http://schemas.microsoft.com/office/drawing/2014/main" id="{73CE8FDA-BF2A-48AB-828A-D6A58992120C}"/>
+              </a:ext>
+            </a:extLst>
+          </p:cNvPr>
+          <p:cNvPicPr>
+            <a:picLocks noChangeAspect="1"/>
+          </p:cNvPicPr>
+          <p:nvPr/>
+        </p:nvPicPr>
+        <p:blipFill>
+          <a:blip r:embed="rId2">
+            <a:extLst>
+              <a:ext uri="{28A0092B-C50C-407E-A947-70E740481C1C}">
+                <a14:useLocalDpi xmlns:a14="http://schemas.microsoft.com/office/drawing/2010/main" val="0"/>
+              </a:ext>
+            </a:extLst>
+          </a:blip>
+          <a:stretch>
+            <a:fillRect/>
+          </a:stretch>
+        </p:blipFill>
+        <p:spPr>
+          <a:xfrm>
+            <a:off x="459796" y="2243085"/>
+            <a:ext cx="2663821" cy="2663821"/>
+          </a:xfrm>
+          <a:prstGeom prst="rect">
+            <a:avLst/>
+          </a:prstGeom>
+        </p:spPr>
+      </p:pic>
     </p:spTree>
     <p:extLst>
       <p:ext uri="{BB962C8B-B14F-4D97-AF65-F5344CB8AC3E}">
@@ -24701,7 +24773,7 @@
               </a:spcBef>
             </a:pPr>
             <a:r>
-              <a:rPr lang="en-US" altLang="zh-CN" sz="1400">
+              <a:rPr lang="en-US" altLang="zh-CN" sz="1400" dirty="0">
                 <a:solidFill>
                   <a:srgbClr val="34495E"/>
                 </a:solidFill>

--- a/Vue 2.pptx
+++ b/Vue 2.pptx
@@ -252,7 +252,7 @@
           <a:p>
             <a:fld id="{D802B44D-2405-42CD-AF10-33B7848DE687}" type="datetimeFigureOut">
               <a:rPr lang="en-US" smtClean="0"/>
-              <a:t>1/8/2019</a:t>
+              <a:t>1/10/2019</a:t>
             </a:fld>
             <a:endParaRPr lang="en-US"/>
           </a:p>
@@ -949,7 +949,7 @@
           <a:p>
             <a:fld id="{3B0830C5-3F22-4DB6-AF09-6A9D24316F71}" type="datetimeFigureOut">
               <a:rPr lang="en-US" smtClean="0"/>
-              <a:t>1/8/2019</a:t>
+              <a:t>1/10/2019</a:t>
             </a:fld>
             <a:endParaRPr lang="en-US"/>
           </a:p>
@@ -1149,7 +1149,7 @@
           <a:p>
             <a:fld id="{3B0830C5-3F22-4DB6-AF09-6A9D24316F71}" type="datetimeFigureOut">
               <a:rPr lang="en-US" smtClean="0"/>
-              <a:t>1/8/2019</a:t>
+              <a:t>1/10/2019</a:t>
             </a:fld>
             <a:endParaRPr lang="en-US"/>
           </a:p>
@@ -1359,7 +1359,7 @@
           <a:p>
             <a:fld id="{3B0830C5-3F22-4DB6-AF09-6A9D24316F71}" type="datetimeFigureOut">
               <a:rPr lang="en-US" smtClean="0"/>
-              <a:t>1/8/2019</a:t>
+              <a:t>1/10/2019</a:t>
             </a:fld>
             <a:endParaRPr lang="en-US"/>
           </a:p>
@@ -1505,7 +1505,7 @@
           <a:p>
             <a:fld id="{1D8BD707-D9CF-40AE-B4C6-C98DA3205C09}" type="datetimeFigureOut">
               <a:rPr lang="en-US"/>
-              <a:t>1/8/2019</a:t>
+              <a:t>1/10/2019</a:t>
             </a:fld>
             <a:endParaRPr lang="en-US"/>
           </a:p>
@@ -1716,7 +1716,7 @@
           <a:p>
             <a:fld id="{1D8BD707-D9CF-40AE-B4C6-C98DA3205C09}" type="datetimeFigureOut">
               <a:rPr lang="en-US"/>
-              <a:t>1/8/2019</a:t>
+              <a:t>1/10/2019</a:t>
             </a:fld>
             <a:endParaRPr lang="en-US"/>
           </a:p>
@@ -1935,7 +1935,7 @@
           <a:p>
             <a:fld id="{1D8BD707-D9CF-40AE-B4C6-C98DA3205C09}" type="datetimeFigureOut">
               <a:rPr lang="en-US"/>
-              <a:t>1/8/2019</a:t>
+              <a:t>1/10/2019</a:t>
             </a:fld>
             <a:endParaRPr lang="en-US"/>
           </a:p>
@@ -2189,7 +2189,7 @@
           <a:p>
             <a:fld id="{1D8BD707-D9CF-40AE-B4C6-C98DA3205C09}" type="datetimeFigureOut">
               <a:rPr lang="en-US"/>
-              <a:t>1/8/2019</a:t>
+              <a:t>1/10/2019</a:t>
             </a:fld>
             <a:endParaRPr lang="en-US"/>
           </a:p>
@@ -2371,7 +2371,7 @@
           <a:p>
             <a:fld id="{1D8BD707-D9CF-40AE-B4C6-C98DA3205C09}" type="datetimeFigureOut">
               <a:rPr lang="en-US"/>
-              <a:t>1/8/2019</a:t>
+              <a:t>1/10/2019</a:t>
             </a:fld>
             <a:endParaRPr lang="en-US"/>
           </a:p>
@@ -2596,7 +2596,7 @@
           <a:p>
             <a:fld id="{1D8BD707-D9CF-40AE-B4C6-C98DA3205C09}" type="datetimeFigureOut">
               <a:rPr lang="en-US"/>
-              <a:t>1/8/2019</a:t>
+              <a:t>1/10/2019</a:t>
             </a:fld>
             <a:endParaRPr lang="en-US"/>
           </a:p>
@@ -2749,7 +2749,7 @@
           <a:p>
             <a:fld id="{1D8BD707-D9CF-40AE-B4C6-C98DA3205C09}" type="datetimeFigureOut">
               <a:rPr lang="en-US"/>
-              <a:t>1/8/2019</a:t>
+              <a:t>1/10/2019</a:t>
             </a:fld>
             <a:endParaRPr lang="en-US"/>
           </a:p>
@@ -2873,7 +2873,7 @@
           <a:p>
             <a:fld id="{1D8BD707-D9CF-40AE-B4C6-C98DA3205C09}" type="datetimeFigureOut">
               <a:rPr lang="en-US"/>
-              <a:t>1/8/2019</a:t>
+              <a:t>1/10/2019</a:t>
             </a:fld>
             <a:endParaRPr lang="en-US"/>
           </a:p>
@@ -3051,7 +3051,7 @@
           <a:p>
             <a:fld id="{3B0830C5-3F22-4DB6-AF09-6A9D24316F71}" type="datetimeFigureOut">
               <a:rPr lang="en-US" smtClean="0"/>
-              <a:t>1/8/2019</a:t>
+              <a:t>1/10/2019</a:t>
             </a:fld>
             <a:endParaRPr lang="en-US"/>
           </a:p>
@@ -3327,7 +3327,7 @@
           <a:p>
             <a:fld id="{3B0830C5-3F22-4DB6-AF09-6A9D24316F71}" type="datetimeFigureOut">
               <a:rPr lang="en-US" smtClean="0"/>
-              <a:t>1/8/2019</a:t>
+              <a:t>1/10/2019</a:t>
             </a:fld>
             <a:endParaRPr lang="en-US"/>
           </a:p>
@@ -3595,7 +3595,7 @@
           <a:p>
             <a:fld id="{3B0830C5-3F22-4DB6-AF09-6A9D24316F71}" type="datetimeFigureOut">
               <a:rPr lang="en-US" smtClean="0"/>
-              <a:t>1/8/2019</a:t>
+              <a:t>1/10/2019</a:t>
             </a:fld>
             <a:endParaRPr lang="en-US"/>
           </a:p>
@@ -4010,7 +4010,7 @@
           <a:p>
             <a:fld id="{3B0830C5-3F22-4DB6-AF09-6A9D24316F71}" type="datetimeFigureOut">
               <a:rPr lang="en-US" smtClean="0"/>
-              <a:t>1/8/2019</a:t>
+              <a:t>1/10/2019</a:t>
             </a:fld>
             <a:endParaRPr lang="en-US"/>
           </a:p>
@@ -4152,7 +4152,7 @@
           <a:p>
             <a:fld id="{3B0830C5-3F22-4DB6-AF09-6A9D24316F71}" type="datetimeFigureOut">
               <a:rPr lang="en-US" smtClean="0"/>
-              <a:t>1/8/2019</a:t>
+              <a:t>1/10/2019</a:t>
             </a:fld>
             <a:endParaRPr lang="en-US"/>
           </a:p>
@@ -4265,7 +4265,7 @@
           <a:p>
             <a:fld id="{3B0830C5-3F22-4DB6-AF09-6A9D24316F71}" type="datetimeFigureOut">
               <a:rPr lang="en-US" smtClean="0"/>
-              <a:t>1/8/2019</a:t>
+              <a:t>1/10/2019</a:t>
             </a:fld>
             <a:endParaRPr lang="en-US"/>
           </a:p>
@@ -4578,7 +4578,7 @@
           <a:p>
             <a:fld id="{3B0830C5-3F22-4DB6-AF09-6A9D24316F71}" type="datetimeFigureOut">
               <a:rPr lang="en-US" smtClean="0"/>
-              <a:t>1/8/2019</a:t>
+              <a:t>1/10/2019</a:t>
             </a:fld>
             <a:endParaRPr lang="en-US"/>
           </a:p>
@@ -4867,7 +4867,7 @@
           <a:p>
             <a:fld id="{3B0830C5-3F22-4DB6-AF09-6A9D24316F71}" type="datetimeFigureOut">
               <a:rPr lang="en-US" smtClean="0"/>
-              <a:t>1/8/2019</a:t>
+              <a:t>1/10/2019</a:t>
             </a:fld>
             <a:endParaRPr lang="en-US"/>
           </a:p>
@@ -5110,7 +5110,7 @@
           <a:p>
             <a:fld id="{3B0830C5-3F22-4DB6-AF09-6A9D24316F71}" type="datetimeFigureOut">
               <a:rPr lang="en-US" smtClean="0"/>
-              <a:t>1/8/2019</a:t>
+              <a:t>1/10/2019</a:t>
             </a:fld>
             <a:endParaRPr lang="en-US"/>
           </a:p>
@@ -5692,7 +5692,7 @@
           <a:p>
             <a:fld id="{1D8BD707-D9CF-40AE-B4C6-C98DA3205C09}" type="datetimeFigureOut">
               <a:rPr lang="en-US"/>
-              <a:t>1/8/2019</a:t>
+              <a:t>1/10/2019</a:t>
             </a:fld>
             <a:endParaRPr lang="en-US"/>
           </a:p>
@@ -7660,13 +7660,13 @@
   <p:clrMapOvr>
     <a:masterClrMapping/>
   </p:clrMapOvr>
-  <mc:AlternateContent xmlns:mc="http://schemas.openxmlformats.org/markup-compatibility/2006">
-    <mc:Choice xmlns:p14="http://schemas.microsoft.com/office/powerpoint/2010/main" Requires="p14">
+  <mc:AlternateContent xmlns:mc="http://schemas.openxmlformats.org/markup-compatibility/2006" xmlns:p14="http://schemas.microsoft.com/office/powerpoint/2010/main">
+    <mc:Choice Requires="p14">
       <p:transition spd="med" p14:dur="700">
         <p:fade/>
       </p:transition>
     </mc:Choice>
-    <mc:Fallback>
+    <mc:Fallback xmlns="">
       <p:transition spd="med">
         <p:fade/>
       </p:transition>
@@ -8390,13 +8390,13 @@
   <p:clrMapOvr>
     <a:masterClrMapping/>
   </p:clrMapOvr>
-  <mc:AlternateContent xmlns:mc="http://schemas.openxmlformats.org/markup-compatibility/2006">
-    <mc:Choice xmlns:p14="http://schemas.microsoft.com/office/powerpoint/2010/main" Requires="p14">
+  <mc:AlternateContent xmlns:mc="http://schemas.openxmlformats.org/markup-compatibility/2006" xmlns:p14="http://schemas.microsoft.com/office/powerpoint/2010/main">
+    <mc:Choice Requires="p14">
       <p:transition spd="med" p14:dur="700">
         <p:fade/>
       </p:transition>
     </mc:Choice>
-    <mc:Fallback>
+    <mc:Fallback xmlns="">
       <p:transition spd="med">
         <p:fade/>
       </p:transition>
@@ -9076,14 +9076,13 @@
             </a:endParaRPr>
           </a:p>
           <a:p>
-            <a:pPr eaLnBrk="1" hangingPunct="1">
+            <a:pPr>
               <a:spcBef>
                 <a:spcPts val="0"/>
               </a:spcBef>
               <a:spcAft>
                 <a:spcPts val="600"/>
               </a:spcAft>
-              <a:buFontTx/>
               <a:buNone/>
             </a:pPr>
             <a:r>
@@ -9094,7 +9093,7 @@
                 <a:cs typeface="+mn-ea"/>
                 <a:sym typeface="+mn-lt"/>
               </a:rPr>
-              <a:t>		</a:t>
+              <a:t>	      </a:t>
             </a:r>
             <a:r>
               <a:rPr lang="zh-CN" altLang="en-US" sz="1300" dirty="0">
@@ -9692,7 +9691,7 @@
                         <p:par>
                           <p:cTn id="8" fill="hold">
                             <p:stCondLst>
-                              <p:cond delay="4400"/>
+                              <p:cond delay="4450"/>
                             </p:stCondLst>
                             <p:childTnLst>
                               <p:par>
@@ -9747,7 +9746,7 @@
                         <p:par>
                           <p:cTn id="12" fill="hold">
                             <p:stCondLst>
-                              <p:cond delay="8500"/>
+                              <p:cond delay="8550"/>
                             </p:stCondLst>
                             <p:childTnLst>
                               <p:par>
@@ -9802,7 +9801,7 @@
                         <p:par>
                           <p:cTn id="16" fill="hold">
                             <p:stCondLst>
-                              <p:cond delay="11300"/>
+                              <p:cond delay="11350"/>
                             </p:stCondLst>
                             <p:childTnLst>
                               <p:par>
@@ -9857,7 +9856,7 @@
                         <p:par>
                           <p:cTn id="20" fill="hold">
                             <p:stCondLst>
-                              <p:cond delay="15050"/>
+                              <p:cond delay="15100"/>
                             </p:stCondLst>
                             <p:childTnLst>
                               <p:par>
@@ -29427,13 +29426,13 @@
   <p:clrMapOvr>
     <a:masterClrMapping/>
   </p:clrMapOvr>
-  <mc:AlternateContent xmlns:mc="http://schemas.openxmlformats.org/markup-compatibility/2006">
-    <mc:Choice xmlns:p14="http://schemas.microsoft.com/office/powerpoint/2010/main" Requires="p14">
+  <mc:AlternateContent xmlns:mc="http://schemas.openxmlformats.org/markup-compatibility/2006" xmlns:p14="http://schemas.microsoft.com/office/powerpoint/2010/main">
+    <mc:Choice Requires="p14">
       <p:transition spd="med" p14:dur="700">
         <p:fade/>
       </p:transition>
     </mc:Choice>
-    <mc:Fallback>
+    <mc:Fallback xmlns="">
       <p:transition spd="med">
         <p:fade/>
       </p:transition>
@@ -33641,13 +33640,13 @@
   <p:clrMapOvr>
     <a:masterClrMapping/>
   </p:clrMapOvr>
-  <mc:AlternateContent xmlns:mc="http://schemas.openxmlformats.org/markup-compatibility/2006">
-    <mc:Choice xmlns:p14="http://schemas.microsoft.com/office/powerpoint/2010/main" Requires="p14">
+  <mc:AlternateContent xmlns:mc="http://schemas.openxmlformats.org/markup-compatibility/2006" xmlns:p14="http://schemas.microsoft.com/office/powerpoint/2010/main">
+    <mc:Choice Requires="p14">
       <p:transition spd="med" p14:dur="700">
         <p:fade/>
       </p:transition>
     </mc:Choice>
-    <mc:Fallback>
+    <mc:Fallback xmlns="">
       <p:transition spd="med">
         <p:fade/>
       </p:transition>
@@ -34883,13 +34882,13 @@
   <p:clrMapOvr>
     <a:masterClrMapping/>
   </p:clrMapOvr>
-  <mc:AlternateContent xmlns:mc="http://schemas.openxmlformats.org/markup-compatibility/2006">
-    <mc:Choice xmlns:p14="http://schemas.microsoft.com/office/powerpoint/2010/main" Requires="p14">
+  <mc:AlternateContent xmlns:mc="http://schemas.openxmlformats.org/markup-compatibility/2006" xmlns:p14="http://schemas.microsoft.com/office/powerpoint/2010/main">
+    <mc:Choice Requires="p14">
       <p:transition spd="med" p14:dur="700">
         <p:fade/>
       </p:transition>
     </mc:Choice>
-    <mc:Fallback>
+    <mc:Fallback xmlns="">
       <p:transition spd="med">
         <p:fade/>
       </p:transition>
@@ -36120,13 +36119,13 @@
   <p:clrMapOvr>
     <a:masterClrMapping/>
   </p:clrMapOvr>
-  <mc:AlternateContent xmlns:mc="http://schemas.openxmlformats.org/markup-compatibility/2006">
-    <mc:Choice xmlns:p14="http://schemas.microsoft.com/office/powerpoint/2010/main" Requires="p14">
+  <mc:AlternateContent xmlns:mc="http://schemas.openxmlformats.org/markup-compatibility/2006" xmlns:p14="http://schemas.microsoft.com/office/powerpoint/2010/main">
+    <mc:Choice Requires="p14">
       <p:transition spd="med" p14:dur="700">
         <p:fade/>
       </p:transition>
     </mc:Choice>
-    <mc:Fallback>
+    <mc:Fallback xmlns="">
       <p:transition spd="med">
         <p:fade/>
       </p:transition>
@@ -37719,13 +37718,13 @@
   <p:clrMapOvr>
     <a:masterClrMapping/>
   </p:clrMapOvr>
-  <mc:AlternateContent xmlns:mc="http://schemas.openxmlformats.org/markup-compatibility/2006">
-    <mc:Choice xmlns:p14="http://schemas.microsoft.com/office/powerpoint/2010/main" Requires="p14">
+  <mc:AlternateContent xmlns:mc="http://schemas.openxmlformats.org/markup-compatibility/2006" xmlns:p14="http://schemas.microsoft.com/office/powerpoint/2010/main">
+    <mc:Choice Requires="p14">
       <p:transition spd="med" p14:dur="700">
         <p:fade/>
       </p:transition>
     </mc:Choice>
-    <mc:Fallback>
+    <mc:Fallback xmlns="">
       <p:transition spd="med">
         <p:fade/>
       </p:transition>
@@ -38398,13 +38397,13 @@
   <p:clrMapOvr>
     <a:masterClrMapping/>
   </p:clrMapOvr>
-  <mc:AlternateContent xmlns:mc="http://schemas.openxmlformats.org/markup-compatibility/2006">
-    <mc:Choice xmlns:p14="http://schemas.microsoft.com/office/powerpoint/2010/main" Requires="p14">
+  <mc:AlternateContent xmlns:mc="http://schemas.openxmlformats.org/markup-compatibility/2006" xmlns:p14="http://schemas.microsoft.com/office/powerpoint/2010/main">
+    <mc:Choice Requires="p14">
       <p:transition spd="med" p14:dur="700">
         <p:fade/>
       </p:transition>
     </mc:Choice>
-    <mc:Fallback>
+    <mc:Fallback xmlns="">
       <p:transition spd="med">
         <p:fade/>
       </p:transition>
@@ -39762,13 +39761,13 @@
   <p:clrMapOvr>
     <a:masterClrMapping/>
   </p:clrMapOvr>
-  <mc:AlternateContent xmlns:mc="http://schemas.openxmlformats.org/markup-compatibility/2006">
-    <mc:Choice xmlns:p14="http://schemas.microsoft.com/office/powerpoint/2010/main" Requires="p14">
+  <mc:AlternateContent xmlns:mc="http://schemas.openxmlformats.org/markup-compatibility/2006" xmlns:p14="http://schemas.microsoft.com/office/powerpoint/2010/main">
+    <mc:Choice Requires="p14">
       <p:transition spd="med" p14:dur="700">
         <p:fade/>
       </p:transition>
     </mc:Choice>
-    <mc:Fallback>
+    <mc:Fallback xmlns="">
       <p:transition spd="med">
         <p:fade/>
       </p:transition>
